--- a/src/NCase.Doc/intern/ReadmeCaroussel.pptx
+++ b/src/NCase.Doc/intern/ReadmeCaroussel.pptx
@@ -104,6 +104,22 @@
       </a:defRPr>
     </a:lvl9pPr>
   </p:defaultTextStyle>
+  <p:extLst>
+    <p:ext uri="{EFAFB233-063F-42B5-8137-9DF3F51BA10A}">
+      <p15:sldGuideLst xmlns:p15="http://schemas.microsoft.com/office/powerpoint/2012/main">
+        <p15:guide id="1" orient="horz" pos="2160">
+          <p15:clr>
+            <a:srgbClr val="A4A3A4"/>
+          </p15:clr>
+        </p15:guide>
+        <p15:guide id="2" pos="3840">
+          <p15:clr>
+            <a:srgbClr val="A4A3A4"/>
+          </p15:clr>
+        </p15:guide>
+      </p15:sldGuideLst>
+    </p:ext>
+  </p:extLst>
 </p:presentation>
 </file>
 
@@ -238,7 +254,7 @@
           <a:p>
             <a:fld id="{AF1194EC-C915-441E-AD9A-616349DBA75B}" type="datetimeFigureOut">
               <a:rPr lang="en-US" smtClean="0"/>
-              <a:t>12/3/2015</a:t>
+              <a:t>1/25/2016</a:t>
             </a:fld>
             <a:endParaRPr lang="en-US"/>
           </a:p>
@@ -280,7 +296,7 @@
           <a:p>
             <a:fld id="{283AF68C-C093-4BDC-8CF7-53FAADAA3F33}" type="slidenum">
               <a:rPr lang="en-US" smtClean="0"/>
-              <a:t>‹Nr.›</a:t>
+              <a:t>‹#›</a:t>
             </a:fld>
             <a:endParaRPr lang="en-US"/>
           </a:p>
@@ -408,7 +424,7 @@
           <a:p>
             <a:fld id="{AF1194EC-C915-441E-AD9A-616349DBA75B}" type="datetimeFigureOut">
               <a:rPr lang="en-US" smtClean="0"/>
-              <a:t>12/3/2015</a:t>
+              <a:t>1/25/2016</a:t>
             </a:fld>
             <a:endParaRPr lang="en-US"/>
           </a:p>
@@ -450,7 +466,7 @@
           <a:p>
             <a:fld id="{283AF68C-C093-4BDC-8CF7-53FAADAA3F33}" type="slidenum">
               <a:rPr lang="en-US" smtClean="0"/>
-              <a:t>‹Nr.›</a:t>
+              <a:t>‹#›</a:t>
             </a:fld>
             <a:endParaRPr lang="en-US"/>
           </a:p>
@@ -588,7 +604,7 @@
           <a:p>
             <a:fld id="{AF1194EC-C915-441E-AD9A-616349DBA75B}" type="datetimeFigureOut">
               <a:rPr lang="en-US" smtClean="0"/>
-              <a:t>12/3/2015</a:t>
+              <a:t>1/25/2016</a:t>
             </a:fld>
             <a:endParaRPr lang="en-US"/>
           </a:p>
@@ -630,7 +646,7 @@
           <a:p>
             <a:fld id="{283AF68C-C093-4BDC-8CF7-53FAADAA3F33}" type="slidenum">
               <a:rPr lang="en-US" smtClean="0"/>
-              <a:t>‹Nr.›</a:t>
+              <a:t>‹#›</a:t>
             </a:fld>
             <a:endParaRPr lang="en-US"/>
           </a:p>
@@ -758,7 +774,7 @@
           <a:p>
             <a:fld id="{AF1194EC-C915-441E-AD9A-616349DBA75B}" type="datetimeFigureOut">
               <a:rPr lang="en-US" smtClean="0"/>
-              <a:t>12/3/2015</a:t>
+              <a:t>1/25/2016</a:t>
             </a:fld>
             <a:endParaRPr lang="en-US"/>
           </a:p>
@@ -800,7 +816,7 @@
           <a:p>
             <a:fld id="{283AF68C-C093-4BDC-8CF7-53FAADAA3F33}" type="slidenum">
               <a:rPr lang="en-US" smtClean="0"/>
-              <a:t>‹Nr.›</a:t>
+              <a:t>‹#›</a:t>
             </a:fld>
             <a:endParaRPr lang="en-US"/>
           </a:p>
@@ -1004,7 +1020,7 @@
           <a:p>
             <a:fld id="{AF1194EC-C915-441E-AD9A-616349DBA75B}" type="datetimeFigureOut">
               <a:rPr lang="en-US" smtClean="0"/>
-              <a:t>12/3/2015</a:t>
+              <a:t>1/25/2016</a:t>
             </a:fld>
             <a:endParaRPr lang="en-US"/>
           </a:p>
@@ -1046,7 +1062,7 @@
           <a:p>
             <a:fld id="{283AF68C-C093-4BDC-8CF7-53FAADAA3F33}" type="slidenum">
               <a:rPr lang="en-US" smtClean="0"/>
-              <a:t>‹Nr.›</a:t>
+              <a:t>‹#›</a:t>
             </a:fld>
             <a:endParaRPr lang="en-US"/>
           </a:p>
@@ -1236,7 +1252,7 @@
           <a:p>
             <a:fld id="{AF1194EC-C915-441E-AD9A-616349DBA75B}" type="datetimeFigureOut">
               <a:rPr lang="en-US" smtClean="0"/>
-              <a:t>12/3/2015</a:t>
+              <a:t>1/25/2016</a:t>
             </a:fld>
             <a:endParaRPr lang="en-US"/>
           </a:p>
@@ -1278,7 +1294,7 @@
           <a:p>
             <a:fld id="{283AF68C-C093-4BDC-8CF7-53FAADAA3F33}" type="slidenum">
               <a:rPr lang="en-US" smtClean="0"/>
-              <a:t>‹Nr.›</a:t>
+              <a:t>‹#›</a:t>
             </a:fld>
             <a:endParaRPr lang="en-US"/>
           </a:p>
@@ -1603,7 +1619,7 @@
           <a:p>
             <a:fld id="{AF1194EC-C915-441E-AD9A-616349DBA75B}" type="datetimeFigureOut">
               <a:rPr lang="en-US" smtClean="0"/>
-              <a:t>12/3/2015</a:t>
+              <a:t>1/25/2016</a:t>
             </a:fld>
             <a:endParaRPr lang="en-US"/>
           </a:p>
@@ -1645,7 +1661,7 @@
           <a:p>
             <a:fld id="{283AF68C-C093-4BDC-8CF7-53FAADAA3F33}" type="slidenum">
               <a:rPr lang="en-US" smtClean="0"/>
-              <a:t>‹Nr.›</a:t>
+              <a:t>‹#›</a:t>
             </a:fld>
             <a:endParaRPr lang="en-US"/>
           </a:p>
@@ -1721,7 +1737,7 @@
           <a:p>
             <a:fld id="{AF1194EC-C915-441E-AD9A-616349DBA75B}" type="datetimeFigureOut">
               <a:rPr lang="en-US" smtClean="0"/>
-              <a:t>12/3/2015</a:t>
+              <a:t>1/25/2016</a:t>
             </a:fld>
             <a:endParaRPr lang="en-US"/>
           </a:p>
@@ -1763,7 +1779,7 @@
           <a:p>
             <a:fld id="{283AF68C-C093-4BDC-8CF7-53FAADAA3F33}" type="slidenum">
               <a:rPr lang="en-US" smtClean="0"/>
-              <a:t>‹Nr.›</a:t>
+              <a:t>‹#›</a:t>
             </a:fld>
             <a:endParaRPr lang="en-US"/>
           </a:p>
@@ -1816,7 +1832,7 @@
           <a:p>
             <a:fld id="{AF1194EC-C915-441E-AD9A-616349DBA75B}" type="datetimeFigureOut">
               <a:rPr lang="en-US" smtClean="0"/>
-              <a:t>12/3/2015</a:t>
+              <a:t>1/25/2016</a:t>
             </a:fld>
             <a:endParaRPr lang="en-US"/>
           </a:p>
@@ -1858,7 +1874,7 @@
           <a:p>
             <a:fld id="{283AF68C-C093-4BDC-8CF7-53FAADAA3F33}" type="slidenum">
               <a:rPr lang="en-US" smtClean="0"/>
-              <a:t>‹Nr.›</a:t>
+              <a:t>‹#›</a:t>
             </a:fld>
             <a:endParaRPr lang="en-US"/>
           </a:p>
@@ -2093,7 +2109,7 @@
           <a:p>
             <a:fld id="{AF1194EC-C915-441E-AD9A-616349DBA75B}" type="datetimeFigureOut">
               <a:rPr lang="en-US" smtClean="0"/>
-              <a:t>12/3/2015</a:t>
+              <a:t>1/25/2016</a:t>
             </a:fld>
             <a:endParaRPr lang="en-US"/>
           </a:p>
@@ -2135,7 +2151,7 @@
           <a:p>
             <a:fld id="{283AF68C-C093-4BDC-8CF7-53FAADAA3F33}" type="slidenum">
               <a:rPr lang="en-US" smtClean="0"/>
-              <a:t>‹Nr.›</a:t>
+              <a:t>‹#›</a:t>
             </a:fld>
             <a:endParaRPr lang="en-US"/>
           </a:p>
@@ -2346,7 +2362,7 @@
           <a:p>
             <a:fld id="{AF1194EC-C915-441E-AD9A-616349DBA75B}" type="datetimeFigureOut">
               <a:rPr lang="en-US" smtClean="0"/>
-              <a:t>12/3/2015</a:t>
+              <a:t>1/25/2016</a:t>
             </a:fld>
             <a:endParaRPr lang="en-US"/>
           </a:p>
@@ -2388,7 +2404,7 @@
           <a:p>
             <a:fld id="{283AF68C-C093-4BDC-8CF7-53FAADAA3F33}" type="slidenum">
               <a:rPr lang="en-US" smtClean="0"/>
-              <a:t>‹Nr.›</a:t>
+              <a:t>‹#›</a:t>
             </a:fld>
             <a:endParaRPr lang="en-US"/>
           </a:p>
@@ -2559,7 +2575,7 @@
           <a:p>
             <a:fld id="{AF1194EC-C915-441E-AD9A-616349DBA75B}" type="datetimeFigureOut">
               <a:rPr lang="en-US" smtClean="0"/>
-              <a:t>12/3/2015</a:t>
+              <a:t>1/25/2016</a:t>
             </a:fld>
             <a:endParaRPr lang="en-US"/>
           </a:p>
@@ -2637,7 +2653,7 @@
           <a:p>
             <a:fld id="{283AF68C-C093-4BDC-8CF7-53FAADAA3F33}" type="slidenum">
               <a:rPr lang="en-US" smtClean="0"/>
-              <a:t>‹Nr.›</a:t>
+              <a:t>‹#›</a:t>
             </a:fld>
             <a:endParaRPr lang="en-US"/>
           </a:p>
@@ -2966,7 +2982,7 @@
       </p:grpSpPr>
       <p:pic>
         <p:nvPicPr>
-          <p:cNvPr id="3" name="Grafik 2"/>
+          <p:cNvPr id="2" name="Picture 1"/>
           <p:cNvPicPr>
             <a:picLocks noChangeAspect="1"/>
           </p:cNvPicPr>
@@ -2980,8 +2996,8 @@
         </p:blipFill>
         <p:spPr>
           <a:xfrm>
-            <a:off x="747163" y="940600"/>
-            <a:ext cx="3565891" cy="2030400"/>
+            <a:off x="245327" y="0"/>
+            <a:ext cx="6266985" cy="5509857"/>
           </a:xfrm>
           <a:prstGeom prst="rect">
             <a:avLst/>
@@ -3263,7 +3279,7 @@
   <a:extraClrSchemeLst/>
   <a:extLst>
     <a:ext uri="{05A4C25C-085E-4340-85A3-A5531E510DB2}">
-      <thm15:themeFamily xmlns="" xmlns:thm15="http://schemas.microsoft.com/office/thememl/2012/main" name="Office Theme" id="{62F939B6-93AF-4DB8-9C6B-D6C7DFDC589F}" vid="{4A3C46E8-61CC-4603-A589-7422A47A8E4A}"/>
+      <thm15:themeFamily xmlns:thm15="http://schemas.microsoft.com/office/thememl/2012/main" name="Office Theme" id="{62F939B6-93AF-4DB8-9C6B-D6C7DFDC589F}" vid="{4A3C46E8-61CC-4603-A589-7422A47A8E4A}"/>
     </a:ext>
   </a:extLst>
 </a:theme>

--- a/src/NCase.Doc/intern/ReadmeCaroussel.pptx
+++ b/src/NCase.Doc/intern/ReadmeCaroussel.pptx
@@ -106,7 +106,7 @@
   </p:defaultTextStyle>
   <p:extLst>
     <p:ext uri="{EFAFB233-063F-42B5-8137-9DF3F51BA10A}">
-      <p15:sldGuideLst xmlns:p15="http://schemas.microsoft.com/office/powerpoint/2012/main">
+      <p15:sldGuideLst xmlns:p15="http://schemas.microsoft.com/office/powerpoint/2012/main" xmlns="">
         <p15:guide id="1" orient="horz" pos="2160">
           <p15:clr>
             <a:srgbClr val="A4A3A4"/>
@@ -254,7 +254,7 @@
           <a:p>
             <a:fld id="{AF1194EC-C915-441E-AD9A-616349DBA75B}" type="datetimeFigureOut">
               <a:rPr lang="en-US" smtClean="0"/>
-              <a:t>1/25/2016</a:t>
+              <a:t>1/26/2016</a:t>
             </a:fld>
             <a:endParaRPr lang="en-US"/>
           </a:p>
@@ -296,7 +296,7 @@
           <a:p>
             <a:fld id="{283AF68C-C093-4BDC-8CF7-53FAADAA3F33}" type="slidenum">
               <a:rPr lang="en-US" smtClean="0"/>
-              <a:t>‹#›</a:t>
+              <a:t>‹Nr.›</a:t>
             </a:fld>
             <a:endParaRPr lang="en-US"/>
           </a:p>
@@ -424,7 +424,7 @@
           <a:p>
             <a:fld id="{AF1194EC-C915-441E-AD9A-616349DBA75B}" type="datetimeFigureOut">
               <a:rPr lang="en-US" smtClean="0"/>
-              <a:t>1/25/2016</a:t>
+              <a:t>1/26/2016</a:t>
             </a:fld>
             <a:endParaRPr lang="en-US"/>
           </a:p>
@@ -466,7 +466,7 @@
           <a:p>
             <a:fld id="{283AF68C-C093-4BDC-8CF7-53FAADAA3F33}" type="slidenum">
               <a:rPr lang="en-US" smtClean="0"/>
-              <a:t>‹#›</a:t>
+              <a:t>‹Nr.›</a:t>
             </a:fld>
             <a:endParaRPr lang="en-US"/>
           </a:p>
@@ -604,7 +604,7 @@
           <a:p>
             <a:fld id="{AF1194EC-C915-441E-AD9A-616349DBA75B}" type="datetimeFigureOut">
               <a:rPr lang="en-US" smtClean="0"/>
-              <a:t>1/25/2016</a:t>
+              <a:t>1/26/2016</a:t>
             </a:fld>
             <a:endParaRPr lang="en-US"/>
           </a:p>
@@ -646,7 +646,7 @@
           <a:p>
             <a:fld id="{283AF68C-C093-4BDC-8CF7-53FAADAA3F33}" type="slidenum">
               <a:rPr lang="en-US" smtClean="0"/>
-              <a:t>‹#›</a:t>
+              <a:t>‹Nr.›</a:t>
             </a:fld>
             <a:endParaRPr lang="en-US"/>
           </a:p>
@@ -774,7 +774,7 @@
           <a:p>
             <a:fld id="{AF1194EC-C915-441E-AD9A-616349DBA75B}" type="datetimeFigureOut">
               <a:rPr lang="en-US" smtClean="0"/>
-              <a:t>1/25/2016</a:t>
+              <a:t>1/26/2016</a:t>
             </a:fld>
             <a:endParaRPr lang="en-US"/>
           </a:p>
@@ -816,7 +816,7 @@
           <a:p>
             <a:fld id="{283AF68C-C093-4BDC-8CF7-53FAADAA3F33}" type="slidenum">
               <a:rPr lang="en-US" smtClean="0"/>
-              <a:t>‹#›</a:t>
+              <a:t>‹Nr.›</a:t>
             </a:fld>
             <a:endParaRPr lang="en-US"/>
           </a:p>
@@ -1020,7 +1020,7 @@
           <a:p>
             <a:fld id="{AF1194EC-C915-441E-AD9A-616349DBA75B}" type="datetimeFigureOut">
               <a:rPr lang="en-US" smtClean="0"/>
-              <a:t>1/25/2016</a:t>
+              <a:t>1/26/2016</a:t>
             </a:fld>
             <a:endParaRPr lang="en-US"/>
           </a:p>
@@ -1062,7 +1062,7 @@
           <a:p>
             <a:fld id="{283AF68C-C093-4BDC-8CF7-53FAADAA3F33}" type="slidenum">
               <a:rPr lang="en-US" smtClean="0"/>
-              <a:t>‹#›</a:t>
+              <a:t>‹Nr.›</a:t>
             </a:fld>
             <a:endParaRPr lang="en-US"/>
           </a:p>
@@ -1252,7 +1252,7 @@
           <a:p>
             <a:fld id="{AF1194EC-C915-441E-AD9A-616349DBA75B}" type="datetimeFigureOut">
               <a:rPr lang="en-US" smtClean="0"/>
-              <a:t>1/25/2016</a:t>
+              <a:t>1/26/2016</a:t>
             </a:fld>
             <a:endParaRPr lang="en-US"/>
           </a:p>
@@ -1294,7 +1294,7 @@
           <a:p>
             <a:fld id="{283AF68C-C093-4BDC-8CF7-53FAADAA3F33}" type="slidenum">
               <a:rPr lang="en-US" smtClean="0"/>
-              <a:t>‹#›</a:t>
+              <a:t>‹Nr.›</a:t>
             </a:fld>
             <a:endParaRPr lang="en-US"/>
           </a:p>
@@ -1619,7 +1619,7 @@
           <a:p>
             <a:fld id="{AF1194EC-C915-441E-AD9A-616349DBA75B}" type="datetimeFigureOut">
               <a:rPr lang="en-US" smtClean="0"/>
-              <a:t>1/25/2016</a:t>
+              <a:t>1/26/2016</a:t>
             </a:fld>
             <a:endParaRPr lang="en-US"/>
           </a:p>
@@ -1661,7 +1661,7 @@
           <a:p>
             <a:fld id="{283AF68C-C093-4BDC-8CF7-53FAADAA3F33}" type="slidenum">
               <a:rPr lang="en-US" smtClean="0"/>
-              <a:t>‹#›</a:t>
+              <a:t>‹Nr.›</a:t>
             </a:fld>
             <a:endParaRPr lang="en-US"/>
           </a:p>
@@ -1737,7 +1737,7 @@
           <a:p>
             <a:fld id="{AF1194EC-C915-441E-AD9A-616349DBA75B}" type="datetimeFigureOut">
               <a:rPr lang="en-US" smtClean="0"/>
-              <a:t>1/25/2016</a:t>
+              <a:t>1/26/2016</a:t>
             </a:fld>
             <a:endParaRPr lang="en-US"/>
           </a:p>
@@ -1779,7 +1779,7 @@
           <a:p>
             <a:fld id="{283AF68C-C093-4BDC-8CF7-53FAADAA3F33}" type="slidenum">
               <a:rPr lang="en-US" smtClean="0"/>
-              <a:t>‹#›</a:t>
+              <a:t>‹Nr.›</a:t>
             </a:fld>
             <a:endParaRPr lang="en-US"/>
           </a:p>
@@ -1832,7 +1832,7 @@
           <a:p>
             <a:fld id="{AF1194EC-C915-441E-AD9A-616349DBA75B}" type="datetimeFigureOut">
               <a:rPr lang="en-US" smtClean="0"/>
-              <a:t>1/25/2016</a:t>
+              <a:t>1/26/2016</a:t>
             </a:fld>
             <a:endParaRPr lang="en-US"/>
           </a:p>
@@ -1874,7 +1874,7 @@
           <a:p>
             <a:fld id="{283AF68C-C093-4BDC-8CF7-53FAADAA3F33}" type="slidenum">
               <a:rPr lang="en-US" smtClean="0"/>
-              <a:t>‹#›</a:t>
+              <a:t>‹Nr.›</a:t>
             </a:fld>
             <a:endParaRPr lang="en-US"/>
           </a:p>
@@ -2109,7 +2109,7 @@
           <a:p>
             <a:fld id="{AF1194EC-C915-441E-AD9A-616349DBA75B}" type="datetimeFigureOut">
               <a:rPr lang="en-US" smtClean="0"/>
-              <a:t>1/25/2016</a:t>
+              <a:t>1/26/2016</a:t>
             </a:fld>
             <a:endParaRPr lang="en-US"/>
           </a:p>
@@ -2151,7 +2151,7 @@
           <a:p>
             <a:fld id="{283AF68C-C093-4BDC-8CF7-53FAADAA3F33}" type="slidenum">
               <a:rPr lang="en-US" smtClean="0"/>
-              <a:t>‹#›</a:t>
+              <a:t>‹Nr.›</a:t>
             </a:fld>
             <a:endParaRPr lang="en-US"/>
           </a:p>
@@ -2362,7 +2362,7 @@
           <a:p>
             <a:fld id="{AF1194EC-C915-441E-AD9A-616349DBA75B}" type="datetimeFigureOut">
               <a:rPr lang="en-US" smtClean="0"/>
-              <a:t>1/25/2016</a:t>
+              <a:t>1/26/2016</a:t>
             </a:fld>
             <a:endParaRPr lang="en-US"/>
           </a:p>
@@ -2404,7 +2404,7 @@
           <a:p>
             <a:fld id="{283AF68C-C093-4BDC-8CF7-53FAADAA3F33}" type="slidenum">
               <a:rPr lang="en-US" smtClean="0"/>
-              <a:t>‹#›</a:t>
+              <a:t>‹Nr.›</a:t>
             </a:fld>
             <a:endParaRPr lang="en-US"/>
           </a:p>
@@ -2575,7 +2575,7 @@
           <a:p>
             <a:fld id="{AF1194EC-C915-441E-AD9A-616349DBA75B}" type="datetimeFigureOut">
               <a:rPr lang="en-US" smtClean="0"/>
-              <a:t>1/25/2016</a:t>
+              <a:t>1/26/2016</a:t>
             </a:fld>
             <a:endParaRPr lang="en-US"/>
           </a:p>
@@ -2653,7 +2653,7 @@
           <a:p>
             <a:fld id="{283AF68C-C093-4BDC-8CF7-53FAADAA3F33}" type="slidenum">
               <a:rPr lang="en-US" smtClean="0"/>
-              <a:t>‹#›</a:t>
+              <a:t>‹Nr.›</a:t>
             </a:fld>
             <a:endParaRPr lang="en-US"/>
           </a:p>
@@ -2988,20 +2988,26 @@
           </p:cNvPicPr>
           <p:nvPr/>
         </p:nvPicPr>
-        <p:blipFill>
+        <p:blipFill rotWithShape="1">
           <a:blip r:link="rId2"/>
-          <a:stretch>
-            <a:fillRect/>
-          </a:stretch>
+          <a:srcRect b="9170"/>
+          <a:stretch/>
         </p:blipFill>
         <p:spPr>
           <a:xfrm>
-            <a:off x="245327" y="0"/>
-            <a:ext cx="6266985" cy="5509857"/>
+            <a:off x="333816" y="894736"/>
+            <a:ext cx="6266985" cy="5004620"/>
           </a:xfrm>
           <a:prstGeom prst="rect">
             <a:avLst/>
           </a:prstGeom>
+          <a:ln w="6350">
+            <a:solidFill>
+              <a:schemeClr val="accent1">
+                <a:lumMod val="50000"/>
+              </a:schemeClr>
+            </a:solidFill>
+          </a:ln>
         </p:spPr>
       </p:pic>
     </p:spTree>
@@ -3279,7 +3285,7 @@
   <a:extraClrSchemeLst/>
   <a:extLst>
     <a:ext uri="{05A4C25C-085E-4340-85A3-A5531E510DB2}">
-      <thm15:themeFamily xmlns:thm15="http://schemas.microsoft.com/office/thememl/2012/main" name="Office Theme" id="{62F939B6-93AF-4DB8-9C6B-D6C7DFDC589F}" vid="{4A3C46E8-61CC-4603-A589-7422A47A8E4A}"/>
+      <thm15:themeFamily xmlns:thm15="http://schemas.microsoft.com/office/thememl/2012/main" xmlns="" name="Office Theme" id="{62F939B6-93AF-4DB8-9C6B-D6C7DFDC589F}" vid="{4A3C46E8-61CC-4603-A589-7422A47A8E4A}"/>
     </a:ext>
   </a:extLst>
 </a:theme>

--- a/src/NCase.Doc/intern/ReadmeCaroussel.pptx
+++ b/src/NCase.Doc/intern/ReadmeCaroussel.pptx
@@ -6,15 +6,20 @@
   </p:sldMasterIdLst>
   <p:sldIdLst>
     <p:sldId id="256" r:id="rId2"/>
+    <p:sldId id="258" r:id="rId3"/>
+    <p:sldId id="260" r:id="rId4"/>
+    <p:sldId id="261" r:id="rId5"/>
+    <p:sldId id="257" r:id="rId6"/>
+    <p:sldId id="259" r:id="rId7"/>
   </p:sldIdLst>
-  <p:sldSz cx="12192000" cy="6858000"/>
+  <p:sldSz cx="9144000" cy="5143500" type="screen16x9"/>
   <p:notesSz cx="6858000" cy="9144000"/>
   <p:defaultTextStyle>
     <a:defPPr>
       <a:defRPr lang="de-DE"/>
     </a:defPPr>
-    <a:lvl1pPr marL="0" algn="l" defTabSz="914400" rtl="0" eaLnBrk="1" latinLnBrk="0" hangingPunct="1">
-      <a:defRPr sz="1800" kern="1200">
+    <a:lvl1pPr marL="0" algn="l" defTabSz="685800" rtl="0" eaLnBrk="1" latinLnBrk="0" hangingPunct="1">
+      <a:defRPr sz="1400" kern="1200">
         <a:solidFill>
           <a:schemeClr val="tx1"/>
         </a:solidFill>
@@ -23,8 +28,8 @@
         <a:cs typeface="+mn-cs"/>
       </a:defRPr>
     </a:lvl1pPr>
-    <a:lvl2pPr marL="457200" algn="l" defTabSz="914400" rtl="0" eaLnBrk="1" latinLnBrk="0" hangingPunct="1">
-      <a:defRPr sz="1800" kern="1200">
+    <a:lvl2pPr marL="342900" algn="l" defTabSz="685800" rtl="0" eaLnBrk="1" latinLnBrk="0" hangingPunct="1">
+      <a:defRPr sz="1400" kern="1200">
         <a:solidFill>
           <a:schemeClr val="tx1"/>
         </a:solidFill>
@@ -33,8 +38,8 @@
         <a:cs typeface="+mn-cs"/>
       </a:defRPr>
     </a:lvl2pPr>
-    <a:lvl3pPr marL="914400" algn="l" defTabSz="914400" rtl="0" eaLnBrk="1" latinLnBrk="0" hangingPunct="1">
-      <a:defRPr sz="1800" kern="1200">
+    <a:lvl3pPr marL="685800" algn="l" defTabSz="685800" rtl="0" eaLnBrk="1" latinLnBrk="0" hangingPunct="1">
+      <a:defRPr sz="1400" kern="1200">
         <a:solidFill>
           <a:schemeClr val="tx1"/>
         </a:solidFill>
@@ -43,8 +48,8 @@
         <a:cs typeface="+mn-cs"/>
       </a:defRPr>
     </a:lvl3pPr>
-    <a:lvl4pPr marL="1371600" algn="l" defTabSz="914400" rtl="0" eaLnBrk="1" latinLnBrk="0" hangingPunct="1">
-      <a:defRPr sz="1800" kern="1200">
+    <a:lvl4pPr marL="1028700" algn="l" defTabSz="685800" rtl="0" eaLnBrk="1" latinLnBrk="0" hangingPunct="1">
+      <a:defRPr sz="1400" kern="1200">
         <a:solidFill>
           <a:schemeClr val="tx1"/>
         </a:solidFill>
@@ -53,8 +58,8 @@
         <a:cs typeface="+mn-cs"/>
       </a:defRPr>
     </a:lvl4pPr>
-    <a:lvl5pPr marL="1828800" algn="l" defTabSz="914400" rtl="0" eaLnBrk="1" latinLnBrk="0" hangingPunct="1">
-      <a:defRPr sz="1800" kern="1200">
+    <a:lvl5pPr marL="1371600" algn="l" defTabSz="685800" rtl="0" eaLnBrk="1" latinLnBrk="0" hangingPunct="1">
+      <a:defRPr sz="1400" kern="1200">
         <a:solidFill>
           <a:schemeClr val="tx1"/>
         </a:solidFill>
@@ -63,8 +68,8 @@
         <a:cs typeface="+mn-cs"/>
       </a:defRPr>
     </a:lvl5pPr>
-    <a:lvl6pPr marL="2286000" algn="l" defTabSz="914400" rtl="0" eaLnBrk="1" latinLnBrk="0" hangingPunct="1">
-      <a:defRPr sz="1800" kern="1200">
+    <a:lvl6pPr marL="1714500" algn="l" defTabSz="685800" rtl="0" eaLnBrk="1" latinLnBrk="0" hangingPunct="1">
+      <a:defRPr sz="1400" kern="1200">
         <a:solidFill>
           <a:schemeClr val="tx1"/>
         </a:solidFill>
@@ -73,8 +78,8 @@
         <a:cs typeface="+mn-cs"/>
       </a:defRPr>
     </a:lvl6pPr>
-    <a:lvl7pPr marL="2743200" algn="l" defTabSz="914400" rtl="0" eaLnBrk="1" latinLnBrk="0" hangingPunct="1">
-      <a:defRPr sz="1800" kern="1200">
+    <a:lvl7pPr marL="2057400" algn="l" defTabSz="685800" rtl="0" eaLnBrk="1" latinLnBrk="0" hangingPunct="1">
+      <a:defRPr sz="1400" kern="1200">
         <a:solidFill>
           <a:schemeClr val="tx1"/>
         </a:solidFill>
@@ -83,8 +88,8 @@
         <a:cs typeface="+mn-cs"/>
       </a:defRPr>
     </a:lvl7pPr>
-    <a:lvl8pPr marL="3200400" algn="l" defTabSz="914400" rtl="0" eaLnBrk="1" latinLnBrk="0" hangingPunct="1">
-      <a:defRPr sz="1800" kern="1200">
+    <a:lvl8pPr marL="2400300" algn="l" defTabSz="685800" rtl="0" eaLnBrk="1" latinLnBrk="0" hangingPunct="1">
+      <a:defRPr sz="1400" kern="1200">
         <a:solidFill>
           <a:schemeClr val="tx1"/>
         </a:solidFill>
@@ -93,8 +98,8 @@
         <a:cs typeface="+mn-cs"/>
       </a:defRPr>
     </a:lvl8pPr>
-    <a:lvl9pPr marL="3657600" algn="l" defTabSz="914400" rtl="0" eaLnBrk="1" latinLnBrk="0" hangingPunct="1">
-      <a:defRPr sz="1800" kern="1200">
+    <a:lvl9pPr marL="2743200" algn="l" defTabSz="685800" rtl="0" eaLnBrk="1" latinLnBrk="0" hangingPunct="1">
+      <a:defRPr sz="1400" kern="1200">
         <a:solidFill>
           <a:schemeClr val="tx1"/>
         </a:solidFill>
@@ -106,7 +111,7 @@
   </p:defaultTextStyle>
   <p:extLst>
     <p:ext uri="{EFAFB233-063F-42B5-8137-9DF3F51BA10A}">
-      <p15:sldGuideLst xmlns:p15="http://schemas.microsoft.com/office/powerpoint/2012/main" xmlns="">
+      <p15:sldGuideLst xmlns="" xmlns:p15="http://schemas.microsoft.com/office/powerpoint/2012/main">
         <p15:guide id="1" orient="horz" pos="2160">
           <p15:clr>
             <a:srgbClr val="A4A3A4"/>
@@ -152,15 +157,15 @@
         </p:nvSpPr>
         <p:spPr>
           <a:xfrm>
-            <a:off x="1524000" y="1122363"/>
-            <a:ext cx="9144000" cy="2387600"/>
+            <a:off x="1143000" y="841772"/>
+            <a:ext cx="6858000" cy="1790700"/>
           </a:xfrm>
         </p:spPr>
         <p:txBody>
           <a:bodyPr anchor="b"/>
           <a:lstStyle>
             <a:lvl1pPr algn="ctr">
-              <a:defRPr sz="6000"/>
+              <a:defRPr sz="4500"/>
             </a:lvl1pPr>
           </a:lstStyle>
           <a:p>
@@ -184,8 +189,8 @@
         </p:nvSpPr>
         <p:spPr>
           <a:xfrm>
-            <a:off x="1524000" y="3602038"/>
-            <a:ext cx="9144000" cy="1655762"/>
+            <a:off x="1143000" y="2701528"/>
+            <a:ext cx="6858000" cy="1241822"/>
           </a:xfrm>
         </p:spPr>
         <p:txBody>
@@ -193,39 +198,39 @@
           <a:lstStyle>
             <a:lvl1pPr marL="0" indent="0" algn="ctr">
               <a:buNone/>
-              <a:defRPr sz="2400"/>
+              <a:defRPr sz="1800"/>
             </a:lvl1pPr>
-            <a:lvl2pPr marL="457200" indent="0" algn="ctr">
-              <a:buNone/>
-              <a:defRPr sz="2000"/>
+            <a:lvl2pPr marL="342900" indent="0" algn="ctr">
+              <a:buNone/>
+              <a:defRPr sz="1500"/>
             </a:lvl2pPr>
-            <a:lvl3pPr marL="914400" indent="0" algn="ctr">
-              <a:buNone/>
-              <a:defRPr sz="1800"/>
+            <a:lvl3pPr marL="685800" indent="0" algn="ctr">
+              <a:buNone/>
+              <a:defRPr sz="1400"/>
             </a:lvl3pPr>
-            <a:lvl4pPr marL="1371600" indent="0" algn="ctr">
-              <a:buNone/>
-              <a:defRPr sz="1600"/>
+            <a:lvl4pPr marL="1028700" indent="0" algn="ctr">
+              <a:buNone/>
+              <a:defRPr sz="1200"/>
             </a:lvl4pPr>
-            <a:lvl5pPr marL="1828800" indent="0" algn="ctr">
-              <a:buNone/>
-              <a:defRPr sz="1600"/>
+            <a:lvl5pPr marL="1371600" indent="0" algn="ctr">
+              <a:buNone/>
+              <a:defRPr sz="1200"/>
             </a:lvl5pPr>
-            <a:lvl6pPr marL="2286000" indent="0" algn="ctr">
-              <a:buNone/>
-              <a:defRPr sz="1600"/>
+            <a:lvl6pPr marL="1714500" indent="0" algn="ctr">
+              <a:buNone/>
+              <a:defRPr sz="1200"/>
             </a:lvl6pPr>
-            <a:lvl7pPr marL="2743200" indent="0" algn="ctr">
-              <a:buNone/>
-              <a:defRPr sz="1600"/>
+            <a:lvl7pPr marL="2057400" indent="0" algn="ctr">
+              <a:buNone/>
+              <a:defRPr sz="1200"/>
             </a:lvl7pPr>
-            <a:lvl8pPr marL="3200400" indent="0" algn="ctr">
-              <a:buNone/>
-              <a:defRPr sz="1600"/>
+            <a:lvl8pPr marL="2400300" indent="0" algn="ctr">
+              <a:buNone/>
+              <a:defRPr sz="1200"/>
             </a:lvl8pPr>
-            <a:lvl9pPr marL="3657600" indent="0" algn="ctr">
-              <a:buNone/>
-              <a:defRPr sz="1600"/>
+            <a:lvl9pPr marL="2743200" indent="0" algn="ctr">
+              <a:buNone/>
+              <a:defRPr sz="1200"/>
             </a:lvl9pPr>
           </a:lstStyle>
           <a:p>
@@ -514,8 +519,8 @@
         </p:nvSpPr>
         <p:spPr>
           <a:xfrm>
-            <a:off x="8724900" y="365125"/>
-            <a:ext cx="2628900" cy="5811838"/>
+            <a:off x="6543675" y="273844"/>
+            <a:ext cx="1971675" cy="4358879"/>
           </a:xfrm>
         </p:spPr>
         <p:txBody>
@@ -542,8 +547,8 @@
         </p:nvSpPr>
         <p:spPr>
           <a:xfrm>
-            <a:off x="838200" y="365125"/>
-            <a:ext cx="7734300" cy="5811838"/>
+            <a:off x="628650" y="273844"/>
+            <a:ext cx="5800725" cy="4358879"/>
           </a:xfrm>
         </p:spPr>
         <p:txBody>
@@ -864,15 +869,15 @@
         </p:nvSpPr>
         <p:spPr>
           <a:xfrm>
-            <a:off x="831850" y="1709738"/>
-            <a:ext cx="10515600" cy="2852737"/>
+            <a:off x="623888" y="1282304"/>
+            <a:ext cx="7886700" cy="2139553"/>
           </a:xfrm>
         </p:spPr>
         <p:txBody>
           <a:bodyPr anchor="b"/>
           <a:lstStyle>
             <a:lvl1pPr>
-              <a:defRPr sz="6000"/>
+              <a:defRPr sz="4500"/>
             </a:lvl1pPr>
           </a:lstStyle>
           <a:p>
@@ -896,8 +901,8 @@
         </p:nvSpPr>
         <p:spPr>
           <a:xfrm>
-            <a:off x="831850" y="4589463"/>
-            <a:ext cx="10515600" cy="1500187"/>
+            <a:off x="623888" y="3442098"/>
+            <a:ext cx="7886700" cy="1125140"/>
           </a:xfrm>
         </p:spPr>
         <p:txBody>
@@ -905,7 +910,7 @@
           <a:lstStyle>
             <a:lvl1pPr marL="0" indent="0">
               <a:buNone/>
-              <a:defRPr sz="2400">
+              <a:defRPr sz="1800">
                 <a:solidFill>
                   <a:schemeClr val="tx1">
                     <a:tint val="75000"/>
@@ -913,9 +918,9 @@
                 </a:solidFill>
               </a:defRPr>
             </a:lvl1pPr>
-            <a:lvl2pPr marL="457200" indent="0">
-              <a:buNone/>
-              <a:defRPr sz="2000">
+            <a:lvl2pPr marL="342900" indent="0">
+              <a:buNone/>
+              <a:defRPr sz="1500">
                 <a:solidFill>
                   <a:schemeClr val="tx1">
                     <a:tint val="75000"/>
@@ -923,9 +928,9 @@
                 </a:solidFill>
               </a:defRPr>
             </a:lvl2pPr>
-            <a:lvl3pPr marL="914400" indent="0">
-              <a:buNone/>
-              <a:defRPr sz="1800">
+            <a:lvl3pPr marL="685800" indent="0">
+              <a:buNone/>
+              <a:defRPr sz="1400">
                 <a:solidFill>
                   <a:schemeClr val="tx1">
                     <a:tint val="75000"/>
@@ -933,9 +938,9 @@
                 </a:solidFill>
               </a:defRPr>
             </a:lvl3pPr>
-            <a:lvl4pPr marL="1371600" indent="0">
-              <a:buNone/>
-              <a:defRPr sz="1600">
+            <a:lvl4pPr marL="1028700" indent="0">
+              <a:buNone/>
+              <a:defRPr sz="1200">
                 <a:solidFill>
                   <a:schemeClr val="tx1">
                     <a:tint val="75000"/>
@@ -943,9 +948,9 @@
                 </a:solidFill>
               </a:defRPr>
             </a:lvl4pPr>
-            <a:lvl5pPr marL="1828800" indent="0">
-              <a:buNone/>
-              <a:defRPr sz="1600">
+            <a:lvl5pPr marL="1371600" indent="0">
+              <a:buNone/>
+              <a:defRPr sz="1200">
                 <a:solidFill>
                   <a:schemeClr val="tx1">
                     <a:tint val="75000"/>
@@ -953,9 +958,9 @@
                 </a:solidFill>
               </a:defRPr>
             </a:lvl5pPr>
-            <a:lvl6pPr marL="2286000" indent="0">
-              <a:buNone/>
-              <a:defRPr sz="1600">
+            <a:lvl6pPr marL="1714500" indent="0">
+              <a:buNone/>
+              <a:defRPr sz="1200">
                 <a:solidFill>
                   <a:schemeClr val="tx1">
                     <a:tint val="75000"/>
@@ -963,9 +968,9 @@
                 </a:solidFill>
               </a:defRPr>
             </a:lvl6pPr>
-            <a:lvl7pPr marL="2743200" indent="0">
-              <a:buNone/>
-              <a:defRPr sz="1600">
+            <a:lvl7pPr marL="2057400" indent="0">
+              <a:buNone/>
+              <a:defRPr sz="1200">
                 <a:solidFill>
                   <a:schemeClr val="tx1">
                     <a:tint val="75000"/>
@@ -973,9 +978,9 @@
                 </a:solidFill>
               </a:defRPr>
             </a:lvl7pPr>
-            <a:lvl8pPr marL="3200400" indent="0">
-              <a:buNone/>
-              <a:defRPr sz="1600">
+            <a:lvl8pPr marL="2400300" indent="0">
+              <a:buNone/>
+              <a:defRPr sz="1200">
                 <a:solidFill>
                   <a:schemeClr val="tx1">
                     <a:tint val="75000"/>
@@ -983,9 +988,9 @@
                 </a:solidFill>
               </a:defRPr>
             </a:lvl8pPr>
-            <a:lvl9pPr marL="3657600" indent="0">
-              <a:buNone/>
-              <a:defRPr sz="1600">
+            <a:lvl9pPr marL="2743200" indent="0">
+              <a:buNone/>
+              <a:defRPr sz="1200">
                 <a:solidFill>
                   <a:schemeClr val="tx1">
                     <a:tint val="75000"/>
@@ -1133,8 +1138,8 @@
         </p:nvSpPr>
         <p:spPr>
           <a:xfrm>
-            <a:off x="838200" y="1825625"/>
-            <a:ext cx="5181600" cy="4351338"/>
+            <a:off x="628650" y="1369219"/>
+            <a:ext cx="3886200" cy="3263504"/>
           </a:xfrm>
         </p:spPr>
         <p:txBody>
@@ -1190,8 +1195,8 @@
         </p:nvSpPr>
         <p:spPr>
           <a:xfrm>
-            <a:off x="6172200" y="1825625"/>
-            <a:ext cx="5181600" cy="4351338"/>
+            <a:off x="4629150" y="1369219"/>
+            <a:ext cx="3886200" cy="3263504"/>
           </a:xfrm>
         </p:spPr>
         <p:txBody>
@@ -1342,8 +1347,8 @@
         </p:nvSpPr>
         <p:spPr>
           <a:xfrm>
-            <a:off x="839788" y="365125"/>
-            <a:ext cx="10515600" cy="1325563"/>
+            <a:off x="629841" y="273844"/>
+            <a:ext cx="7886700" cy="994172"/>
           </a:xfrm>
         </p:spPr>
         <p:txBody>
@@ -1370,8 +1375,8 @@
         </p:nvSpPr>
         <p:spPr>
           <a:xfrm>
-            <a:off x="839788" y="1681163"/>
-            <a:ext cx="5157787" cy="823912"/>
+            <a:off x="629842" y="1260872"/>
+            <a:ext cx="3868340" cy="617934"/>
           </a:xfrm>
         </p:spPr>
         <p:txBody>
@@ -1379,39 +1384,39 @@
           <a:lstStyle>
             <a:lvl1pPr marL="0" indent="0">
               <a:buNone/>
-              <a:defRPr sz="2400" b="1"/>
+              <a:defRPr sz="1800" b="1"/>
             </a:lvl1pPr>
-            <a:lvl2pPr marL="457200" indent="0">
-              <a:buNone/>
-              <a:defRPr sz="2000" b="1"/>
+            <a:lvl2pPr marL="342900" indent="0">
+              <a:buNone/>
+              <a:defRPr sz="1500" b="1"/>
             </a:lvl2pPr>
-            <a:lvl3pPr marL="914400" indent="0">
-              <a:buNone/>
-              <a:defRPr sz="1800" b="1"/>
+            <a:lvl3pPr marL="685800" indent="0">
+              <a:buNone/>
+              <a:defRPr sz="1400" b="1"/>
             </a:lvl3pPr>
-            <a:lvl4pPr marL="1371600" indent="0">
-              <a:buNone/>
-              <a:defRPr sz="1600" b="1"/>
+            <a:lvl4pPr marL="1028700" indent="0">
+              <a:buNone/>
+              <a:defRPr sz="1200" b="1"/>
             </a:lvl4pPr>
-            <a:lvl5pPr marL="1828800" indent="0">
-              <a:buNone/>
-              <a:defRPr sz="1600" b="1"/>
+            <a:lvl5pPr marL="1371600" indent="0">
+              <a:buNone/>
+              <a:defRPr sz="1200" b="1"/>
             </a:lvl5pPr>
-            <a:lvl6pPr marL="2286000" indent="0">
-              <a:buNone/>
-              <a:defRPr sz="1600" b="1"/>
+            <a:lvl6pPr marL="1714500" indent="0">
+              <a:buNone/>
+              <a:defRPr sz="1200" b="1"/>
             </a:lvl6pPr>
-            <a:lvl7pPr marL="2743200" indent="0">
-              <a:buNone/>
-              <a:defRPr sz="1600" b="1"/>
+            <a:lvl7pPr marL="2057400" indent="0">
+              <a:buNone/>
+              <a:defRPr sz="1200" b="1"/>
             </a:lvl7pPr>
-            <a:lvl8pPr marL="3200400" indent="0">
-              <a:buNone/>
-              <a:defRPr sz="1600" b="1"/>
+            <a:lvl8pPr marL="2400300" indent="0">
+              <a:buNone/>
+              <a:defRPr sz="1200" b="1"/>
             </a:lvl8pPr>
-            <a:lvl9pPr marL="3657600" indent="0">
-              <a:buNone/>
-              <a:defRPr sz="1600" b="1"/>
+            <a:lvl9pPr marL="2743200" indent="0">
+              <a:buNone/>
+              <a:defRPr sz="1200" b="1"/>
             </a:lvl9pPr>
           </a:lstStyle>
           <a:p>
@@ -1435,8 +1440,8 @@
         </p:nvSpPr>
         <p:spPr>
           <a:xfrm>
-            <a:off x="839788" y="2505075"/>
-            <a:ext cx="5157787" cy="3684588"/>
+            <a:off x="629842" y="1878806"/>
+            <a:ext cx="3868340" cy="2763441"/>
           </a:xfrm>
         </p:spPr>
         <p:txBody>
@@ -1492,8 +1497,8 @@
         </p:nvSpPr>
         <p:spPr>
           <a:xfrm>
-            <a:off x="6172200" y="1681163"/>
-            <a:ext cx="5183188" cy="823912"/>
+            <a:off x="4629150" y="1260872"/>
+            <a:ext cx="3887391" cy="617934"/>
           </a:xfrm>
         </p:spPr>
         <p:txBody>
@@ -1501,39 +1506,39 @@
           <a:lstStyle>
             <a:lvl1pPr marL="0" indent="0">
               <a:buNone/>
-              <a:defRPr sz="2400" b="1"/>
+              <a:defRPr sz="1800" b="1"/>
             </a:lvl1pPr>
-            <a:lvl2pPr marL="457200" indent="0">
-              <a:buNone/>
-              <a:defRPr sz="2000" b="1"/>
+            <a:lvl2pPr marL="342900" indent="0">
+              <a:buNone/>
+              <a:defRPr sz="1500" b="1"/>
             </a:lvl2pPr>
-            <a:lvl3pPr marL="914400" indent="0">
-              <a:buNone/>
-              <a:defRPr sz="1800" b="1"/>
+            <a:lvl3pPr marL="685800" indent="0">
+              <a:buNone/>
+              <a:defRPr sz="1400" b="1"/>
             </a:lvl3pPr>
-            <a:lvl4pPr marL="1371600" indent="0">
-              <a:buNone/>
-              <a:defRPr sz="1600" b="1"/>
+            <a:lvl4pPr marL="1028700" indent="0">
+              <a:buNone/>
+              <a:defRPr sz="1200" b="1"/>
             </a:lvl4pPr>
-            <a:lvl5pPr marL="1828800" indent="0">
-              <a:buNone/>
-              <a:defRPr sz="1600" b="1"/>
+            <a:lvl5pPr marL="1371600" indent="0">
+              <a:buNone/>
+              <a:defRPr sz="1200" b="1"/>
             </a:lvl5pPr>
-            <a:lvl6pPr marL="2286000" indent="0">
-              <a:buNone/>
-              <a:defRPr sz="1600" b="1"/>
+            <a:lvl6pPr marL="1714500" indent="0">
+              <a:buNone/>
+              <a:defRPr sz="1200" b="1"/>
             </a:lvl6pPr>
-            <a:lvl7pPr marL="2743200" indent="0">
-              <a:buNone/>
-              <a:defRPr sz="1600" b="1"/>
+            <a:lvl7pPr marL="2057400" indent="0">
+              <a:buNone/>
+              <a:defRPr sz="1200" b="1"/>
             </a:lvl7pPr>
-            <a:lvl8pPr marL="3200400" indent="0">
-              <a:buNone/>
-              <a:defRPr sz="1600" b="1"/>
+            <a:lvl8pPr marL="2400300" indent="0">
+              <a:buNone/>
+              <a:defRPr sz="1200" b="1"/>
             </a:lvl8pPr>
-            <a:lvl9pPr marL="3657600" indent="0">
-              <a:buNone/>
-              <a:defRPr sz="1600" b="1"/>
+            <a:lvl9pPr marL="2743200" indent="0">
+              <a:buNone/>
+              <a:defRPr sz="1200" b="1"/>
             </a:lvl9pPr>
           </a:lstStyle>
           <a:p>
@@ -1557,8 +1562,8 @@
         </p:nvSpPr>
         <p:spPr>
           <a:xfrm>
-            <a:off x="6172200" y="2505075"/>
-            <a:ext cx="5183188" cy="3684588"/>
+            <a:off x="4629150" y="1878806"/>
+            <a:ext cx="3887391" cy="2763441"/>
           </a:xfrm>
         </p:spPr>
         <p:txBody>
@@ -1922,15 +1927,15 @@
         </p:nvSpPr>
         <p:spPr>
           <a:xfrm>
-            <a:off x="839788" y="457200"/>
-            <a:ext cx="3932237" cy="1600200"/>
+            <a:off x="629841" y="342900"/>
+            <a:ext cx="2949178" cy="1200150"/>
           </a:xfrm>
         </p:spPr>
         <p:txBody>
           <a:bodyPr anchor="b"/>
           <a:lstStyle>
             <a:lvl1pPr>
-              <a:defRPr sz="3200"/>
+              <a:defRPr sz="2400"/>
             </a:lvl1pPr>
           </a:lstStyle>
           <a:p>
@@ -1954,39 +1959,39 @@
         </p:nvSpPr>
         <p:spPr>
           <a:xfrm>
-            <a:off x="5183188" y="987425"/>
-            <a:ext cx="6172200" cy="4873625"/>
+            <a:off x="3887391" y="740569"/>
+            <a:ext cx="4629150" cy="3655219"/>
           </a:xfrm>
         </p:spPr>
         <p:txBody>
           <a:bodyPr/>
           <a:lstStyle>
             <a:lvl1pPr>
-              <a:defRPr sz="3200"/>
+              <a:defRPr sz="2400"/>
             </a:lvl1pPr>
             <a:lvl2pPr>
-              <a:defRPr sz="2800"/>
+              <a:defRPr sz="2100"/>
             </a:lvl2pPr>
             <a:lvl3pPr>
-              <a:defRPr sz="2400"/>
+              <a:defRPr sz="1800"/>
             </a:lvl3pPr>
             <a:lvl4pPr>
-              <a:defRPr sz="2000"/>
+              <a:defRPr sz="1500"/>
             </a:lvl4pPr>
             <a:lvl5pPr>
-              <a:defRPr sz="2000"/>
+              <a:defRPr sz="1500"/>
             </a:lvl5pPr>
             <a:lvl6pPr>
-              <a:defRPr sz="2000"/>
+              <a:defRPr sz="1500"/>
             </a:lvl6pPr>
             <a:lvl7pPr>
-              <a:defRPr sz="2000"/>
+              <a:defRPr sz="1500"/>
             </a:lvl7pPr>
             <a:lvl8pPr>
-              <a:defRPr sz="2000"/>
+              <a:defRPr sz="1500"/>
             </a:lvl8pPr>
             <a:lvl9pPr>
-              <a:defRPr sz="2000"/>
+              <a:defRPr sz="1500"/>
             </a:lvl9pPr>
           </a:lstStyle>
           <a:p>
@@ -2039,8 +2044,8 @@
         </p:nvSpPr>
         <p:spPr>
           <a:xfrm>
-            <a:off x="839788" y="2057400"/>
-            <a:ext cx="3932237" cy="3811588"/>
+            <a:off x="629841" y="1543050"/>
+            <a:ext cx="2949178" cy="2858691"/>
           </a:xfrm>
         </p:spPr>
         <p:txBody>
@@ -2048,39 +2053,39 @@
           <a:lstStyle>
             <a:lvl1pPr marL="0" indent="0">
               <a:buNone/>
-              <a:defRPr sz="1600"/>
+              <a:defRPr sz="1200"/>
             </a:lvl1pPr>
-            <a:lvl2pPr marL="457200" indent="0">
-              <a:buNone/>
-              <a:defRPr sz="1400"/>
+            <a:lvl2pPr marL="342900" indent="0">
+              <a:buNone/>
+              <a:defRPr sz="1100"/>
             </a:lvl2pPr>
-            <a:lvl3pPr marL="914400" indent="0">
-              <a:buNone/>
-              <a:defRPr sz="1200"/>
+            <a:lvl3pPr marL="685800" indent="0">
+              <a:buNone/>
+              <a:defRPr sz="900"/>
             </a:lvl3pPr>
-            <a:lvl4pPr marL="1371600" indent="0">
-              <a:buNone/>
-              <a:defRPr sz="1000"/>
+            <a:lvl4pPr marL="1028700" indent="0">
+              <a:buNone/>
+              <a:defRPr sz="800"/>
             </a:lvl4pPr>
-            <a:lvl5pPr marL="1828800" indent="0">
-              <a:buNone/>
-              <a:defRPr sz="1000"/>
+            <a:lvl5pPr marL="1371600" indent="0">
+              <a:buNone/>
+              <a:defRPr sz="800"/>
             </a:lvl5pPr>
-            <a:lvl6pPr marL="2286000" indent="0">
-              <a:buNone/>
-              <a:defRPr sz="1000"/>
+            <a:lvl6pPr marL="1714500" indent="0">
+              <a:buNone/>
+              <a:defRPr sz="800"/>
             </a:lvl6pPr>
-            <a:lvl7pPr marL="2743200" indent="0">
-              <a:buNone/>
-              <a:defRPr sz="1000"/>
+            <a:lvl7pPr marL="2057400" indent="0">
+              <a:buNone/>
+              <a:defRPr sz="800"/>
             </a:lvl7pPr>
-            <a:lvl8pPr marL="3200400" indent="0">
-              <a:buNone/>
-              <a:defRPr sz="1000"/>
+            <a:lvl8pPr marL="2400300" indent="0">
+              <a:buNone/>
+              <a:defRPr sz="800"/>
             </a:lvl8pPr>
-            <a:lvl9pPr marL="3657600" indent="0">
-              <a:buNone/>
-              <a:defRPr sz="1000"/>
+            <a:lvl9pPr marL="2743200" indent="0">
+              <a:buNone/>
+              <a:defRPr sz="800"/>
             </a:lvl9pPr>
           </a:lstStyle>
           <a:p>
@@ -2199,15 +2204,15 @@
         </p:nvSpPr>
         <p:spPr>
           <a:xfrm>
-            <a:off x="839788" y="457200"/>
-            <a:ext cx="3932237" cy="1600200"/>
+            <a:off x="629841" y="342900"/>
+            <a:ext cx="2949178" cy="1200150"/>
           </a:xfrm>
         </p:spPr>
         <p:txBody>
           <a:bodyPr anchor="b"/>
           <a:lstStyle>
             <a:lvl1pPr>
-              <a:defRPr sz="3200"/>
+              <a:defRPr sz="2400"/>
             </a:lvl1pPr>
           </a:lstStyle>
           <a:p>
@@ -2231,8 +2236,8 @@
         </p:nvSpPr>
         <p:spPr>
           <a:xfrm>
-            <a:off x="5183188" y="987425"/>
-            <a:ext cx="6172200" cy="4873625"/>
+            <a:off x="3887391" y="740569"/>
+            <a:ext cx="4629150" cy="3655219"/>
           </a:xfrm>
         </p:spPr>
         <p:txBody>
@@ -2240,39 +2245,39 @@
           <a:lstStyle>
             <a:lvl1pPr marL="0" indent="0">
               <a:buNone/>
-              <a:defRPr sz="3200"/>
+              <a:defRPr sz="2400"/>
             </a:lvl1pPr>
-            <a:lvl2pPr marL="457200" indent="0">
-              <a:buNone/>
-              <a:defRPr sz="2800"/>
+            <a:lvl2pPr marL="342900" indent="0">
+              <a:buNone/>
+              <a:defRPr sz="2100"/>
             </a:lvl2pPr>
-            <a:lvl3pPr marL="914400" indent="0">
-              <a:buNone/>
-              <a:defRPr sz="2400"/>
+            <a:lvl3pPr marL="685800" indent="0">
+              <a:buNone/>
+              <a:defRPr sz="1800"/>
             </a:lvl3pPr>
-            <a:lvl4pPr marL="1371600" indent="0">
-              <a:buNone/>
-              <a:defRPr sz="2000"/>
+            <a:lvl4pPr marL="1028700" indent="0">
+              <a:buNone/>
+              <a:defRPr sz="1500"/>
             </a:lvl4pPr>
-            <a:lvl5pPr marL="1828800" indent="0">
-              <a:buNone/>
-              <a:defRPr sz="2000"/>
+            <a:lvl5pPr marL="1371600" indent="0">
+              <a:buNone/>
+              <a:defRPr sz="1500"/>
             </a:lvl5pPr>
-            <a:lvl6pPr marL="2286000" indent="0">
-              <a:buNone/>
-              <a:defRPr sz="2000"/>
+            <a:lvl6pPr marL="1714500" indent="0">
+              <a:buNone/>
+              <a:defRPr sz="1500"/>
             </a:lvl6pPr>
-            <a:lvl7pPr marL="2743200" indent="0">
-              <a:buNone/>
-              <a:defRPr sz="2000"/>
+            <a:lvl7pPr marL="2057400" indent="0">
+              <a:buNone/>
+              <a:defRPr sz="1500"/>
             </a:lvl7pPr>
-            <a:lvl8pPr marL="3200400" indent="0">
-              <a:buNone/>
-              <a:defRPr sz="2000"/>
+            <a:lvl8pPr marL="2400300" indent="0">
+              <a:buNone/>
+              <a:defRPr sz="1500"/>
             </a:lvl8pPr>
-            <a:lvl9pPr marL="3657600" indent="0">
-              <a:buNone/>
-              <a:defRPr sz="2000"/>
+            <a:lvl9pPr marL="2743200" indent="0">
+              <a:buNone/>
+              <a:defRPr sz="1500"/>
             </a:lvl9pPr>
           </a:lstStyle>
           <a:p>
@@ -2292,8 +2297,8 @@
         </p:nvSpPr>
         <p:spPr>
           <a:xfrm>
-            <a:off x="839788" y="2057400"/>
-            <a:ext cx="3932237" cy="3811588"/>
+            <a:off x="629841" y="1543050"/>
+            <a:ext cx="2949178" cy="2858691"/>
           </a:xfrm>
         </p:spPr>
         <p:txBody>
@@ -2301,39 +2306,39 @@
           <a:lstStyle>
             <a:lvl1pPr marL="0" indent="0">
               <a:buNone/>
-              <a:defRPr sz="1600"/>
+              <a:defRPr sz="1200"/>
             </a:lvl1pPr>
-            <a:lvl2pPr marL="457200" indent="0">
-              <a:buNone/>
-              <a:defRPr sz="1400"/>
+            <a:lvl2pPr marL="342900" indent="0">
+              <a:buNone/>
+              <a:defRPr sz="1100"/>
             </a:lvl2pPr>
-            <a:lvl3pPr marL="914400" indent="0">
-              <a:buNone/>
-              <a:defRPr sz="1200"/>
+            <a:lvl3pPr marL="685800" indent="0">
+              <a:buNone/>
+              <a:defRPr sz="900"/>
             </a:lvl3pPr>
-            <a:lvl4pPr marL="1371600" indent="0">
-              <a:buNone/>
-              <a:defRPr sz="1000"/>
+            <a:lvl4pPr marL="1028700" indent="0">
+              <a:buNone/>
+              <a:defRPr sz="800"/>
             </a:lvl4pPr>
-            <a:lvl5pPr marL="1828800" indent="0">
-              <a:buNone/>
-              <a:defRPr sz="1000"/>
+            <a:lvl5pPr marL="1371600" indent="0">
+              <a:buNone/>
+              <a:defRPr sz="800"/>
             </a:lvl5pPr>
-            <a:lvl6pPr marL="2286000" indent="0">
-              <a:buNone/>
-              <a:defRPr sz="1000"/>
+            <a:lvl6pPr marL="1714500" indent="0">
+              <a:buNone/>
+              <a:defRPr sz="800"/>
             </a:lvl6pPr>
-            <a:lvl7pPr marL="2743200" indent="0">
-              <a:buNone/>
-              <a:defRPr sz="1000"/>
+            <a:lvl7pPr marL="2057400" indent="0">
+              <a:buNone/>
+              <a:defRPr sz="800"/>
             </a:lvl7pPr>
-            <a:lvl8pPr marL="3200400" indent="0">
-              <a:buNone/>
-              <a:defRPr sz="1000"/>
+            <a:lvl8pPr marL="2400300" indent="0">
+              <a:buNone/>
+              <a:defRPr sz="800"/>
             </a:lvl8pPr>
-            <a:lvl9pPr marL="3657600" indent="0">
-              <a:buNone/>
-              <a:defRPr sz="1000"/>
+            <a:lvl9pPr marL="2743200" indent="0">
+              <a:buNone/>
+              <a:defRPr sz="800"/>
             </a:lvl9pPr>
           </a:lstStyle>
           <a:p>
@@ -2427,9 +2432,15 @@
 <p:sldMaster xmlns:a="http://schemas.openxmlformats.org/drawingml/2006/main" xmlns:r="http://schemas.openxmlformats.org/officeDocument/2006/relationships" xmlns:p="http://schemas.openxmlformats.org/presentationml/2006/main">
   <p:cSld>
     <p:bg>
-      <p:bgRef idx="1001">
-        <a:schemeClr val="bg1"/>
-      </p:bgRef>
+      <p:bgPr>
+        <a:solidFill>
+          <a:schemeClr val="accent1">
+            <a:lumMod val="20000"/>
+            <a:lumOff val="80000"/>
+          </a:schemeClr>
+        </a:solidFill>
+        <a:effectLst/>
+      </p:bgPr>
     </p:bg>
     <p:spTree>
       <p:nvGrpSpPr>
@@ -2457,15 +2468,15 @@
         </p:nvSpPr>
         <p:spPr>
           <a:xfrm>
-            <a:off x="838200" y="365125"/>
-            <a:ext cx="10515600" cy="1325563"/>
+            <a:off x="628650" y="273844"/>
+            <a:ext cx="7886700" cy="994172"/>
           </a:xfrm>
           <a:prstGeom prst="rect">
             <a:avLst/>
           </a:prstGeom>
         </p:spPr>
         <p:txBody>
-          <a:bodyPr vert="horz" lIns="91440" tIns="45720" rIns="91440" bIns="45720" rtlCol="0" anchor="ctr">
+          <a:bodyPr vert="horz" lIns="68580" tIns="34290" rIns="68580" bIns="34290" rtlCol="0" anchor="ctr">
             <a:normAutofit/>
           </a:bodyPr>
           <a:lstStyle/>
@@ -2490,15 +2501,15 @@
         </p:nvSpPr>
         <p:spPr>
           <a:xfrm>
-            <a:off x="838200" y="1825625"/>
-            <a:ext cx="10515600" cy="4351338"/>
+            <a:off x="628650" y="1369219"/>
+            <a:ext cx="7886700" cy="3263504"/>
           </a:xfrm>
           <a:prstGeom prst="rect">
             <a:avLst/>
           </a:prstGeom>
         </p:spPr>
         <p:txBody>
-          <a:bodyPr vert="horz" lIns="91440" tIns="45720" rIns="91440" bIns="45720" rtlCol="0">
+          <a:bodyPr vert="horz" lIns="68580" tIns="34290" rIns="68580" bIns="34290" rtlCol="0">
             <a:normAutofit/>
           </a:bodyPr>
           <a:lstStyle/>
@@ -2552,18 +2563,18 @@
         </p:nvSpPr>
         <p:spPr>
           <a:xfrm>
-            <a:off x="838200" y="6356350"/>
-            <a:ext cx="2743200" cy="365125"/>
+            <a:off x="628650" y="4767263"/>
+            <a:ext cx="2057400" cy="273844"/>
           </a:xfrm>
           <a:prstGeom prst="rect">
             <a:avLst/>
           </a:prstGeom>
         </p:spPr>
         <p:txBody>
-          <a:bodyPr vert="horz" lIns="91440" tIns="45720" rIns="91440" bIns="45720" rtlCol="0" anchor="ctr"/>
+          <a:bodyPr vert="horz" lIns="68580" tIns="34290" rIns="68580" bIns="34290" rtlCol="0" anchor="ctr"/>
           <a:lstStyle>
             <a:lvl1pPr algn="l">
-              <a:defRPr sz="1200">
+              <a:defRPr sz="900">
                 <a:solidFill>
                   <a:schemeClr val="tx1">
                     <a:tint val="75000"/>
@@ -2593,18 +2604,18 @@
         </p:nvSpPr>
         <p:spPr>
           <a:xfrm>
-            <a:off x="4038600" y="6356350"/>
-            <a:ext cx="4114800" cy="365125"/>
+            <a:off x="3028950" y="4767263"/>
+            <a:ext cx="3086100" cy="273844"/>
           </a:xfrm>
           <a:prstGeom prst="rect">
             <a:avLst/>
           </a:prstGeom>
         </p:spPr>
         <p:txBody>
-          <a:bodyPr vert="horz" lIns="91440" tIns="45720" rIns="91440" bIns="45720" rtlCol="0" anchor="ctr"/>
+          <a:bodyPr vert="horz" lIns="68580" tIns="34290" rIns="68580" bIns="34290" rtlCol="0" anchor="ctr"/>
           <a:lstStyle>
             <a:lvl1pPr algn="ctr">
-              <a:defRPr sz="1200">
+              <a:defRPr sz="900">
                 <a:solidFill>
                   <a:schemeClr val="tx1">
                     <a:tint val="75000"/>
@@ -2630,18 +2641,18 @@
         </p:nvSpPr>
         <p:spPr>
           <a:xfrm>
-            <a:off x="8610600" y="6356350"/>
-            <a:ext cx="2743200" cy="365125"/>
+            <a:off x="6457950" y="4767263"/>
+            <a:ext cx="2057400" cy="273844"/>
           </a:xfrm>
           <a:prstGeom prst="rect">
             <a:avLst/>
           </a:prstGeom>
         </p:spPr>
         <p:txBody>
-          <a:bodyPr vert="horz" lIns="91440" tIns="45720" rIns="91440" bIns="45720" rtlCol="0" anchor="ctr"/>
+          <a:bodyPr vert="horz" lIns="68580" tIns="34290" rIns="68580" bIns="34290" rtlCol="0" anchor="ctr"/>
           <a:lstStyle>
             <a:lvl1pPr algn="r">
-              <a:defRPr sz="1200">
+              <a:defRPr sz="900">
                 <a:solidFill>
                   <a:schemeClr val="tx1">
                     <a:tint val="75000"/>
@@ -2682,7 +2693,7 @@
   </p:sldLayoutIdLst>
   <p:txStyles>
     <p:titleStyle>
-      <a:lvl1pPr algn="l" defTabSz="914400" rtl="0" eaLnBrk="1" latinLnBrk="0" hangingPunct="1">
+      <a:lvl1pPr algn="l" defTabSz="685800" rtl="0" eaLnBrk="1" latinLnBrk="0" hangingPunct="1">
         <a:lnSpc>
           <a:spcPct val="90000"/>
         </a:lnSpc>
@@ -2690,7 +2701,7 @@
           <a:spcPct val="0"/>
         </a:spcBef>
         <a:buNone/>
-        <a:defRPr sz="4400" kern="1200">
+        <a:defRPr sz="3300" kern="1200">
           <a:solidFill>
             <a:schemeClr val="tx1"/>
           </a:solidFill>
@@ -2701,16 +2712,16 @@
       </a:lvl1pPr>
     </p:titleStyle>
     <p:bodyStyle>
-      <a:lvl1pPr marL="228600" indent="-228600" algn="l" defTabSz="914400" rtl="0" eaLnBrk="1" latinLnBrk="0" hangingPunct="1">
+      <a:lvl1pPr marL="171450" indent="-171450" algn="l" defTabSz="685800" rtl="0" eaLnBrk="1" latinLnBrk="0" hangingPunct="1">
         <a:lnSpc>
           <a:spcPct val="90000"/>
         </a:lnSpc>
         <a:spcBef>
-          <a:spcPts val="1000"/>
+          <a:spcPts val="750"/>
         </a:spcBef>
         <a:buFont typeface="Arial" panose="020B0604020202020204" pitchFamily="34" charset="0"/>
         <a:buChar char="•"/>
-        <a:defRPr sz="2800" kern="1200">
+        <a:defRPr sz="2100" kern="1200">
           <a:solidFill>
             <a:schemeClr val="tx1"/>
           </a:solidFill>
@@ -2719,48 +2730,12 @@
           <a:cs typeface="+mn-cs"/>
         </a:defRPr>
       </a:lvl1pPr>
-      <a:lvl2pPr marL="685800" indent="-228600" algn="l" defTabSz="914400" rtl="0" eaLnBrk="1" latinLnBrk="0" hangingPunct="1">
+      <a:lvl2pPr marL="514350" indent="-171450" algn="l" defTabSz="685800" rtl="0" eaLnBrk="1" latinLnBrk="0" hangingPunct="1">
         <a:lnSpc>
           <a:spcPct val="90000"/>
         </a:lnSpc>
         <a:spcBef>
-          <a:spcPts val="500"/>
-        </a:spcBef>
-        <a:buFont typeface="Arial" panose="020B0604020202020204" pitchFamily="34" charset="0"/>
-        <a:buChar char="•"/>
-        <a:defRPr sz="2400" kern="1200">
-          <a:solidFill>
-            <a:schemeClr val="tx1"/>
-          </a:solidFill>
-          <a:latin typeface="+mn-lt"/>
-          <a:ea typeface="+mn-ea"/>
-          <a:cs typeface="+mn-cs"/>
-        </a:defRPr>
-      </a:lvl2pPr>
-      <a:lvl3pPr marL="1143000" indent="-228600" algn="l" defTabSz="914400" rtl="0" eaLnBrk="1" latinLnBrk="0" hangingPunct="1">
-        <a:lnSpc>
-          <a:spcPct val="90000"/>
-        </a:lnSpc>
-        <a:spcBef>
-          <a:spcPts val="500"/>
-        </a:spcBef>
-        <a:buFont typeface="Arial" panose="020B0604020202020204" pitchFamily="34" charset="0"/>
-        <a:buChar char="•"/>
-        <a:defRPr sz="2000" kern="1200">
-          <a:solidFill>
-            <a:schemeClr val="tx1"/>
-          </a:solidFill>
-          <a:latin typeface="+mn-lt"/>
-          <a:ea typeface="+mn-ea"/>
-          <a:cs typeface="+mn-cs"/>
-        </a:defRPr>
-      </a:lvl3pPr>
-      <a:lvl4pPr marL="1600200" indent="-228600" algn="l" defTabSz="914400" rtl="0" eaLnBrk="1" latinLnBrk="0" hangingPunct="1">
-        <a:lnSpc>
-          <a:spcPct val="90000"/>
-        </a:lnSpc>
-        <a:spcBef>
-          <a:spcPts val="500"/>
+          <a:spcPts val="375"/>
         </a:spcBef>
         <a:buFont typeface="Arial" panose="020B0604020202020204" pitchFamily="34" charset="0"/>
         <a:buChar char="•"/>
@@ -2772,17 +2747,53 @@
           <a:ea typeface="+mn-ea"/>
           <a:cs typeface="+mn-cs"/>
         </a:defRPr>
-      </a:lvl4pPr>
-      <a:lvl5pPr marL="2057400" indent="-228600" algn="l" defTabSz="914400" rtl="0" eaLnBrk="1" latinLnBrk="0" hangingPunct="1">
+      </a:lvl2pPr>
+      <a:lvl3pPr marL="857250" indent="-171450" algn="l" defTabSz="685800" rtl="0" eaLnBrk="1" latinLnBrk="0" hangingPunct="1">
         <a:lnSpc>
           <a:spcPct val="90000"/>
         </a:lnSpc>
         <a:spcBef>
-          <a:spcPts val="500"/>
+          <a:spcPts val="375"/>
         </a:spcBef>
         <a:buFont typeface="Arial" panose="020B0604020202020204" pitchFamily="34" charset="0"/>
         <a:buChar char="•"/>
-        <a:defRPr sz="1800" kern="1200">
+        <a:defRPr sz="1500" kern="1200">
+          <a:solidFill>
+            <a:schemeClr val="tx1"/>
+          </a:solidFill>
+          <a:latin typeface="+mn-lt"/>
+          <a:ea typeface="+mn-ea"/>
+          <a:cs typeface="+mn-cs"/>
+        </a:defRPr>
+      </a:lvl3pPr>
+      <a:lvl4pPr marL="1200150" indent="-171450" algn="l" defTabSz="685800" rtl="0" eaLnBrk="1" latinLnBrk="0" hangingPunct="1">
+        <a:lnSpc>
+          <a:spcPct val="90000"/>
+        </a:lnSpc>
+        <a:spcBef>
+          <a:spcPts val="375"/>
+        </a:spcBef>
+        <a:buFont typeface="Arial" panose="020B0604020202020204" pitchFamily="34" charset="0"/>
+        <a:buChar char="•"/>
+        <a:defRPr sz="1400" kern="1200">
+          <a:solidFill>
+            <a:schemeClr val="tx1"/>
+          </a:solidFill>
+          <a:latin typeface="+mn-lt"/>
+          <a:ea typeface="+mn-ea"/>
+          <a:cs typeface="+mn-cs"/>
+        </a:defRPr>
+      </a:lvl4pPr>
+      <a:lvl5pPr marL="1543050" indent="-171450" algn="l" defTabSz="685800" rtl="0" eaLnBrk="1" latinLnBrk="0" hangingPunct="1">
+        <a:lnSpc>
+          <a:spcPct val="90000"/>
+        </a:lnSpc>
+        <a:spcBef>
+          <a:spcPts val="375"/>
+        </a:spcBef>
+        <a:buFont typeface="Arial" panose="020B0604020202020204" pitchFamily="34" charset="0"/>
+        <a:buChar char="•"/>
+        <a:defRPr sz="1400" kern="1200">
           <a:solidFill>
             <a:schemeClr val="tx1"/>
           </a:solidFill>
@@ -2791,16 +2802,16 @@
           <a:cs typeface="+mn-cs"/>
         </a:defRPr>
       </a:lvl5pPr>
-      <a:lvl6pPr marL="2514600" indent="-228600" algn="l" defTabSz="914400" rtl="0" eaLnBrk="1" latinLnBrk="0" hangingPunct="1">
+      <a:lvl6pPr marL="1885950" indent="-171450" algn="l" defTabSz="685800" rtl="0" eaLnBrk="1" latinLnBrk="0" hangingPunct="1">
         <a:lnSpc>
           <a:spcPct val="90000"/>
         </a:lnSpc>
         <a:spcBef>
-          <a:spcPts val="500"/>
+          <a:spcPts val="375"/>
         </a:spcBef>
         <a:buFont typeface="Arial" panose="020B0604020202020204" pitchFamily="34" charset="0"/>
         <a:buChar char="•"/>
-        <a:defRPr sz="1800" kern="1200">
+        <a:defRPr sz="1400" kern="1200">
           <a:solidFill>
             <a:schemeClr val="tx1"/>
           </a:solidFill>
@@ -2809,16 +2820,16 @@
           <a:cs typeface="+mn-cs"/>
         </a:defRPr>
       </a:lvl6pPr>
-      <a:lvl7pPr marL="2971800" indent="-228600" algn="l" defTabSz="914400" rtl="0" eaLnBrk="1" latinLnBrk="0" hangingPunct="1">
+      <a:lvl7pPr marL="2228850" indent="-171450" algn="l" defTabSz="685800" rtl="0" eaLnBrk="1" latinLnBrk="0" hangingPunct="1">
         <a:lnSpc>
           <a:spcPct val="90000"/>
         </a:lnSpc>
         <a:spcBef>
-          <a:spcPts val="500"/>
+          <a:spcPts val="375"/>
         </a:spcBef>
         <a:buFont typeface="Arial" panose="020B0604020202020204" pitchFamily="34" charset="0"/>
         <a:buChar char="•"/>
-        <a:defRPr sz="1800" kern="1200">
+        <a:defRPr sz="1400" kern="1200">
           <a:solidFill>
             <a:schemeClr val="tx1"/>
           </a:solidFill>
@@ -2827,16 +2838,16 @@
           <a:cs typeface="+mn-cs"/>
         </a:defRPr>
       </a:lvl7pPr>
-      <a:lvl8pPr marL="3429000" indent="-228600" algn="l" defTabSz="914400" rtl="0" eaLnBrk="1" latinLnBrk="0" hangingPunct="1">
+      <a:lvl8pPr marL="2571750" indent="-171450" algn="l" defTabSz="685800" rtl="0" eaLnBrk="1" latinLnBrk="0" hangingPunct="1">
         <a:lnSpc>
           <a:spcPct val="90000"/>
         </a:lnSpc>
         <a:spcBef>
-          <a:spcPts val="500"/>
+          <a:spcPts val="375"/>
         </a:spcBef>
         <a:buFont typeface="Arial" panose="020B0604020202020204" pitchFamily="34" charset="0"/>
         <a:buChar char="•"/>
-        <a:defRPr sz="1800" kern="1200">
+        <a:defRPr sz="1400" kern="1200">
           <a:solidFill>
             <a:schemeClr val="tx1"/>
           </a:solidFill>
@@ -2845,16 +2856,16 @@
           <a:cs typeface="+mn-cs"/>
         </a:defRPr>
       </a:lvl8pPr>
-      <a:lvl9pPr marL="3886200" indent="-228600" algn="l" defTabSz="914400" rtl="0" eaLnBrk="1" latinLnBrk="0" hangingPunct="1">
+      <a:lvl9pPr marL="2914650" indent="-171450" algn="l" defTabSz="685800" rtl="0" eaLnBrk="1" latinLnBrk="0" hangingPunct="1">
         <a:lnSpc>
           <a:spcPct val="90000"/>
         </a:lnSpc>
         <a:spcBef>
-          <a:spcPts val="500"/>
+          <a:spcPts val="375"/>
         </a:spcBef>
         <a:buFont typeface="Arial" panose="020B0604020202020204" pitchFamily="34" charset="0"/>
         <a:buChar char="•"/>
-        <a:defRPr sz="1800" kern="1200">
+        <a:defRPr sz="1400" kern="1200">
           <a:solidFill>
             <a:schemeClr val="tx1"/>
           </a:solidFill>
@@ -2868,8 +2879,8 @@
       <a:defPPr>
         <a:defRPr lang="de-DE"/>
       </a:defPPr>
-      <a:lvl1pPr marL="0" algn="l" defTabSz="914400" rtl="0" eaLnBrk="1" latinLnBrk="0" hangingPunct="1">
-        <a:defRPr sz="1800" kern="1200">
+      <a:lvl1pPr marL="0" algn="l" defTabSz="685800" rtl="0" eaLnBrk="1" latinLnBrk="0" hangingPunct="1">
+        <a:defRPr sz="1400" kern="1200">
           <a:solidFill>
             <a:schemeClr val="tx1"/>
           </a:solidFill>
@@ -2878,8 +2889,8 @@
           <a:cs typeface="+mn-cs"/>
         </a:defRPr>
       </a:lvl1pPr>
-      <a:lvl2pPr marL="457200" algn="l" defTabSz="914400" rtl="0" eaLnBrk="1" latinLnBrk="0" hangingPunct="1">
-        <a:defRPr sz="1800" kern="1200">
+      <a:lvl2pPr marL="342900" algn="l" defTabSz="685800" rtl="0" eaLnBrk="1" latinLnBrk="0" hangingPunct="1">
+        <a:defRPr sz="1400" kern="1200">
           <a:solidFill>
             <a:schemeClr val="tx1"/>
           </a:solidFill>
@@ -2888,8 +2899,8 @@
           <a:cs typeface="+mn-cs"/>
         </a:defRPr>
       </a:lvl2pPr>
-      <a:lvl3pPr marL="914400" algn="l" defTabSz="914400" rtl="0" eaLnBrk="1" latinLnBrk="0" hangingPunct="1">
-        <a:defRPr sz="1800" kern="1200">
+      <a:lvl3pPr marL="685800" algn="l" defTabSz="685800" rtl="0" eaLnBrk="1" latinLnBrk="0" hangingPunct="1">
+        <a:defRPr sz="1400" kern="1200">
           <a:solidFill>
             <a:schemeClr val="tx1"/>
           </a:solidFill>
@@ -2898,8 +2909,8 @@
           <a:cs typeface="+mn-cs"/>
         </a:defRPr>
       </a:lvl3pPr>
-      <a:lvl4pPr marL="1371600" algn="l" defTabSz="914400" rtl="0" eaLnBrk="1" latinLnBrk="0" hangingPunct="1">
-        <a:defRPr sz="1800" kern="1200">
+      <a:lvl4pPr marL="1028700" algn="l" defTabSz="685800" rtl="0" eaLnBrk="1" latinLnBrk="0" hangingPunct="1">
+        <a:defRPr sz="1400" kern="1200">
           <a:solidFill>
             <a:schemeClr val="tx1"/>
           </a:solidFill>
@@ -2908,8 +2919,8 @@
           <a:cs typeface="+mn-cs"/>
         </a:defRPr>
       </a:lvl4pPr>
-      <a:lvl5pPr marL="1828800" algn="l" defTabSz="914400" rtl="0" eaLnBrk="1" latinLnBrk="0" hangingPunct="1">
-        <a:defRPr sz="1800" kern="1200">
+      <a:lvl5pPr marL="1371600" algn="l" defTabSz="685800" rtl="0" eaLnBrk="1" latinLnBrk="0" hangingPunct="1">
+        <a:defRPr sz="1400" kern="1200">
           <a:solidFill>
             <a:schemeClr val="tx1"/>
           </a:solidFill>
@@ -2918,8 +2929,8 @@
           <a:cs typeface="+mn-cs"/>
         </a:defRPr>
       </a:lvl5pPr>
-      <a:lvl6pPr marL="2286000" algn="l" defTabSz="914400" rtl="0" eaLnBrk="1" latinLnBrk="0" hangingPunct="1">
-        <a:defRPr sz="1800" kern="1200">
+      <a:lvl6pPr marL="1714500" algn="l" defTabSz="685800" rtl="0" eaLnBrk="1" latinLnBrk="0" hangingPunct="1">
+        <a:defRPr sz="1400" kern="1200">
           <a:solidFill>
             <a:schemeClr val="tx1"/>
           </a:solidFill>
@@ -2928,8 +2939,8 @@
           <a:cs typeface="+mn-cs"/>
         </a:defRPr>
       </a:lvl6pPr>
-      <a:lvl7pPr marL="2743200" algn="l" defTabSz="914400" rtl="0" eaLnBrk="1" latinLnBrk="0" hangingPunct="1">
-        <a:defRPr sz="1800" kern="1200">
+      <a:lvl7pPr marL="2057400" algn="l" defTabSz="685800" rtl="0" eaLnBrk="1" latinLnBrk="0" hangingPunct="1">
+        <a:defRPr sz="1400" kern="1200">
           <a:solidFill>
             <a:schemeClr val="tx1"/>
           </a:solidFill>
@@ -2938,8 +2949,8 @@
           <a:cs typeface="+mn-cs"/>
         </a:defRPr>
       </a:lvl7pPr>
-      <a:lvl8pPr marL="3200400" algn="l" defTabSz="914400" rtl="0" eaLnBrk="1" latinLnBrk="0" hangingPunct="1">
-        <a:defRPr sz="1800" kern="1200">
+      <a:lvl8pPr marL="2400300" algn="l" defTabSz="685800" rtl="0" eaLnBrk="1" latinLnBrk="0" hangingPunct="1">
+        <a:defRPr sz="1400" kern="1200">
           <a:solidFill>
             <a:schemeClr val="tx1"/>
           </a:solidFill>
@@ -2948,8 +2959,8 @@
           <a:cs typeface="+mn-cs"/>
         </a:defRPr>
       </a:lvl8pPr>
-      <a:lvl9pPr marL="3657600" algn="l" defTabSz="914400" rtl="0" eaLnBrk="1" latinLnBrk="0" hangingPunct="1">
-        <a:defRPr sz="1800" kern="1200">
+      <a:lvl9pPr marL="2743200" algn="l" defTabSz="685800" rtl="0" eaLnBrk="1" latinLnBrk="0" hangingPunct="1">
+        <a:defRPr sz="1400" kern="1200">
           <a:solidFill>
             <a:schemeClr val="tx1"/>
           </a:solidFill>
@@ -2982,7 +2993,7 @@
       </p:grpSpPr>
       <p:pic>
         <p:nvPicPr>
-          <p:cNvPr id="2" name="Picture 1"/>
+          <p:cNvPr id="4" name="Grafik 3"/>
           <p:cNvPicPr>
             <a:picLocks noChangeAspect="1"/>
           </p:cNvPicPr>
@@ -2990,30 +3001,2423 @@
         </p:nvPicPr>
         <p:blipFill rotWithShape="1">
           <a:blip r:link="rId2"/>
-          <a:srcRect b="9170"/>
+          <a:srcRect l="2748" t="3371" r="3206" b="8447"/>
           <a:stretch/>
         </p:blipFill>
         <p:spPr>
           <a:xfrm>
-            <a:off x="333816" y="894736"/>
-            <a:ext cx="6266985" cy="5004620"/>
+            <a:off x="101600" y="761237"/>
+            <a:ext cx="3911600" cy="3695700"/>
           </a:xfrm>
           <a:prstGeom prst="rect">
             <a:avLst/>
           </a:prstGeom>
-          <a:ln w="6350">
+          <a:ln>
             <a:solidFill>
-              <a:schemeClr val="accent1">
-                <a:lumMod val="50000"/>
+              <a:schemeClr val="bg1">
+                <a:lumMod val="75000"/>
               </a:schemeClr>
             </a:solidFill>
           </a:ln>
+        </p:spPr>
+      </p:pic>
+      <p:sp>
+        <p:nvSpPr>
+          <p:cNvPr id="15" name="Textfeld 14"/>
+          <p:cNvSpPr txBox="1"/>
+          <p:nvPr/>
+        </p:nvSpPr>
+        <p:spPr>
+          <a:xfrm>
+            <a:off x="5043300" y="1497012"/>
+            <a:ext cx="696024" cy="584775"/>
+          </a:xfrm>
+          <a:prstGeom prst="rect">
+            <a:avLst/>
+          </a:prstGeom>
+          <a:noFill/>
+        </p:spPr>
+        <p:txBody>
+          <a:bodyPr wrap="none" rtlCol="0">
+            <a:spAutoFit/>
+          </a:bodyPr>
+          <a:lstStyle/>
+          <a:p>
+            <a:r>
+              <a:rPr lang="de-DE" sz="3200" dirty="0" err="1">
+                <a:latin typeface="Gabriola" panose="04040605051002020D02" pitchFamily="82" charset="0"/>
+              </a:rPr>
+              <a:t>s</a:t>
+            </a:r>
+            <a:r>
+              <a:rPr lang="de-DE" sz="3200" dirty="0" err="1" smtClean="0">
+                <a:latin typeface="Gabriola" panose="04040605051002020D02" pitchFamily="82" charset="0"/>
+              </a:rPr>
+              <a:t>et</a:t>
+            </a:r>
+            <a:r>
+              <a:rPr lang="de-DE" sz="3200" dirty="0" smtClean="0">
+                <a:latin typeface="Gabriola" panose="04040605051002020D02" pitchFamily="82" charset="0"/>
+              </a:rPr>
+              <a:t> 1</a:t>
+            </a:r>
+            <a:endParaRPr lang="en-US" sz="3200" dirty="0">
+              <a:latin typeface="Gabriola" panose="04040605051002020D02" pitchFamily="82" charset="0"/>
+            </a:endParaRPr>
+          </a:p>
+        </p:txBody>
+      </p:sp>
+      <p:sp>
+        <p:nvSpPr>
+          <p:cNvPr id="16" name="Textfeld 15"/>
+          <p:cNvSpPr txBox="1"/>
+          <p:nvPr/>
+        </p:nvSpPr>
+        <p:spPr>
+          <a:xfrm>
+            <a:off x="5028072" y="2525713"/>
+            <a:ext cx="736099" cy="584775"/>
+          </a:xfrm>
+          <a:prstGeom prst="rect">
+            <a:avLst/>
+          </a:prstGeom>
+          <a:noFill/>
+        </p:spPr>
+        <p:txBody>
+          <a:bodyPr wrap="none" rtlCol="0">
+            <a:spAutoFit/>
+          </a:bodyPr>
+          <a:lstStyle/>
+          <a:p>
+            <a:r>
+              <a:rPr lang="de-DE" sz="3200" dirty="0" err="1">
+                <a:latin typeface="Gabriola" panose="04040605051002020D02" pitchFamily="82" charset="0"/>
+              </a:rPr>
+              <a:t>s</a:t>
+            </a:r>
+            <a:r>
+              <a:rPr lang="de-DE" sz="3200" dirty="0" err="1" smtClean="0">
+                <a:latin typeface="Gabriola" panose="04040605051002020D02" pitchFamily="82" charset="0"/>
+              </a:rPr>
+              <a:t>et</a:t>
+            </a:r>
+            <a:r>
+              <a:rPr lang="de-DE" sz="3200" dirty="0" smtClean="0">
+                <a:latin typeface="Gabriola" panose="04040605051002020D02" pitchFamily="82" charset="0"/>
+              </a:rPr>
+              <a:t> 2</a:t>
+            </a:r>
+            <a:endParaRPr lang="en-US" sz="3200" dirty="0">
+              <a:latin typeface="Gabriola" panose="04040605051002020D02" pitchFamily="82" charset="0"/>
+            </a:endParaRPr>
+          </a:p>
+        </p:txBody>
+      </p:sp>
+      <p:sp>
+        <p:nvSpPr>
+          <p:cNvPr id="17" name="Textfeld 16"/>
+          <p:cNvSpPr txBox="1"/>
+          <p:nvPr/>
+        </p:nvSpPr>
+        <p:spPr>
+          <a:xfrm>
+            <a:off x="5028072" y="3476625"/>
+            <a:ext cx="737702" cy="584775"/>
+          </a:xfrm>
+          <a:prstGeom prst="rect">
+            <a:avLst/>
+          </a:prstGeom>
+          <a:noFill/>
+        </p:spPr>
+        <p:txBody>
+          <a:bodyPr wrap="none" rtlCol="0">
+            <a:spAutoFit/>
+          </a:bodyPr>
+          <a:lstStyle/>
+          <a:p>
+            <a:r>
+              <a:rPr lang="de-DE" sz="3200" dirty="0" err="1">
+                <a:latin typeface="Gabriola" panose="04040605051002020D02" pitchFamily="82" charset="0"/>
+              </a:rPr>
+              <a:t>s</a:t>
+            </a:r>
+            <a:r>
+              <a:rPr lang="de-DE" sz="3200" dirty="0" err="1" smtClean="0">
+                <a:latin typeface="Gabriola" panose="04040605051002020D02" pitchFamily="82" charset="0"/>
+              </a:rPr>
+              <a:t>et</a:t>
+            </a:r>
+            <a:r>
+              <a:rPr lang="de-DE" sz="3200" dirty="0" smtClean="0">
+                <a:latin typeface="Gabriola" panose="04040605051002020D02" pitchFamily="82" charset="0"/>
+              </a:rPr>
+              <a:t> 3</a:t>
+            </a:r>
+            <a:endParaRPr lang="en-US" sz="3200" dirty="0">
+              <a:latin typeface="Gabriola" panose="04040605051002020D02" pitchFamily="82" charset="0"/>
+            </a:endParaRPr>
+          </a:p>
+        </p:txBody>
+      </p:sp>
+      <p:sp>
+        <p:nvSpPr>
+          <p:cNvPr id="22" name="Wolke 21"/>
+          <p:cNvSpPr/>
+          <p:nvPr/>
+        </p:nvSpPr>
+        <p:spPr>
+          <a:xfrm>
+            <a:off x="4870395" y="2525713"/>
+            <a:ext cx="1041834" cy="685800"/>
+          </a:xfrm>
+          <a:prstGeom prst="cloud">
+            <a:avLst/>
+          </a:prstGeom>
+          <a:noFill/>
+          <a:ln>
+            <a:solidFill>
+              <a:schemeClr val="tx1"/>
+            </a:solidFill>
+          </a:ln>
+        </p:spPr>
+        <p:style>
+          <a:lnRef idx="2">
+            <a:schemeClr val="accent1">
+              <a:shade val="50000"/>
+            </a:schemeClr>
+          </a:lnRef>
+          <a:fillRef idx="1">
+            <a:schemeClr val="accent1"/>
+          </a:fillRef>
+          <a:effectRef idx="0">
+            <a:schemeClr val="accent1"/>
+          </a:effectRef>
+          <a:fontRef idx="minor">
+            <a:schemeClr val="lt1"/>
+          </a:fontRef>
+        </p:style>
+        <p:txBody>
+          <a:bodyPr rtlCol="0" anchor="ctr"/>
+          <a:lstStyle/>
+          <a:p>
+            <a:pPr algn="ctr"/>
+            <a:endParaRPr lang="en-US"/>
+          </a:p>
+        </p:txBody>
+      </p:sp>
+      <p:sp>
+        <p:nvSpPr>
+          <p:cNvPr id="23" name="Wolke 22"/>
+          <p:cNvSpPr/>
+          <p:nvPr/>
+        </p:nvSpPr>
+        <p:spPr>
+          <a:xfrm>
+            <a:off x="4832703" y="1509712"/>
+            <a:ext cx="1041834" cy="685800"/>
+          </a:xfrm>
+          <a:prstGeom prst="cloud">
+            <a:avLst/>
+          </a:prstGeom>
+          <a:noFill/>
+          <a:ln>
+            <a:solidFill>
+              <a:schemeClr val="tx1"/>
+            </a:solidFill>
+          </a:ln>
+        </p:spPr>
+        <p:style>
+          <a:lnRef idx="2">
+            <a:schemeClr val="accent1">
+              <a:shade val="50000"/>
+            </a:schemeClr>
+          </a:lnRef>
+          <a:fillRef idx="1">
+            <a:schemeClr val="accent1"/>
+          </a:fillRef>
+          <a:effectRef idx="0">
+            <a:schemeClr val="accent1"/>
+          </a:effectRef>
+          <a:fontRef idx="minor">
+            <a:schemeClr val="lt1"/>
+          </a:fontRef>
+        </p:style>
+        <p:txBody>
+          <a:bodyPr rtlCol="0" anchor="ctr"/>
+          <a:lstStyle/>
+          <a:p>
+            <a:pPr algn="ctr"/>
+            <a:endParaRPr lang="en-US"/>
+          </a:p>
+        </p:txBody>
+      </p:sp>
+      <p:sp>
+        <p:nvSpPr>
+          <p:cNvPr id="24" name="Wolke 23"/>
+          <p:cNvSpPr/>
+          <p:nvPr/>
+        </p:nvSpPr>
+        <p:spPr>
+          <a:xfrm>
+            <a:off x="4870395" y="3489324"/>
+            <a:ext cx="1041834" cy="685800"/>
+          </a:xfrm>
+          <a:prstGeom prst="cloud">
+            <a:avLst/>
+          </a:prstGeom>
+          <a:noFill/>
+          <a:ln>
+            <a:solidFill>
+              <a:schemeClr val="tx1"/>
+            </a:solidFill>
+          </a:ln>
+        </p:spPr>
+        <p:style>
+          <a:lnRef idx="2">
+            <a:schemeClr val="accent1">
+              <a:shade val="50000"/>
+            </a:schemeClr>
+          </a:lnRef>
+          <a:fillRef idx="1">
+            <a:schemeClr val="accent1"/>
+          </a:fillRef>
+          <a:effectRef idx="0">
+            <a:schemeClr val="accent1"/>
+          </a:effectRef>
+          <a:fontRef idx="minor">
+            <a:schemeClr val="lt1"/>
+          </a:fontRef>
+        </p:style>
+        <p:txBody>
+          <a:bodyPr rtlCol="0" anchor="ctr"/>
+          <a:lstStyle/>
+          <a:p>
+            <a:pPr algn="ctr"/>
+            <a:endParaRPr lang="en-US"/>
+          </a:p>
+        </p:txBody>
+      </p:sp>
+      <p:sp>
+        <p:nvSpPr>
+          <p:cNvPr id="25" name="Flussdiagramm: Zusammenführung 24"/>
+          <p:cNvSpPr/>
+          <p:nvPr/>
+        </p:nvSpPr>
+        <p:spPr>
+          <a:xfrm>
+            <a:off x="6692399" y="2563738"/>
+            <a:ext cx="450275" cy="450275"/>
+          </a:xfrm>
+          <a:prstGeom prst="flowChartSummingJunction">
+            <a:avLst/>
+          </a:prstGeom>
+          <a:noFill/>
+          <a:ln w="12700">
+            <a:solidFill>
+              <a:schemeClr val="tx1"/>
+            </a:solidFill>
+          </a:ln>
+        </p:spPr>
+        <p:style>
+          <a:lnRef idx="2">
+            <a:schemeClr val="accent1">
+              <a:shade val="50000"/>
+            </a:schemeClr>
+          </a:lnRef>
+          <a:fillRef idx="1">
+            <a:schemeClr val="accent1"/>
+          </a:fillRef>
+          <a:effectRef idx="0">
+            <a:schemeClr val="accent1"/>
+          </a:effectRef>
+          <a:fontRef idx="minor">
+            <a:schemeClr val="lt1"/>
+          </a:fontRef>
+        </p:style>
+        <p:txBody>
+          <a:bodyPr rtlCol="0" anchor="ctr"/>
+          <a:lstStyle/>
+          <a:p>
+            <a:pPr algn="ctr"/>
+            <a:endParaRPr lang="en-US"/>
+          </a:p>
+        </p:txBody>
+      </p:sp>
+      <p:sp>
+        <p:nvSpPr>
+          <p:cNvPr id="27" name="Textfeld 26"/>
+          <p:cNvSpPr txBox="1"/>
+          <p:nvPr/>
+        </p:nvSpPr>
+        <p:spPr>
+          <a:xfrm>
+            <a:off x="6301045" y="258565"/>
+            <a:ext cx="1096775" cy="830997"/>
+          </a:xfrm>
+          <a:prstGeom prst="rect">
+            <a:avLst/>
+          </a:prstGeom>
+          <a:noFill/>
+        </p:spPr>
+        <p:txBody>
+          <a:bodyPr wrap="none" rtlCol="0">
+            <a:spAutoFit/>
+          </a:bodyPr>
+          <a:lstStyle/>
+          <a:p>
+            <a:r>
+              <a:rPr lang="de-DE" sz="2400" dirty="0" err="1" smtClean="0">
+                <a:latin typeface="Gabriola" panose="04040605051002020D02" pitchFamily="82" charset="0"/>
+              </a:rPr>
+              <a:t>Cartesian</a:t>
+            </a:r>
+            <a:r>
+              <a:rPr lang="de-DE" sz="2400" dirty="0" smtClean="0">
+                <a:latin typeface="Gabriola" panose="04040605051002020D02" pitchFamily="82" charset="0"/>
+              </a:rPr>
+              <a:t/>
+            </a:r>
+            <a:br>
+              <a:rPr lang="de-DE" sz="2400" dirty="0" smtClean="0">
+                <a:latin typeface="Gabriola" panose="04040605051002020D02" pitchFamily="82" charset="0"/>
+              </a:rPr>
+            </a:br>
+            <a:r>
+              <a:rPr lang="de-DE" sz="2400" dirty="0" err="1" smtClean="0">
+                <a:latin typeface="Gabriola" panose="04040605051002020D02" pitchFamily="82" charset="0"/>
+              </a:rPr>
+              <a:t>Product</a:t>
+            </a:r>
+            <a:endParaRPr lang="en-US" sz="2400" dirty="0">
+              <a:latin typeface="Gabriola" panose="04040605051002020D02" pitchFamily="82" charset="0"/>
+            </a:endParaRPr>
+          </a:p>
+        </p:txBody>
+      </p:sp>
+      <p:sp>
+        <p:nvSpPr>
+          <p:cNvPr id="28" name="Textfeld 27"/>
+          <p:cNvSpPr txBox="1"/>
+          <p:nvPr/>
+        </p:nvSpPr>
+        <p:spPr>
+          <a:xfrm>
+            <a:off x="4943622" y="254000"/>
+            <a:ext cx="895379" cy="830997"/>
+          </a:xfrm>
+          <a:prstGeom prst="rect">
+            <a:avLst/>
+          </a:prstGeom>
+          <a:noFill/>
+        </p:spPr>
+        <p:txBody>
+          <a:bodyPr wrap="square" rtlCol="0">
+            <a:spAutoFit/>
+          </a:bodyPr>
+          <a:lstStyle/>
+          <a:p>
+            <a:pPr algn="ctr"/>
+            <a:r>
+              <a:rPr lang="de-DE" sz="2400" dirty="0" smtClean="0">
+                <a:latin typeface="Gabriola" panose="04040605051002020D02" pitchFamily="82" charset="0"/>
+              </a:rPr>
+              <a:t>Union Set</a:t>
+            </a:r>
+            <a:endParaRPr lang="en-US" sz="2400" dirty="0">
+              <a:latin typeface="Gabriola" panose="04040605051002020D02" pitchFamily="82" charset="0"/>
+            </a:endParaRPr>
+          </a:p>
+        </p:txBody>
+      </p:sp>
+      <p:sp>
+        <p:nvSpPr>
+          <p:cNvPr id="29" name="Textfeld 28"/>
+          <p:cNvSpPr txBox="1"/>
+          <p:nvPr/>
+        </p:nvSpPr>
+        <p:spPr>
+          <a:xfrm>
+            <a:off x="34464" y="9386"/>
+            <a:ext cx="4052713" cy="646331"/>
+          </a:xfrm>
+          <a:prstGeom prst="rect">
+            <a:avLst/>
+          </a:prstGeom>
+          <a:noFill/>
+        </p:spPr>
+        <p:txBody>
+          <a:bodyPr wrap="none" rtlCol="0">
+            <a:spAutoFit/>
+          </a:bodyPr>
+          <a:lstStyle/>
+          <a:p>
+            <a:pPr algn="ctr"/>
+            <a:r>
+              <a:rPr lang="de-DE" sz="3600" dirty="0" err="1" smtClean="0">
+                <a:effectLst>
+                  <a:outerShdw blurRad="38100" dist="38100" dir="2700000" algn="tl">
+                    <a:srgbClr val="000000">
+                      <a:alpha val="43137"/>
+                    </a:srgbClr>
+                  </a:outerShdw>
+                </a:effectLst>
+                <a:latin typeface="Gabriola" panose="04040605051002020D02" pitchFamily="82" charset="0"/>
+              </a:rPr>
+              <a:t>Generate</a:t>
+            </a:r>
+            <a:r>
+              <a:rPr lang="de-DE" sz="3600" dirty="0" smtClean="0">
+                <a:effectLst>
+                  <a:outerShdw blurRad="38100" dist="38100" dir="2700000" algn="tl">
+                    <a:srgbClr val="000000">
+                      <a:alpha val="43137"/>
+                    </a:srgbClr>
+                  </a:outerShdw>
+                </a:effectLst>
+                <a:latin typeface="Gabriola" panose="04040605051002020D02" pitchFamily="82" charset="0"/>
+              </a:rPr>
+              <a:t> All </a:t>
+            </a:r>
+            <a:r>
+              <a:rPr lang="de-DE" sz="3600" dirty="0" err="1" smtClean="0">
+                <a:effectLst>
+                  <a:outerShdw blurRad="38100" dist="38100" dir="2700000" algn="tl">
+                    <a:srgbClr val="000000">
+                      <a:alpha val="43137"/>
+                    </a:srgbClr>
+                  </a:outerShdw>
+                </a:effectLst>
+                <a:latin typeface="Gabriola" panose="04040605051002020D02" pitchFamily="82" charset="0"/>
+              </a:rPr>
+              <a:t>combinations</a:t>
+            </a:r>
+            <a:r>
+              <a:rPr lang="de-DE" sz="3600" dirty="0" smtClean="0">
+                <a:effectLst>
+                  <a:outerShdw blurRad="38100" dist="38100" dir="2700000" algn="tl">
+                    <a:srgbClr val="000000">
+                      <a:alpha val="43137"/>
+                    </a:srgbClr>
+                  </a:outerShdw>
+                </a:effectLst>
+                <a:latin typeface="Gabriola" panose="04040605051002020D02" pitchFamily="82" charset="0"/>
+              </a:rPr>
+              <a:t>!</a:t>
+            </a:r>
+            <a:endParaRPr lang="en-US" sz="3600" dirty="0">
+              <a:effectLst>
+                <a:outerShdw blurRad="38100" dist="38100" dir="2700000" algn="tl">
+                  <a:srgbClr val="000000">
+                    <a:alpha val="43137"/>
+                  </a:srgbClr>
+                </a:outerShdw>
+              </a:effectLst>
+              <a:latin typeface="Gabriola" panose="04040605051002020D02" pitchFamily="82" charset="0"/>
+            </a:endParaRPr>
+          </a:p>
+        </p:txBody>
+      </p:sp>
+      <p:cxnSp>
+        <p:nvCxnSpPr>
+          <p:cNvPr id="30" name="Gerade Verbindung mit Pfeil 29"/>
+          <p:cNvCxnSpPr/>
+          <p:nvPr/>
+        </p:nvCxnSpPr>
+        <p:spPr>
+          <a:xfrm>
+            <a:off x="4087177" y="1841786"/>
+            <a:ext cx="627698" cy="0"/>
+          </a:xfrm>
+          <a:prstGeom prst="straightConnector1">
+            <a:avLst/>
+          </a:prstGeom>
+          <a:ln w="28575">
+            <a:solidFill>
+              <a:schemeClr val="tx1"/>
+            </a:solidFill>
+            <a:tailEnd type="arrow"/>
+          </a:ln>
+        </p:spPr>
+        <p:style>
+          <a:lnRef idx="1">
+            <a:schemeClr val="accent1"/>
+          </a:lnRef>
+          <a:fillRef idx="0">
+            <a:schemeClr val="accent1"/>
+          </a:fillRef>
+          <a:effectRef idx="0">
+            <a:schemeClr val="accent1"/>
+          </a:effectRef>
+          <a:fontRef idx="minor">
+            <a:schemeClr val="tx1"/>
+          </a:fontRef>
+        </p:style>
+      </p:cxnSp>
+      <p:cxnSp>
+        <p:nvCxnSpPr>
+          <p:cNvPr id="33" name="Gerade Verbindung mit Pfeil 32"/>
+          <p:cNvCxnSpPr/>
+          <p:nvPr/>
+        </p:nvCxnSpPr>
+        <p:spPr>
+          <a:xfrm>
+            <a:off x="4087177" y="2872074"/>
+            <a:ext cx="627698" cy="0"/>
+          </a:xfrm>
+          <a:prstGeom prst="straightConnector1">
+            <a:avLst/>
+          </a:prstGeom>
+          <a:ln w="28575">
+            <a:solidFill>
+              <a:schemeClr val="tx1"/>
+            </a:solidFill>
+            <a:tailEnd type="arrow"/>
+          </a:ln>
+        </p:spPr>
+        <p:style>
+          <a:lnRef idx="1">
+            <a:schemeClr val="accent1"/>
+          </a:lnRef>
+          <a:fillRef idx="0">
+            <a:schemeClr val="accent1"/>
+          </a:fillRef>
+          <a:effectRef idx="0">
+            <a:schemeClr val="accent1"/>
+          </a:effectRef>
+          <a:fontRef idx="minor">
+            <a:schemeClr val="tx1"/>
+          </a:fontRef>
+        </p:style>
+      </p:cxnSp>
+      <p:cxnSp>
+        <p:nvCxnSpPr>
+          <p:cNvPr id="34" name="Gerade Verbindung mit Pfeil 33"/>
+          <p:cNvCxnSpPr/>
+          <p:nvPr/>
+        </p:nvCxnSpPr>
+        <p:spPr>
+          <a:xfrm>
+            <a:off x="4087177" y="3832224"/>
+            <a:ext cx="627698" cy="0"/>
+          </a:xfrm>
+          <a:prstGeom prst="straightConnector1">
+            <a:avLst/>
+          </a:prstGeom>
+          <a:ln w="28575">
+            <a:solidFill>
+              <a:schemeClr val="tx1"/>
+            </a:solidFill>
+            <a:tailEnd type="arrow"/>
+          </a:ln>
+        </p:spPr>
+        <p:style>
+          <a:lnRef idx="1">
+            <a:schemeClr val="accent1"/>
+          </a:lnRef>
+          <a:fillRef idx="0">
+            <a:schemeClr val="accent1"/>
+          </a:fillRef>
+          <a:effectRef idx="0">
+            <a:schemeClr val="accent1"/>
+          </a:effectRef>
+          <a:fontRef idx="minor">
+            <a:schemeClr val="tx1"/>
+          </a:fontRef>
+        </p:style>
+      </p:cxnSp>
+      <p:sp>
+        <p:nvSpPr>
+          <p:cNvPr id="47" name="Flussdiagramm: Zusammenführung 46"/>
+          <p:cNvSpPr/>
+          <p:nvPr/>
+        </p:nvSpPr>
+        <p:spPr>
+          <a:xfrm>
+            <a:off x="7624421" y="3515010"/>
+            <a:ext cx="450275" cy="450275"/>
+          </a:xfrm>
+          <a:prstGeom prst="flowChartSummingJunction">
+            <a:avLst/>
+          </a:prstGeom>
+          <a:noFill/>
+          <a:ln w="12700">
+            <a:solidFill>
+              <a:schemeClr val="tx1"/>
+            </a:solidFill>
+          </a:ln>
+        </p:spPr>
+        <p:style>
+          <a:lnRef idx="2">
+            <a:schemeClr val="accent1">
+              <a:shade val="50000"/>
+            </a:schemeClr>
+          </a:lnRef>
+          <a:fillRef idx="1">
+            <a:schemeClr val="accent1"/>
+          </a:fillRef>
+          <a:effectRef idx="0">
+            <a:schemeClr val="accent1"/>
+          </a:effectRef>
+          <a:fontRef idx="minor">
+            <a:schemeClr val="lt1"/>
+          </a:fontRef>
+        </p:style>
+        <p:txBody>
+          <a:bodyPr rtlCol="0" anchor="ctr"/>
+          <a:lstStyle/>
+          <a:p>
+            <a:pPr algn="ctr"/>
+            <a:endParaRPr lang="en-US"/>
+          </a:p>
+        </p:txBody>
+      </p:sp>
+      <p:cxnSp>
+        <p:nvCxnSpPr>
+          <p:cNvPr id="48" name="Gerade Verbindung mit Pfeil 47"/>
+          <p:cNvCxnSpPr/>
+          <p:nvPr/>
+        </p:nvCxnSpPr>
+        <p:spPr>
+          <a:xfrm>
+            <a:off x="7142674" y="3014013"/>
+            <a:ext cx="481747" cy="509550"/>
+          </a:xfrm>
+          <a:prstGeom prst="straightConnector1">
+            <a:avLst/>
+          </a:prstGeom>
+          <a:ln w="28575">
+            <a:solidFill>
+              <a:schemeClr val="tx1"/>
+            </a:solidFill>
+            <a:tailEnd type="arrow"/>
+          </a:ln>
+        </p:spPr>
+        <p:style>
+          <a:lnRef idx="1">
+            <a:schemeClr val="accent1"/>
+          </a:lnRef>
+          <a:fillRef idx="0">
+            <a:schemeClr val="accent1"/>
+          </a:fillRef>
+          <a:effectRef idx="0">
+            <a:schemeClr val="accent1"/>
+          </a:effectRef>
+          <a:fontRef idx="minor">
+            <a:schemeClr val="tx1"/>
+          </a:fontRef>
+        </p:style>
+      </p:cxnSp>
+      <p:cxnSp>
+        <p:nvCxnSpPr>
+          <p:cNvPr id="49" name="Gerade Verbindung mit Pfeil 48"/>
+          <p:cNvCxnSpPr/>
+          <p:nvPr/>
+        </p:nvCxnSpPr>
+        <p:spPr>
+          <a:xfrm flipV="1">
+            <a:off x="6009059" y="3769012"/>
+            <a:ext cx="1462962" cy="37451"/>
+          </a:xfrm>
+          <a:prstGeom prst="straightConnector1">
+            <a:avLst/>
+          </a:prstGeom>
+          <a:ln w="28575">
+            <a:solidFill>
+              <a:schemeClr val="tx1"/>
+            </a:solidFill>
+            <a:tailEnd type="arrow"/>
+          </a:ln>
+        </p:spPr>
+        <p:style>
+          <a:lnRef idx="1">
+            <a:schemeClr val="accent1"/>
+          </a:lnRef>
+          <a:fillRef idx="0">
+            <a:schemeClr val="accent1"/>
+          </a:fillRef>
+          <a:effectRef idx="0">
+            <a:schemeClr val="accent1"/>
+          </a:effectRef>
+          <a:fontRef idx="minor">
+            <a:schemeClr val="tx1"/>
+          </a:fontRef>
+        </p:style>
+      </p:cxnSp>
+      <p:cxnSp>
+        <p:nvCxnSpPr>
+          <p:cNvPr id="55" name="Gerade Verbindung mit Pfeil 54"/>
+          <p:cNvCxnSpPr/>
+          <p:nvPr/>
+        </p:nvCxnSpPr>
+        <p:spPr>
+          <a:xfrm>
+            <a:off x="6009059" y="1924050"/>
+            <a:ext cx="654765" cy="601663"/>
+          </a:xfrm>
+          <a:prstGeom prst="straightConnector1">
+            <a:avLst/>
+          </a:prstGeom>
+          <a:ln w="28575">
+            <a:solidFill>
+              <a:schemeClr val="tx1"/>
+            </a:solidFill>
+            <a:tailEnd type="arrow"/>
+          </a:ln>
+        </p:spPr>
+        <p:style>
+          <a:lnRef idx="1">
+            <a:schemeClr val="accent1"/>
+          </a:lnRef>
+          <a:fillRef idx="0">
+            <a:schemeClr val="accent1"/>
+          </a:fillRef>
+          <a:effectRef idx="0">
+            <a:schemeClr val="accent1"/>
+          </a:effectRef>
+          <a:fontRef idx="minor">
+            <a:schemeClr val="tx1"/>
+          </a:fontRef>
+        </p:style>
+      </p:cxnSp>
+      <p:cxnSp>
+        <p:nvCxnSpPr>
+          <p:cNvPr id="58" name="Gerade Verbindung mit Pfeil 57"/>
+          <p:cNvCxnSpPr/>
+          <p:nvPr/>
+        </p:nvCxnSpPr>
+        <p:spPr>
+          <a:xfrm>
+            <a:off x="8240077" y="3740147"/>
+            <a:ext cx="627698" cy="0"/>
+          </a:xfrm>
+          <a:prstGeom prst="straightConnector1">
+            <a:avLst/>
+          </a:prstGeom>
+          <a:ln w="28575">
+            <a:solidFill>
+              <a:schemeClr val="tx1"/>
+            </a:solidFill>
+            <a:tailEnd type="arrow"/>
+          </a:ln>
+        </p:spPr>
+        <p:style>
+          <a:lnRef idx="1">
+            <a:schemeClr val="accent1"/>
+          </a:lnRef>
+          <a:fillRef idx="0">
+            <a:schemeClr val="accent1"/>
+          </a:fillRef>
+          <a:effectRef idx="0">
+            <a:schemeClr val="accent1"/>
+          </a:effectRef>
+          <a:fontRef idx="minor">
+            <a:schemeClr val="tx1"/>
+          </a:fontRef>
+        </p:style>
+      </p:cxnSp>
+      <p:cxnSp>
+        <p:nvCxnSpPr>
+          <p:cNvPr id="59" name="Gerade Verbindung mit Pfeil 58"/>
+          <p:cNvCxnSpPr/>
+          <p:nvPr/>
+        </p:nvCxnSpPr>
+        <p:spPr>
+          <a:xfrm>
+            <a:off x="5950401" y="2818100"/>
+            <a:ext cx="627698" cy="0"/>
+          </a:xfrm>
+          <a:prstGeom prst="straightConnector1">
+            <a:avLst/>
+          </a:prstGeom>
+          <a:ln w="28575">
+            <a:solidFill>
+              <a:schemeClr val="tx1"/>
+            </a:solidFill>
+            <a:tailEnd type="arrow"/>
+          </a:ln>
+        </p:spPr>
+        <p:style>
+          <a:lnRef idx="1">
+            <a:schemeClr val="accent1"/>
+          </a:lnRef>
+          <a:fillRef idx="0">
+            <a:schemeClr val="accent1"/>
+          </a:fillRef>
+          <a:effectRef idx="0">
+            <a:schemeClr val="accent1"/>
+          </a:effectRef>
+          <a:fontRef idx="minor">
+            <a:schemeClr val="tx1"/>
+          </a:fontRef>
+        </p:style>
+      </p:cxnSp>
+    </p:spTree>
+    <p:extLst>
+      <p:ext uri="{BB962C8B-B14F-4D97-AF65-F5344CB8AC3E}">
+        <p14:creationId xmlns:p14="http://schemas.microsoft.com/office/powerpoint/2010/main" val="2653025638"/>
+      </p:ext>
+    </p:extLst>
+  </p:cSld>
+  <p:clrMapOvr>
+    <a:masterClrMapping/>
+  </p:clrMapOvr>
+  <p:timing>
+    <p:tnLst>
+      <p:par>
+        <p:cTn id="1" dur="indefinite" restart="never" nodeType="tmRoot"/>
+      </p:par>
+    </p:tnLst>
+  </p:timing>
+</p:sld>
+</file>
+
+<file path=ppt/slides/slide2.xml><?xml version="1.0" encoding="utf-8"?>
+<p:sld xmlns:a="http://schemas.openxmlformats.org/drawingml/2006/main" xmlns:r="http://schemas.openxmlformats.org/officeDocument/2006/relationships" xmlns:p="http://schemas.openxmlformats.org/presentationml/2006/main">
+  <p:cSld>
+    <p:bg>
+      <p:bgPr>
+        <a:solidFill>
+          <a:schemeClr val="accent1">
+            <a:lumMod val="20000"/>
+            <a:lumOff val="80000"/>
+          </a:schemeClr>
+        </a:solidFill>
+        <a:effectLst/>
+      </p:bgPr>
+    </p:bg>
+    <p:spTree>
+      <p:nvGrpSpPr>
+        <p:cNvPr id="1" name=""/>
+        <p:cNvGrpSpPr/>
+        <p:nvPr/>
+      </p:nvGrpSpPr>
+      <p:grpSpPr>
+        <a:xfrm>
+          <a:off x="0" y="0"/>
+          <a:ext cx="0" cy="0"/>
+          <a:chOff x="0" y="0"/>
+          <a:chExt cx="0" cy="0"/>
+        </a:xfrm>
+      </p:grpSpPr>
+      <p:pic>
+        <p:nvPicPr>
+          <p:cNvPr id="4" name="Grafik 3"/>
+          <p:cNvPicPr>
+            <a:picLocks noChangeAspect="1"/>
+          </p:cNvPicPr>
+          <p:nvPr/>
+        </p:nvPicPr>
+        <p:blipFill rotWithShape="1">
+          <a:blip r:link="rId3"/>
+          <a:srcRect l="2748" t="3371" r="3206" b="8447"/>
+          <a:stretch/>
+        </p:blipFill>
+        <p:spPr>
+          <a:xfrm>
+            <a:off x="101600" y="761237"/>
+            <a:ext cx="3911600" cy="3695700"/>
+          </a:xfrm>
+          <a:prstGeom prst="rect">
+            <a:avLst/>
+          </a:prstGeom>
+          <a:ln>
+            <a:solidFill>
+              <a:schemeClr val="bg1">
+                <a:lumMod val="75000"/>
+              </a:schemeClr>
+            </a:solidFill>
+          </a:ln>
+        </p:spPr>
+      </p:pic>
+      <p:sp>
+        <p:nvSpPr>
+          <p:cNvPr id="18" name="Textfeld 17"/>
+          <p:cNvSpPr txBox="1"/>
+          <p:nvPr/>
+        </p:nvSpPr>
+        <p:spPr>
+          <a:xfrm>
+            <a:off x="0" y="9386"/>
+            <a:ext cx="4121641" cy="646331"/>
+          </a:xfrm>
+          <a:prstGeom prst="rect">
+            <a:avLst/>
+          </a:prstGeom>
+          <a:noFill/>
+        </p:spPr>
+        <p:txBody>
+          <a:bodyPr wrap="none" rtlCol="0">
+            <a:spAutoFit/>
+          </a:bodyPr>
+          <a:lstStyle/>
+          <a:p>
+            <a:pPr algn="ctr"/>
+            <a:r>
+              <a:rPr lang="de-DE" sz="3600" dirty="0" err="1" smtClean="0">
+                <a:effectLst>
+                  <a:outerShdw blurRad="38100" dist="38100" dir="2700000" algn="tl">
+                    <a:srgbClr val="000000">
+                      <a:alpha val="43137"/>
+                    </a:srgbClr>
+                  </a:outerShdw>
+                </a:effectLst>
+                <a:latin typeface="Gabriola" panose="04040605051002020D02" pitchFamily="82" charset="0"/>
+              </a:rPr>
+              <a:t>Generate</a:t>
+            </a:r>
+            <a:r>
+              <a:rPr lang="de-DE" sz="3600" dirty="0" smtClean="0">
+                <a:effectLst>
+                  <a:outerShdw blurRad="38100" dist="38100" dir="2700000" algn="tl">
+                    <a:srgbClr val="000000">
+                      <a:alpha val="43137"/>
+                    </a:srgbClr>
+                  </a:outerShdw>
+                </a:effectLst>
+                <a:latin typeface="Gabriola" panose="04040605051002020D02" pitchFamily="82" charset="0"/>
+              </a:rPr>
+              <a:t> All </a:t>
+            </a:r>
+            <a:r>
+              <a:rPr lang="de-DE" sz="3600" dirty="0" err="1" smtClean="0">
+                <a:effectLst>
+                  <a:outerShdw blurRad="38100" dist="38100" dir="2700000" algn="tl">
+                    <a:srgbClr val="000000">
+                      <a:alpha val="43137"/>
+                    </a:srgbClr>
+                  </a:outerShdw>
+                </a:effectLst>
+                <a:latin typeface="Gabriola" panose="04040605051002020D02" pitchFamily="82" charset="0"/>
+              </a:rPr>
+              <a:t>combinations</a:t>
+            </a:r>
+            <a:r>
+              <a:rPr lang="de-DE" sz="3600" dirty="0" smtClean="0">
+                <a:effectLst>
+                  <a:outerShdw blurRad="38100" dist="38100" dir="2700000" algn="tl">
+                    <a:srgbClr val="000000">
+                      <a:alpha val="43137"/>
+                    </a:srgbClr>
+                  </a:outerShdw>
+                </a:effectLst>
+                <a:latin typeface="Gabriola" panose="04040605051002020D02" pitchFamily="82" charset="0"/>
+              </a:rPr>
+              <a:t>!</a:t>
+            </a:r>
+            <a:endParaRPr lang="en-US" sz="3600" dirty="0">
+              <a:effectLst>
+                <a:outerShdw blurRad="38100" dist="38100" dir="2700000" algn="tl">
+                  <a:srgbClr val="000000">
+                    <a:alpha val="43137"/>
+                  </a:srgbClr>
+                </a:outerShdw>
+              </a:effectLst>
+              <a:latin typeface="Gabriola" panose="04040605051002020D02" pitchFamily="82" charset="0"/>
+            </a:endParaRPr>
+          </a:p>
+        </p:txBody>
+      </p:sp>
+      <p:pic>
+        <p:nvPicPr>
+          <p:cNvPr id="2" name="Grafik 1"/>
+          <p:cNvPicPr>
+            <a:picLocks noChangeAspect="1"/>
+          </p:cNvPicPr>
+          <p:nvPr/>
+        </p:nvPicPr>
+        <p:blipFill>
+          <a:blip r:link="rId4"/>
+          <a:stretch>
+            <a:fillRect/>
+          </a:stretch>
+        </p:blipFill>
+        <p:spPr>
+          <a:xfrm>
+            <a:off x="3746501" y="184245"/>
+            <a:ext cx="5235480" cy="4468779"/>
+          </a:xfrm>
+          <a:prstGeom prst="rect">
+            <a:avLst/>
+          </a:prstGeom>
+          <a:ln>
+            <a:solidFill>
+              <a:schemeClr val="bg1">
+                <a:lumMod val="75000"/>
+              </a:schemeClr>
+            </a:solidFill>
+          </a:ln>
+          <a:effectLst>
+            <a:outerShdw blurRad="457200" dist="1295400" dir="9120000" sx="94000" sy="94000" algn="tr" rotWithShape="0">
+              <a:prstClr val="black">
+                <a:alpha val="41000"/>
+              </a:prstClr>
+            </a:outerShdw>
+          </a:effectLst>
         </p:spPr>
       </p:pic>
     </p:spTree>
     <p:extLst>
       <p:ext uri="{BB962C8B-B14F-4D97-AF65-F5344CB8AC3E}">
-        <p14:creationId xmlns:p14="http://schemas.microsoft.com/office/powerpoint/2010/main" val="2653025638"/>
+        <p14:creationId xmlns:p14="http://schemas.microsoft.com/office/powerpoint/2010/main" val="2513465671"/>
+      </p:ext>
+    </p:extLst>
+  </p:cSld>
+  <p:clrMapOvr>
+    <a:overrideClrMapping bg1="lt1" tx1="dk1" bg2="lt2" tx2="dk2" accent1="accent1" accent2="accent2" accent3="accent3" accent4="accent4" accent5="accent5" accent6="accent6" hlink="hlink" folHlink="folHlink"/>
+  </p:clrMapOvr>
+  <p:timing>
+    <p:tnLst>
+      <p:par>
+        <p:cTn id="1" dur="indefinite" restart="never" nodeType="tmRoot"/>
+      </p:par>
+    </p:tnLst>
+  </p:timing>
+</p:sld>
+</file>
+
+<file path=ppt/slides/slide3.xml><?xml version="1.0" encoding="utf-8"?>
+<p:sld xmlns:a="http://schemas.openxmlformats.org/drawingml/2006/main" xmlns:r="http://schemas.openxmlformats.org/officeDocument/2006/relationships" xmlns:p="http://schemas.openxmlformats.org/presentationml/2006/main">
+  <p:cSld>
+    <p:spTree>
+      <p:nvGrpSpPr>
+        <p:cNvPr id="1" name=""/>
+        <p:cNvGrpSpPr/>
+        <p:nvPr/>
+      </p:nvGrpSpPr>
+      <p:grpSpPr>
+        <a:xfrm>
+          <a:off x="0" y="0"/>
+          <a:ext cx="0" cy="0"/>
+          <a:chOff x="0" y="0"/>
+          <a:chExt cx="0" cy="0"/>
+        </a:xfrm>
+      </p:grpSpPr>
+      <p:pic>
+        <p:nvPicPr>
+          <p:cNvPr id="2" name="Grafik 1"/>
+          <p:cNvPicPr>
+            <a:picLocks noChangeAspect="1"/>
+          </p:cNvPicPr>
+          <p:nvPr/>
+        </p:nvPicPr>
+        <p:blipFill>
+          <a:blip r:link="rId2"/>
+          <a:stretch>
+            <a:fillRect/>
+          </a:stretch>
+        </p:blipFill>
+        <p:spPr>
+          <a:xfrm>
+            <a:off x="165508" y="676454"/>
+            <a:ext cx="7182541" cy="3756241"/>
+          </a:xfrm>
+          <a:prstGeom prst="rect">
+            <a:avLst/>
+          </a:prstGeom>
+        </p:spPr>
+      </p:pic>
+      <p:sp>
+        <p:nvSpPr>
+          <p:cNvPr id="18" name="Textfeld 17"/>
+          <p:cNvSpPr txBox="1"/>
+          <p:nvPr/>
+        </p:nvSpPr>
+        <p:spPr>
+          <a:xfrm>
+            <a:off x="-2685" y="9386"/>
+            <a:ext cx="4790094" cy="646331"/>
+          </a:xfrm>
+          <a:prstGeom prst="rect">
+            <a:avLst/>
+          </a:prstGeom>
+          <a:noFill/>
+        </p:spPr>
+        <p:txBody>
+          <a:bodyPr wrap="none" rtlCol="0">
+            <a:spAutoFit/>
+          </a:bodyPr>
+          <a:lstStyle/>
+          <a:p>
+            <a:r>
+              <a:rPr lang="de-DE" sz="3600" dirty="0" err="1" smtClean="0">
+                <a:effectLst>
+                  <a:outerShdw blurRad="38100" dist="38100" dir="2700000" algn="tl">
+                    <a:srgbClr val="000000">
+                      <a:alpha val="43137"/>
+                    </a:srgbClr>
+                  </a:outerShdw>
+                </a:effectLst>
+                <a:latin typeface="Gabriola" panose="04040605051002020D02" pitchFamily="82" charset="0"/>
+              </a:rPr>
+              <a:t>Generate</a:t>
+            </a:r>
+            <a:r>
+              <a:rPr lang="de-DE" sz="3600" dirty="0" smtClean="0">
+                <a:effectLst>
+                  <a:outerShdw blurRad="38100" dist="38100" dir="2700000" algn="tl">
+                    <a:srgbClr val="000000">
+                      <a:alpha val="43137"/>
+                    </a:srgbClr>
+                  </a:outerShdw>
+                </a:effectLst>
+                <a:latin typeface="Gabriola" panose="04040605051002020D02" pitchFamily="82" charset="0"/>
+              </a:rPr>
+              <a:t> </a:t>
+            </a:r>
+            <a:r>
+              <a:rPr lang="de-DE" sz="3600" dirty="0" err="1" smtClean="0">
+                <a:effectLst>
+                  <a:outerShdw blurRad="38100" dist="38100" dir="2700000" algn="tl">
+                    <a:srgbClr val="000000">
+                      <a:alpha val="43137"/>
+                    </a:srgbClr>
+                  </a:outerShdw>
+                </a:effectLst>
+                <a:latin typeface="Gabriola" panose="04040605051002020D02" pitchFamily="82" charset="0"/>
+              </a:rPr>
+              <a:t>Pairwise</a:t>
+            </a:r>
+            <a:r>
+              <a:rPr lang="de-DE" sz="3600" dirty="0" smtClean="0">
+                <a:effectLst>
+                  <a:outerShdw blurRad="38100" dist="38100" dir="2700000" algn="tl">
+                    <a:srgbClr val="000000">
+                      <a:alpha val="43137"/>
+                    </a:srgbClr>
+                  </a:outerShdw>
+                </a:effectLst>
+                <a:latin typeface="Gabriola" panose="04040605051002020D02" pitchFamily="82" charset="0"/>
+              </a:rPr>
+              <a:t> </a:t>
+            </a:r>
+            <a:r>
+              <a:rPr lang="de-DE" sz="3600" dirty="0" err="1" smtClean="0">
+                <a:effectLst>
+                  <a:outerShdw blurRad="38100" dist="38100" dir="2700000" algn="tl">
+                    <a:srgbClr val="000000">
+                      <a:alpha val="43137"/>
+                    </a:srgbClr>
+                  </a:outerShdw>
+                </a:effectLst>
+                <a:latin typeface="Gabriola" panose="04040605051002020D02" pitchFamily="82" charset="0"/>
+              </a:rPr>
+              <a:t>Combinations</a:t>
+            </a:r>
+            <a:endParaRPr lang="en-US" sz="3600" dirty="0">
+              <a:effectLst>
+                <a:outerShdw blurRad="38100" dist="38100" dir="2700000" algn="tl">
+                  <a:srgbClr val="000000">
+                    <a:alpha val="43137"/>
+                  </a:srgbClr>
+                </a:outerShdw>
+              </a:effectLst>
+              <a:latin typeface="Gabriola" panose="04040605051002020D02" pitchFamily="82" charset="0"/>
+            </a:endParaRPr>
+          </a:p>
+        </p:txBody>
+      </p:sp>
+      <p:sp>
+        <p:nvSpPr>
+          <p:cNvPr id="6" name="Rechteck 5"/>
+          <p:cNvSpPr/>
+          <p:nvPr/>
+        </p:nvSpPr>
+        <p:spPr>
+          <a:xfrm>
+            <a:off x="3756778" y="1422400"/>
+            <a:ext cx="4660900" cy="3289300"/>
+          </a:xfrm>
+          <a:prstGeom prst="rect">
+            <a:avLst/>
+          </a:prstGeom>
+          <a:solidFill>
+            <a:schemeClr val="accent1">
+              <a:lumMod val="20000"/>
+              <a:lumOff val="80000"/>
+            </a:schemeClr>
+          </a:solidFill>
+          <a:ln>
+            <a:noFill/>
+          </a:ln>
+        </p:spPr>
+        <p:style>
+          <a:lnRef idx="2">
+            <a:schemeClr val="accent1">
+              <a:shade val="50000"/>
+            </a:schemeClr>
+          </a:lnRef>
+          <a:fillRef idx="1">
+            <a:schemeClr val="accent1"/>
+          </a:fillRef>
+          <a:effectRef idx="0">
+            <a:schemeClr val="accent1"/>
+          </a:effectRef>
+          <a:fontRef idx="minor">
+            <a:schemeClr val="lt1"/>
+          </a:fontRef>
+        </p:style>
+        <p:txBody>
+          <a:bodyPr rtlCol="0" anchor="ctr"/>
+          <a:lstStyle/>
+          <a:p>
+            <a:pPr algn="ctr"/>
+            <a:endParaRPr lang="en-US"/>
+          </a:p>
+        </p:txBody>
+      </p:sp>
+      <p:cxnSp>
+        <p:nvCxnSpPr>
+          <p:cNvPr id="8" name="Gerade Verbindung mit Pfeil 7"/>
+          <p:cNvCxnSpPr/>
+          <p:nvPr/>
+        </p:nvCxnSpPr>
+        <p:spPr>
+          <a:xfrm flipV="1">
+            <a:off x="6099928" y="1320800"/>
+            <a:ext cx="0" cy="665083"/>
+          </a:xfrm>
+          <a:prstGeom prst="straightConnector1">
+            <a:avLst/>
+          </a:prstGeom>
+          <a:ln w="38100">
+            <a:solidFill>
+              <a:schemeClr val="accent6">
+                <a:lumMod val="75000"/>
+              </a:schemeClr>
+            </a:solidFill>
+            <a:tailEnd type="arrow"/>
+          </a:ln>
+        </p:spPr>
+        <p:style>
+          <a:lnRef idx="1">
+            <a:schemeClr val="accent1"/>
+          </a:lnRef>
+          <a:fillRef idx="0">
+            <a:schemeClr val="accent1"/>
+          </a:fillRef>
+          <a:effectRef idx="0">
+            <a:schemeClr val="accent1"/>
+          </a:effectRef>
+          <a:fontRef idx="minor">
+            <a:schemeClr val="tx1"/>
+          </a:fontRef>
+        </p:style>
+      </p:cxnSp>
+      <p:sp>
+        <p:nvSpPr>
+          <p:cNvPr id="10" name="Textfeld 9"/>
+          <p:cNvSpPr txBox="1"/>
+          <p:nvPr/>
+        </p:nvSpPr>
+        <p:spPr>
+          <a:xfrm>
+            <a:off x="4749800" y="2152650"/>
+            <a:ext cx="3136900" cy="1323439"/>
+          </a:xfrm>
+          <a:prstGeom prst="rect">
+            <a:avLst/>
+          </a:prstGeom>
+          <a:noFill/>
+        </p:spPr>
+        <p:txBody>
+          <a:bodyPr wrap="square" rtlCol="0">
+            <a:spAutoFit/>
+          </a:bodyPr>
+          <a:lstStyle/>
+          <a:p>
+            <a:r>
+              <a:rPr lang="de-DE" sz="2000" dirty="0" err="1" smtClean="0">
+                <a:latin typeface="Gabriola" panose="04040605051002020D02" pitchFamily="82" charset="0"/>
+              </a:rPr>
+              <a:t>Use</a:t>
+            </a:r>
+            <a:r>
+              <a:rPr lang="de-DE" sz="2000" dirty="0" smtClean="0">
+                <a:latin typeface="Gabriola" panose="04040605051002020D02" pitchFamily="82" charset="0"/>
+              </a:rPr>
+              <a:t> </a:t>
+            </a:r>
+            <a:r>
+              <a:rPr lang="de-DE" sz="2000" dirty="0" err="1" smtClean="0">
+                <a:latin typeface="Gabriola" panose="04040605051002020D02" pitchFamily="82" charset="0"/>
+              </a:rPr>
+              <a:t>pairwise</a:t>
+            </a:r>
+            <a:r>
+              <a:rPr lang="de-DE" sz="2000" dirty="0" smtClean="0">
+                <a:latin typeface="Gabriola" panose="04040605051002020D02" pitchFamily="82" charset="0"/>
+              </a:rPr>
+              <a:t> </a:t>
+            </a:r>
+            <a:r>
+              <a:rPr lang="de-DE" sz="2000" dirty="0" err="1" smtClean="0">
+                <a:latin typeface="Gabriola" panose="04040605051002020D02" pitchFamily="82" charset="0"/>
+              </a:rPr>
+              <a:t>product</a:t>
+            </a:r>
+            <a:r>
+              <a:rPr lang="de-DE" sz="2000" dirty="0" smtClean="0">
+                <a:latin typeface="Gabriola" panose="04040605051002020D02" pitchFamily="82" charset="0"/>
+              </a:rPr>
+              <a:t> </a:t>
+            </a:r>
+          </a:p>
+          <a:p>
+            <a:r>
+              <a:rPr lang="de-DE" sz="2000" dirty="0" err="1" smtClean="0">
+                <a:latin typeface="Gabriola" panose="04040605051002020D02" pitchFamily="82" charset="0"/>
+              </a:rPr>
+              <a:t>instead</a:t>
+            </a:r>
+            <a:r>
+              <a:rPr lang="de-DE" sz="2000" dirty="0" smtClean="0">
+                <a:latin typeface="Gabriola" panose="04040605051002020D02" pitchFamily="82" charset="0"/>
+              </a:rPr>
+              <a:t> </a:t>
+            </a:r>
+            <a:r>
+              <a:rPr lang="de-DE" sz="2000" dirty="0" err="1" smtClean="0">
+                <a:latin typeface="Gabriola" panose="04040605051002020D02" pitchFamily="82" charset="0"/>
+              </a:rPr>
+              <a:t>of</a:t>
+            </a:r>
+            <a:r>
+              <a:rPr lang="de-DE" sz="2000" dirty="0" smtClean="0">
+                <a:latin typeface="Gabriola" panose="04040605051002020D02" pitchFamily="82" charset="0"/>
+              </a:rPr>
+              <a:t> </a:t>
+            </a:r>
+            <a:r>
+              <a:rPr lang="de-DE" sz="2000" dirty="0" err="1" smtClean="0">
+                <a:latin typeface="Gabriola" panose="04040605051002020D02" pitchFamily="82" charset="0"/>
+              </a:rPr>
+              <a:t>cartesian</a:t>
+            </a:r>
+            <a:r>
+              <a:rPr lang="de-DE" sz="2000" dirty="0" smtClean="0">
+                <a:latin typeface="Gabriola" panose="04040605051002020D02" pitchFamily="82" charset="0"/>
+              </a:rPr>
+              <a:t> </a:t>
+            </a:r>
+            <a:r>
+              <a:rPr lang="de-DE" sz="2000" dirty="0" err="1" smtClean="0">
+                <a:latin typeface="Gabriola" panose="04040605051002020D02" pitchFamily="82" charset="0"/>
+              </a:rPr>
+              <a:t>product</a:t>
+            </a:r>
+            <a:endParaRPr lang="de-DE" sz="2000" dirty="0" smtClean="0">
+              <a:latin typeface="Gabriola" panose="04040605051002020D02" pitchFamily="82" charset="0"/>
+            </a:endParaRPr>
+          </a:p>
+          <a:p>
+            <a:endParaRPr lang="de-DE" sz="2000" dirty="0" smtClean="0">
+              <a:latin typeface="Gabriola" panose="04040605051002020D02" pitchFamily="82" charset="0"/>
+              <a:sym typeface="Wingdings" panose="05000000000000000000" pitchFamily="2" charset="2"/>
+            </a:endParaRPr>
+          </a:p>
+          <a:p>
+            <a:r>
+              <a:rPr lang="de-DE" sz="2000" dirty="0" err="1" smtClean="0">
+                <a:latin typeface="Gabriola" panose="04040605051002020D02" pitchFamily="82" charset="0"/>
+                <a:sym typeface="Wingdings" panose="05000000000000000000" pitchFamily="2" charset="2"/>
+              </a:rPr>
+              <a:t>Reduces</a:t>
+            </a:r>
+            <a:r>
+              <a:rPr lang="de-DE" sz="2000" dirty="0" smtClean="0">
+                <a:latin typeface="Gabriola" panose="04040605051002020D02" pitchFamily="82" charset="0"/>
+                <a:sym typeface="Wingdings" panose="05000000000000000000" pitchFamily="2" charset="2"/>
+              </a:rPr>
+              <a:t> </a:t>
+            </a:r>
+            <a:r>
+              <a:rPr lang="de-DE" sz="2000" dirty="0" err="1" smtClean="0">
+                <a:latin typeface="Gabriola" panose="04040605051002020D02" pitchFamily="82" charset="0"/>
+                <a:sym typeface="Wingdings" panose="05000000000000000000" pitchFamily="2" charset="2"/>
+              </a:rPr>
+              <a:t>amount</a:t>
+            </a:r>
+            <a:r>
+              <a:rPr lang="de-DE" sz="2000" dirty="0" smtClean="0">
+                <a:latin typeface="Gabriola" panose="04040605051002020D02" pitchFamily="82" charset="0"/>
+                <a:sym typeface="Wingdings" panose="05000000000000000000" pitchFamily="2" charset="2"/>
+              </a:rPr>
+              <a:t> </a:t>
+            </a:r>
+            <a:r>
+              <a:rPr lang="de-DE" sz="2000" dirty="0" err="1" smtClean="0">
+                <a:latin typeface="Gabriola" panose="04040605051002020D02" pitchFamily="82" charset="0"/>
+                <a:sym typeface="Wingdings" panose="05000000000000000000" pitchFamily="2" charset="2"/>
+              </a:rPr>
+              <a:t>of</a:t>
+            </a:r>
+            <a:r>
+              <a:rPr lang="de-DE" sz="2000" dirty="0" smtClean="0">
+                <a:latin typeface="Gabriola" panose="04040605051002020D02" pitchFamily="82" charset="0"/>
+                <a:sym typeface="Wingdings" panose="05000000000000000000" pitchFamily="2" charset="2"/>
+              </a:rPr>
+              <a:t> </a:t>
+            </a:r>
+            <a:r>
+              <a:rPr lang="de-DE" sz="2000" dirty="0" err="1" smtClean="0">
+                <a:latin typeface="Gabriola" panose="04040605051002020D02" pitchFamily="82" charset="0"/>
+                <a:sym typeface="Wingdings" panose="05000000000000000000" pitchFamily="2" charset="2"/>
+              </a:rPr>
+              <a:t>test</a:t>
+            </a:r>
+            <a:r>
+              <a:rPr lang="de-DE" sz="2000" dirty="0" smtClean="0">
+                <a:latin typeface="Gabriola" panose="04040605051002020D02" pitchFamily="82" charset="0"/>
+                <a:sym typeface="Wingdings" panose="05000000000000000000" pitchFamily="2" charset="2"/>
+              </a:rPr>
+              <a:t> </a:t>
+            </a:r>
+            <a:r>
+              <a:rPr lang="de-DE" sz="2000" dirty="0" err="1" smtClean="0">
+                <a:latin typeface="Gabriola" panose="04040605051002020D02" pitchFamily="82" charset="0"/>
+                <a:sym typeface="Wingdings" panose="05000000000000000000" pitchFamily="2" charset="2"/>
+              </a:rPr>
+              <a:t>cases</a:t>
+            </a:r>
+            <a:endParaRPr lang="en-US" sz="2000" dirty="0">
+              <a:latin typeface="Gabriola" panose="04040605051002020D02" pitchFamily="82" charset="0"/>
+            </a:endParaRPr>
+          </a:p>
+        </p:txBody>
+      </p:sp>
+    </p:spTree>
+    <p:extLst>
+      <p:ext uri="{BB962C8B-B14F-4D97-AF65-F5344CB8AC3E}">
+        <p14:creationId xmlns:p14="http://schemas.microsoft.com/office/powerpoint/2010/main" val="2336889799"/>
+      </p:ext>
+    </p:extLst>
+  </p:cSld>
+  <p:clrMapOvr>
+    <a:masterClrMapping/>
+  </p:clrMapOvr>
+  <p:timing>
+    <p:tnLst>
+      <p:par>
+        <p:cTn id="1" dur="indefinite" restart="never" nodeType="tmRoot"/>
+      </p:par>
+    </p:tnLst>
+  </p:timing>
+</p:sld>
+</file>
+
+<file path=ppt/slides/slide4.xml><?xml version="1.0" encoding="utf-8"?>
+<p:sld xmlns:a="http://schemas.openxmlformats.org/drawingml/2006/main" xmlns:r="http://schemas.openxmlformats.org/officeDocument/2006/relationships" xmlns:p="http://schemas.openxmlformats.org/presentationml/2006/main">
+  <p:cSld>
+    <p:bg>
+      <p:bgPr>
+        <a:solidFill>
+          <a:schemeClr val="accent1">
+            <a:lumMod val="20000"/>
+            <a:lumOff val="80000"/>
+          </a:schemeClr>
+        </a:solidFill>
+        <a:effectLst/>
+      </p:bgPr>
+    </p:bg>
+    <p:spTree>
+      <p:nvGrpSpPr>
+        <p:cNvPr id="1" name=""/>
+        <p:cNvGrpSpPr/>
+        <p:nvPr/>
+      </p:nvGrpSpPr>
+      <p:grpSpPr>
+        <a:xfrm>
+          <a:off x="0" y="0"/>
+          <a:ext cx="0" cy="0"/>
+          <a:chOff x="0" y="0"/>
+          <a:chExt cx="0" cy="0"/>
+        </a:xfrm>
+      </p:grpSpPr>
+      <p:pic>
+        <p:nvPicPr>
+          <p:cNvPr id="2" name="Grafik 1"/>
+          <p:cNvPicPr>
+            <a:picLocks noChangeAspect="1"/>
+          </p:cNvPicPr>
+          <p:nvPr/>
+        </p:nvPicPr>
+        <p:blipFill>
+          <a:blip r:link="rId3"/>
+          <a:stretch>
+            <a:fillRect/>
+          </a:stretch>
+        </p:blipFill>
+        <p:spPr>
+          <a:xfrm>
+            <a:off x="165508" y="676454"/>
+            <a:ext cx="7182541" cy="3756241"/>
+          </a:xfrm>
+          <a:prstGeom prst="rect">
+            <a:avLst/>
+          </a:prstGeom>
+        </p:spPr>
+      </p:pic>
+      <p:sp>
+        <p:nvSpPr>
+          <p:cNvPr id="18" name="Textfeld 17"/>
+          <p:cNvSpPr txBox="1"/>
+          <p:nvPr/>
+        </p:nvSpPr>
+        <p:spPr>
+          <a:xfrm>
+            <a:off x="-2685" y="9386"/>
+            <a:ext cx="4790094" cy="646331"/>
+          </a:xfrm>
+          <a:prstGeom prst="rect">
+            <a:avLst/>
+          </a:prstGeom>
+          <a:noFill/>
+        </p:spPr>
+        <p:txBody>
+          <a:bodyPr wrap="none" rtlCol="0">
+            <a:spAutoFit/>
+          </a:bodyPr>
+          <a:lstStyle/>
+          <a:p>
+            <a:r>
+              <a:rPr lang="de-DE" sz="3600" dirty="0" err="1" smtClean="0">
+                <a:effectLst>
+                  <a:outerShdw blurRad="38100" dist="38100" dir="2700000" algn="tl">
+                    <a:srgbClr val="000000">
+                      <a:alpha val="43137"/>
+                    </a:srgbClr>
+                  </a:outerShdw>
+                </a:effectLst>
+                <a:latin typeface="Gabriola" panose="04040605051002020D02" pitchFamily="82" charset="0"/>
+              </a:rPr>
+              <a:t>Generate</a:t>
+            </a:r>
+            <a:r>
+              <a:rPr lang="de-DE" sz="3600" dirty="0" smtClean="0">
+                <a:effectLst>
+                  <a:outerShdw blurRad="38100" dist="38100" dir="2700000" algn="tl">
+                    <a:srgbClr val="000000">
+                      <a:alpha val="43137"/>
+                    </a:srgbClr>
+                  </a:outerShdw>
+                </a:effectLst>
+                <a:latin typeface="Gabriola" panose="04040605051002020D02" pitchFamily="82" charset="0"/>
+              </a:rPr>
+              <a:t> </a:t>
+            </a:r>
+            <a:r>
+              <a:rPr lang="de-DE" sz="3600" dirty="0" err="1" smtClean="0">
+                <a:effectLst>
+                  <a:outerShdw blurRad="38100" dist="38100" dir="2700000" algn="tl">
+                    <a:srgbClr val="000000">
+                      <a:alpha val="43137"/>
+                    </a:srgbClr>
+                  </a:outerShdw>
+                </a:effectLst>
+                <a:latin typeface="Gabriola" panose="04040605051002020D02" pitchFamily="82" charset="0"/>
+              </a:rPr>
+              <a:t>Pairwise</a:t>
+            </a:r>
+            <a:r>
+              <a:rPr lang="de-DE" sz="3600" dirty="0" smtClean="0">
+                <a:effectLst>
+                  <a:outerShdw blurRad="38100" dist="38100" dir="2700000" algn="tl">
+                    <a:srgbClr val="000000">
+                      <a:alpha val="43137"/>
+                    </a:srgbClr>
+                  </a:outerShdw>
+                </a:effectLst>
+                <a:latin typeface="Gabriola" panose="04040605051002020D02" pitchFamily="82" charset="0"/>
+              </a:rPr>
+              <a:t> </a:t>
+            </a:r>
+            <a:r>
+              <a:rPr lang="de-DE" sz="3600" dirty="0" err="1" smtClean="0">
+                <a:effectLst>
+                  <a:outerShdw blurRad="38100" dist="38100" dir="2700000" algn="tl">
+                    <a:srgbClr val="000000">
+                      <a:alpha val="43137"/>
+                    </a:srgbClr>
+                  </a:outerShdw>
+                </a:effectLst>
+                <a:latin typeface="Gabriola" panose="04040605051002020D02" pitchFamily="82" charset="0"/>
+              </a:rPr>
+              <a:t>Combinations</a:t>
+            </a:r>
+            <a:endParaRPr lang="en-US" sz="3600" dirty="0">
+              <a:effectLst>
+                <a:outerShdw blurRad="38100" dist="38100" dir="2700000" algn="tl">
+                  <a:srgbClr val="000000">
+                    <a:alpha val="43137"/>
+                  </a:srgbClr>
+                </a:outerShdw>
+              </a:effectLst>
+              <a:latin typeface="Gabriola" panose="04040605051002020D02" pitchFamily="82" charset="0"/>
+            </a:endParaRPr>
+          </a:p>
+        </p:txBody>
+      </p:sp>
+      <p:sp>
+        <p:nvSpPr>
+          <p:cNvPr id="6" name="Rechteck 5"/>
+          <p:cNvSpPr/>
+          <p:nvPr/>
+        </p:nvSpPr>
+        <p:spPr>
+          <a:xfrm>
+            <a:off x="3756778" y="1422400"/>
+            <a:ext cx="4660900" cy="3289300"/>
+          </a:xfrm>
+          <a:prstGeom prst="rect">
+            <a:avLst/>
+          </a:prstGeom>
+          <a:solidFill>
+            <a:schemeClr val="accent1">
+              <a:lumMod val="20000"/>
+              <a:lumOff val="80000"/>
+            </a:schemeClr>
+          </a:solidFill>
+          <a:ln>
+            <a:noFill/>
+          </a:ln>
+        </p:spPr>
+        <p:style>
+          <a:lnRef idx="2">
+            <a:schemeClr val="accent1">
+              <a:shade val="50000"/>
+            </a:schemeClr>
+          </a:lnRef>
+          <a:fillRef idx="1">
+            <a:schemeClr val="accent1"/>
+          </a:fillRef>
+          <a:effectRef idx="0">
+            <a:schemeClr val="accent1"/>
+          </a:effectRef>
+          <a:fontRef idx="minor">
+            <a:schemeClr val="lt1"/>
+          </a:fontRef>
+        </p:style>
+        <p:txBody>
+          <a:bodyPr rtlCol="0" anchor="ctr"/>
+          <a:lstStyle/>
+          <a:p>
+            <a:pPr algn="ctr"/>
+            <a:endParaRPr lang="en-US"/>
+          </a:p>
+        </p:txBody>
+      </p:sp>
+      <p:cxnSp>
+        <p:nvCxnSpPr>
+          <p:cNvPr id="8" name="Gerade Verbindung mit Pfeil 7"/>
+          <p:cNvCxnSpPr/>
+          <p:nvPr/>
+        </p:nvCxnSpPr>
+        <p:spPr>
+          <a:xfrm flipV="1">
+            <a:off x="6099928" y="1320800"/>
+            <a:ext cx="0" cy="665083"/>
+          </a:xfrm>
+          <a:prstGeom prst="straightConnector1">
+            <a:avLst/>
+          </a:prstGeom>
+          <a:ln w="38100">
+            <a:solidFill>
+              <a:schemeClr val="accent6">
+                <a:lumMod val="75000"/>
+              </a:schemeClr>
+            </a:solidFill>
+            <a:tailEnd type="arrow"/>
+          </a:ln>
+        </p:spPr>
+        <p:style>
+          <a:lnRef idx="1">
+            <a:schemeClr val="accent1"/>
+          </a:lnRef>
+          <a:fillRef idx="0">
+            <a:schemeClr val="accent1"/>
+          </a:fillRef>
+          <a:effectRef idx="0">
+            <a:schemeClr val="accent1"/>
+          </a:effectRef>
+          <a:fontRef idx="minor">
+            <a:schemeClr val="tx1"/>
+          </a:fontRef>
+        </p:style>
+      </p:cxnSp>
+      <p:sp>
+        <p:nvSpPr>
+          <p:cNvPr id="10" name="Textfeld 9"/>
+          <p:cNvSpPr txBox="1"/>
+          <p:nvPr/>
+        </p:nvSpPr>
+        <p:spPr>
+          <a:xfrm>
+            <a:off x="4749800" y="2152650"/>
+            <a:ext cx="3136900" cy="1323439"/>
+          </a:xfrm>
+          <a:prstGeom prst="rect">
+            <a:avLst/>
+          </a:prstGeom>
+          <a:noFill/>
+        </p:spPr>
+        <p:txBody>
+          <a:bodyPr wrap="square" rtlCol="0">
+            <a:spAutoFit/>
+          </a:bodyPr>
+          <a:lstStyle/>
+          <a:p>
+            <a:r>
+              <a:rPr lang="de-DE" sz="2000" dirty="0" err="1" smtClean="0">
+                <a:latin typeface="Gabriola" panose="04040605051002020D02" pitchFamily="82" charset="0"/>
+              </a:rPr>
+              <a:t>Use</a:t>
+            </a:r>
+            <a:r>
+              <a:rPr lang="de-DE" sz="2000" dirty="0" smtClean="0">
+                <a:latin typeface="Gabriola" panose="04040605051002020D02" pitchFamily="82" charset="0"/>
+              </a:rPr>
+              <a:t> </a:t>
+            </a:r>
+            <a:r>
+              <a:rPr lang="de-DE" sz="2000" dirty="0" err="1" smtClean="0">
+                <a:latin typeface="Gabriola" panose="04040605051002020D02" pitchFamily="82" charset="0"/>
+              </a:rPr>
+              <a:t>pairwise</a:t>
+            </a:r>
+            <a:r>
+              <a:rPr lang="de-DE" sz="2000" dirty="0" smtClean="0">
+                <a:latin typeface="Gabriola" panose="04040605051002020D02" pitchFamily="82" charset="0"/>
+              </a:rPr>
+              <a:t> </a:t>
+            </a:r>
+            <a:r>
+              <a:rPr lang="de-DE" sz="2000" dirty="0" err="1" smtClean="0">
+                <a:latin typeface="Gabriola" panose="04040605051002020D02" pitchFamily="82" charset="0"/>
+              </a:rPr>
+              <a:t>product</a:t>
+            </a:r>
+            <a:r>
+              <a:rPr lang="de-DE" sz="2000" dirty="0" smtClean="0">
+                <a:latin typeface="Gabriola" panose="04040605051002020D02" pitchFamily="82" charset="0"/>
+              </a:rPr>
+              <a:t> </a:t>
+            </a:r>
+          </a:p>
+          <a:p>
+            <a:r>
+              <a:rPr lang="de-DE" sz="2000" dirty="0" err="1" smtClean="0">
+                <a:latin typeface="Gabriola" panose="04040605051002020D02" pitchFamily="82" charset="0"/>
+              </a:rPr>
+              <a:t>instead</a:t>
+            </a:r>
+            <a:r>
+              <a:rPr lang="de-DE" sz="2000" dirty="0" smtClean="0">
+                <a:latin typeface="Gabriola" panose="04040605051002020D02" pitchFamily="82" charset="0"/>
+              </a:rPr>
+              <a:t> </a:t>
+            </a:r>
+            <a:r>
+              <a:rPr lang="de-DE" sz="2000" dirty="0" err="1" smtClean="0">
+                <a:latin typeface="Gabriola" panose="04040605051002020D02" pitchFamily="82" charset="0"/>
+              </a:rPr>
+              <a:t>of</a:t>
+            </a:r>
+            <a:r>
+              <a:rPr lang="de-DE" sz="2000" dirty="0" smtClean="0">
+                <a:latin typeface="Gabriola" panose="04040605051002020D02" pitchFamily="82" charset="0"/>
+              </a:rPr>
+              <a:t> </a:t>
+            </a:r>
+            <a:r>
+              <a:rPr lang="de-DE" sz="2000" dirty="0" err="1" smtClean="0">
+                <a:latin typeface="Gabriola" panose="04040605051002020D02" pitchFamily="82" charset="0"/>
+              </a:rPr>
+              <a:t>cartesian</a:t>
+            </a:r>
+            <a:r>
+              <a:rPr lang="de-DE" sz="2000" dirty="0" smtClean="0">
+                <a:latin typeface="Gabriola" panose="04040605051002020D02" pitchFamily="82" charset="0"/>
+              </a:rPr>
+              <a:t> </a:t>
+            </a:r>
+            <a:r>
+              <a:rPr lang="de-DE" sz="2000" dirty="0" err="1" smtClean="0">
+                <a:latin typeface="Gabriola" panose="04040605051002020D02" pitchFamily="82" charset="0"/>
+              </a:rPr>
+              <a:t>product</a:t>
+            </a:r>
+            <a:endParaRPr lang="de-DE" sz="2000" dirty="0" smtClean="0">
+              <a:latin typeface="Gabriola" panose="04040605051002020D02" pitchFamily="82" charset="0"/>
+            </a:endParaRPr>
+          </a:p>
+          <a:p>
+            <a:endParaRPr lang="de-DE" sz="2000" dirty="0" smtClean="0">
+              <a:latin typeface="Gabriola" panose="04040605051002020D02" pitchFamily="82" charset="0"/>
+              <a:sym typeface="Wingdings" panose="05000000000000000000" pitchFamily="2" charset="2"/>
+            </a:endParaRPr>
+          </a:p>
+          <a:p>
+            <a:r>
+              <a:rPr lang="de-DE" sz="2000" dirty="0" err="1" smtClean="0">
+                <a:latin typeface="Gabriola" panose="04040605051002020D02" pitchFamily="82" charset="0"/>
+                <a:sym typeface="Wingdings" panose="05000000000000000000" pitchFamily="2" charset="2"/>
+              </a:rPr>
+              <a:t>Reduces</a:t>
+            </a:r>
+            <a:r>
+              <a:rPr lang="de-DE" sz="2000" dirty="0" smtClean="0">
+                <a:latin typeface="Gabriola" panose="04040605051002020D02" pitchFamily="82" charset="0"/>
+                <a:sym typeface="Wingdings" panose="05000000000000000000" pitchFamily="2" charset="2"/>
+              </a:rPr>
+              <a:t> </a:t>
+            </a:r>
+            <a:r>
+              <a:rPr lang="de-DE" sz="2000" dirty="0" err="1" smtClean="0">
+                <a:latin typeface="Gabriola" panose="04040605051002020D02" pitchFamily="82" charset="0"/>
+                <a:sym typeface="Wingdings" panose="05000000000000000000" pitchFamily="2" charset="2"/>
+              </a:rPr>
+              <a:t>amount</a:t>
+            </a:r>
+            <a:r>
+              <a:rPr lang="de-DE" sz="2000" dirty="0" smtClean="0">
+                <a:latin typeface="Gabriola" panose="04040605051002020D02" pitchFamily="82" charset="0"/>
+                <a:sym typeface="Wingdings" panose="05000000000000000000" pitchFamily="2" charset="2"/>
+              </a:rPr>
+              <a:t> </a:t>
+            </a:r>
+            <a:r>
+              <a:rPr lang="de-DE" sz="2000" dirty="0" err="1" smtClean="0">
+                <a:latin typeface="Gabriola" panose="04040605051002020D02" pitchFamily="82" charset="0"/>
+                <a:sym typeface="Wingdings" panose="05000000000000000000" pitchFamily="2" charset="2"/>
+              </a:rPr>
+              <a:t>of</a:t>
+            </a:r>
+            <a:r>
+              <a:rPr lang="de-DE" sz="2000" dirty="0" smtClean="0">
+                <a:latin typeface="Gabriola" panose="04040605051002020D02" pitchFamily="82" charset="0"/>
+                <a:sym typeface="Wingdings" panose="05000000000000000000" pitchFamily="2" charset="2"/>
+              </a:rPr>
+              <a:t> </a:t>
+            </a:r>
+            <a:r>
+              <a:rPr lang="de-DE" sz="2000" dirty="0" err="1" smtClean="0">
+                <a:latin typeface="Gabriola" panose="04040605051002020D02" pitchFamily="82" charset="0"/>
+                <a:sym typeface="Wingdings" panose="05000000000000000000" pitchFamily="2" charset="2"/>
+              </a:rPr>
+              <a:t>test</a:t>
+            </a:r>
+            <a:r>
+              <a:rPr lang="de-DE" sz="2000" dirty="0" smtClean="0">
+                <a:latin typeface="Gabriola" panose="04040605051002020D02" pitchFamily="82" charset="0"/>
+                <a:sym typeface="Wingdings" panose="05000000000000000000" pitchFamily="2" charset="2"/>
+              </a:rPr>
+              <a:t> </a:t>
+            </a:r>
+            <a:r>
+              <a:rPr lang="de-DE" sz="2000" dirty="0" err="1" smtClean="0">
+                <a:latin typeface="Gabriola" panose="04040605051002020D02" pitchFamily="82" charset="0"/>
+                <a:sym typeface="Wingdings" panose="05000000000000000000" pitchFamily="2" charset="2"/>
+              </a:rPr>
+              <a:t>cases</a:t>
+            </a:r>
+            <a:endParaRPr lang="en-US" sz="2000" dirty="0">
+              <a:latin typeface="Gabriola" panose="04040605051002020D02" pitchFamily="82" charset="0"/>
+            </a:endParaRPr>
+          </a:p>
+        </p:txBody>
+      </p:sp>
+      <p:pic>
+        <p:nvPicPr>
+          <p:cNvPr id="4" name="Grafik 3"/>
+          <p:cNvPicPr>
+            <a:picLocks noChangeAspect="1"/>
+          </p:cNvPicPr>
+          <p:nvPr/>
+        </p:nvPicPr>
+        <p:blipFill>
+          <a:blip r:link="rId4"/>
+          <a:stretch>
+            <a:fillRect/>
+          </a:stretch>
+        </p:blipFill>
+        <p:spPr>
+          <a:xfrm>
+            <a:off x="2936089" y="409198"/>
+            <a:ext cx="6065821" cy="3756241"/>
+          </a:xfrm>
+          <a:prstGeom prst="rect">
+            <a:avLst/>
+          </a:prstGeom>
+          <a:ln>
+            <a:solidFill>
+              <a:schemeClr val="bg1">
+                <a:lumMod val="75000"/>
+              </a:schemeClr>
+            </a:solidFill>
+          </a:ln>
+          <a:effectLst>
+            <a:outerShdw blurRad="457200" dist="1295400" dir="9120000" sx="94000" sy="94000" algn="tr" rotWithShape="0">
+              <a:prstClr val="black">
+                <a:alpha val="41000"/>
+              </a:prstClr>
+            </a:outerShdw>
+          </a:effectLst>
+        </p:spPr>
+      </p:pic>
+    </p:spTree>
+    <p:extLst>
+      <p:ext uri="{BB962C8B-B14F-4D97-AF65-F5344CB8AC3E}">
+        <p14:creationId xmlns:p14="http://schemas.microsoft.com/office/powerpoint/2010/main" val="3262804611"/>
+      </p:ext>
+    </p:extLst>
+  </p:cSld>
+  <p:clrMapOvr>
+    <a:overrideClrMapping bg1="lt1" tx1="dk1" bg2="lt2" tx2="dk2" accent1="accent1" accent2="accent2" accent3="accent3" accent4="accent4" accent5="accent5" accent6="accent6" hlink="hlink" folHlink="folHlink"/>
+  </p:clrMapOvr>
+  <p:timing>
+    <p:tnLst>
+      <p:par>
+        <p:cTn id="1" dur="indefinite" restart="never" nodeType="tmRoot"/>
+      </p:par>
+    </p:tnLst>
+  </p:timing>
+</p:sld>
+</file>
+
+<file path=ppt/slides/slide5.xml><?xml version="1.0" encoding="utf-8"?>
+<p:sld xmlns:a="http://schemas.openxmlformats.org/drawingml/2006/main" xmlns:r="http://schemas.openxmlformats.org/officeDocument/2006/relationships" xmlns:p="http://schemas.openxmlformats.org/presentationml/2006/main">
+  <p:cSld>
+    <p:spTree>
+      <p:nvGrpSpPr>
+        <p:cNvPr id="1" name=""/>
+        <p:cNvGrpSpPr/>
+        <p:nvPr/>
+      </p:nvGrpSpPr>
+      <p:grpSpPr>
+        <a:xfrm>
+          <a:off x="0" y="0"/>
+          <a:ext cx="0" cy="0"/>
+          <a:chOff x="0" y="0"/>
+          <a:chExt cx="0" cy="0"/>
+        </a:xfrm>
+      </p:grpSpPr>
+      <p:pic>
+        <p:nvPicPr>
+          <p:cNvPr id="2" name="Grafik 1"/>
+          <p:cNvPicPr>
+            <a:picLocks noChangeAspect="1"/>
+          </p:cNvPicPr>
+          <p:nvPr/>
+        </p:nvPicPr>
+        <p:blipFill rotWithShape="1">
+          <a:blip r:link="rId2"/>
+          <a:srcRect l="2780" t="5513" r="3557" b="9533"/>
+          <a:stretch/>
+        </p:blipFill>
+        <p:spPr>
+          <a:xfrm>
+            <a:off x="114300" y="622300"/>
+            <a:ext cx="5016500" cy="3848100"/>
+          </a:xfrm>
+          <a:prstGeom prst="rect">
+            <a:avLst/>
+          </a:prstGeom>
+          <a:ln>
+            <a:solidFill>
+              <a:schemeClr val="bg1">
+                <a:lumMod val="75000"/>
+              </a:schemeClr>
+            </a:solidFill>
+          </a:ln>
+        </p:spPr>
+      </p:pic>
+      <p:sp>
+        <p:nvSpPr>
+          <p:cNvPr id="18" name="Textfeld 17"/>
+          <p:cNvSpPr txBox="1"/>
+          <p:nvPr/>
+        </p:nvSpPr>
+        <p:spPr>
+          <a:xfrm>
+            <a:off x="-14710" y="5487"/>
+            <a:ext cx="5564610" cy="646331"/>
+          </a:xfrm>
+          <a:prstGeom prst="rect">
+            <a:avLst/>
+          </a:prstGeom>
+          <a:noFill/>
+        </p:spPr>
+        <p:txBody>
+          <a:bodyPr wrap="square" rtlCol="0">
+            <a:spAutoFit/>
+          </a:bodyPr>
+          <a:lstStyle/>
+          <a:p>
+            <a:r>
+              <a:rPr lang="de-DE" sz="3600" dirty="0" err="1" smtClean="0">
+                <a:effectLst>
+                  <a:outerShdw blurRad="38100" dist="38100" dir="2700000" algn="tl">
+                    <a:srgbClr val="000000">
+                      <a:alpha val="43137"/>
+                    </a:srgbClr>
+                  </a:outerShdw>
+                </a:effectLst>
+                <a:latin typeface="Gabriola" panose="04040605051002020D02" pitchFamily="82" charset="0"/>
+              </a:rPr>
+              <a:t>Generate</a:t>
+            </a:r>
+            <a:r>
+              <a:rPr lang="de-DE" sz="3600" dirty="0" smtClean="0">
+                <a:effectLst>
+                  <a:outerShdw blurRad="38100" dist="38100" dir="2700000" algn="tl">
+                    <a:srgbClr val="000000">
+                      <a:alpha val="43137"/>
+                    </a:srgbClr>
+                  </a:outerShdw>
+                </a:effectLst>
+                <a:latin typeface="Gabriola" panose="04040605051002020D02" pitchFamily="82" charset="0"/>
+              </a:rPr>
+              <a:t> </a:t>
+            </a:r>
+            <a:r>
+              <a:rPr lang="de-DE" sz="3600" dirty="0" err="1" smtClean="0">
+                <a:effectLst>
+                  <a:outerShdw blurRad="38100" dist="38100" dir="2700000" algn="tl">
+                    <a:srgbClr val="000000">
+                      <a:alpha val="43137"/>
+                    </a:srgbClr>
+                  </a:outerShdw>
+                </a:effectLst>
+                <a:latin typeface="Gabriola" panose="04040605051002020D02" pitchFamily="82" charset="0"/>
+              </a:rPr>
+              <a:t>Combinations</a:t>
+            </a:r>
+            <a:r>
+              <a:rPr lang="de-DE" sz="3600" dirty="0" smtClean="0">
+                <a:effectLst>
+                  <a:outerShdw blurRad="38100" dist="38100" dir="2700000" algn="tl">
+                    <a:srgbClr val="000000">
+                      <a:alpha val="43137"/>
+                    </a:srgbClr>
+                  </a:outerShdw>
+                </a:effectLst>
+                <a:latin typeface="Gabriola" panose="04040605051002020D02" pitchFamily="82" charset="0"/>
+              </a:rPr>
+              <a:t> </a:t>
+            </a:r>
+            <a:r>
+              <a:rPr lang="de-DE" sz="3600" dirty="0" err="1" smtClean="0">
+                <a:effectLst>
+                  <a:outerShdw blurRad="38100" dist="38100" dir="2700000" algn="tl">
+                    <a:srgbClr val="000000">
+                      <a:alpha val="43137"/>
+                    </a:srgbClr>
+                  </a:outerShdw>
+                </a:effectLst>
+                <a:latin typeface="Gabriola" panose="04040605051002020D02" pitchFamily="82" charset="0"/>
+              </a:rPr>
+              <a:t>from</a:t>
+            </a:r>
+            <a:r>
+              <a:rPr lang="de-DE" sz="3600" dirty="0" smtClean="0">
+                <a:effectLst>
+                  <a:outerShdw blurRad="38100" dist="38100" dir="2700000" algn="tl">
+                    <a:srgbClr val="000000">
+                      <a:alpha val="43137"/>
+                    </a:srgbClr>
+                  </a:outerShdw>
+                </a:effectLst>
+                <a:latin typeface="Gabriola" panose="04040605051002020D02" pitchFamily="82" charset="0"/>
+              </a:rPr>
+              <a:t> </a:t>
+            </a:r>
+            <a:r>
+              <a:rPr lang="de-DE" sz="3600" dirty="0" err="1" smtClean="0">
+                <a:effectLst>
+                  <a:outerShdw blurRad="38100" dist="38100" dir="2700000" algn="tl">
+                    <a:srgbClr val="000000">
+                      <a:alpha val="43137"/>
+                    </a:srgbClr>
+                  </a:outerShdw>
+                </a:effectLst>
+                <a:latin typeface="Gabriola" panose="04040605051002020D02" pitchFamily="82" charset="0"/>
+              </a:rPr>
+              <a:t>Tree</a:t>
+            </a:r>
+            <a:r>
+              <a:rPr lang="de-DE" sz="3600" dirty="0" smtClean="0">
+                <a:effectLst>
+                  <a:outerShdw blurRad="38100" dist="38100" dir="2700000" algn="tl">
+                    <a:srgbClr val="000000">
+                      <a:alpha val="43137"/>
+                    </a:srgbClr>
+                  </a:outerShdw>
+                </a:effectLst>
+                <a:latin typeface="Gabriola" panose="04040605051002020D02" pitchFamily="82" charset="0"/>
+              </a:rPr>
+              <a:t>!</a:t>
+            </a:r>
+            <a:endParaRPr lang="en-US" sz="3600" dirty="0">
+              <a:effectLst>
+                <a:outerShdw blurRad="38100" dist="38100" dir="2700000" algn="tl">
+                  <a:srgbClr val="000000">
+                    <a:alpha val="43137"/>
+                  </a:srgbClr>
+                </a:outerShdw>
+              </a:effectLst>
+              <a:latin typeface="Gabriola" panose="04040605051002020D02" pitchFamily="82" charset="0"/>
+            </a:endParaRPr>
+          </a:p>
+        </p:txBody>
+      </p:sp>
+    </p:spTree>
+    <p:extLst>
+      <p:ext uri="{BB962C8B-B14F-4D97-AF65-F5344CB8AC3E}">
+        <p14:creationId xmlns:p14="http://schemas.microsoft.com/office/powerpoint/2010/main" val="4288815790"/>
+      </p:ext>
+    </p:extLst>
+  </p:cSld>
+  <p:clrMapOvr>
+    <a:masterClrMapping/>
+  </p:clrMapOvr>
+  <p:timing>
+    <p:tnLst>
+      <p:par>
+        <p:cTn id="1" dur="indefinite" restart="never" nodeType="tmRoot"/>
+      </p:par>
+    </p:tnLst>
+  </p:timing>
+</p:sld>
+</file>
+
+<file path=ppt/slides/slide6.xml><?xml version="1.0" encoding="utf-8"?>
+<p:sld xmlns:a="http://schemas.openxmlformats.org/drawingml/2006/main" xmlns:r="http://schemas.openxmlformats.org/officeDocument/2006/relationships" xmlns:p="http://schemas.openxmlformats.org/presentationml/2006/main">
+  <p:cSld>
+    <p:spTree>
+      <p:nvGrpSpPr>
+        <p:cNvPr id="1" name=""/>
+        <p:cNvGrpSpPr/>
+        <p:nvPr/>
+      </p:nvGrpSpPr>
+      <p:grpSpPr>
+        <a:xfrm>
+          <a:off x="0" y="0"/>
+          <a:ext cx="0" cy="0"/>
+          <a:chOff x="0" y="0"/>
+          <a:chExt cx="0" cy="0"/>
+        </a:xfrm>
+      </p:grpSpPr>
+      <p:pic>
+        <p:nvPicPr>
+          <p:cNvPr id="2" name="Grafik 1"/>
+          <p:cNvPicPr>
+            <a:picLocks noChangeAspect="1"/>
+          </p:cNvPicPr>
+          <p:nvPr/>
+        </p:nvPicPr>
+        <p:blipFill rotWithShape="1">
+          <a:blip r:link="rId2"/>
+          <a:srcRect l="2780" t="5513" r="3557" b="9533"/>
+          <a:stretch/>
+        </p:blipFill>
+        <p:spPr>
+          <a:xfrm>
+            <a:off x="114300" y="622300"/>
+            <a:ext cx="5016500" cy="3848100"/>
+          </a:xfrm>
+          <a:prstGeom prst="rect">
+            <a:avLst/>
+          </a:prstGeom>
+          <a:ln>
+            <a:solidFill>
+              <a:schemeClr val="bg1">
+                <a:lumMod val="75000"/>
+              </a:schemeClr>
+            </a:solidFill>
+          </a:ln>
+        </p:spPr>
+      </p:pic>
+      <p:pic>
+        <p:nvPicPr>
+          <p:cNvPr id="3" name="Grafik 2"/>
+          <p:cNvPicPr>
+            <a:picLocks noChangeAspect="1"/>
+          </p:cNvPicPr>
+          <p:nvPr/>
+        </p:nvPicPr>
+        <p:blipFill>
+          <a:blip r:link="rId3"/>
+          <a:stretch>
+            <a:fillRect/>
+          </a:stretch>
+        </p:blipFill>
+        <p:spPr>
+          <a:xfrm>
+            <a:off x="3024949" y="1201230"/>
+            <a:ext cx="5964301" cy="2741040"/>
+          </a:xfrm>
+          <a:prstGeom prst="rect">
+            <a:avLst/>
+          </a:prstGeom>
+          <a:ln>
+            <a:solidFill>
+              <a:schemeClr val="bg1">
+                <a:lumMod val="75000"/>
+              </a:schemeClr>
+            </a:solidFill>
+          </a:ln>
+          <a:effectLst>
+            <a:outerShdw blurRad="457200" dist="1295400" dir="9120000" sx="94000" sy="94000" algn="tr" rotWithShape="0">
+              <a:prstClr val="black">
+                <a:alpha val="41000"/>
+              </a:prstClr>
+            </a:outerShdw>
+          </a:effectLst>
+        </p:spPr>
+      </p:pic>
+      <p:sp>
+        <p:nvSpPr>
+          <p:cNvPr id="5" name="Textfeld 4"/>
+          <p:cNvSpPr txBox="1"/>
+          <p:nvPr/>
+        </p:nvSpPr>
+        <p:spPr>
+          <a:xfrm>
+            <a:off x="-14710" y="5487"/>
+            <a:ext cx="5564610" cy="646331"/>
+          </a:xfrm>
+          <a:prstGeom prst="rect">
+            <a:avLst/>
+          </a:prstGeom>
+          <a:noFill/>
+        </p:spPr>
+        <p:txBody>
+          <a:bodyPr wrap="square" rtlCol="0">
+            <a:spAutoFit/>
+          </a:bodyPr>
+          <a:lstStyle/>
+          <a:p>
+            <a:r>
+              <a:rPr lang="de-DE" sz="3600" dirty="0" err="1" smtClean="0">
+                <a:effectLst>
+                  <a:outerShdw blurRad="38100" dist="38100" dir="2700000" algn="tl">
+                    <a:srgbClr val="000000">
+                      <a:alpha val="43137"/>
+                    </a:srgbClr>
+                  </a:outerShdw>
+                </a:effectLst>
+                <a:latin typeface="Gabriola" panose="04040605051002020D02" pitchFamily="82" charset="0"/>
+              </a:rPr>
+              <a:t>Generate</a:t>
+            </a:r>
+            <a:r>
+              <a:rPr lang="de-DE" sz="3600" dirty="0" smtClean="0">
+                <a:effectLst>
+                  <a:outerShdw blurRad="38100" dist="38100" dir="2700000" algn="tl">
+                    <a:srgbClr val="000000">
+                      <a:alpha val="43137"/>
+                    </a:srgbClr>
+                  </a:outerShdw>
+                </a:effectLst>
+                <a:latin typeface="Gabriola" panose="04040605051002020D02" pitchFamily="82" charset="0"/>
+              </a:rPr>
+              <a:t> </a:t>
+            </a:r>
+            <a:r>
+              <a:rPr lang="de-DE" sz="3600" dirty="0" err="1" smtClean="0">
+                <a:effectLst>
+                  <a:outerShdw blurRad="38100" dist="38100" dir="2700000" algn="tl">
+                    <a:srgbClr val="000000">
+                      <a:alpha val="43137"/>
+                    </a:srgbClr>
+                  </a:outerShdw>
+                </a:effectLst>
+                <a:latin typeface="Gabriola" panose="04040605051002020D02" pitchFamily="82" charset="0"/>
+              </a:rPr>
+              <a:t>Combinations</a:t>
+            </a:r>
+            <a:r>
+              <a:rPr lang="de-DE" sz="3600" dirty="0" smtClean="0">
+                <a:effectLst>
+                  <a:outerShdw blurRad="38100" dist="38100" dir="2700000" algn="tl">
+                    <a:srgbClr val="000000">
+                      <a:alpha val="43137"/>
+                    </a:srgbClr>
+                  </a:outerShdw>
+                </a:effectLst>
+                <a:latin typeface="Gabriola" panose="04040605051002020D02" pitchFamily="82" charset="0"/>
+              </a:rPr>
+              <a:t> </a:t>
+            </a:r>
+            <a:r>
+              <a:rPr lang="de-DE" sz="3600" dirty="0" err="1" smtClean="0">
+                <a:effectLst>
+                  <a:outerShdw blurRad="38100" dist="38100" dir="2700000" algn="tl">
+                    <a:srgbClr val="000000">
+                      <a:alpha val="43137"/>
+                    </a:srgbClr>
+                  </a:outerShdw>
+                </a:effectLst>
+                <a:latin typeface="Gabriola" panose="04040605051002020D02" pitchFamily="82" charset="0"/>
+              </a:rPr>
+              <a:t>from</a:t>
+            </a:r>
+            <a:r>
+              <a:rPr lang="de-DE" sz="3600" dirty="0" smtClean="0">
+                <a:effectLst>
+                  <a:outerShdw blurRad="38100" dist="38100" dir="2700000" algn="tl">
+                    <a:srgbClr val="000000">
+                      <a:alpha val="43137"/>
+                    </a:srgbClr>
+                  </a:outerShdw>
+                </a:effectLst>
+                <a:latin typeface="Gabriola" panose="04040605051002020D02" pitchFamily="82" charset="0"/>
+              </a:rPr>
+              <a:t> </a:t>
+            </a:r>
+            <a:r>
+              <a:rPr lang="de-DE" sz="3600" dirty="0" err="1" smtClean="0">
+                <a:effectLst>
+                  <a:outerShdw blurRad="38100" dist="38100" dir="2700000" algn="tl">
+                    <a:srgbClr val="000000">
+                      <a:alpha val="43137"/>
+                    </a:srgbClr>
+                  </a:outerShdw>
+                </a:effectLst>
+                <a:latin typeface="Gabriola" panose="04040605051002020D02" pitchFamily="82" charset="0"/>
+              </a:rPr>
+              <a:t>Tree</a:t>
+            </a:r>
+            <a:r>
+              <a:rPr lang="de-DE" sz="3600" dirty="0" smtClean="0">
+                <a:effectLst>
+                  <a:outerShdw blurRad="38100" dist="38100" dir="2700000" algn="tl">
+                    <a:srgbClr val="000000">
+                      <a:alpha val="43137"/>
+                    </a:srgbClr>
+                  </a:outerShdw>
+                </a:effectLst>
+                <a:latin typeface="Gabriola" panose="04040605051002020D02" pitchFamily="82" charset="0"/>
+              </a:rPr>
+              <a:t>!</a:t>
+            </a:r>
+            <a:endParaRPr lang="en-US" sz="3600" dirty="0">
+              <a:effectLst>
+                <a:outerShdw blurRad="38100" dist="38100" dir="2700000" algn="tl">
+                  <a:srgbClr val="000000">
+                    <a:alpha val="43137"/>
+                  </a:srgbClr>
+                </a:outerShdw>
+              </a:effectLst>
+              <a:latin typeface="Gabriola" panose="04040605051002020D02" pitchFamily="82" charset="0"/>
+            </a:endParaRPr>
+          </a:p>
+        </p:txBody>
+      </p:sp>
+    </p:spTree>
+    <p:extLst>
+      <p:ext uri="{BB962C8B-B14F-4D97-AF65-F5344CB8AC3E}">
+        <p14:creationId xmlns:p14="http://schemas.microsoft.com/office/powerpoint/2010/main" val="2719487626"/>
       </p:ext>
     </p:extLst>
   </p:cSld>
@@ -3285,8 +5689,94 @@
   <a:extraClrSchemeLst/>
   <a:extLst>
     <a:ext uri="{05A4C25C-085E-4340-85A3-A5531E510DB2}">
-      <thm15:themeFamily xmlns:thm15="http://schemas.microsoft.com/office/thememl/2012/main" xmlns="" name="Office Theme" id="{62F939B6-93AF-4DB8-9C6B-D6C7DFDC589F}" vid="{4A3C46E8-61CC-4603-A589-7422A47A8E4A}"/>
+      <thm15:themeFamily xmlns="" xmlns:thm15="http://schemas.microsoft.com/office/thememl/2012/main" name="Office Theme" id="{62F939B6-93AF-4DB8-9C6B-D6C7DFDC589F}" vid="{4A3C46E8-61CC-4603-A589-7422A47A8E4A}"/>
     </a:ext>
   </a:extLst>
 </a:theme>
+</file>
+
+<file path=ppt/theme/themeOverride1.xml><?xml version="1.0" encoding="utf-8"?>
+<a:themeOverride xmlns:a="http://schemas.openxmlformats.org/drawingml/2006/main">
+  <a:clrScheme name="Office">
+    <a:dk1>
+      <a:sysClr val="windowText" lastClr="000000"/>
+    </a:dk1>
+    <a:lt1>
+      <a:sysClr val="window" lastClr="FFFFFF"/>
+    </a:lt1>
+    <a:dk2>
+      <a:srgbClr val="44546A"/>
+    </a:dk2>
+    <a:lt2>
+      <a:srgbClr val="E7E6E6"/>
+    </a:lt2>
+    <a:accent1>
+      <a:srgbClr val="5B9BD5"/>
+    </a:accent1>
+    <a:accent2>
+      <a:srgbClr val="ED7D31"/>
+    </a:accent2>
+    <a:accent3>
+      <a:srgbClr val="A5A5A5"/>
+    </a:accent3>
+    <a:accent4>
+      <a:srgbClr val="FFC000"/>
+    </a:accent4>
+    <a:accent5>
+      <a:srgbClr val="4472C4"/>
+    </a:accent5>
+    <a:accent6>
+      <a:srgbClr val="70AD47"/>
+    </a:accent6>
+    <a:hlink>
+      <a:srgbClr val="0563C1"/>
+    </a:hlink>
+    <a:folHlink>
+      <a:srgbClr val="954F72"/>
+    </a:folHlink>
+  </a:clrScheme>
+</a:themeOverride>
+</file>
+
+<file path=ppt/theme/themeOverride2.xml><?xml version="1.0" encoding="utf-8"?>
+<a:themeOverride xmlns:a="http://schemas.openxmlformats.org/drawingml/2006/main">
+  <a:clrScheme name="Office">
+    <a:dk1>
+      <a:sysClr val="windowText" lastClr="000000"/>
+    </a:dk1>
+    <a:lt1>
+      <a:sysClr val="window" lastClr="FFFFFF"/>
+    </a:lt1>
+    <a:dk2>
+      <a:srgbClr val="44546A"/>
+    </a:dk2>
+    <a:lt2>
+      <a:srgbClr val="E7E6E6"/>
+    </a:lt2>
+    <a:accent1>
+      <a:srgbClr val="5B9BD5"/>
+    </a:accent1>
+    <a:accent2>
+      <a:srgbClr val="ED7D31"/>
+    </a:accent2>
+    <a:accent3>
+      <a:srgbClr val="A5A5A5"/>
+    </a:accent3>
+    <a:accent4>
+      <a:srgbClr val="FFC000"/>
+    </a:accent4>
+    <a:accent5>
+      <a:srgbClr val="4472C4"/>
+    </a:accent5>
+    <a:accent6>
+      <a:srgbClr val="70AD47"/>
+    </a:accent6>
+    <a:hlink>
+      <a:srgbClr val="0563C1"/>
+    </a:hlink>
+    <a:folHlink>
+      <a:srgbClr val="954F72"/>
+    </a:folHlink>
+  </a:clrScheme>
+</a:themeOverride>
 </file>
--- a/src/NCase.Doc/intern/ReadmeCaroussel.pptx
+++ b/src/NCase.Doc/intern/ReadmeCaroussel.pptx
@@ -11,6 +11,12 @@
     <p:sldId id="261" r:id="rId5"/>
     <p:sldId id="257" r:id="rId6"/>
     <p:sldId id="259" r:id="rId7"/>
+    <p:sldId id="262" r:id="rId8"/>
+    <p:sldId id="263" r:id="rId9"/>
+    <p:sldId id="264" r:id="rId10"/>
+    <p:sldId id="265" r:id="rId11"/>
+    <p:sldId id="267" r:id="rId12"/>
+    <p:sldId id="268" r:id="rId13"/>
   </p:sldIdLst>
   <p:sldSz cx="9144000" cy="5143500" type="screen16x9"/>
   <p:notesSz cx="6858000" cy="9144000"/>
@@ -111,13 +117,23 @@
   </p:defaultTextStyle>
   <p:extLst>
     <p:ext uri="{EFAFB233-063F-42B5-8137-9DF3F51BA10A}">
-      <p15:sldGuideLst xmlns="" xmlns:p15="http://schemas.microsoft.com/office/powerpoint/2012/main">
+      <p15:sldGuideLst xmlns:p15="http://schemas.microsoft.com/office/powerpoint/2012/main">
         <p15:guide id="1" orient="horz" pos="2160">
           <p15:clr>
             <a:srgbClr val="A4A3A4"/>
           </p15:clr>
         </p15:guide>
         <p15:guide id="2" pos="3840">
+          <p15:clr>
+            <a:srgbClr val="A4A3A4"/>
+          </p15:clr>
+        </p15:guide>
+        <p15:guide id="3" orient="horz" pos="1620">
+          <p15:clr>
+            <a:srgbClr val="A4A3A4"/>
+          </p15:clr>
+        </p15:guide>
+        <p15:guide id="4" pos="2880">
           <p15:clr>
             <a:srgbClr val="A4A3A4"/>
           </p15:clr>
@@ -301,7 +317,7 @@
           <a:p>
             <a:fld id="{283AF68C-C093-4BDC-8CF7-53FAADAA3F33}" type="slidenum">
               <a:rPr lang="en-US" smtClean="0"/>
-              <a:t>‹Nr.›</a:t>
+              <a:t>‹#›</a:t>
             </a:fld>
             <a:endParaRPr lang="en-US"/>
           </a:p>
@@ -471,7 +487,7 @@
           <a:p>
             <a:fld id="{283AF68C-C093-4BDC-8CF7-53FAADAA3F33}" type="slidenum">
               <a:rPr lang="en-US" smtClean="0"/>
-              <a:t>‹Nr.›</a:t>
+              <a:t>‹#›</a:t>
             </a:fld>
             <a:endParaRPr lang="en-US"/>
           </a:p>
@@ -651,7 +667,7 @@
           <a:p>
             <a:fld id="{283AF68C-C093-4BDC-8CF7-53FAADAA3F33}" type="slidenum">
               <a:rPr lang="en-US" smtClean="0"/>
-              <a:t>‹Nr.›</a:t>
+              <a:t>‹#›</a:t>
             </a:fld>
             <a:endParaRPr lang="en-US"/>
           </a:p>
@@ -821,7 +837,7 @@
           <a:p>
             <a:fld id="{283AF68C-C093-4BDC-8CF7-53FAADAA3F33}" type="slidenum">
               <a:rPr lang="en-US" smtClean="0"/>
-              <a:t>‹Nr.›</a:t>
+              <a:t>‹#›</a:t>
             </a:fld>
             <a:endParaRPr lang="en-US"/>
           </a:p>
@@ -1067,7 +1083,7 @@
           <a:p>
             <a:fld id="{283AF68C-C093-4BDC-8CF7-53FAADAA3F33}" type="slidenum">
               <a:rPr lang="en-US" smtClean="0"/>
-              <a:t>‹Nr.›</a:t>
+              <a:t>‹#›</a:t>
             </a:fld>
             <a:endParaRPr lang="en-US"/>
           </a:p>
@@ -1299,7 +1315,7 @@
           <a:p>
             <a:fld id="{283AF68C-C093-4BDC-8CF7-53FAADAA3F33}" type="slidenum">
               <a:rPr lang="en-US" smtClean="0"/>
-              <a:t>‹Nr.›</a:t>
+              <a:t>‹#›</a:t>
             </a:fld>
             <a:endParaRPr lang="en-US"/>
           </a:p>
@@ -1666,7 +1682,7 @@
           <a:p>
             <a:fld id="{283AF68C-C093-4BDC-8CF7-53FAADAA3F33}" type="slidenum">
               <a:rPr lang="en-US" smtClean="0"/>
-              <a:t>‹Nr.›</a:t>
+              <a:t>‹#›</a:t>
             </a:fld>
             <a:endParaRPr lang="en-US"/>
           </a:p>
@@ -1784,7 +1800,7 @@
           <a:p>
             <a:fld id="{283AF68C-C093-4BDC-8CF7-53FAADAA3F33}" type="slidenum">
               <a:rPr lang="en-US" smtClean="0"/>
-              <a:t>‹Nr.›</a:t>
+              <a:t>‹#›</a:t>
             </a:fld>
             <a:endParaRPr lang="en-US"/>
           </a:p>
@@ -1879,7 +1895,7 @@
           <a:p>
             <a:fld id="{283AF68C-C093-4BDC-8CF7-53FAADAA3F33}" type="slidenum">
               <a:rPr lang="en-US" smtClean="0"/>
-              <a:t>‹Nr.›</a:t>
+              <a:t>‹#›</a:t>
             </a:fld>
             <a:endParaRPr lang="en-US"/>
           </a:p>
@@ -2156,7 +2172,7 @@
           <a:p>
             <a:fld id="{283AF68C-C093-4BDC-8CF7-53FAADAA3F33}" type="slidenum">
               <a:rPr lang="en-US" smtClean="0"/>
-              <a:t>‹Nr.›</a:t>
+              <a:t>‹#›</a:t>
             </a:fld>
             <a:endParaRPr lang="en-US"/>
           </a:p>
@@ -2409,7 +2425,7 @@
           <a:p>
             <a:fld id="{283AF68C-C093-4BDC-8CF7-53FAADAA3F33}" type="slidenum">
               <a:rPr lang="en-US" smtClean="0"/>
-              <a:t>‹Nr.›</a:t>
+              <a:t>‹#›</a:t>
             </a:fld>
             <a:endParaRPr lang="en-US"/>
           </a:p>
@@ -2664,7 +2680,7 @@
           <a:p>
             <a:fld id="{283AF68C-C093-4BDC-8CF7-53FAADAA3F33}" type="slidenum">
               <a:rPr lang="en-US" smtClean="0"/>
-              <a:t>‹Nr.›</a:t>
+              <a:t>‹#›</a:t>
             </a:fld>
             <a:endParaRPr lang="en-US"/>
           </a:p>
@@ -3006,8 +3022,8 @@
         </p:blipFill>
         <p:spPr>
           <a:xfrm>
-            <a:off x="101600" y="761237"/>
-            <a:ext cx="3911600" cy="3695700"/>
+            <a:off x="101600" y="888237"/>
+            <a:ext cx="3928330" cy="3405406"/>
           </a:xfrm>
           <a:prstGeom prst="rect">
             <a:avLst/>
@@ -3351,7 +3367,7 @@
         </p:nvSpPr>
         <p:spPr>
           <a:xfrm>
-            <a:off x="6301045" y="258565"/>
+            <a:off x="6525630" y="254000"/>
             <a:ext cx="1096775" cy="830997"/>
           </a:xfrm>
           <a:prstGeom prst="rect">
@@ -3855,6 +3871,738 @@
     <p:extLst>
       <p:ext uri="{BB962C8B-B14F-4D97-AF65-F5344CB8AC3E}">
         <p14:creationId xmlns:p14="http://schemas.microsoft.com/office/powerpoint/2010/main" val="2653025638"/>
+      </p:ext>
+    </p:extLst>
+  </p:cSld>
+  <p:clrMapOvr>
+    <a:masterClrMapping/>
+  </p:clrMapOvr>
+  <p:timing>
+    <p:tnLst>
+      <p:par>
+        <p:cTn id="1" dur="indefinite" restart="never" nodeType="tmRoot"/>
+      </p:par>
+    </p:tnLst>
+  </p:timing>
+</p:sld>
+</file>
+
+<file path=ppt/slides/slide10.xml><?xml version="1.0" encoding="utf-8"?>
+<p:sld xmlns:a="http://schemas.openxmlformats.org/drawingml/2006/main" xmlns:r="http://schemas.openxmlformats.org/officeDocument/2006/relationships" xmlns:p="http://schemas.openxmlformats.org/presentationml/2006/main">
+  <p:cSld>
+    <p:spTree>
+      <p:nvGrpSpPr>
+        <p:cNvPr id="1" name=""/>
+        <p:cNvGrpSpPr/>
+        <p:nvPr/>
+      </p:nvGrpSpPr>
+      <p:grpSpPr>
+        <a:xfrm>
+          <a:off x="0" y="0"/>
+          <a:ext cx="0" cy="0"/>
+          <a:chOff x="0" y="0"/>
+          <a:chExt cx="0" cy="0"/>
+        </a:xfrm>
+      </p:grpSpPr>
+      <p:sp>
+        <p:nvSpPr>
+          <p:cNvPr id="10" name="Textfeld 17"/>
+          <p:cNvSpPr txBox="1"/>
+          <p:nvPr/>
+        </p:nvSpPr>
+        <p:spPr>
+          <a:xfrm>
+            <a:off x="-14711" y="5487"/>
+            <a:ext cx="6268365" cy="646331"/>
+          </a:xfrm>
+          <a:prstGeom prst="rect">
+            <a:avLst/>
+          </a:prstGeom>
+          <a:noFill/>
+        </p:spPr>
+        <p:txBody>
+          <a:bodyPr wrap="square" rtlCol="0">
+            <a:spAutoFit/>
+          </a:bodyPr>
+          <a:lstStyle/>
+          <a:p>
+            <a:r>
+              <a:rPr lang="de-DE" sz="3600" dirty="0" smtClean="0">
+                <a:effectLst>
+                  <a:outerShdw blurRad="38100" dist="38100" dir="2700000" algn="tl">
+                    <a:srgbClr val="000000">
+                      <a:alpha val="43137"/>
+                    </a:srgbClr>
+                  </a:outerShdw>
+                </a:effectLst>
+                <a:latin typeface="Gabriola" panose="04040605051002020D02" pitchFamily="82" charset="0"/>
+              </a:rPr>
+              <a:t>Reference </a:t>
+            </a:r>
+            <a:r>
+              <a:rPr lang="de-DE" sz="3600" dirty="0" err="1" smtClean="0">
+                <a:effectLst>
+                  <a:outerShdw blurRad="38100" dist="38100" dir="2700000" algn="tl">
+                    <a:srgbClr val="000000">
+                      <a:alpha val="43137"/>
+                    </a:srgbClr>
+                  </a:outerShdw>
+                </a:effectLst>
+                <a:latin typeface="Gabriola" panose="04040605051002020D02" pitchFamily="82" charset="0"/>
+              </a:rPr>
+              <a:t>Definitions</a:t>
+            </a:r>
+            <a:r>
+              <a:rPr lang="de-DE" sz="3600" dirty="0" smtClean="0">
+                <a:effectLst>
+                  <a:outerShdw blurRad="38100" dist="38100" dir="2700000" algn="tl">
+                    <a:srgbClr val="000000">
+                      <a:alpha val="43137"/>
+                    </a:srgbClr>
+                  </a:outerShdw>
+                </a:effectLst>
+                <a:latin typeface="Gabriola" panose="04040605051002020D02" pitchFamily="82" charset="0"/>
+              </a:rPr>
+              <a:t> </a:t>
+            </a:r>
+            <a:r>
+              <a:rPr lang="de-DE" sz="3600" dirty="0" err="1" smtClean="0">
+                <a:effectLst>
+                  <a:outerShdw blurRad="38100" dist="38100" dir="2700000" algn="tl">
+                    <a:srgbClr val="000000">
+                      <a:alpha val="43137"/>
+                    </a:srgbClr>
+                  </a:outerShdw>
+                </a:effectLst>
+                <a:latin typeface="Gabriola" panose="04040605051002020D02" pitchFamily="82" charset="0"/>
+              </a:rPr>
+              <a:t>within</a:t>
+            </a:r>
+            <a:r>
+              <a:rPr lang="de-DE" sz="3600" dirty="0" smtClean="0">
+                <a:effectLst>
+                  <a:outerShdw blurRad="38100" dist="38100" dir="2700000" algn="tl">
+                    <a:srgbClr val="000000">
+                      <a:alpha val="43137"/>
+                    </a:srgbClr>
+                  </a:outerShdw>
+                </a:effectLst>
+                <a:latin typeface="Gabriola" panose="04040605051002020D02" pitchFamily="82" charset="0"/>
+              </a:rPr>
+              <a:t> </a:t>
+            </a:r>
+            <a:r>
+              <a:rPr lang="de-DE" sz="3600" dirty="0" err="1" smtClean="0">
+                <a:effectLst>
+                  <a:outerShdw blurRad="38100" dist="38100" dir="2700000" algn="tl">
+                    <a:srgbClr val="000000">
+                      <a:alpha val="43137"/>
+                    </a:srgbClr>
+                  </a:outerShdw>
+                </a:effectLst>
+                <a:latin typeface="Gabriola" panose="04040605051002020D02" pitchFamily="82" charset="0"/>
+              </a:rPr>
+              <a:t>Definitions</a:t>
+            </a:r>
+            <a:endParaRPr lang="en-US" sz="3600" dirty="0">
+              <a:effectLst>
+                <a:outerShdw blurRad="38100" dist="38100" dir="2700000" algn="tl">
+                  <a:srgbClr val="000000">
+                    <a:alpha val="43137"/>
+                  </a:srgbClr>
+                </a:outerShdw>
+              </a:effectLst>
+              <a:latin typeface="Gabriola" panose="04040605051002020D02" pitchFamily="82" charset="0"/>
+            </a:endParaRPr>
+          </a:p>
+        </p:txBody>
+      </p:sp>
+      <p:sp>
+        <p:nvSpPr>
+          <p:cNvPr id="5" name="Textfeld 9"/>
+          <p:cNvSpPr txBox="1"/>
+          <p:nvPr/>
+        </p:nvSpPr>
+        <p:spPr>
+          <a:xfrm>
+            <a:off x="5113672" y="2164640"/>
+            <a:ext cx="3136900" cy="830997"/>
+          </a:xfrm>
+          <a:prstGeom prst="rect">
+            <a:avLst/>
+          </a:prstGeom>
+          <a:noFill/>
+        </p:spPr>
+        <p:txBody>
+          <a:bodyPr wrap="square" rtlCol="0">
+            <a:spAutoFit/>
+          </a:bodyPr>
+          <a:lstStyle/>
+          <a:p>
+            <a:r>
+              <a:rPr lang="de-DE" sz="2400" dirty="0" err="1" smtClean="0">
+                <a:latin typeface="Gabriola" panose="04040605051002020D02" pitchFamily="82" charset="0"/>
+                <a:sym typeface="Wingdings" panose="05000000000000000000" pitchFamily="2" charset="2"/>
+              </a:rPr>
+              <a:t>You</a:t>
+            </a:r>
+            <a:r>
+              <a:rPr lang="de-DE" sz="2400" dirty="0" smtClean="0">
+                <a:latin typeface="Gabriola" panose="04040605051002020D02" pitchFamily="82" charset="0"/>
+                <a:sym typeface="Wingdings" panose="05000000000000000000" pitchFamily="2" charset="2"/>
+              </a:rPr>
+              <a:t> </a:t>
+            </a:r>
+            <a:r>
+              <a:rPr lang="de-DE" sz="2400" dirty="0" err="1" smtClean="0">
+                <a:latin typeface="Gabriola" panose="04040605051002020D02" pitchFamily="82" charset="0"/>
+                <a:sym typeface="Wingdings" panose="05000000000000000000" pitchFamily="2" charset="2"/>
+              </a:rPr>
+              <a:t>can</a:t>
+            </a:r>
+            <a:r>
+              <a:rPr lang="de-DE" sz="2400" dirty="0" smtClean="0">
+                <a:latin typeface="Gabriola" panose="04040605051002020D02" pitchFamily="82" charset="0"/>
+                <a:sym typeface="Wingdings" panose="05000000000000000000" pitchFamily="2" charset="2"/>
+              </a:rPr>
+              <a:t> </a:t>
+            </a:r>
+            <a:r>
+              <a:rPr lang="de-DE" sz="2400" dirty="0" err="1" smtClean="0">
+                <a:latin typeface="Gabriola" panose="04040605051002020D02" pitchFamily="82" charset="0"/>
+                <a:sym typeface="Wingdings" panose="05000000000000000000" pitchFamily="2" charset="2"/>
+              </a:rPr>
+              <a:t>inject</a:t>
+            </a:r>
+            <a:r>
+              <a:rPr lang="de-DE" sz="2400" dirty="0" smtClean="0">
+                <a:latin typeface="Gabriola" panose="04040605051002020D02" pitchFamily="82" charset="0"/>
+                <a:sym typeface="Wingdings" panose="05000000000000000000" pitchFamily="2" charset="2"/>
+              </a:rPr>
+              <a:t> </a:t>
+            </a:r>
+            <a:r>
+              <a:rPr lang="de-DE" sz="2400" dirty="0" err="1" smtClean="0">
+                <a:latin typeface="Gabriola" panose="04040605051002020D02" pitchFamily="82" charset="0"/>
+                <a:sym typeface="Wingdings" panose="05000000000000000000" pitchFamily="2" charset="2"/>
+              </a:rPr>
+              <a:t>reference</a:t>
+            </a:r>
+            <a:r>
+              <a:rPr lang="de-DE" sz="2400" dirty="0" smtClean="0">
+                <a:latin typeface="Gabriola" panose="04040605051002020D02" pitchFamily="82" charset="0"/>
+                <a:sym typeface="Wingdings" panose="05000000000000000000" pitchFamily="2" charset="2"/>
+              </a:rPr>
+              <a:t> </a:t>
+            </a:r>
+            <a:r>
+              <a:rPr lang="de-DE" sz="2400" dirty="0" err="1" smtClean="0">
+                <a:latin typeface="Gabriola" panose="04040605051002020D02" pitchFamily="82" charset="0"/>
+                <a:sym typeface="Wingdings" panose="05000000000000000000" pitchFamily="2" charset="2"/>
+              </a:rPr>
+              <a:t>to</a:t>
+            </a:r>
+            <a:r>
+              <a:rPr lang="de-DE" sz="2400" dirty="0" smtClean="0">
+                <a:latin typeface="Gabriola" panose="04040605051002020D02" pitchFamily="82" charset="0"/>
+                <a:sym typeface="Wingdings" panose="05000000000000000000" pitchFamily="2" charset="2"/>
+              </a:rPr>
+              <a:t> </a:t>
+            </a:r>
+            <a:r>
+              <a:rPr lang="de-DE" sz="2400" dirty="0" err="1" smtClean="0">
+                <a:latin typeface="Gabriola" panose="04040605051002020D02" pitchFamily="82" charset="0"/>
+                <a:sym typeface="Wingdings" panose="05000000000000000000" pitchFamily="2" charset="2"/>
+              </a:rPr>
+              <a:t>other</a:t>
+            </a:r>
+            <a:r>
+              <a:rPr lang="de-DE" sz="2400" dirty="0" smtClean="0">
+                <a:latin typeface="Gabriola" panose="04040605051002020D02" pitchFamily="82" charset="0"/>
+                <a:sym typeface="Wingdings" panose="05000000000000000000" pitchFamily="2" charset="2"/>
+              </a:rPr>
+              <a:t> </a:t>
+            </a:r>
+            <a:r>
+              <a:rPr lang="de-DE" sz="2400" dirty="0" err="1" smtClean="0">
+                <a:latin typeface="Gabriola" panose="04040605051002020D02" pitchFamily="82" charset="0"/>
+                <a:sym typeface="Wingdings" panose="05000000000000000000" pitchFamily="2" charset="2"/>
+              </a:rPr>
+              <a:t>definitions</a:t>
+            </a:r>
+            <a:endParaRPr lang="en-US" sz="2400" dirty="0">
+              <a:latin typeface="Gabriola" panose="04040605051002020D02" pitchFamily="82" charset="0"/>
+            </a:endParaRPr>
+          </a:p>
+        </p:txBody>
+      </p:sp>
+      <p:pic>
+        <p:nvPicPr>
+          <p:cNvPr id="2" name="Picture 1"/>
+          <p:cNvPicPr>
+            <a:picLocks noChangeAspect="1"/>
+          </p:cNvPicPr>
+          <p:nvPr/>
+        </p:nvPicPr>
+        <p:blipFill>
+          <a:blip r:embed="rId2">
+            <a:extLst>
+              <a:ext uri="{28A0092B-C50C-407E-A947-70E740481C1C}">
+                <a14:useLocalDpi xmlns:a14="http://schemas.microsoft.com/office/drawing/2010/main" val="0"/>
+              </a:ext>
+            </a:extLst>
+          </a:blip>
+          <a:stretch>
+            <a:fillRect/>
+          </a:stretch>
+        </p:blipFill>
+        <p:spPr>
+          <a:xfrm>
+            <a:off x="120824" y="1308139"/>
+            <a:ext cx="3835400" cy="2544000"/>
+          </a:xfrm>
+          <a:prstGeom prst="rect">
+            <a:avLst/>
+          </a:prstGeom>
+          <a:ln>
+            <a:solidFill>
+              <a:schemeClr val="bg1">
+                <a:lumMod val="75000"/>
+              </a:schemeClr>
+            </a:solidFill>
+          </a:ln>
+        </p:spPr>
+      </p:pic>
+      <p:cxnSp>
+        <p:nvCxnSpPr>
+          <p:cNvPr id="12" name="Straight Connector 11"/>
+          <p:cNvCxnSpPr/>
+          <p:nvPr/>
+        </p:nvCxnSpPr>
+        <p:spPr>
+          <a:xfrm>
+            <a:off x="3766657" y="1946247"/>
+            <a:ext cx="0" cy="310393"/>
+          </a:xfrm>
+          <a:prstGeom prst="line">
+            <a:avLst/>
+          </a:prstGeom>
+          <a:ln w="57150">
+            <a:solidFill>
+              <a:srgbClr val="00B050"/>
+            </a:solidFill>
+          </a:ln>
+        </p:spPr>
+        <p:style>
+          <a:lnRef idx="1">
+            <a:schemeClr val="accent1"/>
+          </a:lnRef>
+          <a:fillRef idx="0">
+            <a:schemeClr val="accent1"/>
+          </a:fillRef>
+          <a:effectRef idx="0">
+            <a:schemeClr val="accent1"/>
+          </a:effectRef>
+          <a:fontRef idx="minor">
+            <a:schemeClr val="tx1"/>
+          </a:fontRef>
+        </p:style>
+      </p:cxnSp>
+      <p:pic>
+        <p:nvPicPr>
+          <p:cNvPr id="7" name="Picture 6"/>
+          <p:cNvPicPr>
+            <a:picLocks noChangeAspect="1"/>
+          </p:cNvPicPr>
+          <p:nvPr/>
+        </p:nvPicPr>
+        <p:blipFill>
+          <a:blip r:link="rId3"/>
+          <a:stretch>
+            <a:fillRect/>
+          </a:stretch>
+        </p:blipFill>
+        <p:spPr>
+          <a:xfrm>
+            <a:off x="4316990" y="358138"/>
+            <a:ext cx="4730263" cy="4444000"/>
+          </a:xfrm>
+          <a:prstGeom prst="rect">
+            <a:avLst/>
+          </a:prstGeom>
+          <a:ln>
+            <a:solidFill>
+              <a:schemeClr val="bg1">
+                <a:lumMod val="75000"/>
+              </a:schemeClr>
+            </a:solidFill>
+          </a:ln>
+          <a:effectLst>
+            <a:outerShdw blurRad="457200" dist="1295400" dir="9120000" sx="94000" sy="94000" algn="tr" rotWithShape="0">
+              <a:prstClr val="black">
+                <a:alpha val="41000"/>
+              </a:prstClr>
+            </a:outerShdw>
+          </a:effectLst>
+        </p:spPr>
+      </p:pic>
+      <p:pic>
+        <p:nvPicPr>
+          <p:cNvPr id="6" name="Picture 5"/>
+          <p:cNvPicPr>
+            <a:picLocks noChangeAspect="1"/>
+          </p:cNvPicPr>
+          <p:nvPr/>
+        </p:nvPicPr>
+        <p:blipFill>
+          <a:blip r:link="rId4"/>
+          <a:stretch>
+            <a:fillRect/>
+          </a:stretch>
+        </p:blipFill>
+        <p:spPr>
+          <a:xfrm>
+            <a:off x="3677077" y="1053801"/>
+            <a:ext cx="3745646" cy="1404519"/>
+          </a:xfrm>
+          <a:prstGeom prst="rect">
+            <a:avLst/>
+          </a:prstGeom>
+          <a:ln>
+            <a:solidFill>
+              <a:schemeClr val="bg1">
+                <a:lumMod val="75000"/>
+              </a:schemeClr>
+            </a:solidFill>
+          </a:ln>
+          <a:effectLst>
+            <a:outerShdw blurRad="457200" dist="1295400" dir="9120000" sx="94000" sy="94000" algn="tr" rotWithShape="0">
+              <a:prstClr val="black">
+                <a:alpha val="41000"/>
+              </a:prstClr>
+            </a:outerShdw>
+          </a:effectLst>
+        </p:spPr>
+      </p:pic>
+    </p:spTree>
+    <p:extLst>
+      <p:ext uri="{BB962C8B-B14F-4D97-AF65-F5344CB8AC3E}">
+        <p14:creationId xmlns:p14="http://schemas.microsoft.com/office/powerpoint/2010/main" val="1200419680"/>
+      </p:ext>
+    </p:extLst>
+  </p:cSld>
+  <p:clrMapOvr>
+    <a:masterClrMapping/>
+  </p:clrMapOvr>
+  <p:timing>
+    <p:tnLst>
+      <p:par>
+        <p:cTn id="1" dur="indefinite" restart="never" nodeType="tmRoot"/>
+      </p:par>
+    </p:tnLst>
+  </p:timing>
+</p:sld>
+</file>
+
+<file path=ppt/slides/slide11.xml><?xml version="1.0" encoding="utf-8"?>
+<p:sld xmlns:a="http://schemas.openxmlformats.org/drawingml/2006/main" xmlns:r="http://schemas.openxmlformats.org/officeDocument/2006/relationships" xmlns:p="http://schemas.openxmlformats.org/presentationml/2006/main">
+  <p:cSld>
+    <p:spTree>
+      <p:nvGrpSpPr>
+        <p:cNvPr id="1" name=""/>
+        <p:cNvGrpSpPr/>
+        <p:nvPr/>
+      </p:nvGrpSpPr>
+      <p:grpSpPr>
+        <a:xfrm>
+          <a:off x="0" y="0"/>
+          <a:ext cx="0" cy="0"/>
+          <a:chOff x="0" y="0"/>
+          <a:chExt cx="0" cy="0"/>
+        </a:xfrm>
+      </p:grpSpPr>
+      <p:sp>
+        <p:nvSpPr>
+          <p:cNvPr id="18" name="Textfeld 17"/>
+          <p:cNvSpPr txBox="1"/>
+          <p:nvPr/>
+        </p:nvSpPr>
+        <p:spPr>
+          <a:xfrm>
+            <a:off x="-14710" y="5487"/>
+            <a:ext cx="5564610" cy="646331"/>
+          </a:xfrm>
+          <a:prstGeom prst="rect">
+            <a:avLst/>
+          </a:prstGeom>
+          <a:noFill/>
+        </p:spPr>
+        <p:txBody>
+          <a:bodyPr wrap="square" rtlCol="0">
+            <a:spAutoFit/>
+          </a:bodyPr>
+          <a:lstStyle/>
+          <a:p>
+            <a:r>
+              <a:rPr lang="de-DE" sz="3600" dirty="0" err="1" smtClean="0">
+                <a:effectLst>
+                  <a:outerShdw blurRad="38100" dist="38100" dir="2700000" algn="tl">
+                    <a:srgbClr val="000000">
+                      <a:alpha val="43137"/>
+                    </a:srgbClr>
+                  </a:outerShdw>
+                </a:effectLst>
+                <a:latin typeface="Gabriola" panose="04040605051002020D02" pitchFamily="82" charset="0"/>
+              </a:rPr>
+              <a:t>Use</a:t>
+            </a:r>
+            <a:r>
+              <a:rPr lang="de-DE" sz="3600" dirty="0" smtClean="0">
+                <a:effectLst>
+                  <a:outerShdw blurRad="38100" dist="38100" dir="2700000" algn="tl">
+                    <a:srgbClr val="000000">
+                      <a:alpha val="43137"/>
+                    </a:srgbClr>
+                  </a:outerShdw>
+                </a:effectLst>
+                <a:latin typeface="Gabriola" panose="04040605051002020D02" pitchFamily="82" charset="0"/>
+              </a:rPr>
+              <a:t> in Unit Test</a:t>
+            </a:r>
+            <a:endParaRPr lang="en-US" sz="3600" dirty="0">
+              <a:effectLst>
+                <a:outerShdw blurRad="38100" dist="38100" dir="2700000" algn="tl">
+                  <a:srgbClr val="000000">
+                    <a:alpha val="43137"/>
+                  </a:srgbClr>
+                </a:outerShdw>
+              </a:effectLst>
+              <a:latin typeface="Gabriola" panose="04040605051002020D02" pitchFamily="82" charset="0"/>
+            </a:endParaRPr>
+          </a:p>
+        </p:txBody>
+      </p:sp>
+      <p:sp>
+        <p:nvSpPr>
+          <p:cNvPr id="5" name="Textfeld 9"/>
+          <p:cNvSpPr txBox="1"/>
+          <p:nvPr/>
+        </p:nvSpPr>
+        <p:spPr>
+          <a:xfrm>
+            <a:off x="5113672" y="2164640"/>
+            <a:ext cx="3136900" cy="830997"/>
+          </a:xfrm>
+          <a:prstGeom prst="rect">
+            <a:avLst/>
+          </a:prstGeom>
+          <a:noFill/>
+        </p:spPr>
+        <p:txBody>
+          <a:bodyPr wrap="square" rtlCol="0">
+            <a:spAutoFit/>
+          </a:bodyPr>
+          <a:lstStyle/>
+          <a:p>
+            <a:r>
+              <a:rPr lang="de-DE" sz="2400" dirty="0" err="1" smtClean="0">
+                <a:latin typeface="Gabriola" panose="04040605051002020D02" pitchFamily="82" charset="0"/>
+                <a:sym typeface="Wingdings" panose="05000000000000000000" pitchFamily="2" charset="2"/>
+              </a:rPr>
+              <a:t>You</a:t>
+            </a:r>
+            <a:r>
+              <a:rPr lang="de-DE" sz="2400" dirty="0" smtClean="0">
+                <a:latin typeface="Gabriola" panose="04040605051002020D02" pitchFamily="82" charset="0"/>
+                <a:sym typeface="Wingdings" panose="05000000000000000000" pitchFamily="2" charset="2"/>
+              </a:rPr>
+              <a:t> </a:t>
+            </a:r>
+            <a:r>
+              <a:rPr lang="de-DE" sz="2400" dirty="0" err="1" smtClean="0">
+                <a:latin typeface="Gabriola" panose="04040605051002020D02" pitchFamily="82" charset="0"/>
+                <a:sym typeface="Wingdings" panose="05000000000000000000" pitchFamily="2" charset="2"/>
+              </a:rPr>
+              <a:t>can</a:t>
+            </a:r>
+            <a:r>
+              <a:rPr lang="de-DE" sz="2400" dirty="0" smtClean="0">
+                <a:latin typeface="Gabriola" panose="04040605051002020D02" pitchFamily="82" charset="0"/>
+                <a:sym typeface="Wingdings" panose="05000000000000000000" pitchFamily="2" charset="2"/>
+              </a:rPr>
+              <a:t> </a:t>
+            </a:r>
+            <a:r>
+              <a:rPr lang="de-DE" sz="2400" dirty="0" err="1" smtClean="0">
+                <a:latin typeface="Gabriola" panose="04040605051002020D02" pitchFamily="82" charset="0"/>
+                <a:sym typeface="Wingdings" panose="05000000000000000000" pitchFamily="2" charset="2"/>
+              </a:rPr>
+              <a:t>inject</a:t>
+            </a:r>
+            <a:r>
+              <a:rPr lang="de-DE" sz="2400" dirty="0" smtClean="0">
+                <a:latin typeface="Gabriola" panose="04040605051002020D02" pitchFamily="82" charset="0"/>
+                <a:sym typeface="Wingdings" panose="05000000000000000000" pitchFamily="2" charset="2"/>
+              </a:rPr>
+              <a:t> </a:t>
+            </a:r>
+            <a:r>
+              <a:rPr lang="de-DE" sz="2400" dirty="0" err="1" smtClean="0">
+                <a:latin typeface="Gabriola" panose="04040605051002020D02" pitchFamily="82" charset="0"/>
+                <a:sym typeface="Wingdings" panose="05000000000000000000" pitchFamily="2" charset="2"/>
+              </a:rPr>
+              <a:t>reference</a:t>
+            </a:r>
+            <a:r>
+              <a:rPr lang="de-DE" sz="2400" dirty="0" smtClean="0">
+                <a:latin typeface="Gabriola" panose="04040605051002020D02" pitchFamily="82" charset="0"/>
+                <a:sym typeface="Wingdings" panose="05000000000000000000" pitchFamily="2" charset="2"/>
+              </a:rPr>
+              <a:t> </a:t>
+            </a:r>
+            <a:r>
+              <a:rPr lang="de-DE" sz="2400" dirty="0" err="1" smtClean="0">
+                <a:latin typeface="Gabriola" panose="04040605051002020D02" pitchFamily="82" charset="0"/>
+                <a:sym typeface="Wingdings" panose="05000000000000000000" pitchFamily="2" charset="2"/>
+              </a:rPr>
+              <a:t>to</a:t>
+            </a:r>
+            <a:r>
+              <a:rPr lang="de-DE" sz="2400" dirty="0" smtClean="0">
+                <a:latin typeface="Gabriola" panose="04040605051002020D02" pitchFamily="82" charset="0"/>
+                <a:sym typeface="Wingdings" panose="05000000000000000000" pitchFamily="2" charset="2"/>
+              </a:rPr>
+              <a:t> </a:t>
+            </a:r>
+            <a:r>
+              <a:rPr lang="de-DE" sz="2400" dirty="0" err="1" smtClean="0">
+                <a:latin typeface="Gabriola" panose="04040605051002020D02" pitchFamily="82" charset="0"/>
+                <a:sym typeface="Wingdings" panose="05000000000000000000" pitchFamily="2" charset="2"/>
+              </a:rPr>
+              <a:t>other</a:t>
+            </a:r>
+            <a:r>
+              <a:rPr lang="de-DE" sz="2400" dirty="0" smtClean="0">
+                <a:latin typeface="Gabriola" panose="04040605051002020D02" pitchFamily="82" charset="0"/>
+                <a:sym typeface="Wingdings" panose="05000000000000000000" pitchFamily="2" charset="2"/>
+              </a:rPr>
+              <a:t> </a:t>
+            </a:r>
+            <a:r>
+              <a:rPr lang="de-DE" sz="2400" dirty="0" err="1" smtClean="0">
+                <a:latin typeface="Gabriola" panose="04040605051002020D02" pitchFamily="82" charset="0"/>
+                <a:sym typeface="Wingdings" panose="05000000000000000000" pitchFamily="2" charset="2"/>
+              </a:rPr>
+              <a:t>definitions</a:t>
+            </a:r>
+            <a:endParaRPr lang="en-US" sz="2400" dirty="0">
+              <a:latin typeface="Gabriola" panose="04040605051002020D02" pitchFamily="82" charset="0"/>
+            </a:endParaRPr>
+          </a:p>
+        </p:txBody>
+      </p:sp>
+    </p:spTree>
+    <p:extLst>
+      <p:ext uri="{BB962C8B-B14F-4D97-AF65-F5344CB8AC3E}">
+        <p14:creationId xmlns:p14="http://schemas.microsoft.com/office/powerpoint/2010/main" val="3851479711"/>
+      </p:ext>
+    </p:extLst>
+  </p:cSld>
+  <p:clrMapOvr>
+    <a:masterClrMapping/>
+  </p:clrMapOvr>
+  <p:timing>
+    <p:tnLst>
+      <p:par>
+        <p:cTn id="1" dur="indefinite" restart="never" nodeType="tmRoot"/>
+      </p:par>
+    </p:tnLst>
+  </p:timing>
+</p:sld>
+</file>
+
+<file path=ppt/slides/slide12.xml><?xml version="1.0" encoding="utf-8"?>
+<p:sld xmlns:a="http://schemas.openxmlformats.org/drawingml/2006/main" xmlns:r="http://schemas.openxmlformats.org/officeDocument/2006/relationships" xmlns:p="http://schemas.openxmlformats.org/presentationml/2006/main">
+  <p:cSld>
+    <p:spTree>
+      <p:nvGrpSpPr>
+        <p:cNvPr id="1" name=""/>
+        <p:cNvGrpSpPr/>
+        <p:nvPr/>
+      </p:nvGrpSpPr>
+      <p:grpSpPr>
+        <a:xfrm>
+          <a:off x="0" y="0"/>
+          <a:ext cx="0" cy="0"/>
+          <a:chOff x="0" y="0"/>
+          <a:chExt cx="0" cy="0"/>
+        </a:xfrm>
+      </p:grpSpPr>
+      <p:sp>
+        <p:nvSpPr>
+          <p:cNvPr id="18" name="Textfeld 17"/>
+          <p:cNvSpPr txBox="1"/>
+          <p:nvPr/>
+        </p:nvSpPr>
+        <p:spPr>
+          <a:xfrm>
+            <a:off x="-14710" y="5487"/>
+            <a:ext cx="5564610" cy="646331"/>
+          </a:xfrm>
+          <a:prstGeom prst="rect">
+            <a:avLst/>
+          </a:prstGeom>
+          <a:noFill/>
+        </p:spPr>
+        <p:txBody>
+          <a:bodyPr wrap="square" rtlCol="0">
+            <a:spAutoFit/>
+          </a:bodyPr>
+          <a:lstStyle/>
+          <a:p>
+            <a:r>
+              <a:rPr lang="de-DE" sz="3600" dirty="0" err="1" smtClean="0">
+                <a:effectLst>
+                  <a:outerShdw blurRad="38100" dist="38100" dir="2700000" algn="tl">
+                    <a:srgbClr val="000000">
+                      <a:alpha val="43137"/>
+                    </a:srgbClr>
+                  </a:outerShdw>
+                </a:effectLst>
+                <a:latin typeface="Gabriola" panose="04040605051002020D02" pitchFamily="82" charset="0"/>
+              </a:rPr>
+              <a:t>Use</a:t>
+            </a:r>
+            <a:r>
+              <a:rPr lang="de-DE" sz="3600" dirty="0" smtClean="0">
+                <a:effectLst>
+                  <a:outerShdw blurRad="38100" dist="38100" dir="2700000" algn="tl">
+                    <a:srgbClr val="000000">
+                      <a:alpha val="43137"/>
+                    </a:srgbClr>
+                  </a:outerShdw>
+                </a:effectLst>
+                <a:latin typeface="Gabriola" panose="04040605051002020D02" pitchFamily="82" charset="0"/>
+              </a:rPr>
+              <a:t> in Unit Test</a:t>
+            </a:r>
+            <a:endParaRPr lang="en-US" sz="3600" dirty="0">
+              <a:effectLst>
+                <a:outerShdw blurRad="38100" dist="38100" dir="2700000" algn="tl">
+                  <a:srgbClr val="000000">
+                    <a:alpha val="43137"/>
+                  </a:srgbClr>
+                </a:outerShdw>
+              </a:effectLst>
+              <a:latin typeface="Gabriola" panose="04040605051002020D02" pitchFamily="82" charset="0"/>
+            </a:endParaRPr>
+          </a:p>
+        </p:txBody>
+      </p:sp>
+    </p:spTree>
+    <p:extLst>
+      <p:ext uri="{BB962C8B-B14F-4D97-AF65-F5344CB8AC3E}">
+        <p14:creationId xmlns:p14="http://schemas.microsoft.com/office/powerpoint/2010/main" val="154123504"/>
       </p:ext>
     </p:extLst>
   </p:cSld>
@@ -3901,7 +4649,7 @@
       </p:grpSpPr>
       <p:pic>
         <p:nvPicPr>
-          <p:cNvPr id="4" name="Grafik 3"/>
+          <p:cNvPr id="5" name="Grafik 3"/>
           <p:cNvPicPr>
             <a:picLocks noChangeAspect="1"/>
           </p:cNvPicPr>
@@ -3914,8 +4662,8 @@
         </p:blipFill>
         <p:spPr>
           <a:xfrm>
-            <a:off x="101600" y="761237"/>
-            <a:ext cx="3911600" cy="3695700"/>
+            <a:off x="101600" y="888237"/>
+            <a:ext cx="3928330" cy="3405406"/>
           </a:xfrm>
           <a:prstGeom prst="rect">
             <a:avLst/>
@@ -4108,7 +4856,7 @@
         </p:blipFill>
         <p:spPr>
           <a:xfrm>
-            <a:off x="165508" y="676454"/>
+            <a:off x="165508" y="930454"/>
             <a:ext cx="7182541" cy="3756241"/>
           </a:xfrm>
           <a:prstGeom prst="rect">
@@ -4273,7 +5021,7 @@
         </p:nvCxnSpPr>
         <p:spPr>
           <a:xfrm flipV="1">
-            <a:off x="6099928" y="1320800"/>
+            <a:off x="6099928" y="1574800"/>
             <a:ext cx="0" cy="665083"/>
           </a:xfrm>
           <a:prstGeom prst="straightConnector1">
@@ -4311,8 +5059,8 @@
         </p:nvSpPr>
         <p:spPr>
           <a:xfrm>
-            <a:off x="4749800" y="2152650"/>
-            <a:ext cx="3136900" cy="1323439"/>
+            <a:off x="4749800" y="2279650"/>
+            <a:ext cx="3136900" cy="461665"/>
           </a:xfrm>
           <a:prstGeom prst="rect">
             <a:avLst/>
@@ -4326,160 +5074,76 @@
           <a:lstStyle/>
           <a:p>
             <a:r>
-              <a:rPr lang="de-DE" sz="2000" dirty="0" err="1" smtClean="0">
-                <a:latin typeface="Gabriola" panose="04040605051002020D02" pitchFamily="82" charset="0"/>
-              </a:rPr>
-              <a:t>Use</a:t>
-            </a:r>
-            <a:r>
-              <a:rPr lang="de-DE" sz="2000" dirty="0" smtClean="0">
-                <a:latin typeface="Gabriola" panose="04040605051002020D02" pitchFamily="82" charset="0"/>
+              <a:rPr lang="de-DE" sz="2400" dirty="0" err="1" smtClean="0">
+                <a:latin typeface="Gabriola" panose="04040605051002020D02" pitchFamily="82" charset="0"/>
+                <a:sym typeface="Wingdings" panose="05000000000000000000" pitchFamily="2" charset="2"/>
+              </a:rPr>
+              <a:t>Reduces</a:t>
+            </a:r>
+            <a:r>
+              <a:rPr lang="de-DE" sz="2400" dirty="0" smtClean="0">
+                <a:latin typeface="Gabriola" panose="04040605051002020D02" pitchFamily="82" charset="0"/>
+                <a:sym typeface="Wingdings" panose="05000000000000000000" pitchFamily="2" charset="2"/>
               </a:rPr>
               <a:t> </a:t>
             </a:r>
             <a:r>
-              <a:rPr lang="de-DE" sz="2000" dirty="0" err="1" smtClean="0">
-                <a:latin typeface="Gabriola" panose="04040605051002020D02" pitchFamily="82" charset="0"/>
-              </a:rPr>
-              <a:t>pairwise</a:t>
-            </a:r>
-            <a:r>
-              <a:rPr lang="de-DE" sz="2000" dirty="0" smtClean="0">
-                <a:latin typeface="Gabriola" panose="04040605051002020D02" pitchFamily="82" charset="0"/>
+              <a:rPr lang="de-DE" sz="2400" dirty="0" err="1" smtClean="0">
+                <a:latin typeface="Gabriola" panose="04040605051002020D02" pitchFamily="82" charset="0"/>
+                <a:sym typeface="Wingdings" panose="05000000000000000000" pitchFamily="2" charset="2"/>
+              </a:rPr>
+              <a:t>amount</a:t>
+            </a:r>
+            <a:r>
+              <a:rPr lang="de-DE" sz="2400" dirty="0" smtClean="0">
+                <a:latin typeface="Gabriola" panose="04040605051002020D02" pitchFamily="82" charset="0"/>
+                <a:sym typeface="Wingdings" panose="05000000000000000000" pitchFamily="2" charset="2"/>
               </a:rPr>
               <a:t> </a:t>
             </a:r>
             <a:r>
-              <a:rPr lang="de-DE" sz="2000" dirty="0" err="1" smtClean="0">
-                <a:latin typeface="Gabriola" panose="04040605051002020D02" pitchFamily="82" charset="0"/>
-              </a:rPr>
-              <a:t>product</a:t>
-            </a:r>
-            <a:r>
-              <a:rPr lang="de-DE" sz="2000" dirty="0" smtClean="0">
-                <a:latin typeface="Gabriola" panose="04040605051002020D02" pitchFamily="82" charset="0"/>
+              <a:rPr lang="de-DE" sz="2400" dirty="0" err="1" smtClean="0">
+                <a:latin typeface="Gabriola" panose="04040605051002020D02" pitchFamily="82" charset="0"/>
+                <a:sym typeface="Wingdings" panose="05000000000000000000" pitchFamily="2" charset="2"/>
+              </a:rPr>
+              <a:t>of</a:t>
+            </a:r>
+            <a:r>
+              <a:rPr lang="de-DE" sz="2400" dirty="0" smtClean="0">
+                <a:latin typeface="Gabriola" panose="04040605051002020D02" pitchFamily="82" charset="0"/>
+                <a:sym typeface="Wingdings" panose="05000000000000000000" pitchFamily="2" charset="2"/>
               </a:rPr>
               <a:t> </a:t>
             </a:r>
-          </a:p>
-          <a:p>
-            <a:r>
-              <a:rPr lang="de-DE" sz="2000" dirty="0" err="1" smtClean="0">
-                <a:latin typeface="Gabriola" panose="04040605051002020D02" pitchFamily="82" charset="0"/>
-              </a:rPr>
-              <a:t>instead</a:t>
-            </a:r>
-            <a:r>
-              <a:rPr lang="de-DE" sz="2000" dirty="0" smtClean="0">
-                <a:latin typeface="Gabriola" panose="04040605051002020D02" pitchFamily="82" charset="0"/>
+            <a:r>
+              <a:rPr lang="de-DE" sz="2400" dirty="0" err="1" smtClean="0">
+                <a:latin typeface="Gabriola" panose="04040605051002020D02" pitchFamily="82" charset="0"/>
+                <a:sym typeface="Wingdings" panose="05000000000000000000" pitchFamily="2" charset="2"/>
+              </a:rPr>
+              <a:t>test</a:t>
+            </a:r>
+            <a:r>
+              <a:rPr lang="de-DE" sz="2400" dirty="0" smtClean="0">
+                <a:latin typeface="Gabriola" panose="04040605051002020D02" pitchFamily="82" charset="0"/>
+                <a:sym typeface="Wingdings" panose="05000000000000000000" pitchFamily="2" charset="2"/>
               </a:rPr>
               <a:t> </a:t>
             </a:r>
             <a:r>
-              <a:rPr lang="de-DE" sz="2000" dirty="0" err="1" smtClean="0">
-                <a:latin typeface="Gabriola" panose="04040605051002020D02" pitchFamily="82" charset="0"/>
-              </a:rPr>
-              <a:t>of</a:t>
-            </a:r>
-            <a:r>
-              <a:rPr lang="de-DE" sz="2000" dirty="0" smtClean="0">
-                <a:latin typeface="Gabriola" panose="04040605051002020D02" pitchFamily="82" charset="0"/>
-              </a:rPr>
-              <a:t> </a:t>
-            </a:r>
-            <a:r>
-              <a:rPr lang="de-DE" sz="2000" dirty="0" err="1" smtClean="0">
-                <a:latin typeface="Gabriola" panose="04040605051002020D02" pitchFamily="82" charset="0"/>
-              </a:rPr>
-              <a:t>cartesian</a:t>
-            </a:r>
-            <a:r>
-              <a:rPr lang="de-DE" sz="2000" dirty="0" smtClean="0">
-                <a:latin typeface="Gabriola" panose="04040605051002020D02" pitchFamily="82" charset="0"/>
-              </a:rPr>
-              <a:t> </a:t>
-            </a:r>
-            <a:r>
-              <a:rPr lang="de-DE" sz="2000" dirty="0" err="1" smtClean="0">
-                <a:latin typeface="Gabriola" panose="04040605051002020D02" pitchFamily="82" charset="0"/>
-              </a:rPr>
-              <a:t>product</a:t>
-            </a:r>
-            <a:endParaRPr lang="de-DE" sz="2000" dirty="0" smtClean="0">
-              <a:latin typeface="Gabriola" panose="04040605051002020D02" pitchFamily="82" charset="0"/>
-            </a:endParaRPr>
-          </a:p>
-          <a:p>
-            <a:endParaRPr lang="de-DE" sz="2000" dirty="0" smtClean="0">
-              <a:latin typeface="Gabriola" panose="04040605051002020D02" pitchFamily="82" charset="0"/>
-              <a:sym typeface="Wingdings" panose="05000000000000000000" pitchFamily="2" charset="2"/>
-            </a:endParaRPr>
-          </a:p>
-          <a:p>
-            <a:r>
-              <a:rPr lang="de-DE" sz="2000" dirty="0" err="1" smtClean="0">
-                <a:latin typeface="Gabriola" panose="04040605051002020D02" pitchFamily="82" charset="0"/>
-                <a:sym typeface="Wingdings" panose="05000000000000000000" pitchFamily="2" charset="2"/>
-              </a:rPr>
-              <a:t>Reduces</a:t>
-            </a:r>
-            <a:r>
-              <a:rPr lang="de-DE" sz="2000" dirty="0" smtClean="0">
-                <a:latin typeface="Gabriola" panose="04040605051002020D02" pitchFamily="82" charset="0"/>
-                <a:sym typeface="Wingdings" panose="05000000000000000000" pitchFamily="2" charset="2"/>
-              </a:rPr>
-              <a:t> </a:t>
-            </a:r>
-            <a:r>
-              <a:rPr lang="de-DE" sz="2000" dirty="0" err="1" smtClean="0">
-                <a:latin typeface="Gabriola" panose="04040605051002020D02" pitchFamily="82" charset="0"/>
-                <a:sym typeface="Wingdings" panose="05000000000000000000" pitchFamily="2" charset="2"/>
-              </a:rPr>
-              <a:t>amount</a:t>
-            </a:r>
-            <a:r>
-              <a:rPr lang="de-DE" sz="2000" dirty="0" smtClean="0">
-                <a:latin typeface="Gabriola" panose="04040605051002020D02" pitchFamily="82" charset="0"/>
-                <a:sym typeface="Wingdings" panose="05000000000000000000" pitchFamily="2" charset="2"/>
-              </a:rPr>
-              <a:t> </a:t>
-            </a:r>
-            <a:r>
-              <a:rPr lang="de-DE" sz="2000" dirty="0" err="1" smtClean="0">
-                <a:latin typeface="Gabriola" panose="04040605051002020D02" pitchFamily="82" charset="0"/>
-                <a:sym typeface="Wingdings" panose="05000000000000000000" pitchFamily="2" charset="2"/>
-              </a:rPr>
-              <a:t>of</a:t>
-            </a:r>
-            <a:r>
-              <a:rPr lang="de-DE" sz="2000" dirty="0" smtClean="0">
-                <a:latin typeface="Gabriola" panose="04040605051002020D02" pitchFamily="82" charset="0"/>
-                <a:sym typeface="Wingdings" panose="05000000000000000000" pitchFamily="2" charset="2"/>
-              </a:rPr>
-              <a:t> </a:t>
-            </a:r>
-            <a:r>
-              <a:rPr lang="de-DE" sz="2000" dirty="0" err="1" smtClean="0">
-                <a:latin typeface="Gabriola" panose="04040605051002020D02" pitchFamily="82" charset="0"/>
-                <a:sym typeface="Wingdings" panose="05000000000000000000" pitchFamily="2" charset="2"/>
-              </a:rPr>
-              <a:t>test</a:t>
-            </a:r>
-            <a:r>
-              <a:rPr lang="de-DE" sz="2000" dirty="0" smtClean="0">
-                <a:latin typeface="Gabriola" panose="04040605051002020D02" pitchFamily="82" charset="0"/>
-                <a:sym typeface="Wingdings" panose="05000000000000000000" pitchFamily="2" charset="2"/>
-              </a:rPr>
-              <a:t> </a:t>
-            </a:r>
-            <a:r>
-              <a:rPr lang="de-DE" sz="2000" dirty="0" err="1" smtClean="0">
+              <a:rPr lang="de-DE" sz="2400" dirty="0" err="1" smtClean="0">
                 <a:latin typeface="Gabriola" panose="04040605051002020D02" pitchFamily="82" charset="0"/>
                 <a:sym typeface="Wingdings" panose="05000000000000000000" pitchFamily="2" charset="2"/>
               </a:rPr>
               <a:t>cases</a:t>
             </a:r>
-            <a:endParaRPr lang="en-US" sz="2000" dirty="0">
+            <a:r>
+              <a:rPr lang="de-DE" sz="2400" dirty="0" smtClean="0">
+                <a:latin typeface="Gabriola" panose="04040605051002020D02" pitchFamily="82" charset="0"/>
+                <a:sym typeface="Wingdings" panose="05000000000000000000" pitchFamily="2" charset="2"/>
+              </a:rPr>
+              <a:t>!</a:t>
+            </a:r>
+            <a:endParaRPr lang="en-US" sz="2400" dirty="0">
               <a:latin typeface="Gabriola" panose="04040605051002020D02" pitchFamily="82" charset="0"/>
             </a:endParaRPr>
           </a:p>
@@ -4549,7 +5213,7 @@
         </p:blipFill>
         <p:spPr>
           <a:xfrm>
-            <a:off x="165508" y="676454"/>
+            <a:off x="165508" y="930454"/>
             <a:ext cx="7182541" cy="3756241"/>
           </a:xfrm>
           <a:prstGeom prst="rect">
@@ -5016,8 +5680,8 @@
         </p:blipFill>
         <p:spPr>
           <a:xfrm>
-            <a:off x="114300" y="622300"/>
-            <a:ext cx="5016500" cy="3848100"/>
+            <a:off x="114300" y="1003300"/>
+            <a:ext cx="4787818" cy="3678414"/>
           </a:xfrm>
           <a:prstGeom prst="rect">
             <a:avLst/>
@@ -5064,7 +5728,20 @@
                 </a:effectLst>
                 <a:latin typeface="Gabriola" panose="04040605051002020D02" pitchFamily="82" charset="0"/>
               </a:rPr>
-              <a:t>Generate</a:t>
+              <a:t>D</a:t>
+            </a:r>
+            <a:r>
+              <a:rPr lang="de-DE" sz="3600" dirty="0" err="1" smtClean="0">
+                <a:effectLst>
+                  <a:outerShdw blurRad="38100" dist="38100" dir="2700000" algn="tl">
+                    <a:srgbClr val="000000">
+                      <a:alpha val="43137"/>
+                    </a:srgbClr>
+                  </a:outerShdw>
+                </a:effectLst>
+                <a:latin typeface="Gabriola" panose="04040605051002020D02" pitchFamily="82" charset="0"/>
+              </a:rPr>
+              <a:t>efine</a:t>
             </a:r>
             <a:r>
               <a:rPr lang="de-DE" sz="3600" dirty="0" smtClean="0">
@@ -5116,7 +5793,7 @@
                 </a:effectLst>
                 <a:latin typeface="Gabriola" panose="04040605051002020D02" pitchFamily="82" charset="0"/>
               </a:rPr>
-              <a:t>from</a:t>
+              <a:t>as</a:t>
             </a:r>
             <a:r>
               <a:rPr lang="de-DE" sz="3600" dirty="0" smtClean="0">
@@ -5193,6 +5870,17 @@
 <file path=ppt/slides/slide6.xml><?xml version="1.0" encoding="utf-8"?>
 <p:sld xmlns:a="http://schemas.openxmlformats.org/drawingml/2006/main" xmlns:r="http://schemas.openxmlformats.org/officeDocument/2006/relationships" xmlns:p="http://schemas.openxmlformats.org/presentationml/2006/main">
   <p:cSld>
+    <p:bg>
+      <p:bgPr>
+        <a:solidFill>
+          <a:schemeClr val="accent1">
+            <a:lumMod val="20000"/>
+            <a:lumOff val="80000"/>
+          </a:schemeClr>
+        </a:solidFill>
+        <a:effectLst/>
+      </p:bgPr>
+    </p:bg>
     <p:spTree>
       <p:nvGrpSpPr>
         <p:cNvPr id="1" name=""/>
@@ -5209,21 +5897,21 @@
       </p:grpSpPr>
       <p:pic>
         <p:nvPicPr>
-          <p:cNvPr id="2" name="Grafik 1"/>
+          <p:cNvPr id="6" name="Grafik 1"/>
           <p:cNvPicPr>
             <a:picLocks noChangeAspect="1"/>
           </p:cNvPicPr>
           <p:nvPr/>
         </p:nvPicPr>
         <p:blipFill rotWithShape="1">
-          <a:blip r:link="rId2"/>
+          <a:blip r:link="rId3"/>
           <a:srcRect l="2780" t="5513" r="3557" b="9533"/>
           <a:stretch/>
         </p:blipFill>
         <p:spPr>
           <a:xfrm>
-            <a:off x="114300" y="622300"/>
-            <a:ext cx="5016500" cy="3848100"/>
+            <a:off x="114300" y="1003300"/>
+            <a:ext cx="4787818" cy="3678414"/>
           </a:xfrm>
           <a:prstGeom prst="rect">
             <a:avLst/>
@@ -5246,7 +5934,7 @@
           <p:nvPr/>
         </p:nvPicPr>
         <p:blipFill>
-          <a:blip r:link="rId3"/>
+          <a:blip r:link="rId4"/>
           <a:stretch>
             <a:fillRect/>
           </a:stretch>
@@ -5298,7 +5986,7 @@
           <a:lstStyle/>
           <a:p>
             <a:r>
-              <a:rPr lang="de-DE" sz="3600" dirty="0" err="1" smtClean="0">
+              <a:rPr lang="de-DE" sz="3600" dirty="0" err="1">
                 <a:effectLst>
                   <a:outerShdw blurRad="38100" dist="38100" dir="2700000" algn="tl">
                     <a:srgbClr val="000000">
@@ -5308,10 +5996,10 @@
                 </a:effectLst>
                 <a:latin typeface="Gabriola" panose="04040605051002020D02" pitchFamily="82" charset="0"/>
               </a:rPr>
-              <a:t>Generate</a:t>
-            </a:r>
-            <a:r>
-              <a:rPr lang="de-DE" sz="3600" dirty="0" smtClean="0">
+              <a:t>Define</a:t>
+            </a:r>
+            <a:r>
+              <a:rPr lang="de-DE" sz="3600" dirty="0">
                 <a:effectLst>
                   <a:outerShdw blurRad="38100" dist="38100" dir="2700000" algn="tl">
                     <a:srgbClr val="000000">
@@ -5324,7 +6012,7 @@
               <a:t> </a:t>
             </a:r>
             <a:r>
-              <a:rPr lang="de-DE" sz="3600" dirty="0" err="1" smtClean="0">
+              <a:rPr lang="de-DE" sz="3600" dirty="0" err="1">
                 <a:effectLst>
                   <a:outerShdw blurRad="38100" dist="38100" dir="2700000" algn="tl">
                     <a:srgbClr val="000000">
@@ -5337,7 +6025,7 @@
               <a:t>Combinations</a:t>
             </a:r>
             <a:r>
-              <a:rPr lang="de-DE" sz="3600" dirty="0" smtClean="0">
+              <a:rPr lang="de-DE" sz="3600" dirty="0">
                 <a:effectLst>
                   <a:outerShdw blurRad="38100" dist="38100" dir="2700000" algn="tl">
                     <a:srgbClr val="000000">
@@ -5350,7 +6038,7 @@
               <a:t> </a:t>
             </a:r>
             <a:r>
-              <a:rPr lang="de-DE" sz="3600" dirty="0" err="1" smtClean="0">
+              <a:rPr lang="de-DE" sz="3600" dirty="0" err="1">
                 <a:effectLst>
                   <a:outerShdw blurRad="38100" dist="38100" dir="2700000" algn="tl">
                     <a:srgbClr val="000000">
@@ -5360,10 +6048,10 @@
                 </a:effectLst>
                 <a:latin typeface="Gabriola" panose="04040605051002020D02" pitchFamily="82" charset="0"/>
               </a:rPr>
-              <a:t>from</a:t>
-            </a:r>
-            <a:r>
-              <a:rPr lang="de-DE" sz="3600" dirty="0" smtClean="0">
+              <a:t>as</a:t>
+            </a:r>
+            <a:r>
+              <a:rPr lang="de-DE" sz="3600" dirty="0">
                 <a:effectLst>
                   <a:outerShdw blurRad="38100" dist="38100" dir="2700000" algn="tl">
                     <a:srgbClr val="000000">
@@ -5376,7 +6064,7 @@
               <a:t> </a:t>
             </a:r>
             <a:r>
-              <a:rPr lang="de-DE" sz="3600" dirty="0" err="1" smtClean="0">
+              <a:rPr lang="de-DE" sz="3600" dirty="0" err="1">
                 <a:effectLst>
                   <a:outerShdw blurRad="38100" dist="38100" dir="2700000" algn="tl">
                     <a:srgbClr val="000000">
@@ -5389,7 +6077,7 @@
               <a:t>Tree</a:t>
             </a:r>
             <a:r>
-              <a:rPr lang="de-DE" sz="3600" dirty="0" smtClean="0">
+              <a:rPr lang="de-DE" sz="3600" dirty="0">
                 <a:effectLst>
                   <a:outerShdw blurRad="38100" dist="38100" dir="2700000" algn="tl">
                     <a:srgbClr val="000000">
@@ -5418,6 +6106,1073 @@
     <p:extLst>
       <p:ext uri="{BB962C8B-B14F-4D97-AF65-F5344CB8AC3E}">
         <p14:creationId xmlns:p14="http://schemas.microsoft.com/office/powerpoint/2010/main" val="2719487626"/>
+      </p:ext>
+    </p:extLst>
+  </p:cSld>
+  <p:clrMapOvr>
+    <a:overrideClrMapping bg1="lt1" tx1="dk1" bg2="lt2" tx2="dk2" accent1="accent1" accent2="accent2" accent3="accent3" accent4="accent4" accent5="accent5" accent6="accent6" hlink="hlink" folHlink="folHlink"/>
+  </p:clrMapOvr>
+  <p:timing>
+    <p:tnLst>
+      <p:par>
+        <p:cTn id="1" dur="indefinite" restart="never" nodeType="tmRoot"/>
+      </p:par>
+    </p:tnLst>
+  </p:timing>
+</p:sld>
+</file>
+
+<file path=ppt/slides/slide7.xml><?xml version="1.0" encoding="utf-8"?>
+<p:sld xmlns:a="http://schemas.openxmlformats.org/drawingml/2006/main" xmlns:r="http://schemas.openxmlformats.org/officeDocument/2006/relationships" xmlns:p="http://schemas.openxmlformats.org/presentationml/2006/main">
+  <p:cSld>
+    <p:spTree>
+      <p:nvGrpSpPr>
+        <p:cNvPr id="1" name=""/>
+        <p:cNvGrpSpPr/>
+        <p:nvPr/>
+      </p:nvGrpSpPr>
+      <p:grpSpPr>
+        <a:xfrm>
+          <a:off x="0" y="0"/>
+          <a:ext cx="0" cy="0"/>
+          <a:chOff x="0" y="0"/>
+          <a:chExt cx="0" cy="0"/>
+        </a:xfrm>
+      </p:grpSpPr>
+      <p:sp>
+        <p:nvSpPr>
+          <p:cNvPr id="18" name="Textfeld 17"/>
+          <p:cNvSpPr txBox="1"/>
+          <p:nvPr/>
+        </p:nvSpPr>
+        <p:spPr>
+          <a:xfrm>
+            <a:off x="-14710" y="5487"/>
+            <a:ext cx="5564610" cy="646331"/>
+          </a:xfrm>
+          <a:prstGeom prst="rect">
+            <a:avLst/>
+          </a:prstGeom>
+          <a:noFill/>
+        </p:spPr>
+        <p:txBody>
+          <a:bodyPr wrap="square" rtlCol="0">
+            <a:spAutoFit/>
+          </a:bodyPr>
+          <a:lstStyle/>
+          <a:p>
+            <a:r>
+              <a:rPr lang="de-DE" sz="3600" dirty="0" smtClean="0">
+                <a:effectLst>
+                  <a:outerShdw blurRad="38100" dist="38100" dir="2700000" algn="tl">
+                    <a:srgbClr val="000000">
+                      <a:alpha val="43137"/>
+                    </a:srgbClr>
+                  </a:outerShdw>
+                </a:effectLst>
+                <a:latin typeface="Gabriola" panose="04040605051002020D02" pitchFamily="82" charset="0"/>
+              </a:rPr>
+              <a:t>Mix </a:t>
+            </a:r>
+            <a:r>
+              <a:rPr lang="de-DE" sz="3600" dirty="0" err="1">
+                <a:effectLst>
+                  <a:outerShdw blurRad="38100" dist="38100" dir="2700000" algn="tl">
+                    <a:srgbClr val="000000">
+                      <a:alpha val="43137"/>
+                    </a:srgbClr>
+                  </a:outerShdw>
+                </a:effectLst>
+                <a:latin typeface="Gabriola" panose="04040605051002020D02" pitchFamily="82" charset="0"/>
+              </a:rPr>
+              <a:t>C</a:t>
+            </a:r>
+            <a:r>
+              <a:rPr lang="de-DE" sz="3600" dirty="0" err="1" smtClean="0">
+                <a:effectLst>
+                  <a:outerShdw blurRad="38100" dist="38100" dir="2700000" algn="tl">
+                    <a:srgbClr val="000000">
+                      <a:alpha val="43137"/>
+                    </a:srgbClr>
+                  </a:outerShdw>
+                </a:effectLst>
+                <a:latin typeface="Gabriola" panose="04040605051002020D02" pitchFamily="82" charset="0"/>
+              </a:rPr>
+              <a:t>ontributors</a:t>
+            </a:r>
+            <a:endParaRPr lang="en-US" sz="3600" dirty="0">
+              <a:effectLst>
+                <a:outerShdw blurRad="38100" dist="38100" dir="2700000" algn="tl">
+                  <a:srgbClr val="000000">
+                    <a:alpha val="43137"/>
+                  </a:srgbClr>
+                </a:outerShdw>
+              </a:effectLst>
+              <a:latin typeface="Gabriola" panose="04040605051002020D02" pitchFamily="82" charset="0"/>
+            </a:endParaRPr>
+          </a:p>
+        </p:txBody>
+      </p:sp>
+      <p:pic>
+        <p:nvPicPr>
+          <p:cNvPr id="3" name="Picture 2"/>
+          <p:cNvPicPr>
+            <a:picLocks noChangeAspect="1"/>
+          </p:cNvPicPr>
+          <p:nvPr/>
+        </p:nvPicPr>
+        <p:blipFill rotWithShape="1">
+          <a:blip r:link="rId2"/>
+          <a:srcRect l="1492" t="5619" r="2714" b="8559"/>
+          <a:stretch/>
+        </p:blipFill>
+        <p:spPr>
+          <a:xfrm>
+            <a:off x="74337" y="1090569"/>
+            <a:ext cx="5133985" cy="3580632"/>
+          </a:xfrm>
+          <a:prstGeom prst="rect">
+            <a:avLst/>
+          </a:prstGeom>
+          <a:ln>
+            <a:solidFill>
+              <a:schemeClr val="bg1">
+                <a:lumMod val="75000"/>
+              </a:schemeClr>
+            </a:solidFill>
+          </a:ln>
+        </p:spPr>
+      </p:pic>
+      <p:sp>
+        <p:nvSpPr>
+          <p:cNvPr id="5" name="Textfeld 9"/>
+          <p:cNvSpPr txBox="1"/>
+          <p:nvPr/>
+        </p:nvSpPr>
+        <p:spPr>
+          <a:xfrm>
+            <a:off x="5549900" y="2285709"/>
+            <a:ext cx="3136900" cy="1200329"/>
+          </a:xfrm>
+          <a:prstGeom prst="rect">
+            <a:avLst/>
+          </a:prstGeom>
+          <a:noFill/>
+        </p:spPr>
+        <p:txBody>
+          <a:bodyPr wrap="square" rtlCol="0">
+            <a:spAutoFit/>
+          </a:bodyPr>
+          <a:lstStyle/>
+          <a:p>
+            <a:r>
+              <a:rPr lang="de-DE" sz="2400" dirty="0" err="1" smtClean="0">
+                <a:latin typeface="Gabriola" panose="04040605051002020D02" pitchFamily="82" charset="0"/>
+                <a:sym typeface="Wingdings" panose="05000000000000000000" pitchFamily="2" charset="2"/>
+              </a:rPr>
+              <a:t>You</a:t>
+            </a:r>
+            <a:r>
+              <a:rPr lang="de-DE" sz="2400" dirty="0" smtClean="0">
+                <a:latin typeface="Gabriola" panose="04040605051002020D02" pitchFamily="82" charset="0"/>
+                <a:sym typeface="Wingdings" panose="05000000000000000000" pitchFamily="2" charset="2"/>
+              </a:rPr>
+              <a:t> </a:t>
+            </a:r>
+            <a:r>
+              <a:rPr lang="de-DE" sz="2400" dirty="0" err="1" smtClean="0">
+                <a:latin typeface="Gabriola" panose="04040605051002020D02" pitchFamily="82" charset="0"/>
+                <a:sym typeface="Wingdings" panose="05000000000000000000" pitchFamily="2" charset="2"/>
+              </a:rPr>
+              <a:t>can</a:t>
+            </a:r>
+            <a:r>
+              <a:rPr lang="de-DE" sz="2400" dirty="0" smtClean="0">
+                <a:latin typeface="Gabriola" panose="04040605051002020D02" pitchFamily="82" charset="0"/>
+                <a:sym typeface="Wingdings" panose="05000000000000000000" pitchFamily="2" charset="2"/>
+              </a:rPr>
+              <a:t> mix </a:t>
+            </a:r>
+            <a:r>
+              <a:rPr lang="de-DE" sz="2400" dirty="0" err="1" smtClean="0">
+                <a:latin typeface="Gabriola" panose="04040605051002020D02" pitchFamily="82" charset="0"/>
+                <a:sym typeface="Wingdings" panose="05000000000000000000" pitchFamily="2" charset="2"/>
+              </a:rPr>
+              <a:t>contributors</a:t>
+            </a:r>
+            <a:r>
+              <a:rPr lang="de-DE" sz="2400" dirty="0" smtClean="0">
+                <a:latin typeface="Gabriola" panose="04040605051002020D02" pitchFamily="82" charset="0"/>
+                <a:sym typeface="Wingdings" panose="05000000000000000000" pitchFamily="2" charset="2"/>
+              </a:rPr>
+              <a:t> </a:t>
+            </a:r>
+            <a:r>
+              <a:rPr lang="de-DE" sz="2400" dirty="0" err="1" smtClean="0">
+                <a:latin typeface="Gabriola" panose="04040605051002020D02" pitchFamily="82" charset="0"/>
+                <a:sym typeface="Wingdings" panose="05000000000000000000" pitchFamily="2" charset="2"/>
+              </a:rPr>
+              <a:t>within</a:t>
+            </a:r>
+            <a:r>
+              <a:rPr lang="de-DE" sz="2400" dirty="0" smtClean="0">
+                <a:latin typeface="Gabriola" panose="04040605051002020D02" pitchFamily="82" charset="0"/>
+                <a:sym typeface="Wingdings" panose="05000000000000000000" pitchFamily="2" charset="2"/>
+              </a:rPr>
+              <a:t> </a:t>
+            </a:r>
+            <a:r>
+              <a:rPr lang="de-DE" sz="2400" dirty="0" err="1" smtClean="0">
+                <a:latin typeface="Gabriola" panose="04040605051002020D02" pitchFamily="82" charset="0"/>
+                <a:sym typeface="Wingdings" panose="05000000000000000000" pitchFamily="2" charset="2"/>
+              </a:rPr>
+              <a:t>definitions</a:t>
+            </a:r>
+            <a:r>
+              <a:rPr lang="de-DE" sz="2400" dirty="0" smtClean="0">
+                <a:latin typeface="Gabriola" panose="04040605051002020D02" pitchFamily="82" charset="0"/>
+                <a:sym typeface="Wingdings" panose="05000000000000000000" pitchFamily="2" charset="2"/>
+              </a:rPr>
+              <a:t>. </a:t>
+            </a:r>
+            <a:r>
+              <a:rPr lang="de-DE" sz="2400" dirty="0" err="1" smtClean="0">
+                <a:latin typeface="Gabriola" panose="04040605051002020D02" pitchFamily="82" charset="0"/>
+                <a:sym typeface="Wingdings" panose="05000000000000000000" pitchFamily="2" charset="2"/>
+              </a:rPr>
+              <a:t>It</a:t>
+            </a:r>
+            <a:r>
+              <a:rPr lang="de-DE" sz="2400" dirty="0" smtClean="0">
+                <a:latin typeface="Gabriola" panose="04040605051002020D02" pitchFamily="82" charset="0"/>
+                <a:sym typeface="Wingdings" panose="05000000000000000000" pitchFamily="2" charset="2"/>
+              </a:rPr>
+              <a:t> </a:t>
+            </a:r>
+            <a:r>
+              <a:rPr lang="de-DE" sz="2400" dirty="0" err="1" smtClean="0">
+                <a:latin typeface="Gabriola" panose="04040605051002020D02" pitchFamily="82" charset="0"/>
+                <a:sym typeface="Wingdings" panose="05000000000000000000" pitchFamily="2" charset="2"/>
+              </a:rPr>
+              <a:t>simply</a:t>
+            </a:r>
+            <a:r>
+              <a:rPr lang="de-DE" sz="2400" dirty="0" smtClean="0">
+                <a:latin typeface="Gabriola" panose="04040605051002020D02" pitchFamily="82" charset="0"/>
+                <a:sym typeface="Wingdings" panose="05000000000000000000" pitchFamily="2" charset="2"/>
+              </a:rPr>
+              <a:t> </a:t>
+            </a:r>
+            <a:r>
+              <a:rPr lang="de-DE" sz="2400" dirty="0" err="1" smtClean="0">
+                <a:latin typeface="Gabriola" panose="04040605051002020D02" pitchFamily="82" charset="0"/>
+                <a:sym typeface="Wingdings" panose="05000000000000000000" pitchFamily="2" charset="2"/>
+              </a:rPr>
+              <a:t>works</a:t>
+            </a:r>
+            <a:r>
+              <a:rPr lang="de-DE" sz="2400" dirty="0" smtClean="0">
+                <a:latin typeface="Gabriola" panose="04040605051002020D02" pitchFamily="82" charset="0"/>
+                <a:sym typeface="Wingdings" panose="05000000000000000000" pitchFamily="2" charset="2"/>
+              </a:rPr>
+              <a:t>.</a:t>
+            </a:r>
+            <a:endParaRPr lang="en-US" sz="2400" dirty="0">
+              <a:latin typeface="Gabriola" panose="04040605051002020D02" pitchFamily="82" charset="0"/>
+            </a:endParaRPr>
+          </a:p>
+        </p:txBody>
+      </p:sp>
+      <p:cxnSp>
+        <p:nvCxnSpPr>
+          <p:cNvPr id="10" name="Straight Connector 9"/>
+          <p:cNvCxnSpPr/>
+          <p:nvPr/>
+        </p:nvCxnSpPr>
+        <p:spPr>
+          <a:xfrm>
+            <a:off x="3917659" y="2377545"/>
+            <a:ext cx="0" cy="1006679"/>
+          </a:xfrm>
+          <a:prstGeom prst="line">
+            <a:avLst/>
+          </a:prstGeom>
+          <a:ln w="57150">
+            <a:solidFill>
+              <a:schemeClr val="accent6"/>
+            </a:solidFill>
+          </a:ln>
+        </p:spPr>
+        <p:style>
+          <a:lnRef idx="1">
+            <a:schemeClr val="accent1"/>
+          </a:lnRef>
+          <a:fillRef idx="0">
+            <a:schemeClr val="accent1"/>
+          </a:fillRef>
+          <a:effectRef idx="0">
+            <a:schemeClr val="accent1"/>
+          </a:effectRef>
+          <a:fontRef idx="minor">
+            <a:schemeClr val="tx1"/>
+          </a:fontRef>
+        </p:style>
+      </p:cxnSp>
+      <p:cxnSp>
+        <p:nvCxnSpPr>
+          <p:cNvPr id="12" name="Straight Connector 11"/>
+          <p:cNvCxnSpPr/>
+          <p:nvPr/>
+        </p:nvCxnSpPr>
+        <p:spPr>
+          <a:xfrm>
+            <a:off x="3917659" y="3602118"/>
+            <a:ext cx="0" cy="760157"/>
+          </a:xfrm>
+          <a:prstGeom prst="line">
+            <a:avLst/>
+          </a:prstGeom>
+          <a:ln w="57150">
+            <a:solidFill>
+              <a:srgbClr val="00B050"/>
+            </a:solidFill>
+          </a:ln>
+        </p:spPr>
+        <p:style>
+          <a:lnRef idx="1">
+            <a:schemeClr val="accent1"/>
+          </a:lnRef>
+          <a:fillRef idx="0">
+            <a:schemeClr val="accent1"/>
+          </a:fillRef>
+          <a:effectRef idx="0">
+            <a:schemeClr val="accent1"/>
+          </a:effectRef>
+          <a:fontRef idx="minor">
+            <a:schemeClr val="tx1"/>
+          </a:fontRef>
+        </p:style>
+      </p:cxnSp>
+    </p:spTree>
+    <p:extLst>
+      <p:ext uri="{BB962C8B-B14F-4D97-AF65-F5344CB8AC3E}">
+        <p14:creationId xmlns:p14="http://schemas.microsoft.com/office/powerpoint/2010/main" val="1191581072"/>
+      </p:ext>
+    </p:extLst>
+  </p:cSld>
+  <p:clrMapOvr>
+    <a:masterClrMapping/>
+  </p:clrMapOvr>
+  <p:timing>
+    <p:tnLst>
+      <p:par>
+        <p:cTn id="1" dur="indefinite" restart="never" nodeType="tmRoot"/>
+      </p:par>
+    </p:tnLst>
+  </p:timing>
+</p:sld>
+</file>
+
+<file path=ppt/slides/slide8.xml><?xml version="1.0" encoding="utf-8"?>
+<p:sld xmlns:a="http://schemas.openxmlformats.org/drawingml/2006/main" xmlns:r="http://schemas.openxmlformats.org/officeDocument/2006/relationships" xmlns:p="http://schemas.openxmlformats.org/presentationml/2006/main">
+  <p:cSld>
+    <p:spTree>
+      <p:nvGrpSpPr>
+        <p:cNvPr id="1" name=""/>
+        <p:cNvGrpSpPr/>
+        <p:nvPr/>
+      </p:nvGrpSpPr>
+      <p:grpSpPr>
+        <a:xfrm>
+          <a:off x="0" y="0"/>
+          <a:ext cx="0" cy="0"/>
+          <a:chOff x="0" y="0"/>
+          <a:chExt cx="0" cy="0"/>
+        </a:xfrm>
+      </p:grpSpPr>
+      <p:sp>
+        <p:nvSpPr>
+          <p:cNvPr id="18" name="Textfeld 17"/>
+          <p:cNvSpPr txBox="1"/>
+          <p:nvPr/>
+        </p:nvSpPr>
+        <p:spPr>
+          <a:xfrm>
+            <a:off x="-14710" y="5487"/>
+            <a:ext cx="5564610" cy="646331"/>
+          </a:xfrm>
+          <a:prstGeom prst="rect">
+            <a:avLst/>
+          </a:prstGeom>
+          <a:noFill/>
+        </p:spPr>
+        <p:txBody>
+          <a:bodyPr wrap="square" rtlCol="0">
+            <a:spAutoFit/>
+          </a:bodyPr>
+          <a:lstStyle/>
+          <a:p>
+            <a:r>
+              <a:rPr lang="de-DE" sz="3600" dirty="0" smtClean="0">
+                <a:effectLst>
+                  <a:outerShdw blurRad="38100" dist="38100" dir="2700000" algn="tl">
+                    <a:srgbClr val="000000">
+                      <a:alpha val="43137"/>
+                    </a:srgbClr>
+                  </a:outerShdw>
+                </a:effectLst>
+                <a:latin typeface="Gabriola" panose="04040605051002020D02" pitchFamily="82" charset="0"/>
+              </a:rPr>
+              <a:t>Mix </a:t>
+            </a:r>
+            <a:r>
+              <a:rPr lang="de-DE" sz="3600" dirty="0" err="1">
+                <a:effectLst>
+                  <a:outerShdw blurRad="38100" dist="38100" dir="2700000" algn="tl">
+                    <a:srgbClr val="000000">
+                      <a:alpha val="43137"/>
+                    </a:srgbClr>
+                  </a:outerShdw>
+                </a:effectLst>
+                <a:latin typeface="Gabriola" panose="04040605051002020D02" pitchFamily="82" charset="0"/>
+              </a:rPr>
+              <a:t>C</a:t>
+            </a:r>
+            <a:r>
+              <a:rPr lang="de-DE" sz="3600" dirty="0" err="1" smtClean="0">
+                <a:effectLst>
+                  <a:outerShdw blurRad="38100" dist="38100" dir="2700000" algn="tl">
+                    <a:srgbClr val="000000">
+                      <a:alpha val="43137"/>
+                    </a:srgbClr>
+                  </a:outerShdw>
+                </a:effectLst>
+                <a:latin typeface="Gabriola" panose="04040605051002020D02" pitchFamily="82" charset="0"/>
+              </a:rPr>
+              <a:t>ontributors</a:t>
+            </a:r>
+            <a:endParaRPr lang="en-US" sz="3600" dirty="0">
+              <a:effectLst>
+                <a:outerShdw blurRad="38100" dist="38100" dir="2700000" algn="tl">
+                  <a:srgbClr val="000000">
+                    <a:alpha val="43137"/>
+                  </a:srgbClr>
+                </a:outerShdw>
+              </a:effectLst>
+              <a:latin typeface="Gabriola" panose="04040605051002020D02" pitchFamily="82" charset="0"/>
+            </a:endParaRPr>
+          </a:p>
+        </p:txBody>
+      </p:sp>
+      <p:pic>
+        <p:nvPicPr>
+          <p:cNvPr id="3" name="Picture 2"/>
+          <p:cNvPicPr>
+            <a:picLocks noChangeAspect="1"/>
+          </p:cNvPicPr>
+          <p:nvPr/>
+        </p:nvPicPr>
+        <p:blipFill rotWithShape="1">
+          <a:blip r:link="rId2"/>
+          <a:srcRect l="1492" t="5619" r="2714" b="8559"/>
+          <a:stretch/>
+        </p:blipFill>
+        <p:spPr>
+          <a:xfrm>
+            <a:off x="74337" y="1090569"/>
+            <a:ext cx="5133985" cy="3580632"/>
+          </a:xfrm>
+          <a:prstGeom prst="rect">
+            <a:avLst/>
+          </a:prstGeom>
+          <a:ln>
+            <a:solidFill>
+              <a:schemeClr val="bg1">
+                <a:lumMod val="75000"/>
+              </a:schemeClr>
+            </a:solidFill>
+          </a:ln>
+        </p:spPr>
+      </p:pic>
+      <p:sp>
+        <p:nvSpPr>
+          <p:cNvPr id="5" name="Textfeld 9"/>
+          <p:cNvSpPr txBox="1"/>
+          <p:nvPr/>
+        </p:nvSpPr>
+        <p:spPr>
+          <a:xfrm>
+            <a:off x="5549900" y="2285709"/>
+            <a:ext cx="3136900" cy="1200329"/>
+          </a:xfrm>
+          <a:prstGeom prst="rect">
+            <a:avLst/>
+          </a:prstGeom>
+          <a:noFill/>
+        </p:spPr>
+        <p:txBody>
+          <a:bodyPr wrap="square" rtlCol="0">
+            <a:spAutoFit/>
+          </a:bodyPr>
+          <a:lstStyle/>
+          <a:p>
+            <a:r>
+              <a:rPr lang="de-DE" sz="2400" dirty="0" err="1" smtClean="0">
+                <a:latin typeface="Gabriola" panose="04040605051002020D02" pitchFamily="82" charset="0"/>
+                <a:sym typeface="Wingdings" panose="05000000000000000000" pitchFamily="2" charset="2"/>
+              </a:rPr>
+              <a:t>You</a:t>
+            </a:r>
+            <a:r>
+              <a:rPr lang="de-DE" sz="2400" dirty="0" smtClean="0">
+                <a:latin typeface="Gabriola" panose="04040605051002020D02" pitchFamily="82" charset="0"/>
+                <a:sym typeface="Wingdings" panose="05000000000000000000" pitchFamily="2" charset="2"/>
+              </a:rPr>
+              <a:t> </a:t>
+            </a:r>
+            <a:r>
+              <a:rPr lang="de-DE" sz="2400" dirty="0" err="1" smtClean="0">
+                <a:latin typeface="Gabriola" panose="04040605051002020D02" pitchFamily="82" charset="0"/>
+                <a:sym typeface="Wingdings" panose="05000000000000000000" pitchFamily="2" charset="2"/>
+              </a:rPr>
+              <a:t>can</a:t>
+            </a:r>
+            <a:r>
+              <a:rPr lang="de-DE" sz="2400" dirty="0" smtClean="0">
+                <a:latin typeface="Gabriola" panose="04040605051002020D02" pitchFamily="82" charset="0"/>
+                <a:sym typeface="Wingdings" panose="05000000000000000000" pitchFamily="2" charset="2"/>
+              </a:rPr>
+              <a:t> mix </a:t>
+            </a:r>
+            <a:r>
+              <a:rPr lang="de-DE" sz="2400" dirty="0" err="1" smtClean="0">
+                <a:latin typeface="Gabriola" panose="04040605051002020D02" pitchFamily="82" charset="0"/>
+                <a:sym typeface="Wingdings" panose="05000000000000000000" pitchFamily="2" charset="2"/>
+              </a:rPr>
+              <a:t>contributors</a:t>
+            </a:r>
+            <a:r>
+              <a:rPr lang="de-DE" sz="2400" dirty="0" smtClean="0">
+                <a:latin typeface="Gabriola" panose="04040605051002020D02" pitchFamily="82" charset="0"/>
+                <a:sym typeface="Wingdings" panose="05000000000000000000" pitchFamily="2" charset="2"/>
+              </a:rPr>
+              <a:t> </a:t>
+            </a:r>
+            <a:r>
+              <a:rPr lang="de-DE" sz="2400" dirty="0" err="1" smtClean="0">
+                <a:latin typeface="Gabriola" panose="04040605051002020D02" pitchFamily="82" charset="0"/>
+                <a:sym typeface="Wingdings" panose="05000000000000000000" pitchFamily="2" charset="2"/>
+              </a:rPr>
+              <a:t>within</a:t>
+            </a:r>
+            <a:r>
+              <a:rPr lang="de-DE" sz="2400" dirty="0" smtClean="0">
+                <a:latin typeface="Gabriola" panose="04040605051002020D02" pitchFamily="82" charset="0"/>
+                <a:sym typeface="Wingdings" panose="05000000000000000000" pitchFamily="2" charset="2"/>
+              </a:rPr>
+              <a:t> </a:t>
+            </a:r>
+            <a:r>
+              <a:rPr lang="de-DE" sz="2400" dirty="0" err="1" smtClean="0">
+                <a:latin typeface="Gabriola" panose="04040605051002020D02" pitchFamily="82" charset="0"/>
+                <a:sym typeface="Wingdings" panose="05000000000000000000" pitchFamily="2" charset="2"/>
+              </a:rPr>
+              <a:t>definitions</a:t>
+            </a:r>
+            <a:r>
+              <a:rPr lang="de-DE" sz="2400" dirty="0" smtClean="0">
+                <a:latin typeface="Gabriola" panose="04040605051002020D02" pitchFamily="82" charset="0"/>
+                <a:sym typeface="Wingdings" panose="05000000000000000000" pitchFamily="2" charset="2"/>
+              </a:rPr>
+              <a:t>. </a:t>
+            </a:r>
+            <a:r>
+              <a:rPr lang="de-DE" sz="2400" dirty="0" err="1" smtClean="0">
+                <a:latin typeface="Gabriola" panose="04040605051002020D02" pitchFamily="82" charset="0"/>
+                <a:sym typeface="Wingdings" panose="05000000000000000000" pitchFamily="2" charset="2"/>
+              </a:rPr>
+              <a:t>It</a:t>
+            </a:r>
+            <a:r>
+              <a:rPr lang="de-DE" sz="2400" dirty="0" smtClean="0">
+                <a:latin typeface="Gabriola" panose="04040605051002020D02" pitchFamily="82" charset="0"/>
+                <a:sym typeface="Wingdings" panose="05000000000000000000" pitchFamily="2" charset="2"/>
+              </a:rPr>
+              <a:t> </a:t>
+            </a:r>
+            <a:r>
+              <a:rPr lang="de-DE" sz="2400" dirty="0" err="1" smtClean="0">
+                <a:latin typeface="Gabriola" panose="04040605051002020D02" pitchFamily="82" charset="0"/>
+                <a:sym typeface="Wingdings" panose="05000000000000000000" pitchFamily="2" charset="2"/>
+              </a:rPr>
+              <a:t>simply</a:t>
+            </a:r>
+            <a:r>
+              <a:rPr lang="de-DE" sz="2400" dirty="0" smtClean="0">
+                <a:latin typeface="Gabriola" panose="04040605051002020D02" pitchFamily="82" charset="0"/>
+                <a:sym typeface="Wingdings" panose="05000000000000000000" pitchFamily="2" charset="2"/>
+              </a:rPr>
+              <a:t> </a:t>
+            </a:r>
+            <a:r>
+              <a:rPr lang="de-DE" sz="2400" dirty="0" err="1" smtClean="0">
+                <a:latin typeface="Gabriola" panose="04040605051002020D02" pitchFamily="82" charset="0"/>
+                <a:sym typeface="Wingdings" panose="05000000000000000000" pitchFamily="2" charset="2"/>
+              </a:rPr>
+              <a:t>works</a:t>
+            </a:r>
+            <a:r>
+              <a:rPr lang="de-DE" sz="2400" dirty="0" smtClean="0">
+                <a:latin typeface="Gabriola" panose="04040605051002020D02" pitchFamily="82" charset="0"/>
+                <a:sym typeface="Wingdings" panose="05000000000000000000" pitchFamily="2" charset="2"/>
+              </a:rPr>
+              <a:t>.</a:t>
+            </a:r>
+            <a:endParaRPr lang="en-US" sz="2400" dirty="0">
+              <a:latin typeface="Gabriola" panose="04040605051002020D02" pitchFamily="82" charset="0"/>
+            </a:endParaRPr>
+          </a:p>
+        </p:txBody>
+      </p:sp>
+      <p:cxnSp>
+        <p:nvCxnSpPr>
+          <p:cNvPr id="10" name="Straight Connector 9"/>
+          <p:cNvCxnSpPr/>
+          <p:nvPr/>
+        </p:nvCxnSpPr>
+        <p:spPr>
+          <a:xfrm>
+            <a:off x="3917659" y="2377545"/>
+            <a:ext cx="0" cy="1006679"/>
+          </a:xfrm>
+          <a:prstGeom prst="line">
+            <a:avLst/>
+          </a:prstGeom>
+          <a:ln w="57150">
+            <a:solidFill>
+              <a:schemeClr val="accent6"/>
+            </a:solidFill>
+          </a:ln>
+        </p:spPr>
+        <p:style>
+          <a:lnRef idx="1">
+            <a:schemeClr val="accent1"/>
+          </a:lnRef>
+          <a:fillRef idx="0">
+            <a:schemeClr val="accent1"/>
+          </a:fillRef>
+          <a:effectRef idx="0">
+            <a:schemeClr val="accent1"/>
+          </a:effectRef>
+          <a:fontRef idx="minor">
+            <a:schemeClr val="tx1"/>
+          </a:fontRef>
+        </p:style>
+      </p:cxnSp>
+      <p:cxnSp>
+        <p:nvCxnSpPr>
+          <p:cNvPr id="12" name="Straight Connector 11"/>
+          <p:cNvCxnSpPr/>
+          <p:nvPr/>
+        </p:nvCxnSpPr>
+        <p:spPr>
+          <a:xfrm>
+            <a:off x="3917659" y="3602118"/>
+            <a:ext cx="0" cy="760157"/>
+          </a:xfrm>
+          <a:prstGeom prst="line">
+            <a:avLst/>
+          </a:prstGeom>
+          <a:ln w="57150">
+            <a:solidFill>
+              <a:srgbClr val="00B050"/>
+            </a:solidFill>
+          </a:ln>
+        </p:spPr>
+        <p:style>
+          <a:lnRef idx="1">
+            <a:schemeClr val="accent1"/>
+          </a:lnRef>
+          <a:fillRef idx="0">
+            <a:schemeClr val="accent1"/>
+          </a:fillRef>
+          <a:effectRef idx="0">
+            <a:schemeClr val="accent1"/>
+          </a:effectRef>
+          <a:fontRef idx="minor">
+            <a:schemeClr val="tx1"/>
+          </a:fontRef>
+        </p:style>
+      </p:cxnSp>
+      <p:pic>
+        <p:nvPicPr>
+          <p:cNvPr id="6" name="Picture 5"/>
+          <p:cNvPicPr>
+            <a:picLocks noChangeAspect="1"/>
+          </p:cNvPicPr>
+          <p:nvPr/>
+        </p:nvPicPr>
+        <p:blipFill>
+          <a:blip r:link="rId3"/>
+          <a:stretch>
+            <a:fillRect/>
+          </a:stretch>
+        </p:blipFill>
+        <p:spPr>
+          <a:xfrm>
+            <a:off x="2944535" y="1472642"/>
+            <a:ext cx="6053667" cy="2417482"/>
+          </a:xfrm>
+          <a:prstGeom prst="rect">
+            <a:avLst/>
+          </a:prstGeom>
+          <a:ln>
+            <a:solidFill>
+              <a:schemeClr val="bg1">
+                <a:lumMod val="75000"/>
+              </a:schemeClr>
+            </a:solidFill>
+          </a:ln>
+          <a:effectLst>
+            <a:outerShdw blurRad="457200" dist="1295400" dir="9120000" sx="94000" sy="94000" algn="tr" rotWithShape="0">
+              <a:prstClr val="black">
+                <a:alpha val="41000"/>
+              </a:prstClr>
+            </a:outerShdw>
+          </a:effectLst>
+        </p:spPr>
+      </p:pic>
+    </p:spTree>
+    <p:extLst>
+      <p:ext uri="{BB962C8B-B14F-4D97-AF65-F5344CB8AC3E}">
+        <p14:creationId xmlns:p14="http://schemas.microsoft.com/office/powerpoint/2010/main" val="3047185165"/>
+      </p:ext>
+    </p:extLst>
+  </p:cSld>
+  <p:clrMapOvr>
+    <a:masterClrMapping/>
+  </p:clrMapOvr>
+  <p:timing>
+    <p:tnLst>
+      <p:par>
+        <p:cTn id="1" dur="indefinite" restart="never" nodeType="tmRoot"/>
+      </p:par>
+    </p:tnLst>
+  </p:timing>
+</p:sld>
+</file>
+
+<file path=ppt/slides/slide9.xml><?xml version="1.0" encoding="utf-8"?>
+<p:sld xmlns:a="http://schemas.openxmlformats.org/drawingml/2006/main" xmlns:r="http://schemas.openxmlformats.org/officeDocument/2006/relationships" xmlns:p="http://schemas.openxmlformats.org/presentationml/2006/main">
+  <p:cSld>
+    <p:spTree>
+      <p:nvGrpSpPr>
+        <p:cNvPr id="1" name=""/>
+        <p:cNvGrpSpPr/>
+        <p:nvPr/>
+      </p:nvGrpSpPr>
+      <p:grpSpPr>
+        <a:xfrm>
+          <a:off x="0" y="0"/>
+          <a:ext cx="0" cy="0"/>
+          <a:chOff x="0" y="0"/>
+          <a:chExt cx="0" cy="0"/>
+        </a:xfrm>
+      </p:grpSpPr>
+      <p:sp>
+        <p:nvSpPr>
+          <p:cNvPr id="18" name="Textfeld 17"/>
+          <p:cNvSpPr txBox="1"/>
+          <p:nvPr/>
+        </p:nvSpPr>
+        <p:spPr>
+          <a:xfrm>
+            <a:off x="-14711" y="5487"/>
+            <a:ext cx="6268365" cy="646331"/>
+          </a:xfrm>
+          <a:prstGeom prst="rect">
+            <a:avLst/>
+          </a:prstGeom>
+          <a:noFill/>
+        </p:spPr>
+        <p:txBody>
+          <a:bodyPr wrap="square" rtlCol="0">
+            <a:spAutoFit/>
+          </a:bodyPr>
+          <a:lstStyle/>
+          <a:p>
+            <a:r>
+              <a:rPr lang="de-DE" sz="3600" dirty="0" smtClean="0">
+                <a:effectLst>
+                  <a:outerShdw blurRad="38100" dist="38100" dir="2700000" algn="tl">
+                    <a:srgbClr val="000000">
+                      <a:alpha val="43137"/>
+                    </a:srgbClr>
+                  </a:outerShdw>
+                </a:effectLst>
+                <a:latin typeface="Gabriola" panose="04040605051002020D02" pitchFamily="82" charset="0"/>
+              </a:rPr>
+              <a:t>Reference </a:t>
+            </a:r>
+            <a:r>
+              <a:rPr lang="de-DE" sz="3600" dirty="0" err="1" smtClean="0">
+                <a:effectLst>
+                  <a:outerShdw blurRad="38100" dist="38100" dir="2700000" algn="tl">
+                    <a:srgbClr val="000000">
+                      <a:alpha val="43137"/>
+                    </a:srgbClr>
+                  </a:outerShdw>
+                </a:effectLst>
+                <a:latin typeface="Gabriola" panose="04040605051002020D02" pitchFamily="82" charset="0"/>
+              </a:rPr>
+              <a:t>Definitions</a:t>
+            </a:r>
+            <a:r>
+              <a:rPr lang="de-DE" sz="3600" dirty="0" smtClean="0">
+                <a:effectLst>
+                  <a:outerShdw blurRad="38100" dist="38100" dir="2700000" algn="tl">
+                    <a:srgbClr val="000000">
+                      <a:alpha val="43137"/>
+                    </a:srgbClr>
+                  </a:outerShdw>
+                </a:effectLst>
+                <a:latin typeface="Gabriola" panose="04040605051002020D02" pitchFamily="82" charset="0"/>
+              </a:rPr>
+              <a:t> </a:t>
+            </a:r>
+            <a:r>
+              <a:rPr lang="de-DE" sz="3600" dirty="0" err="1" smtClean="0">
+                <a:effectLst>
+                  <a:outerShdw blurRad="38100" dist="38100" dir="2700000" algn="tl">
+                    <a:srgbClr val="000000">
+                      <a:alpha val="43137"/>
+                    </a:srgbClr>
+                  </a:outerShdw>
+                </a:effectLst>
+                <a:latin typeface="Gabriola" panose="04040605051002020D02" pitchFamily="82" charset="0"/>
+              </a:rPr>
+              <a:t>within</a:t>
+            </a:r>
+            <a:r>
+              <a:rPr lang="de-DE" sz="3600" dirty="0" smtClean="0">
+                <a:effectLst>
+                  <a:outerShdw blurRad="38100" dist="38100" dir="2700000" algn="tl">
+                    <a:srgbClr val="000000">
+                      <a:alpha val="43137"/>
+                    </a:srgbClr>
+                  </a:outerShdw>
+                </a:effectLst>
+                <a:latin typeface="Gabriola" panose="04040605051002020D02" pitchFamily="82" charset="0"/>
+              </a:rPr>
+              <a:t> </a:t>
+            </a:r>
+            <a:r>
+              <a:rPr lang="de-DE" sz="3600" dirty="0" err="1" smtClean="0">
+                <a:effectLst>
+                  <a:outerShdw blurRad="38100" dist="38100" dir="2700000" algn="tl">
+                    <a:srgbClr val="000000">
+                      <a:alpha val="43137"/>
+                    </a:srgbClr>
+                  </a:outerShdw>
+                </a:effectLst>
+                <a:latin typeface="Gabriola" panose="04040605051002020D02" pitchFamily="82" charset="0"/>
+              </a:rPr>
+              <a:t>Definitions</a:t>
+            </a:r>
+            <a:endParaRPr lang="en-US" sz="3600" dirty="0">
+              <a:effectLst>
+                <a:outerShdw blurRad="38100" dist="38100" dir="2700000" algn="tl">
+                  <a:srgbClr val="000000">
+                    <a:alpha val="43137"/>
+                  </a:srgbClr>
+                </a:outerShdw>
+              </a:effectLst>
+              <a:latin typeface="Gabriola" panose="04040605051002020D02" pitchFamily="82" charset="0"/>
+            </a:endParaRPr>
+          </a:p>
+        </p:txBody>
+      </p:sp>
+      <p:sp>
+        <p:nvSpPr>
+          <p:cNvPr id="5" name="Textfeld 9"/>
+          <p:cNvSpPr txBox="1"/>
+          <p:nvPr/>
+        </p:nvSpPr>
+        <p:spPr>
+          <a:xfrm>
+            <a:off x="5113672" y="2164640"/>
+            <a:ext cx="3136900" cy="830997"/>
+          </a:xfrm>
+          <a:prstGeom prst="rect">
+            <a:avLst/>
+          </a:prstGeom>
+          <a:noFill/>
+        </p:spPr>
+        <p:txBody>
+          <a:bodyPr wrap="square" rtlCol="0">
+            <a:spAutoFit/>
+          </a:bodyPr>
+          <a:lstStyle/>
+          <a:p>
+            <a:r>
+              <a:rPr lang="de-DE" sz="2400" dirty="0" err="1" smtClean="0">
+                <a:latin typeface="Gabriola" panose="04040605051002020D02" pitchFamily="82" charset="0"/>
+                <a:sym typeface="Wingdings" panose="05000000000000000000" pitchFamily="2" charset="2"/>
+              </a:rPr>
+              <a:t>You</a:t>
+            </a:r>
+            <a:r>
+              <a:rPr lang="de-DE" sz="2400" dirty="0" smtClean="0">
+                <a:latin typeface="Gabriola" panose="04040605051002020D02" pitchFamily="82" charset="0"/>
+                <a:sym typeface="Wingdings" panose="05000000000000000000" pitchFamily="2" charset="2"/>
+              </a:rPr>
+              <a:t> </a:t>
+            </a:r>
+            <a:r>
+              <a:rPr lang="de-DE" sz="2400" dirty="0" err="1" smtClean="0">
+                <a:latin typeface="Gabriola" panose="04040605051002020D02" pitchFamily="82" charset="0"/>
+                <a:sym typeface="Wingdings" panose="05000000000000000000" pitchFamily="2" charset="2"/>
+              </a:rPr>
+              <a:t>can</a:t>
+            </a:r>
+            <a:r>
+              <a:rPr lang="de-DE" sz="2400" dirty="0" smtClean="0">
+                <a:latin typeface="Gabriola" panose="04040605051002020D02" pitchFamily="82" charset="0"/>
+                <a:sym typeface="Wingdings" panose="05000000000000000000" pitchFamily="2" charset="2"/>
+              </a:rPr>
+              <a:t> </a:t>
+            </a:r>
+            <a:r>
+              <a:rPr lang="de-DE" sz="2400" dirty="0" err="1" smtClean="0">
+                <a:latin typeface="Gabriola" panose="04040605051002020D02" pitchFamily="82" charset="0"/>
+                <a:sym typeface="Wingdings" panose="05000000000000000000" pitchFamily="2" charset="2"/>
+              </a:rPr>
+              <a:t>reference</a:t>
+            </a:r>
+            <a:r>
+              <a:rPr lang="de-DE" sz="2400" dirty="0" smtClean="0">
+                <a:latin typeface="Gabriola" panose="04040605051002020D02" pitchFamily="82" charset="0"/>
+                <a:sym typeface="Wingdings" panose="05000000000000000000" pitchFamily="2" charset="2"/>
+              </a:rPr>
+              <a:t> </a:t>
+            </a:r>
+            <a:r>
+              <a:rPr lang="de-DE" sz="2400" dirty="0" err="1" smtClean="0">
+                <a:latin typeface="Gabriola" panose="04040605051002020D02" pitchFamily="82" charset="0"/>
+                <a:sym typeface="Wingdings" panose="05000000000000000000" pitchFamily="2" charset="2"/>
+              </a:rPr>
+              <a:t>definitions</a:t>
+            </a:r>
+            <a:r>
+              <a:rPr lang="de-DE" sz="2400" dirty="0" smtClean="0">
+                <a:latin typeface="Gabriola" panose="04040605051002020D02" pitchFamily="82" charset="0"/>
+                <a:sym typeface="Wingdings" panose="05000000000000000000" pitchFamily="2" charset="2"/>
+              </a:rPr>
+              <a:t> </a:t>
+            </a:r>
+            <a:r>
+              <a:rPr lang="de-DE" sz="2400" dirty="0" err="1" smtClean="0">
+                <a:latin typeface="Gabriola" panose="04040605051002020D02" pitchFamily="82" charset="0"/>
+                <a:sym typeface="Wingdings" panose="05000000000000000000" pitchFamily="2" charset="2"/>
+              </a:rPr>
+              <a:t>within</a:t>
+            </a:r>
+            <a:r>
+              <a:rPr lang="de-DE" sz="2400" dirty="0" smtClean="0">
+                <a:latin typeface="Gabriola" panose="04040605051002020D02" pitchFamily="82" charset="0"/>
+                <a:sym typeface="Wingdings" panose="05000000000000000000" pitchFamily="2" charset="2"/>
+              </a:rPr>
+              <a:t> </a:t>
+            </a:r>
+            <a:r>
+              <a:rPr lang="de-DE" sz="2400" dirty="0" err="1" smtClean="0">
+                <a:latin typeface="Gabriola" panose="04040605051002020D02" pitchFamily="82" charset="0"/>
+                <a:sym typeface="Wingdings" panose="05000000000000000000" pitchFamily="2" charset="2"/>
+              </a:rPr>
+              <a:t>definitions</a:t>
+            </a:r>
+            <a:endParaRPr lang="en-US" sz="2400" dirty="0">
+              <a:latin typeface="Gabriola" panose="04040605051002020D02" pitchFamily="82" charset="0"/>
+            </a:endParaRPr>
+          </a:p>
+        </p:txBody>
+      </p:sp>
+      <p:pic>
+        <p:nvPicPr>
+          <p:cNvPr id="2" name="Picture 1"/>
+          <p:cNvPicPr>
+            <a:picLocks noChangeAspect="1"/>
+          </p:cNvPicPr>
+          <p:nvPr/>
+        </p:nvPicPr>
+        <p:blipFill>
+          <a:blip r:embed="rId2">
+            <a:extLst>
+              <a:ext uri="{28A0092B-C50C-407E-A947-70E740481C1C}">
+                <a14:useLocalDpi xmlns:a14="http://schemas.microsoft.com/office/drawing/2010/main" val="0"/>
+              </a:ext>
+            </a:extLst>
+          </a:blip>
+          <a:stretch>
+            <a:fillRect/>
+          </a:stretch>
+        </p:blipFill>
+        <p:spPr>
+          <a:xfrm>
+            <a:off x="120824" y="1308139"/>
+            <a:ext cx="3835400" cy="2544000"/>
+          </a:xfrm>
+          <a:prstGeom prst="rect">
+            <a:avLst/>
+          </a:prstGeom>
+          <a:ln>
+            <a:solidFill>
+              <a:schemeClr val="bg1">
+                <a:lumMod val="75000"/>
+              </a:schemeClr>
+            </a:solidFill>
+          </a:ln>
+        </p:spPr>
+      </p:pic>
+      <p:cxnSp>
+        <p:nvCxnSpPr>
+          <p:cNvPr id="12" name="Straight Connector 11"/>
+          <p:cNvCxnSpPr/>
+          <p:nvPr/>
+        </p:nvCxnSpPr>
+        <p:spPr>
+          <a:xfrm>
+            <a:off x="3766657" y="1946247"/>
+            <a:ext cx="0" cy="310393"/>
+          </a:xfrm>
+          <a:prstGeom prst="line">
+            <a:avLst/>
+          </a:prstGeom>
+          <a:ln w="57150">
+            <a:solidFill>
+              <a:srgbClr val="00B050"/>
+            </a:solidFill>
+          </a:ln>
+        </p:spPr>
+        <p:style>
+          <a:lnRef idx="1">
+            <a:schemeClr val="accent1"/>
+          </a:lnRef>
+          <a:fillRef idx="0">
+            <a:schemeClr val="accent1"/>
+          </a:fillRef>
+          <a:effectRef idx="0">
+            <a:schemeClr val="accent1"/>
+          </a:effectRef>
+          <a:fontRef idx="minor">
+            <a:schemeClr val="tx1"/>
+          </a:fontRef>
+        </p:style>
+      </p:cxnSp>
+    </p:spTree>
+    <p:extLst>
+      <p:ext uri="{BB962C8B-B14F-4D97-AF65-F5344CB8AC3E}">
+        <p14:creationId xmlns:p14="http://schemas.microsoft.com/office/powerpoint/2010/main" val="705559095"/>
       </p:ext>
     </p:extLst>
   </p:cSld>
@@ -5689,7 +7444,7 @@
   <a:extraClrSchemeLst/>
   <a:extLst>
     <a:ext uri="{05A4C25C-085E-4340-85A3-A5531E510DB2}">
-      <thm15:themeFamily xmlns="" xmlns:thm15="http://schemas.microsoft.com/office/thememl/2012/main" name="Office Theme" id="{62F939B6-93AF-4DB8-9C6B-D6C7DFDC589F}" vid="{4A3C46E8-61CC-4603-A589-7422A47A8E4A}"/>
+      <thm15:themeFamily xmlns:thm15="http://schemas.microsoft.com/office/thememl/2012/main" name="Office Theme" id="{62F939B6-93AF-4DB8-9C6B-D6C7DFDC589F}" vid="{4A3C46E8-61CC-4603-A589-7422A47A8E4A}"/>
     </a:ext>
   </a:extLst>
 </a:theme>
@@ -5779,4 +7534,47 @@
     </a:folHlink>
   </a:clrScheme>
 </a:themeOverride>
+</file>
+
+<file path=ppt/theme/themeOverride3.xml><?xml version="1.0" encoding="utf-8"?>
+<a:themeOverride xmlns:a="http://schemas.openxmlformats.org/drawingml/2006/main">
+  <a:clrScheme name="Office">
+    <a:dk1>
+      <a:sysClr val="windowText" lastClr="000000"/>
+    </a:dk1>
+    <a:lt1>
+      <a:sysClr val="window" lastClr="FFFFFF"/>
+    </a:lt1>
+    <a:dk2>
+      <a:srgbClr val="44546A"/>
+    </a:dk2>
+    <a:lt2>
+      <a:srgbClr val="E7E6E6"/>
+    </a:lt2>
+    <a:accent1>
+      <a:srgbClr val="5B9BD5"/>
+    </a:accent1>
+    <a:accent2>
+      <a:srgbClr val="ED7D31"/>
+    </a:accent2>
+    <a:accent3>
+      <a:srgbClr val="A5A5A5"/>
+    </a:accent3>
+    <a:accent4>
+      <a:srgbClr val="FFC000"/>
+    </a:accent4>
+    <a:accent5>
+      <a:srgbClr val="4472C4"/>
+    </a:accent5>
+    <a:accent6>
+      <a:srgbClr val="70AD47"/>
+    </a:accent6>
+    <a:hlink>
+      <a:srgbClr val="0563C1"/>
+    </a:hlink>
+    <a:folHlink>
+      <a:srgbClr val="954F72"/>
+    </a:folHlink>
+  </a:clrScheme>
+</a:themeOverride>
 </file>
--- a/src/NCase.Doc/intern/ReadmeCaroussel.pptx
+++ b/src/NCase.Doc/intern/ReadmeCaroussel.pptx
@@ -117,7 +117,7 @@
   </p:defaultTextStyle>
   <p:extLst>
     <p:ext uri="{EFAFB233-063F-42B5-8137-9DF3F51BA10A}">
-      <p15:sldGuideLst xmlns:p15="http://schemas.microsoft.com/office/powerpoint/2012/main">
+      <p15:sldGuideLst xmlns:p15="http://schemas.microsoft.com/office/powerpoint/2012/main" xmlns="">
         <p15:guide id="1" orient="horz" pos="2160">
           <p15:clr>
             <a:srgbClr val="A4A3A4"/>
@@ -275,7 +275,7 @@
           <a:p>
             <a:fld id="{AF1194EC-C915-441E-AD9A-616349DBA75B}" type="datetimeFigureOut">
               <a:rPr lang="en-US" smtClean="0"/>
-              <a:t>1/26/2016</a:t>
+              <a:t>1/27/2016</a:t>
             </a:fld>
             <a:endParaRPr lang="en-US"/>
           </a:p>
@@ -317,7 +317,7 @@
           <a:p>
             <a:fld id="{283AF68C-C093-4BDC-8CF7-53FAADAA3F33}" type="slidenum">
               <a:rPr lang="en-US" smtClean="0"/>
-              <a:t>‹#›</a:t>
+              <a:t>‹Nr.›</a:t>
             </a:fld>
             <a:endParaRPr lang="en-US"/>
           </a:p>
@@ -445,7 +445,7 @@
           <a:p>
             <a:fld id="{AF1194EC-C915-441E-AD9A-616349DBA75B}" type="datetimeFigureOut">
               <a:rPr lang="en-US" smtClean="0"/>
-              <a:t>1/26/2016</a:t>
+              <a:t>1/27/2016</a:t>
             </a:fld>
             <a:endParaRPr lang="en-US"/>
           </a:p>
@@ -487,7 +487,7 @@
           <a:p>
             <a:fld id="{283AF68C-C093-4BDC-8CF7-53FAADAA3F33}" type="slidenum">
               <a:rPr lang="en-US" smtClean="0"/>
-              <a:t>‹#›</a:t>
+              <a:t>‹Nr.›</a:t>
             </a:fld>
             <a:endParaRPr lang="en-US"/>
           </a:p>
@@ -625,7 +625,7 @@
           <a:p>
             <a:fld id="{AF1194EC-C915-441E-AD9A-616349DBA75B}" type="datetimeFigureOut">
               <a:rPr lang="en-US" smtClean="0"/>
-              <a:t>1/26/2016</a:t>
+              <a:t>1/27/2016</a:t>
             </a:fld>
             <a:endParaRPr lang="en-US"/>
           </a:p>
@@ -667,7 +667,7 @@
           <a:p>
             <a:fld id="{283AF68C-C093-4BDC-8CF7-53FAADAA3F33}" type="slidenum">
               <a:rPr lang="en-US" smtClean="0"/>
-              <a:t>‹#›</a:t>
+              <a:t>‹Nr.›</a:t>
             </a:fld>
             <a:endParaRPr lang="en-US"/>
           </a:p>
@@ -795,7 +795,7 @@
           <a:p>
             <a:fld id="{AF1194EC-C915-441E-AD9A-616349DBA75B}" type="datetimeFigureOut">
               <a:rPr lang="en-US" smtClean="0"/>
-              <a:t>1/26/2016</a:t>
+              <a:t>1/27/2016</a:t>
             </a:fld>
             <a:endParaRPr lang="en-US"/>
           </a:p>
@@ -837,7 +837,7 @@
           <a:p>
             <a:fld id="{283AF68C-C093-4BDC-8CF7-53FAADAA3F33}" type="slidenum">
               <a:rPr lang="en-US" smtClean="0"/>
-              <a:t>‹#›</a:t>
+              <a:t>‹Nr.›</a:t>
             </a:fld>
             <a:endParaRPr lang="en-US"/>
           </a:p>
@@ -1041,7 +1041,7 @@
           <a:p>
             <a:fld id="{AF1194EC-C915-441E-AD9A-616349DBA75B}" type="datetimeFigureOut">
               <a:rPr lang="en-US" smtClean="0"/>
-              <a:t>1/26/2016</a:t>
+              <a:t>1/27/2016</a:t>
             </a:fld>
             <a:endParaRPr lang="en-US"/>
           </a:p>
@@ -1083,7 +1083,7 @@
           <a:p>
             <a:fld id="{283AF68C-C093-4BDC-8CF7-53FAADAA3F33}" type="slidenum">
               <a:rPr lang="en-US" smtClean="0"/>
-              <a:t>‹#›</a:t>
+              <a:t>‹Nr.›</a:t>
             </a:fld>
             <a:endParaRPr lang="en-US"/>
           </a:p>
@@ -1273,7 +1273,7 @@
           <a:p>
             <a:fld id="{AF1194EC-C915-441E-AD9A-616349DBA75B}" type="datetimeFigureOut">
               <a:rPr lang="en-US" smtClean="0"/>
-              <a:t>1/26/2016</a:t>
+              <a:t>1/27/2016</a:t>
             </a:fld>
             <a:endParaRPr lang="en-US"/>
           </a:p>
@@ -1315,7 +1315,7 @@
           <a:p>
             <a:fld id="{283AF68C-C093-4BDC-8CF7-53FAADAA3F33}" type="slidenum">
               <a:rPr lang="en-US" smtClean="0"/>
-              <a:t>‹#›</a:t>
+              <a:t>‹Nr.›</a:t>
             </a:fld>
             <a:endParaRPr lang="en-US"/>
           </a:p>
@@ -1640,7 +1640,7 @@
           <a:p>
             <a:fld id="{AF1194EC-C915-441E-AD9A-616349DBA75B}" type="datetimeFigureOut">
               <a:rPr lang="en-US" smtClean="0"/>
-              <a:t>1/26/2016</a:t>
+              <a:t>1/27/2016</a:t>
             </a:fld>
             <a:endParaRPr lang="en-US"/>
           </a:p>
@@ -1682,7 +1682,7 @@
           <a:p>
             <a:fld id="{283AF68C-C093-4BDC-8CF7-53FAADAA3F33}" type="slidenum">
               <a:rPr lang="en-US" smtClean="0"/>
-              <a:t>‹#›</a:t>
+              <a:t>‹Nr.›</a:t>
             </a:fld>
             <a:endParaRPr lang="en-US"/>
           </a:p>
@@ -1758,7 +1758,7 @@
           <a:p>
             <a:fld id="{AF1194EC-C915-441E-AD9A-616349DBA75B}" type="datetimeFigureOut">
               <a:rPr lang="en-US" smtClean="0"/>
-              <a:t>1/26/2016</a:t>
+              <a:t>1/27/2016</a:t>
             </a:fld>
             <a:endParaRPr lang="en-US"/>
           </a:p>
@@ -1800,7 +1800,7 @@
           <a:p>
             <a:fld id="{283AF68C-C093-4BDC-8CF7-53FAADAA3F33}" type="slidenum">
               <a:rPr lang="en-US" smtClean="0"/>
-              <a:t>‹#›</a:t>
+              <a:t>‹Nr.›</a:t>
             </a:fld>
             <a:endParaRPr lang="en-US"/>
           </a:p>
@@ -1853,7 +1853,7 @@
           <a:p>
             <a:fld id="{AF1194EC-C915-441E-AD9A-616349DBA75B}" type="datetimeFigureOut">
               <a:rPr lang="en-US" smtClean="0"/>
-              <a:t>1/26/2016</a:t>
+              <a:t>1/27/2016</a:t>
             </a:fld>
             <a:endParaRPr lang="en-US"/>
           </a:p>
@@ -1895,7 +1895,7 @@
           <a:p>
             <a:fld id="{283AF68C-C093-4BDC-8CF7-53FAADAA3F33}" type="slidenum">
               <a:rPr lang="en-US" smtClean="0"/>
-              <a:t>‹#›</a:t>
+              <a:t>‹Nr.›</a:t>
             </a:fld>
             <a:endParaRPr lang="en-US"/>
           </a:p>
@@ -2130,7 +2130,7 @@
           <a:p>
             <a:fld id="{AF1194EC-C915-441E-AD9A-616349DBA75B}" type="datetimeFigureOut">
               <a:rPr lang="en-US" smtClean="0"/>
-              <a:t>1/26/2016</a:t>
+              <a:t>1/27/2016</a:t>
             </a:fld>
             <a:endParaRPr lang="en-US"/>
           </a:p>
@@ -2172,7 +2172,7 @@
           <a:p>
             <a:fld id="{283AF68C-C093-4BDC-8CF7-53FAADAA3F33}" type="slidenum">
               <a:rPr lang="en-US" smtClean="0"/>
-              <a:t>‹#›</a:t>
+              <a:t>‹Nr.›</a:t>
             </a:fld>
             <a:endParaRPr lang="en-US"/>
           </a:p>
@@ -2383,7 +2383,7 @@
           <a:p>
             <a:fld id="{AF1194EC-C915-441E-AD9A-616349DBA75B}" type="datetimeFigureOut">
               <a:rPr lang="en-US" smtClean="0"/>
-              <a:t>1/26/2016</a:t>
+              <a:t>1/27/2016</a:t>
             </a:fld>
             <a:endParaRPr lang="en-US"/>
           </a:p>
@@ -2425,7 +2425,7 @@
           <a:p>
             <a:fld id="{283AF68C-C093-4BDC-8CF7-53FAADAA3F33}" type="slidenum">
               <a:rPr lang="en-US" smtClean="0"/>
-              <a:t>‹#›</a:t>
+              <a:t>‹Nr.›</a:t>
             </a:fld>
             <a:endParaRPr lang="en-US"/>
           </a:p>
@@ -2602,7 +2602,7 @@
           <a:p>
             <a:fld id="{AF1194EC-C915-441E-AD9A-616349DBA75B}" type="datetimeFigureOut">
               <a:rPr lang="en-US" smtClean="0"/>
-              <a:t>1/26/2016</a:t>
+              <a:t>1/27/2016</a:t>
             </a:fld>
             <a:endParaRPr lang="en-US"/>
           </a:p>
@@ -2680,7 +2680,7 @@
           <a:p>
             <a:fld id="{283AF68C-C093-4BDC-8CF7-53FAADAA3F33}" type="slidenum">
               <a:rPr lang="en-US" smtClean="0"/>
-              <a:t>‹#›</a:t>
+              <a:t>‹Nr.›</a:t>
             </a:fld>
             <a:endParaRPr lang="en-US"/>
           </a:p>
@@ -4173,6 +4173,60 @@
           </a:ln>
         </p:spPr>
       </p:pic>
+      <p:sp>
+        <p:nvSpPr>
+          <p:cNvPr id="14" name="Gleichschenkliges Dreieck 13"/>
+          <p:cNvSpPr/>
+          <p:nvPr/>
+        </p:nvSpPr>
+        <p:spPr>
+          <a:xfrm rot="5400000">
+            <a:off x="2299356" y="2137426"/>
+            <a:ext cx="1645746" cy="437363"/>
+          </a:xfrm>
+          <a:prstGeom prst="triangle">
+            <a:avLst/>
+          </a:prstGeom>
+          <a:ln>
+            <a:solidFill>
+              <a:schemeClr val="bg1">
+                <a:lumMod val="75000"/>
+              </a:schemeClr>
+            </a:solidFill>
+          </a:ln>
+          <a:effectLst>
+            <a:outerShdw blurRad="457200" dist="1295400" dir="9120000" sx="94000" sy="94000" algn="tr" rotWithShape="0">
+              <a:prstClr val="black">
+                <a:alpha val="41000"/>
+              </a:prstClr>
+            </a:outerShdw>
+          </a:effectLst>
+        </p:spPr>
+        <p:style>
+          <a:lnRef idx="2">
+            <a:schemeClr val="accent1">
+              <a:shade val="50000"/>
+            </a:schemeClr>
+          </a:lnRef>
+          <a:fillRef idx="1">
+            <a:schemeClr val="accent1"/>
+          </a:fillRef>
+          <a:effectRef idx="0">
+            <a:schemeClr val="accent1"/>
+          </a:effectRef>
+          <a:fontRef idx="minor">
+            <a:schemeClr val="lt1"/>
+          </a:fontRef>
+        </p:style>
+        <p:txBody>
+          <a:bodyPr rtlCol="0" anchor="ctr"/>
+          <a:lstStyle/>
+          <a:p>
+            <a:pPr algn="ctr"/>
+            <a:endParaRPr lang="en-US"/>
+          </a:p>
+        </p:txBody>
+      </p:sp>
       <p:cxnSp>
         <p:nvCxnSpPr>
           <p:cNvPr id="12" name="Straight Connector 11"/>
@@ -4181,7 +4235,7 @@
         </p:nvCxnSpPr>
         <p:spPr>
           <a:xfrm>
-            <a:off x="3766657" y="1946247"/>
+            <a:off x="3686830" y="1946247"/>
             <a:ext cx="0" cy="310393"/>
           </a:xfrm>
           <a:prstGeom prst="line">
@@ -4284,6 +4338,111 @@
           </a:effectLst>
         </p:spPr>
       </p:pic>
+      <p:cxnSp>
+        <p:nvCxnSpPr>
+          <p:cNvPr id="8" name="Straight Connector 11"/>
+          <p:cNvCxnSpPr/>
+          <p:nvPr/>
+        </p:nvCxnSpPr>
+        <p:spPr>
+          <a:xfrm>
+            <a:off x="711200" y="2256640"/>
+            <a:ext cx="1327324" cy="0"/>
+          </a:xfrm>
+          <a:prstGeom prst="line">
+            <a:avLst/>
+          </a:prstGeom>
+          <a:ln w="57150">
+            <a:solidFill>
+              <a:srgbClr val="00B050"/>
+            </a:solidFill>
+          </a:ln>
+        </p:spPr>
+        <p:style>
+          <a:lnRef idx="1">
+            <a:schemeClr val="accent1"/>
+          </a:lnRef>
+          <a:fillRef idx="0">
+            <a:schemeClr val="accent1"/>
+          </a:fillRef>
+          <a:effectRef idx="0">
+            <a:schemeClr val="accent1"/>
+          </a:effectRef>
+          <a:fontRef idx="minor">
+            <a:schemeClr val="tx1"/>
+          </a:fontRef>
+        </p:style>
+      </p:cxnSp>
+      <p:cxnSp>
+        <p:nvCxnSpPr>
+          <p:cNvPr id="9" name="Straight Connector 11"/>
+          <p:cNvCxnSpPr/>
+          <p:nvPr/>
+        </p:nvCxnSpPr>
+        <p:spPr>
+          <a:xfrm>
+            <a:off x="3971278" y="1160812"/>
+            <a:ext cx="927833" cy="0"/>
+          </a:xfrm>
+          <a:prstGeom prst="line">
+            <a:avLst/>
+          </a:prstGeom>
+          <a:ln w="57150">
+            <a:solidFill>
+              <a:srgbClr val="00B050"/>
+            </a:solidFill>
+          </a:ln>
+        </p:spPr>
+        <p:style>
+          <a:lnRef idx="1">
+            <a:schemeClr val="accent1"/>
+          </a:lnRef>
+          <a:fillRef idx="0">
+            <a:schemeClr val="accent1"/>
+          </a:fillRef>
+          <a:effectRef idx="0">
+            <a:schemeClr val="accent1"/>
+          </a:effectRef>
+          <a:fontRef idx="minor">
+            <a:schemeClr val="tx1"/>
+          </a:fontRef>
+        </p:style>
+      </p:cxnSp>
+      <p:cxnSp>
+        <p:nvCxnSpPr>
+          <p:cNvPr id="13" name="Straight Connector 11"/>
+          <p:cNvCxnSpPr/>
+          <p:nvPr/>
+        </p:nvCxnSpPr>
+        <p:spPr>
+          <a:xfrm>
+            <a:off x="4622067" y="427840"/>
+            <a:ext cx="2656847" cy="0"/>
+          </a:xfrm>
+          <a:prstGeom prst="line">
+            <a:avLst/>
+          </a:prstGeom>
+          <a:ln w="57150">
+            <a:solidFill>
+              <a:srgbClr val="00B050"/>
+            </a:solidFill>
+          </a:ln>
+        </p:spPr>
+        <p:style>
+          <a:lnRef idx="1">
+            <a:schemeClr val="accent1"/>
+          </a:lnRef>
+          <a:fillRef idx="0">
+            <a:schemeClr val="accent1"/>
+          </a:fillRef>
+          <a:effectRef idx="0">
+            <a:schemeClr val="accent1"/>
+          </a:effectRef>
+          <a:fontRef idx="minor">
+            <a:schemeClr val="tx1"/>
+          </a:fontRef>
+        </p:style>
+      </p:cxnSp>
     </p:spTree>
     <p:extLst>
       <p:ext uri="{BB962C8B-B14F-4D97-AF65-F5344CB8AC3E}">
@@ -4329,7 +4488,7 @@
         </p:nvSpPr>
         <p:spPr>
           <a:xfrm>
-            <a:off x="-14710" y="5487"/>
+            <a:off x="-196" y="5487"/>
             <a:ext cx="5564610" cy="646331"/>
           </a:xfrm>
           <a:prstGeom prst="rect">
@@ -4390,8 +4549,8 @@
         </p:nvSpPr>
         <p:spPr>
           <a:xfrm>
-            <a:off x="5113672" y="2164640"/>
-            <a:ext cx="3136900" cy="830997"/>
+            <a:off x="5058229" y="1308314"/>
+            <a:ext cx="3744685" cy="1569660"/>
           </a:xfrm>
           <a:prstGeom prst="rect">
             <a:avLst/>
@@ -4405,17 +4564,38 @@
           <a:lstStyle/>
           <a:p>
             <a:r>
+              <a:rPr lang="de-DE" sz="2400" dirty="0" smtClean="0">
+                <a:latin typeface="Gabriola" panose="04040605051002020D02" pitchFamily="82" charset="0"/>
+                <a:sym typeface="Wingdings" panose="05000000000000000000" pitchFamily="2" charset="2"/>
+              </a:rPr>
+              <a:t>- </a:t>
+            </a:r>
+            <a:r>
               <a:rPr lang="de-DE" sz="2400" dirty="0" err="1" smtClean="0">
                 <a:latin typeface="Gabriola" panose="04040605051002020D02" pitchFamily="82" charset="0"/>
                 <a:sym typeface="Wingdings" panose="05000000000000000000" pitchFamily="2" charset="2"/>
               </a:rPr>
-              <a:t>You</a:t>
+              <a:t>Generate</a:t>
             </a:r>
             <a:r>
               <a:rPr lang="de-DE" sz="2400" dirty="0" smtClean="0">
                 <a:latin typeface="Gabriola" panose="04040605051002020D02" pitchFamily="82" charset="0"/>
                 <a:sym typeface="Wingdings" panose="05000000000000000000" pitchFamily="2" charset="2"/>
               </a:rPr>
+              <a:t> all </a:t>
+            </a:r>
+            <a:r>
+              <a:rPr lang="de-DE" sz="2400" dirty="0" err="1" smtClean="0">
+                <a:latin typeface="Gabriola" panose="04040605051002020D02" pitchFamily="82" charset="0"/>
+                <a:sym typeface="Wingdings" panose="05000000000000000000" pitchFamily="2" charset="2"/>
+              </a:rPr>
+              <a:t>test</a:t>
+            </a:r>
+            <a:r>
+              <a:rPr lang="de-DE" sz="2400" dirty="0" smtClean="0">
+                <a:latin typeface="Gabriola" panose="04040605051002020D02" pitchFamily="82" charset="0"/>
+                <a:sym typeface="Wingdings" panose="05000000000000000000" pitchFamily="2" charset="2"/>
+              </a:rPr>
               <a:t> </a:t>
             </a:r>
             <a:r>
@@ -4423,7 +4603,7 @@
                 <a:latin typeface="Gabriola" panose="04040605051002020D02" pitchFamily="82" charset="0"/>
                 <a:sym typeface="Wingdings" panose="05000000000000000000" pitchFamily="2" charset="2"/>
               </a:rPr>
-              <a:t>can</a:t>
+              <a:t>cases</a:t>
             </a:r>
             <a:r>
               <a:rPr lang="de-DE" sz="2400" dirty="0" smtClean="0">
@@ -4437,7 +4617,7 @@
                 <a:latin typeface="Gabriola" panose="04040605051002020D02" pitchFamily="82" charset="0"/>
                 <a:sym typeface="Wingdings" panose="05000000000000000000" pitchFamily="2" charset="2"/>
               </a:rPr>
-              <a:t>inject</a:t>
+              <a:t>one</a:t>
             </a:r>
             <a:r>
               <a:rPr lang="de-DE" sz="2400" dirty="0" smtClean="0">
@@ -4451,7 +4631,7 @@
                 <a:latin typeface="Gabriola" panose="04040605051002020D02" pitchFamily="82" charset="0"/>
                 <a:sym typeface="Wingdings" panose="05000000000000000000" pitchFamily="2" charset="2"/>
               </a:rPr>
-              <a:t>reference</a:t>
+              <a:t>by</a:t>
             </a:r>
             <a:r>
               <a:rPr lang="de-DE" sz="2400" dirty="0" smtClean="0">
@@ -4465,13 +4645,33 @@
                 <a:latin typeface="Gabriola" panose="04040605051002020D02" pitchFamily="82" charset="0"/>
                 <a:sym typeface="Wingdings" panose="05000000000000000000" pitchFamily="2" charset="2"/>
               </a:rPr>
-              <a:t>to</a:t>
-            </a:r>
+              <a:t>one</a:t>
+            </a:r>
+            <a:endParaRPr lang="de-DE" sz="2400" dirty="0" smtClean="0">
+              <a:latin typeface="Gabriola" panose="04040605051002020D02" pitchFamily="82" charset="0"/>
+              <a:sym typeface="Wingdings" panose="05000000000000000000" pitchFamily="2" charset="2"/>
+            </a:endParaRPr>
+          </a:p>
+          <a:p>
             <a:r>
               <a:rPr lang="de-DE" sz="2400" dirty="0" smtClean="0">
                 <a:latin typeface="Gabriola" panose="04040605051002020D02" pitchFamily="82" charset="0"/>
                 <a:sym typeface="Wingdings" panose="05000000000000000000" pitchFamily="2" charset="2"/>
               </a:rPr>
+              <a:t>- </a:t>
+            </a:r>
+            <a:r>
+              <a:rPr lang="de-DE" sz="2400" dirty="0" err="1" smtClean="0">
+                <a:latin typeface="Gabriola" panose="04040605051002020D02" pitchFamily="82" charset="0"/>
+                <a:sym typeface="Wingdings" panose="05000000000000000000" pitchFamily="2" charset="2"/>
+              </a:rPr>
+              <a:t>For</a:t>
+            </a:r>
+            <a:r>
+              <a:rPr lang="de-DE" sz="2400" dirty="0" smtClean="0">
+                <a:latin typeface="Gabriola" panose="04040605051002020D02" pitchFamily="82" charset="0"/>
+                <a:sym typeface="Wingdings" panose="05000000000000000000" pitchFamily="2" charset="2"/>
+              </a:rPr>
               <a:t> </a:t>
             </a:r>
             <a:r>
@@ -4479,7 +4679,21 @@
                 <a:latin typeface="Gabriola" panose="04040605051002020D02" pitchFamily="82" charset="0"/>
                 <a:sym typeface="Wingdings" panose="05000000000000000000" pitchFamily="2" charset="2"/>
               </a:rPr>
-              <a:t>other</a:t>
+              <a:t>each</a:t>
+            </a:r>
+            <a:r>
+              <a:rPr lang="de-DE" sz="2400" dirty="0">
+                <a:latin typeface="Gabriola" panose="04040605051002020D02" pitchFamily="82" charset="0"/>
+                <a:sym typeface="Wingdings" panose="05000000000000000000" pitchFamily="2" charset="2"/>
+              </a:rPr>
+              <a:t> </a:t>
+            </a:r>
+            <a:r>
+              <a:rPr lang="de-DE" sz="2400" dirty="0" err="1" smtClean="0">
+                <a:latin typeface="Gabriola" panose="04040605051002020D02" pitchFamily="82" charset="0"/>
+                <a:sym typeface="Wingdings" panose="05000000000000000000" pitchFamily="2" charset="2"/>
+              </a:rPr>
+              <a:t>test</a:t>
             </a:r>
             <a:r>
               <a:rPr lang="de-DE" sz="2400" dirty="0" smtClean="0">
@@ -4493,7 +4707,93 @@
                 <a:latin typeface="Gabriola" panose="04040605051002020D02" pitchFamily="82" charset="0"/>
                 <a:sym typeface="Wingdings" panose="05000000000000000000" pitchFamily="2" charset="2"/>
               </a:rPr>
-              <a:t>definitions</a:t>
+              <a:t>case</a:t>
+            </a:r>
+            <a:r>
+              <a:rPr lang="de-DE" sz="2400" dirty="0" smtClean="0">
+                <a:latin typeface="Gabriola" panose="04040605051002020D02" pitchFamily="82" charset="0"/>
+                <a:sym typeface="Wingdings" panose="05000000000000000000" pitchFamily="2" charset="2"/>
+              </a:rPr>
+              <a:t>:</a:t>
+            </a:r>
+          </a:p>
+          <a:p>
+            <a:pPr marL="685800" lvl="1" indent="-342900">
+              <a:buFontTx/>
+              <a:buChar char="-"/>
+            </a:pPr>
+            <a:r>
+              <a:rPr lang="de-DE" sz="2400" dirty="0" err="1" smtClean="0">
+                <a:latin typeface="Gabriola" panose="04040605051002020D02" pitchFamily="82" charset="0"/>
+                <a:sym typeface="Wingdings" panose="05000000000000000000" pitchFamily="2" charset="2"/>
+              </a:rPr>
+              <a:t>Restore</a:t>
+            </a:r>
+            <a:r>
+              <a:rPr lang="de-DE" sz="2400" dirty="0" smtClean="0">
+                <a:latin typeface="Gabriola" panose="04040605051002020D02" pitchFamily="82" charset="0"/>
+                <a:sym typeface="Wingdings" panose="05000000000000000000" pitchFamily="2" charset="2"/>
+              </a:rPr>
+              <a:t> </a:t>
+            </a:r>
+            <a:r>
+              <a:rPr lang="de-DE" sz="2400" dirty="0" err="1" smtClean="0">
+                <a:latin typeface="Gabriola" panose="04040605051002020D02" pitchFamily="82" charset="0"/>
+                <a:sym typeface="Wingdings" panose="05000000000000000000" pitchFamily="2" charset="2"/>
+              </a:rPr>
+              <a:t>contributor</a:t>
+            </a:r>
+            <a:r>
+              <a:rPr lang="de-DE" sz="2400" dirty="0" smtClean="0">
+                <a:latin typeface="Gabriola" panose="04040605051002020D02" pitchFamily="82" charset="0"/>
+                <a:sym typeface="Wingdings" panose="05000000000000000000" pitchFamily="2" charset="2"/>
+              </a:rPr>
+              <a:t> </a:t>
+            </a:r>
+            <a:r>
+              <a:rPr lang="de-DE" sz="2400" dirty="0" err="1" smtClean="0">
+                <a:latin typeface="Gabriola" panose="04040605051002020D02" pitchFamily="82" charset="0"/>
+                <a:sym typeface="Wingdings" panose="05000000000000000000" pitchFamily="2" charset="2"/>
+              </a:rPr>
+              <a:t>properties</a:t>
+            </a:r>
+            <a:endParaRPr lang="de-DE" sz="2400" dirty="0" smtClean="0">
+              <a:latin typeface="Gabriola" panose="04040605051002020D02" pitchFamily="82" charset="0"/>
+              <a:sym typeface="Wingdings" panose="05000000000000000000" pitchFamily="2" charset="2"/>
+            </a:endParaRPr>
+          </a:p>
+          <a:p>
+            <a:pPr marL="685800" lvl="1" indent="-342900">
+              <a:buFontTx/>
+              <a:buChar char="-"/>
+            </a:pPr>
+            <a:r>
+              <a:rPr lang="de-DE" sz="2400" dirty="0" smtClean="0">
+                <a:latin typeface="Gabriola" panose="04040605051002020D02" pitchFamily="82" charset="0"/>
+                <a:sym typeface="Wingdings" panose="05000000000000000000" pitchFamily="2" charset="2"/>
+              </a:rPr>
+              <a:t>Execute Act </a:t>
+            </a:r>
+            <a:r>
+              <a:rPr lang="de-DE" sz="2400" dirty="0" err="1" smtClean="0">
+                <a:latin typeface="Gabriola" panose="04040605051002020D02" pitchFamily="82" charset="0"/>
+                <a:sym typeface="Wingdings" panose="05000000000000000000" pitchFamily="2" charset="2"/>
+              </a:rPr>
+              <a:t>and</a:t>
+            </a:r>
+            <a:r>
+              <a:rPr lang="de-DE" sz="2400" dirty="0" smtClean="0">
+                <a:latin typeface="Gabriola" panose="04040605051002020D02" pitchFamily="82" charset="0"/>
+                <a:sym typeface="Wingdings" panose="05000000000000000000" pitchFamily="2" charset="2"/>
+              </a:rPr>
+              <a:t> </a:t>
+            </a:r>
+            <a:r>
+              <a:rPr lang="de-DE" sz="2400" dirty="0" err="1" smtClean="0">
+                <a:latin typeface="Gabriola" panose="04040605051002020D02" pitchFamily="82" charset="0"/>
+                <a:sym typeface="Wingdings" panose="05000000000000000000" pitchFamily="2" charset="2"/>
+              </a:rPr>
+              <a:t>Asserts</a:t>
             </a:r>
             <a:endParaRPr lang="en-US" sz="2400" dirty="0">
               <a:latin typeface="Gabriola" panose="04040605051002020D02" pitchFamily="82" charset="0"/>
@@ -4501,6 +4801,169 @@
           </a:p>
         </p:txBody>
       </p:sp>
+      <p:pic>
+        <p:nvPicPr>
+          <p:cNvPr id="3" name="Grafik 2"/>
+          <p:cNvPicPr>
+            <a:picLocks noChangeAspect="1"/>
+          </p:cNvPicPr>
+          <p:nvPr/>
+        </p:nvPicPr>
+        <p:blipFill>
+          <a:blip r:link="rId2"/>
+          <a:stretch>
+            <a:fillRect/>
+          </a:stretch>
+        </p:blipFill>
+        <p:spPr>
+          <a:xfrm>
+            <a:off x="94398" y="1289445"/>
+            <a:ext cx="4746061" cy="2741040"/>
+          </a:xfrm>
+          <a:prstGeom prst="rect">
+            <a:avLst/>
+          </a:prstGeom>
+        </p:spPr>
+      </p:pic>
+      <p:sp>
+        <p:nvSpPr>
+          <p:cNvPr id="6" name="Textfeld 9"/>
+          <p:cNvSpPr txBox="1"/>
+          <p:nvPr/>
+        </p:nvSpPr>
+        <p:spPr>
+          <a:xfrm>
+            <a:off x="5058229" y="3255984"/>
+            <a:ext cx="3744685" cy="1569660"/>
+          </a:xfrm>
+          <a:prstGeom prst="rect">
+            <a:avLst/>
+          </a:prstGeom>
+          <a:noFill/>
+        </p:spPr>
+        <p:txBody>
+          <a:bodyPr wrap="square" rtlCol="0">
+            <a:spAutoFit/>
+          </a:bodyPr>
+          <a:lstStyle/>
+          <a:p>
+            <a:r>
+              <a:rPr lang="de-DE" sz="2400" dirty="0" err="1" smtClean="0">
+                <a:latin typeface="Gabriola" panose="04040605051002020D02" pitchFamily="82" charset="0"/>
+                <a:sym typeface="Wingdings" panose="05000000000000000000" pitchFamily="2" charset="2"/>
+              </a:rPr>
+              <a:t>Supported</a:t>
+            </a:r>
+            <a:r>
+              <a:rPr lang="de-DE" sz="2400" dirty="0" smtClean="0">
+                <a:latin typeface="Gabriola" panose="04040605051002020D02" pitchFamily="82" charset="0"/>
+                <a:sym typeface="Wingdings" panose="05000000000000000000" pitchFamily="2" charset="2"/>
+              </a:rPr>
+              <a:t> Framework</a:t>
+            </a:r>
+          </a:p>
+          <a:p>
+            <a:pPr marL="342900" indent="-342900">
+              <a:buFontTx/>
+              <a:buChar char="-"/>
+            </a:pPr>
+            <a:r>
+              <a:rPr lang="de-DE" sz="2400" dirty="0" err="1" smtClean="0">
+                <a:latin typeface="Gabriola" panose="04040605051002020D02" pitchFamily="82" charset="0"/>
+                <a:sym typeface="Wingdings" panose="05000000000000000000" pitchFamily="2" charset="2"/>
+              </a:rPr>
+              <a:t>Nunit</a:t>
+            </a:r>
+            <a:endParaRPr lang="de-DE" sz="2400" dirty="0" smtClean="0">
+              <a:latin typeface="Gabriola" panose="04040605051002020D02" pitchFamily="82" charset="0"/>
+              <a:sym typeface="Wingdings" panose="05000000000000000000" pitchFamily="2" charset="2"/>
+            </a:endParaRPr>
+          </a:p>
+          <a:p>
+            <a:pPr marL="342900" indent="-342900">
+              <a:buFontTx/>
+              <a:buChar char="-"/>
+            </a:pPr>
+            <a:r>
+              <a:rPr lang="de-DE" sz="2400" dirty="0" err="1" smtClean="0">
+                <a:latin typeface="Gabriola" panose="04040605051002020D02" pitchFamily="82" charset="0"/>
+                <a:sym typeface="Wingdings" panose="05000000000000000000" pitchFamily="2" charset="2"/>
+              </a:rPr>
+              <a:t>Xunit</a:t>
+            </a:r>
+            <a:endParaRPr lang="de-DE" sz="2400" dirty="0" smtClean="0">
+              <a:latin typeface="Gabriola" panose="04040605051002020D02" pitchFamily="82" charset="0"/>
+              <a:sym typeface="Wingdings" panose="05000000000000000000" pitchFamily="2" charset="2"/>
+            </a:endParaRPr>
+          </a:p>
+          <a:p>
+            <a:pPr marL="342900" indent="-342900">
+              <a:buFontTx/>
+              <a:buChar char="-"/>
+            </a:pPr>
+            <a:r>
+              <a:rPr lang="de-DE" sz="2400" dirty="0" err="1" smtClean="0">
+                <a:latin typeface="Gabriola" panose="04040605051002020D02" pitchFamily="82" charset="0"/>
+                <a:sym typeface="Wingdings" panose="05000000000000000000" pitchFamily="2" charset="2"/>
+              </a:rPr>
+              <a:t>Easily</a:t>
+            </a:r>
+            <a:r>
+              <a:rPr lang="de-DE" sz="2400" dirty="0" smtClean="0">
+                <a:latin typeface="Gabriola" panose="04040605051002020D02" pitchFamily="82" charset="0"/>
+                <a:sym typeface="Wingdings" panose="05000000000000000000" pitchFamily="2" charset="2"/>
+              </a:rPr>
+              <a:t> </a:t>
+            </a:r>
+            <a:r>
+              <a:rPr lang="de-DE" sz="2400" dirty="0" err="1" smtClean="0">
+                <a:latin typeface="Gabriola" panose="04040605051002020D02" pitchFamily="82" charset="0"/>
+                <a:sym typeface="Wingdings" panose="05000000000000000000" pitchFamily="2" charset="2"/>
+              </a:rPr>
+              <a:t>extendable</a:t>
+            </a:r>
+            <a:endParaRPr lang="de-DE" sz="2400" dirty="0" smtClean="0">
+              <a:latin typeface="Gabriola" panose="04040605051002020D02" pitchFamily="82" charset="0"/>
+              <a:sym typeface="Wingdings" panose="05000000000000000000" pitchFamily="2" charset="2"/>
+            </a:endParaRPr>
+          </a:p>
+        </p:txBody>
+      </p:sp>
+      <p:cxnSp>
+        <p:nvCxnSpPr>
+          <p:cNvPr id="7" name="Straight Connector 11"/>
+          <p:cNvCxnSpPr/>
+          <p:nvPr/>
+        </p:nvCxnSpPr>
+        <p:spPr>
+          <a:xfrm>
+            <a:off x="2728685" y="1828469"/>
+            <a:ext cx="1327324" cy="0"/>
+          </a:xfrm>
+          <a:prstGeom prst="line">
+            <a:avLst/>
+          </a:prstGeom>
+          <a:ln w="57150">
+            <a:solidFill>
+              <a:srgbClr val="00B050"/>
+            </a:solidFill>
+          </a:ln>
+        </p:spPr>
+        <p:style>
+          <a:lnRef idx="1">
+            <a:schemeClr val="accent1"/>
+          </a:lnRef>
+          <a:fillRef idx="0">
+            <a:schemeClr val="accent1"/>
+          </a:fillRef>
+          <a:effectRef idx="0">
+            <a:schemeClr val="accent1"/>
+          </a:effectRef>
+          <a:fontRef idx="minor">
+            <a:schemeClr val="tx1"/>
+          </a:fontRef>
+        </p:style>
+      </p:cxnSp>
     </p:spTree>
     <p:extLst>
       <p:ext uri="{BB962C8B-B14F-4D97-AF65-F5344CB8AC3E}">
@@ -4546,8 +5009,8 @@
         </p:nvSpPr>
         <p:spPr>
           <a:xfrm>
-            <a:off x="-14710" y="5487"/>
-            <a:ext cx="5564610" cy="646331"/>
+            <a:off x="-14709" y="5487"/>
+            <a:ext cx="3444721" cy="646331"/>
           </a:xfrm>
           <a:prstGeom prst="rect">
             <a:avLst/>
@@ -4560,6 +5023,7 @@
           </a:bodyPr>
           <a:lstStyle/>
           <a:p>
+            <a:pPr algn="ctr"/>
             <a:r>
               <a:rPr lang="de-DE" sz="3600" dirty="0" err="1" smtClean="0">
                 <a:effectLst>
@@ -4571,7 +5035,7 @@
                 </a:effectLst>
                 <a:latin typeface="Gabriola" panose="04040605051002020D02" pitchFamily="82" charset="0"/>
               </a:rPr>
-              <a:t>Use</a:t>
+              <a:t>Conventional</a:t>
             </a:r>
             <a:r>
               <a:rPr lang="de-DE" sz="3600" dirty="0" smtClean="0">
@@ -4584,7 +5048,7 @@
                 </a:effectLst>
                 <a:latin typeface="Gabriola" panose="04040605051002020D02" pitchFamily="82" charset="0"/>
               </a:rPr>
-              <a:t> in Unit Test</a:t>
+              <a:t> Unit Test</a:t>
             </a:r>
             <a:endParaRPr lang="en-US" sz="3600" dirty="0">
               <a:effectLst>
@@ -4594,6 +5058,381 @@
                   </a:srgbClr>
                 </a:outerShdw>
               </a:effectLst>
+              <a:latin typeface="Gabriola" panose="04040605051002020D02" pitchFamily="82" charset="0"/>
+            </a:endParaRPr>
+          </a:p>
+        </p:txBody>
+      </p:sp>
+      <p:sp>
+        <p:nvSpPr>
+          <p:cNvPr id="4" name="Textfeld 3"/>
+          <p:cNvSpPr txBox="1"/>
+          <p:nvPr/>
+        </p:nvSpPr>
+        <p:spPr>
+          <a:xfrm>
+            <a:off x="4942114" y="0"/>
+            <a:ext cx="4201885" cy="646331"/>
+          </a:xfrm>
+          <a:prstGeom prst="rect">
+            <a:avLst/>
+          </a:prstGeom>
+          <a:noFill/>
+        </p:spPr>
+        <p:txBody>
+          <a:bodyPr wrap="square" rtlCol="0">
+            <a:spAutoFit/>
+          </a:bodyPr>
+          <a:lstStyle/>
+          <a:p>
+            <a:r>
+              <a:rPr lang="de-DE" sz="3600" dirty="0" err="1" smtClean="0">
+                <a:effectLst>
+                  <a:outerShdw blurRad="38100" dist="38100" dir="2700000" algn="tl">
+                    <a:srgbClr val="000000">
+                      <a:alpha val="43137"/>
+                    </a:srgbClr>
+                  </a:outerShdw>
+                </a:effectLst>
+                <a:latin typeface="Gabriola" panose="04040605051002020D02" pitchFamily="82" charset="0"/>
+              </a:rPr>
+              <a:t>NCase</a:t>
+            </a:r>
+            <a:r>
+              <a:rPr lang="de-DE" sz="3600" dirty="0" smtClean="0">
+                <a:effectLst>
+                  <a:outerShdw blurRad="38100" dist="38100" dir="2700000" algn="tl">
+                    <a:srgbClr val="000000">
+                      <a:alpha val="43137"/>
+                    </a:srgbClr>
+                  </a:outerShdw>
+                </a:effectLst>
+                <a:latin typeface="Gabriola" panose="04040605051002020D02" pitchFamily="82" charset="0"/>
+              </a:rPr>
+              <a:t> Unit Test</a:t>
+            </a:r>
+            <a:endParaRPr lang="en-US" sz="3600" dirty="0">
+              <a:effectLst>
+                <a:outerShdw blurRad="38100" dist="38100" dir="2700000" algn="tl">
+                  <a:srgbClr val="000000">
+                    <a:alpha val="43137"/>
+                  </a:srgbClr>
+                </a:outerShdw>
+              </a:effectLst>
+              <a:latin typeface="Gabriola" panose="04040605051002020D02" pitchFamily="82" charset="0"/>
+            </a:endParaRPr>
+          </a:p>
+        </p:txBody>
+      </p:sp>
+      <p:sp>
+        <p:nvSpPr>
+          <p:cNvPr id="5" name="Textfeld 4"/>
+          <p:cNvSpPr txBox="1"/>
+          <p:nvPr/>
+        </p:nvSpPr>
+        <p:spPr>
+          <a:xfrm>
+            <a:off x="3679284" y="-1306"/>
+            <a:ext cx="754939" cy="646331"/>
+          </a:xfrm>
+          <a:prstGeom prst="rect">
+            <a:avLst/>
+          </a:prstGeom>
+          <a:noFill/>
+        </p:spPr>
+        <p:txBody>
+          <a:bodyPr wrap="square" rtlCol="0">
+            <a:spAutoFit/>
+          </a:bodyPr>
+          <a:lstStyle/>
+          <a:p>
+            <a:pPr algn="ctr"/>
+            <a:r>
+              <a:rPr lang="de-DE" sz="3600" dirty="0" smtClean="0">
+                <a:effectLst>
+                  <a:outerShdw blurRad="38100" dist="38100" dir="2700000" algn="tl">
+                    <a:srgbClr val="000000">
+                      <a:alpha val="43137"/>
+                    </a:srgbClr>
+                  </a:outerShdw>
+                </a:effectLst>
+                <a:latin typeface="Gabriola" panose="04040605051002020D02" pitchFamily="82" charset="0"/>
+              </a:rPr>
+              <a:t>vs.</a:t>
+            </a:r>
+            <a:endParaRPr lang="en-US" sz="3600" dirty="0">
+              <a:effectLst>
+                <a:outerShdw blurRad="38100" dist="38100" dir="2700000" algn="tl">
+                  <a:srgbClr val="000000">
+                    <a:alpha val="43137"/>
+                  </a:srgbClr>
+                </a:outerShdw>
+              </a:effectLst>
+              <a:latin typeface="Gabriola" panose="04040605051002020D02" pitchFamily="82" charset="0"/>
+            </a:endParaRPr>
+          </a:p>
+        </p:txBody>
+      </p:sp>
+      <p:pic>
+        <p:nvPicPr>
+          <p:cNvPr id="3" name="Grafik 2"/>
+          <p:cNvPicPr>
+            <a:picLocks noChangeAspect="1"/>
+          </p:cNvPicPr>
+          <p:nvPr/>
+        </p:nvPicPr>
+        <p:blipFill rotWithShape="1">
+          <a:blip r:link="rId2"/>
+          <a:srcRect l="1835" t="4268" r="3108" b="2606"/>
+          <a:stretch/>
+        </p:blipFill>
+        <p:spPr>
+          <a:xfrm>
+            <a:off x="130628" y="899885"/>
+            <a:ext cx="3145962" cy="4008579"/>
+          </a:xfrm>
+          <a:prstGeom prst="rect">
+            <a:avLst/>
+          </a:prstGeom>
+        </p:spPr>
+      </p:pic>
+      <p:pic>
+        <p:nvPicPr>
+          <p:cNvPr id="6" name="Grafik 5"/>
+          <p:cNvPicPr>
+            <a:picLocks noChangeAspect="1"/>
+          </p:cNvPicPr>
+          <p:nvPr/>
+        </p:nvPicPr>
+        <p:blipFill rotWithShape="1">
+          <a:blip r:link="rId3"/>
+          <a:srcRect l="1429" t="3891" r="2311" b="6369"/>
+          <a:stretch/>
+        </p:blipFill>
+        <p:spPr>
+          <a:xfrm>
+            <a:off x="4811486" y="899886"/>
+            <a:ext cx="4280275" cy="4008579"/>
+          </a:xfrm>
+          <a:prstGeom prst="rect">
+            <a:avLst/>
+          </a:prstGeom>
+        </p:spPr>
+      </p:pic>
+      <p:sp>
+        <p:nvSpPr>
+          <p:cNvPr id="22" name="Textfeld 9"/>
+          <p:cNvSpPr txBox="1"/>
+          <p:nvPr/>
+        </p:nvSpPr>
+        <p:spPr>
+          <a:xfrm>
+            <a:off x="3430012" y="915190"/>
+            <a:ext cx="1229071" cy="461665"/>
+          </a:xfrm>
+          <a:prstGeom prst="rect">
+            <a:avLst/>
+          </a:prstGeom>
+          <a:noFill/>
+        </p:spPr>
+        <p:txBody>
+          <a:bodyPr wrap="square" rtlCol="0">
+            <a:spAutoFit/>
+          </a:bodyPr>
+          <a:lstStyle/>
+          <a:p>
+            <a:pPr algn="ctr"/>
+            <a:r>
+              <a:rPr lang="de-DE" sz="2400" dirty="0" smtClean="0">
+                <a:latin typeface="Gabriola" panose="04040605051002020D02" pitchFamily="82" charset="0"/>
+                <a:sym typeface="Wingdings" panose="05000000000000000000" pitchFamily="2" charset="2"/>
+              </a:rPr>
+              <a:t>ARRANGE</a:t>
+            </a:r>
+            <a:endParaRPr lang="en-US" sz="2400" dirty="0">
+              <a:latin typeface="Gabriola" panose="04040605051002020D02" pitchFamily="82" charset="0"/>
+            </a:endParaRPr>
+          </a:p>
+        </p:txBody>
+      </p:sp>
+      <p:cxnSp>
+        <p:nvCxnSpPr>
+          <p:cNvPr id="24" name="Straight Connector 9"/>
+          <p:cNvCxnSpPr/>
+          <p:nvPr/>
+        </p:nvCxnSpPr>
+        <p:spPr>
+          <a:xfrm>
+            <a:off x="130628" y="899885"/>
+            <a:ext cx="8961133" cy="0"/>
+          </a:xfrm>
+          <a:prstGeom prst="line">
+            <a:avLst/>
+          </a:prstGeom>
+          <a:ln w="57150">
+            <a:solidFill>
+              <a:schemeClr val="accent2">
+                <a:lumMod val="75000"/>
+              </a:schemeClr>
+            </a:solidFill>
+          </a:ln>
+        </p:spPr>
+        <p:style>
+          <a:lnRef idx="1">
+            <a:schemeClr val="accent1"/>
+          </a:lnRef>
+          <a:fillRef idx="0">
+            <a:schemeClr val="accent1"/>
+          </a:fillRef>
+          <a:effectRef idx="0">
+            <a:schemeClr val="accent1"/>
+          </a:effectRef>
+          <a:fontRef idx="minor">
+            <a:schemeClr val="tx1"/>
+          </a:fontRef>
+        </p:style>
+      </p:cxnSp>
+      <p:cxnSp>
+        <p:nvCxnSpPr>
+          <p:cNvPr id="25" name="Straight Connector 9"/>
+          <p:cNvCxnSpPr/>
+          <p:nvPr/>
+        </p:nvCxnSpPr>
+        <p:spPr>
+          <a:xfrm>
+            <a:off x="130628" y="3512457"/>
+            <a:ext cx="8961133" cy="0"/>
+          </a:xfrm>
+          <a:prstGeom prst="line">
+            <a:avLst/>
+          </a:prstGeom>
+          <a:ln w="57150">
+            <a:solidFill>
+              <a:schemeClr val="accent2">
+                <a:lumMod val="75000"/>
+              </a:schemeClr>
+            </a:solidFill>
+          </a:ln>
+        </p:spPr>
+        <p:style>
+          <a:lnRef idx="1">
+            <a:schemeClr val="accent1"/>
+          </a:lnRef>
+          <a:fillRef idx="0">
+            <a:schemeClr val="accent1"/>
+          </a:fillRef>
+          <a:effectRef idx="0">
+            <a:schemeClr val="accent1"/>
+          </a:effectRef>
+          <a:fontRef idx="minor">
+            <a:schemeClr val="tx1"/>
+          </a:fontRef>
+        </p:style>
+      </p:cxnSp>
+      <p:cxnSp>
+        <p:nvCxnSpPr>
+          <p:cNvPr id="26" name="Straight Connector 9"/>
+          <p:cNvCxnSpPr/>
+          <p:nvPr/>
+        </p:nvCxnSpPr>
+        <p:spPr>
+          <a:xfrm>
+            <a:off x="130628" y="4158343"/>
+            <a:ext cx="8961133" cy="0"/>
+          </a:xfrm>
+          <a:prstGeom prst="line">
+            <a:avLst/>
+          </a:prstGeom>
+          <a:ln w="57150">
+            <a:solidFill>
+              <a:schemeClr val="accent2">
+                <a:lumMod val="75000"/>
+              </a:schemeClr>
+            </a:solidFill>
+          </a:ln>
+        </p:spPr>
+        <p:style>
+          <a:lnRef idx="1">
+            <a:schemeClr val="accent1"/>
+          </a:lnRef>
+          <a:fillRef idx="0">
+            <a:schemeClr val="accent1"/>
+          </a:fillRef>
+          <a:effectRef idx="0">
+            <a:schemeClr val="accent1"/>
+          </a:effectRef>
+          <a:fontRef idx="minor">
+            <a:schemeClr val="tx1"/>
+          </a:fontRef>
+        </p:style>
+      </p:cxnSp>
+      <p:sp>
+        <p:nvSpPr>
+          <p:cNvPr id="27" name="Textfeld 9"/>
+          <p:cNvSpPr txBox="1"/>
+          <p:nvPr/>
+        </p:nvSpPr>
+        <p:spPr>
+          <a:xfrm>
+            <a:off x="3430012" y="3505200"/>
+            <a:ext cx="1229071" cy="461665"/>
+          </a:xfrm>
+          <a:prstGeom prst="rect">
+            <a:avLst/>
+          </a:prstGeom>
+          <a:noFill/>
+        </p:spPr>
+        <p:txBody>
+          <a:bodyPr wrap="square" rtlCol="0">
+            <a:spAutoFit/>
+          </a:bodyPr>
+          <a:lstStyle/>
+          <a:p>
+            <a:pPr algn="ctr"/>
+            <a:r>
+              <a:rPr lang="de-DE" sz="2400" dirty="0" smtClean="0">
+                <a:latin typeface="Gabriola" panose="04040605051002020D02" pitchFamily="82" charset="0"/>
+                <a:sym typeface="Wingdings" panose="05000000000000000000" pitchFamily="2" charset="2"/>
+              </a:rPr>
+              <a:t>ACT</a:t>
+            </a:r>
+            <a:endParaRPr lang="en-US" sz="2400" dirty="0">
+              <a:latin typeface="Gabriola" panose="04040605051002020D02" pitchFamily="82" charset="0"/>
+            </a:endParaRPr>
+          </a:p>
+        </p:txBody>
+      </p:sp>
+      <p:sp>
+        <p:nvSpPr>
+          <p:cNvPr id="28" name="Textfeld 9"/>
+          <p:cNvSpPr txBox="1"/>
+          <p:nvPr/>
+        </p:nvSpPr>
+        <p:spPr>
+          <a:xfrm>
+            <a:off x="3430012" y="4185369"/>
+            <a:ext cx="1229071" cy="461665"/>
+          </a:xfrm>
+          <a:prstGeom prst="rect">
+            <a:avLst/>
+          </a:prstGeom>
+          <a:noFill/>
+        </p:spPr>
+        <p:txBody>
+          <a:bodyPr wrap="square" rtlCol="0">
+            <a:spAutoFit/>
+          </a:bodyPr>
+          <a:lstStyle/>
+          <a:p>
+            <a:pPr algn="ctr"/>
+            <a:r>
+              <a:rPr lang="de-DE" sz="2400" dirty="0" smtClean="0">
+                <a:latin typeface="Gabriola" panose="04040605051002020D02" pitchFamily="82" charset="0"/>
+                <a:sym typeface="Wingdings" panose="05000000000000000000" pitchFamily="2" charset="2"/>
+              </a:rPr>
+              <a:t>ASSERT</a:t>
+            </a:r>
+            <a:endParaRPr lang="en-US" sz="2400" dirty="0">
               <a:latin typeface="Gabriola" panose="04040605051002020D02" pitchFamily="82" charset="0"/>
             </a:endParaRPr>
           </a:p>
@@ -4765,6 +5604,60 @@
           </a:p>
         </p:txBody>
       </p:sp>
+      <p:sp>
+        <p:nvSpPr>
+          <p:cNvPr id="10" name="Gleichschenkliges Dreieck 9"/>
+          <p:cNvSpPr/>
+          <p:nvPr/>
+        </p:nvSpPr>
+        <p:spPr>
+          <a:xfrm rot="5400000">
+            <a:off x="2438481" y="2208021"/>
+            <a:ext cx="1645746" cy="437363"/>
+          </a:xfrm>
+          <a:prstGeom prst="triangle">
+            <a:avLst/>
+          </a:prstGeom>
+          <a:ln>
+            <a:solidFill>
+              <a:schemeClr val="bg1">
+                <a:lumMod val="75000"/>
+              </a:schemeClr>
+            </a:solidFill>
+          </a:ln>
+          <a:effectLst>
+            <a:outerShdw blurRad="457200" dist="1295400" dir="9120000" sx="94000" sy="94000" algn="tr" rotWithShape="0">
+              <a:prstClr val="black">
+                <a:alpha val="41000"/>
+              </a:prstClr>
+            </a:outerShdw>
+          </a:effectLst>
+        </p:spPr>
+        <p:style>
+          <a:lnRef idx="2">
+            <a:schemeClr val="accent1">
+              <a:shade val="50000"/>
+            </a:schemeClr>
+          </a:lnRef>
+          <a:fillRef idx="1">
+            <a:schemeClr val="accent1"/>
+          </a:fillRef>
+          <a:effectRef idx="0">
+            <a:schemeClr val="accent1"/>
+          </a:effectRef>
+          <a:fontRef idx="minor">
+            <a:schemeClr val="lt1"/>
+          </a:fontRef>
+        </p:style>
+        <p:txBody>
+          <a:bodyPr rtlCol="0" anchor="ctr"/>
+          <a:lstStyle/>
+          <a:p>
+            <a:pPr algn="ctr"/>
+            <a:endParaRPr lang="en-US"/>
+          </a:p>
+        </p:txBody>
+      </p:sp>
       <p:pic>
         <p:nvPicPr>
           <p:cNvPr id="2" name="Grafik 1"/>
@@ -4842,7 +5735,7 @@
       </p:grpSpPr>
       <p:pic>
         <p:nvPicPr>
-          <p:cNvPr id="2" name="Grafik 1"/>
+          <p:cNvPr id="7" name="Grafik 6"/>
           <p:cNvPicPr>
             <a:picLocks noChangeAspect="1"/>
           </p:cNvPicPr>
@@ -4856,12 +5749,19 @@
         </p:blipFill>
         <p:spPr>
           <a:xfrm>
-            <a:off x="165508" y="930454"/>
+            <a:off x="165508" y="770800"/>
             <a:ext cx="7182541" cy="3756241"/>
           </a:xfrm>
           <a:prstGeom prst="rect">
             <a:avLst/>
           </a:prstGeom>
+          <a:ln>
+            <a:solidFill>
+              <a:schemeClr val="bg1">
+                <a:lumMod val="75000"/>
+              </a:schemeClr>
+            </a:solidFill>
+          </a:ln>
         </p:spPr>
       </p:pic>
       <p:sp>
@@ -4964,55 +5864,6 @@
           </a:p>
         </p:txBody>
       </p:sp>
-      <p:sp>
-        <p:nvSpPr>
-          <p:cNvPr id="6" name="Rechteck 5"/>
-          <p:cNvSpPr/>
-          <p:nvPr/>
-        </p:nvSpPr>
-        <p:spPr>
-          <a:xfrm>
-            <a:off x="3756778" y="1422400"/>
-            <a:ext cx="4660900" cy="3289300"/>
-          </a:xfrm>
-          <a:prstGeom prst="rect">
-            <a:avLst/>
-          </a:prstGeom>
-          <a:solidFill>
-            <a:schemeClr val="accent1">
-              <a:lumMod val="20000"/>
-              <a:lumOff val="80000"/>
-            </a:schemeClr>
-          </a:solidFill>
-          <a:ln>
-            <a:noFill/>
-          </a:ln>
-        </p:spPr>
-        <p:style>
-          <a:lnRef idx="2">
-            <a:schemeClr val="accent1">
-              <a:shade val="50000"/>
-            </a:schemeClr>
-          </a:lnRef>
-          <a:fillRef idx="1">
-            <a:schemeClr val="accent1"/>
-          </a:fillRef>
-          <a:effectRef idx="0">
-            <a:schemeClr val="accent1"/>
-          </a:effectRef>
-          <a:fontRef idx="minor">
-            <a:schemeClr val="lt1"/>
-          </a:fontRef>
-        </p:style>
-        <p:txBody>
-          <a:bodyPr rtlCol="0" anchor="ctr"/>
-          <a:lstStyle/>
-          <a:p>
-            <a:pPr algn="ctr"/>
-            <a:endParaRPr lang="en-US"/>
-          </a:p>
-        </p:txBody>
-      </p:sp>
       <p:cxnSp>
         <p:nvCxnSpPr>
           <p:cNvPr id="8" name="Gerade Verbindung mit Pfeil 7"/>
@@ -5021,7 +5872,7 @@
         </p:nvCxnSpPr>
         <p:spPr>
           <a:xfrm flipV="1">
-            <a:off x="6099928" y="1574800"/>
+            <a:off x="6099928" y="1407889"/>
             <a:ext cx="0" cy="665083"/>
           </a:xfrm>
           <a:prstGeom prst="straightConnector1">
@@ -5059,7 +5910,7 @@
         </p:nvSpPr>
         <p:spPr>
           <a:xfrm>
-            <a:off x="4749800" y="2279650"/>
+            <a:off x="4053114" y="2112738"/>
             <a:ext cx="3136900" cy="461665"/>
           </a:xfrm>
           <a:prstGeom prst="rect">
@@ -5199,7 +6050,7 @@
       </p:grpSpPr>
       <p:pic>
         <p:nvPicPr>
-          <p:cNvPr id="2" name="Grafik 1"/>
+          <p:cNvPr id="9" name="Grafik 8"/>
           <p:cNvPicPr>
             <a:picLocks noChangeAspect="1"/>
           </p:cNvPicPr>
@@ -5213,12 +6064,19 @@
         </p:blipFill>
         <p:spPr>
           <a:xfrm>
-            <a:off x="165508" y="930454"/>
+            <a:off x="165508" y="770800"/>
             <a:ext cx="7182541" cy="3756241"/>
           </a:xfrm>
           <a:prstGeom prst="rect">
             <a:avLst/>
           </a:prstGeom>
+          <a:ln>
+            <a:solidFill>
+              <a:schemeClr val="bg1">
+                <a:lumMod val="75000"/>
+              </a:schemeClr>
+            </a:solidFill>
+          </a:ln>
         </p:spPr>
       </p:pic>
       <p:sp>
@@ -5323,27 +6181,32 @@
       </p:sp>
       <p:sp>
         <p:nvSpPr>
-          <p:cNvPr id="6" name="Rechteck 5"/>
+          <p:cNvPr id="13" name="Gleichschenkliges Dreieck 12"/>
           <p:cNvSpPr/>
           <p:nvPr/>
         </p:nvSpPr>
         <p:spPr>
-          <a:xfrm>
-            <a:off x="3756778" y="1422400"/>
-            <a:ext cx="4660900" cy="3289300"/>
-          </a:xfrm>
-          <a:prstGeom prst="rect">
+          <a:xfrm rot="10800000">
+            <a:off x="5277055" y="1356117"/>
+            <a:ext cx="1645746" cy="342053"/>
+          </a:xfrm>
+          <a:prstGeom prst="triangle">
             <a:avLst/>
           </a:prstGeom>
-          <a:solidFill>
-            <a:schemeClr val="accent1">
-              <a:lumMod val="20000"/>
-              <a:lumOff val="80000"/>
-            </a:schemeClr>
-          </a:solidFill>
           <a:ln>
-            <a:noFill/>
+            <a:solidFill>
+              <a:schemeClr val="bg1">
+                <a:lumMod val="75000"/>
+              </a:schemeClr>
+            </a:solidFill>
           </a:ln>
+          <a:effectLst>
+            <a:outerShdw blurRad="457200" dist="1295400" dir="9120000" sx="94000" sy="94000" algn="tr" rotWithShape="0">
+              <a:prstClr val="black">
+                <a:alpha val="41000"/>
+              </a:prstClr>
+            </a:outerShdw>
+          </a:effectLst>
         </p:spPr>
         <p:style>
           <a:lnRef idx="2">
@@ -5370,226 +6233,6 @@
           </a:p>
         </p:txBody>
       </p:sp>
-      <p:cxnSp>
-        <p:nvCxnSpPr>
-          <p:cNvPr id="8" name="Gerade Verbindung mit Pfeil 7"/>
-          <p:cNvCxnSpPr/>
-          <p:nvPr/>
-        </p:nvCxnSpPr>
-        <p:spPr>
-          <a:xfrm flipV="1">
-            <a:off x="6099928" y="1320800"/>
-            <a:ext cx="0" cy="665083"/>
-          </a:xfrm>
-          <a:prstGeom prst="straightConnector1">
-            <a:avLst/>
-          </a:prstGeom>
-          <a:ln w="38100">
-            <a:solidFill>
-              <a:schemeClr val="accent6">
-                <a:lumMod val="75000"/>
-              </a:schemeClr>
-            </a:solidFill>
-            <a:tailEnd type="arrow"/>
-          </a:ln>
-        </p:spPr>
-        <p:style>
-          <a:lnRef idx="1">
-            <a:schemeClr val="accent1"/>
-          </a:lnRef>
-          <a:fillRef idx="0">
-            <a:schemeClr val="accent1"/>
-          </a:fillRef>
-          <a:effectRef idx="0">
-            <a:schemeClr val="accent1"/>
-          </a:effectRef>
-          <a:fontRef idx="minor">
-            <a:schemeClr val="tx1"/>
-          </a:fontRef>
-        </p:style>
-      </p:cxnSp>
-      <p:sp>
-        <p:nvSpPr>
-          <p:cNvPr id="10" name="Textfeld 9"/>
-          <p:cNvSpPr txBox="1"/>
-          <p:nvPr/>
-        </p:nvSpPr>
-        <p:spPr>
-          <a:xfrm>
-            <a:off x="4749800" y="2152650"/>
-            <a:ext cx="3136900" cy="1323439"/>
-          </a:xfrm>
-          <a:prstGeom prst="rect">
-            <a:avLst/>
-          </a:prstGeom>
-          <a:noFill/>
-        </p:spPr>
-        <p:txBody>
-          <a:bodyPr wrap="square" rtlCol="0">
-            <a:spAutoFit/>
-          </a:bodyPr>
-          <a:lstStyle/>
-          <a:p>
-            <a:r>
-              <a:rPr lang="de-DE" sz="2000" dirty="0" err="1" smtClean="0">
-                <a:latin typeface="Gabriola" panose="04040605051002020D02" pitchFamily="82" charset="0"/>
-              </a:rPr>
-              <a:t>Use</a:t>
-            </a:r>
-            <a:r>
-              <a:rPr lang="de-DE" sz="2000" dirty="0" smtClean="0">
-                <a:latin typeface="Gabriola" panose="04040605051002020D02" pitchFamily="82" charset="0"/>
-              </a:rPr>
-              <a:t> </a:t>
-            </a:r>
-            <a:r>
-              <a:rPr lang="de-DE" sz="2000" dirty="0" err="1" smtClean="0">
-                <a:latin typeface="Gabriola" panose="04040605051002020D02" pitchFamily="82" charset="0"/>
-              </a:rPr>
-              <a:t>pairwise</a:t>
-            </a:r>
-            <a:r>
-              <a:rPr lang="de-DE" sz="2000" dirty="0" smtClean="0">
-                <a:latin typeface="Gabriola" panose="04040605051002020D02" pitchFamily="82" charset="0"/>
-              </a:rPr>
-              <a:t> </a:t>
-            </a:r>
-            <a:r>
-              <a:rPr lang="de-DE" sz="2000" dirty="0" err="1" smtClean="0">
-                <a:latin typeface="Gabriola" panose="04040605051002020D02" pitchFamily="82" charset="0"/>
-              </a:rPr>
-              <a:t>product</a:t>
-            </a:r>
-            <a:r>
-              <a:rPr lang="de-DE" sz="2000" dirty="0" smtClean="0">
-                <a:latin typeface="Gabriola" panose="04040605051002020D02" pitchFamily="82" charset="0"/>
-              </a:rPr>
-              <a:t> </a:t>
-            </a:r>
-          </a:p>
-          <a:p>
-            <a:r>
-              <a:rPr lang="de-DE" sz="2000" dirty="0" err="1" smtClean="0">
-                <a:latin typeface="Gabriola" panose="04040605051002020D02" pitchFamily="82" charset="0"/>
-              </a:rPr>
-              <a:t>instead</a:t>
-            </a:r>
-            <a:r>
-              <a:rPr lang="de-DE" sz="2000" dirty="0" smtClean="0">
-                <a:latin typeface="Gabriola" panose="04040605051002020D02" pitchFamily="82" charset="0"/>
-              </a:rPr>
-              <a:t> </a:t>
-            </a:r>
-            <a:r>
-              <a:rPr lang="de-DE" sz="2000" dirty="0" err="1" smtClean="0">
-                <a:latin typeface="Gabriola" panose="04040605051002020D02" pitchFamily="82" charset="0"/>
-              </a:rPr>
-              <a:t>of</a:t>
-            </a:r>
-            <a:r>
-              <a:rPr lang="de-DE" sz="2000" dirty="0" smtClean="0">
-                <a:latin typeface="Gabriola" panose="04040605051002020D02" pitchFamily="82" charset="0"/>
-              </a:rPr>
-              <a:t> </a:t>
-            </a:r>
-            <a:r>
-              <a:rPr lang="de-DE" sz="2000" dirty="0" err="1" smtClean="0">
-                <a:latin typeface="Gabriola" panose="04040605051002020D02" pitchFamily="82" charset="0"/>
-              </a:rPr>
-              <a:t>cartesian</a:t>
-            </a:r>
-            <a:r>
-              <a:rPr lang="de-DE" sz="2000" dirty="0" smtClean="0">
-                <a:latin typeface="Gabriola" panose="04040605051002020D02" pitchFamily="82" charset="0"/>
-              </a:rPr>
-              <a:t> </a:t>
-            </a:r>
-            <a:r>
-              <a:rPr lang="de-DE" sz="2000" dirty="0" err="1" smtClean="0">
-                <a:latin typeface="Gabriola" panose="04040605051002020D02" pitchFamily="82" charset="0"/>
-              </a:rPr>
-              <a:t>product</a:t>
-            </a:r>
-            <a:endParaRPr lang="de-DE" sz="2000" dirty="0" smtClean="0">
-              <a:latin typeface="Gabriola" panose="04040605051002020D02" pitchFamily="82" charset="0"/>
-            </a:endParaRPr>
-          </a:p>
-          <a:p>
-            <a:endParaRPr lang="de-DE" sz="2000" dirty="0" smtClean="0">
-              <a:latin typeface="Gabriola" panose="04040605051002020D02" pitchFamily="82" charset="0"/>
-              <a:sym typeface="Wingdings" panose="05000000000000000000" pitchFamily="2" charset="2"/>
-            </a:endParaRPr>
-          </a:p>
-          <a:p>
-            <a:r>
-              <a:rPr lang="de-DE" sz="2000" dirty="0" err="1" smtClean="0">
-                <a:latin typeface="Gabriola" panose="04040605051002020D02" pitchFamily="82" charset="0"/>
-                <a:sym typeface="Wingdings" panose="05000000000000000000" pitchFamily="2" charset="2"/>
-              </a:rPr>
-              <a:t>Reduces</a:t>
-            </a:r>
-            <a:r>
-              <a:rPr lang="de-DE" sz="2000" dirty="0" smtClean="0">
-                <a:latin typeface="Gabriola" panose="04040605051002020D02" pitchFamily="82" charset="0"/>
-                <a:sym typeface="Wingdings" panose="05000000000000000000" pitchFamily="2" charset="2"/>
-              </a:rPr>
-              <a:t> </a:t>
-            </a:r>
-            <a:r>
-              <a:rPr lang="de-DE" sz="2000" dirty="0" err="1" smtClean="0">
-                <a:latin typeface="Gabriola" panose="04040605051002020D02" pitchFamily="82" charset="0"/>
-                <a:sym typeface="Wingdings" panose="05000000000000000000" pitchFamily="2" charset="2"/>
-              </a:rPr>
-              <a:t>amount</a:t>
-            </a:r>
-            <a:r>
-              <a:rPr lang="de-DE" sz="2000" dirty="0" smtClean="0">
-                <a:latin typeface="Gabriola" panose="04040605051002020D02" pitchFamily="82" charset="0"/>
-                <a:sym typeface="Wingdings" panose="05000000000000000000" pitchFamily="2" charset="2"/>
-              </a:rPr>
-              <a:t> </a:t>
-            </a:r>
-            <a:r>
-              <a:rPr lang="de-DE" sz="2000" dirty="0" err="1" smtClean="0">
-                <a:latin typeface="Gabriola" panose="04040605051002020D02" pitchFamily="82" charset="0"/>
-                <a:sym typeface="Wingdings" panose="05000000000000000000" pitchFamily="2" charset="2"/>
-              </a:rPr>
-              <a:t>of</a:t>
-            </a:r>
-            <a:r>
-              <a:rPr lang="de-DE" sz="2000" dirty="0" smtClean="0">
-                <a:latin typeface="Gabriola" panose="04040605051002020D02" pitchFamily="82" charset="0"/>
-                <a:sym typeface="Wingdings" panose="05000000000000000000" pitchFamily="2" charset="2"/>
-              </a:rPr>
-              <a:t> </a:t>
-            </a:r>
-            <a:r>
-              <a:rPr lang="de-DE" sz="2000" dirty="0" err="1" smtClean="0">
-                <a:latin typeface="Gabriola" panose="04040605051002020D02" pitchFamily="82" charset="0"/>
-                <a:sym typeface="Wingdings" panose="05000000000000000000" pitchFamily="2" charset="2"/>
-              </a:rPr>
-              <a:t>test</a:t>
-            </a:r>
-            <a:r>
-              <a:rPr lang="de-DE" sz="2000" dirty="0" smtClean="0">
-                <a:latin typeface="Gabriola" panose="04040605051002020D02" pitchFamily="82" charset="0"/>
-                <a:sym typeface="Wingdings" panose="05000000000000000000" pitchFamily="2" charset="2"/>
-              </a:rPr>
-              <a:t> </a:t>
-            </a:r>
-            <a:r>
-              <a:rPr lang="de-DE" sz="2000" dirty="0" err="1" smtClean="0">
-                <a:latin typeface="Gabriola" panose="04040605051002020D02" pitchFamily="82" charset="0"/>
-                <a:sym typeface="Wingdings" panose="05000000000000000000" pitchFamily="2" charset="2"/>
-              </a:rPr>
-              <a:t>cases</a:t>
-            </a:r>
-            <a:endParaRPr lang="en-US" sz="2000" dirty="0">
-              <a:latin typeface="Gabriola" panose="04040605051002020D02" pitchFamily="82" charset="0"/>
-            </a:endParaRPr>
-          </a:p>
-        </p:txBody>
-      </p:sp>
       <p:pic>
         <p:nvPicPr>
           <p:cNvPr id="4" name="Grafik 3"/>
@@ -5598,16 +6241,15 @@
           </p:cNvPicPr>
           <p:nvPr/>
         </p:nvPicPr>
-        <p:blipFill>
+        <p:blipFill rotWithShape="1">
           <a:blip r:link="rId4"/>
-          <a:stretch>
-            <a:fillRect/>
-          </a:stretch>
+          <a:srcRect t="4564" b="8533"/>
+          <a:stretch/>
         </p:blipFill>
         <p:spPr>
           <a:xfrm>
-            <a:off x="2936089" y="409198"/>
-            <a:ext cx="6065821" cy="3756241"/>
+            <a:off x="2936089" y="1799764"/>
+            <a:ext cx="6065821" cy="3264295"/>
           </a:xfrm>
           <a:prstGeom prst="rect">
             <a:avLst/>
@@ -5620,7 +6262,7 @@
             </a:solidFill>
           </a:ln>
           <a:effectLst>
-            <a:outerShdw blurRad="457200" dist="1295400" dir="9120000" sx="94000" sy="94000" algn="tr" rotWithShape="0">
+            <a:outerShdw blurRad="457200" dist="1104900" dir="11460000" sx="94000" sy="94000" algn="tr" rotWithShape="0">
               <a:prstClr val="black">
                 <a:alpha val="41000"/>
               </a:prstClr>
@@ -5728,7 +6370,20 @@
                 </a:effectLst>
                 <a:latin typeface="Gabriola" panose="04040605051002020D02" pitchFamily="82" charset="0"/>
               </a:rPr>
-              <a:t>D</a:t>
+              <a:t>Define</a:t>
+            </a:r>
+            <a:r>
+              <a:rPr lang="de-DE" sz="3600" dirty="0" smtClean="0">
+                <a:effectLst>
+                  <a:outerShdw blurRad="38100" dist="38100" dir="2700000" algn="tl">
+                    <a:srgbClr val="000000">
+                      <a:alpha val="43137"/>
+                    </a:srgbClr>
+                  </a:outerShdw>
+                </a:effectLst>
+                <a:latin typeface="Gabriola" panose="04040605051002020D02" pitchFamily="82" charset="0"/>
+              </a:rPr>
+              <a:t> </a:t>
             </a:r>
             <a:r>
               <a:rPr lang="de-DE" sz="3600" dirty="0" err="1" smtClean="0">
@@ -5741,59 +6396,7 @@
                 </a:effectLst>
                 <a:latin typeface="Gabriola" panose="04040605051002020D02" pitchFamily="82" charset="0"/>
               </a:rPr>
-              <a:t>efine</a:t>
-            </a:r>
-            <a:r>
-              <a:rPr lang="de-DE" sz="3600" dirty="0" smtClean="0">
-                <a:effectLst>
-                  <a:outerShdw blurRad="38100" dist="38100" dir="2700000" algn="tl">
-                    <a:srgbClr val="000000">
-                      <a:alpha val="43137"/>
-                    </a:srgbClr>
-                  </a:outerShdw>
-                </a:effectLst>
-                <a:latin typeface="Gabriola" panose="04040605051002020D02" pitchFamily="82" charset="0"/>
-              </a:rPr>
-              <a:t> </a:t>
-            </a:r>
-            <a:r>
-              <a:rPr lang="de-DE" sz="3600" dirty="0" err="1" smtClean="0">
-                <a:effectLst>
-                  <a:outerShdw blurRad="38100" dist="38100" dir="2700000" algn="tl">
-                    <a:srgbClr val="000000">
-                      <a:alpha val="43137"/>
-                    </a:srgbClr>
-                  </a:outerShdw>
-                </a:effectLst>
-                <a:latin typeface="Gabriola" panose="04040605051002020D02" pitchFamily="82" charset="0"/>
-              </a:rPr>
-              <a:t>Combinations</a:t>
-            </a:r>
-            <a:r>
-              <a:rPr lang="de-DE" sz="3600" dirty="0" smtClean="0">
-                <a:effectLst>
-                  <a:outerShdw blurRad="38100" dist="38100" dir="2700000" algn="tl">
-                    <a:srgbClr val="000000">
-                      <a:alpha val="43137"/>
-                    </a:srgbClr>
-                  </a:outerShdw>
-                </a:effectLst>
-                <a:latin typeface="Gabriola" panose="04040605051002020D02" pitchFamily="82" charset="0"/>
-              </a:rPr>
-              <a:t> </a:t>
-            </a:r>
-            <a:r>
-              <a:rPr lang="de-DE" sz="3600" dirty="0" err="1" smtClean="0">
-                <a:effectLst>
-                  <a:outerShdw blurRad="38100" dist="38100" dir="2700000" algn="tl">
-                    <a:srgbClr val="000000">
-                      <a:alpha val="43137"/>
-                    </a:srgbClr>
-                  </a:outerShdw>
-                </a:effectLst>
-                <a:latin typeface="Gabriola" panose="04040605051002020D02" pitchFamily="82" charset="0"/>
-              </a:rPr>
-              <a:t>as</a:t>
+              <a:t>Combination</a:t>
             </a:r>
             <a:r>
               <a:rPr lang="de-DE" sz="3600" dirty="0" smtClean="0">
@@ -5847,6 +6450,973 @@
           </a:p>
         </p:txBody>
       </p:sp>
+      <p:grpSp>
+        <p:nvGrpSpPr>
+          <p:cNvPr id="46" name="Gruppieren 45"/>
+          <p:cNvGrpSpPr/>
+          <p:nvPr/>
+        </p:nvGrpSpPr>
+        <p:grpSpPr>
+          <a:xfrm>
+            <a:off x="5381181" y="1485794"/>
+            <a:ext cx="2950028" cy="2713426"/>
+            <a:chOff x="5333097" y="1345209"/>
+            <a:chExt cx="2950028" cy="2713426"/>
+          </a:xfrm>
+        </p:grpSpPr>
+        <p:sp>
+          <p:nvSpPr>
+            <p:cNvPr id="3" name="Ellipse 2"/>
+            <p:cNvSpPr/>
+            <p:nvPr/>
+          </p:nvSpPr>
+          <p:spPr>
+            <a:xfrm>
+              <a:off x="7310669" y="1345209"/>
+              <a:ext cx="253999" cy="199571"/>
+            </a:xfrm>
+            <a:prstGeom prst="ellipse">
+              <a:avLst/>
+            </a:prstGeom>
+          </p:spPr>
+          <p:style>
+            <a:lnRef idx="2">
+              <a:schemeClr val="accent1">
+                <a:shade val="50000"/>
+              </a:schemeClr>
+            </a:lnRef>
+            <a:fillRef idx="1">
+              <a:schemeClr val="accent1"/>
+            </a:fillRef>
+            <a:effectRef idx="0">
+              <a:schemeClr val="accent1"/>
+            </a:effectRef>
+            <a:fontRef idx="minor">
+              <a:schemeClr val="lt1"/>
+            </a:fontRef>
+          </p:style>
+          <p:txBody>
+            <a:bodyPr rtlCol="0" anchor="ctr"/>
+            <a:lstStyle/>
+            <a:p>
+              <a:pPr algn="ctr"/>
+              <a:endParaRPr lang="en-US"/>
+            </a:p>
+          </p:txBody>
+        </p:sp>
+        <p:sp>
+          <p:nvSpPr>
+            <p:cNvPr id="7" name="Ellipse 6"/>
+            <p:cNvSpPr/>
+            <p:nvPr/>
+          </p:nvSpPr>
+          <p:spPr>
+            <a:xfrm>
+              <a:off x="6686555" y="2120435"/>
+              <a:ext cx="253999" cy="199571"/>
+            </a:xfrm>
+            <a:prstGeom prst="ellipse">
+              <a:avLst/>
+            </a:prstGeom>
+          </p:spPr>
+          <p:style>
+            <a:lnRef idx="2">
+              <a:schemeClr val="accent1">
+                <a:shade val="50000"/>
+              </a:schemeClr>
+            </a:lnRef>
+            <a:fillRef idx="1">
+              <a:schemeClr val="accent1"/>
+            </a:fillRef>
+            <a:effectRef idx="0">
+              <a:schemeClr val="accent1"/>
+            </a:effectRef>
+            <a:fontRef idx="minor">
+              <a:schemeClr val="lt1"/>
+            </a:fontRef>
+          </p:style>
+          <p:txBody>
+            <a:bodyPr rtlCol="0" anchor="ctr"/>
+            <a:lstStyle/>
+            <a:p>
+              <a:pPr algn="ctr"/>
+              <a:endParaRPr lang="en-US"/>
+            </a:p>
+          </p:txBody>
+        </p:sp>
+        <p:sp>
+          <p:nvSpPr>
+            <p:cNvPr id="8" name="Ellipse 7"/>
+            <p:cNvSpPr/>
+            <p:nvPr/>
+          </p:nvSpPr>
+          <p:spPr>
+            <a:xfrm>
+              <a:off x="8029126" y="2105657"/>
+              <a:ext cx="253999" cy="199571"/>
+            </a:xfrm>
+            <a:prstGeom prst="ellipse">
+              <a:avLst/>
+            </a:prstGeom>
+          </p:spPr>
+          <p:style>
+            <a:lnRef idx="2">
+              <a:schemeClr val="accent1">
+                <a:shade val="50000"/>
+              </a:schemeClr>
+            </a:lnRef>
+            <a:fillRef idx="1">
+              <a:schemeClr val="accent1"/>
+            </a:fillRef>
+            <a:effectRef idx="0">
+              <a:schemeClr val="accent1"/>
+            </a:effectRef>
+            <a:fontRef idx="minor">
+              <a:schemeClr val="lt1"/>
+            </a:fontRef>
+          </p:style>
+          <p:txBody>
+            <a:bodyPr rtlCol="0" anchor="ctr"/>
+            <a:lstStyle/>
+            <a:p>
+              <a:pPr algn="ctr"/>
+              <a:endParaRPr lang="en-US"/>
+            </a:p>
+          </p:txBody>
+        </p:sp>
+        <p:sp>
+          <p:nvSpPr>
+            <p:cNvPr id="9" name="Ellipse 8"/>
+            <p:cNvSpPr/>
+            <p:nvPr/>
+          </p:nvSpPr>
+          <p:spPr>
+            <a:xfrm>
+              <a:off x="5788483" y="3060796"/>
+              <a:ext cx="253999" cy="199571"/>
+            </a:xfrm>
+            <a:prstGeom prst="ellipse">
+              <a:avLst/>
+            </a:prstGeom>
+          </p:spPr>
+          <p:style>
+            <a:lnRef idx="2">
+              <a:schemeClr val="accent1">
+                <a:shade val="50000"/>
+              </a:schemeClr>
+            </a:lnRef>
+            <a:fillRef idx="1">
+              <a:schemeClr val="accent1"/>
+            </a:fillRef>
+            <a:effectRef idx="0">
+              <a:schemeClr val="accent1"/>
+            </a:effectRef>
+            <a:fontRef idx="minor">
+              <a:schemeClr val="lt1"/>
+            </a:fontRef>
+          </p:style>
+          <p:txBody>
+            <a:bodyPr rtlCol="0" anchor="ctr"/>
+            <a:lstStyle/>
+            <a:p>
+              <a:pPr algn="ctr"/>
+              <a:endParaRPr lang="en-US"/>
+            </a:p>
+          </p:txBody>
+        </p:sp>
+        <p:sp>
+          <p:nvSpPr>
+            <p:cNvPr id="10" name="Ellipse 9"/>
+            <p:cNvSpPr/>
+            <p:nvPr/>
+          </p:nvSpPr>
+          <p:spPr>
+            <a:xfrm>
+              <a:off x="7194554" y="3047569"/>
+              <a:ext cx="253999" cy="199571"/>
+            </a:xfrm>
+            <a:prstGeom prst="ellipse">
+              <a:avLst/>
+            </a:prstGeom>
+          </p:spPr>
+          <p:style>
+            <a:lnRef idx="2">
+              <a:schemeClr val="accent1">
+                <a:shade val="50000"/>
+              </a:schemeClr>
+            </a:lnRef>
+            <a:fillRef idx="1">
+              <a:schemeClr val="accent1"/>
+            </a:fillRef>
+            <a:effectRef idx="0">
+              <a:schemeClr val="accent1"/>
+            </a:effectRef>
+            <a:fontRef idx="minor">
+              <a:schemeClr val="lt1"/>
+            </a:fontRef>
+          </p:style>
+          <p:txBody>
+            <a:bodyPr rtlCol="0" anchor="ctr"/>
+            <a:lstStyle/>
+            <a:p>
+              <a:pPr algn="ctr"/>
+              <a:endParaRPr lang="en-US"/>
+            </a:p>
+          </p:txBody>
+        </p:sp>
+        <p:sp>
+          <p:nvSpPr>
+            <p:cNvPr id="11" name="Ellipse 10"/>
+            <p:cNvSpPr/>
+            <p:nvPr/>
+          </p:nvSpPr>
+          <p:spPr>
+            <a:xfrm>
+              <a:off x="6693811" y="3044699"/>
+              <a:ext cx="253999" cy="199571"/>
+            </a:xfrm>
+            <a:prstGeom prst="ellipse">
+              <a:avLst/>
+            </a:prstGeom>
+          </p:spPr>
+          <p:style>
+            <a:lnRef idx="2">
+              <a:schemeClr val="accent1">
+                <a:shade val="50000"/>
+              </a:schemeClr>
+            </a:lnRef>
+            <a:fillRef idx="1">
+              <a:schemeClr val="accent1"/>
+            </a:fillRef>
+            <a:effectRef idx="0">
+              <a:schemeClr val="accent1"/>
+            </a:effectRef>
+            <a:fontRef idx="minor">
+              <a:schemeClr val="lt1"/>
+            </a:fontRef>
+          </p:style>
+          <p:txBody>
+            <a:bodyPr rtlCol="0" anchor="ctr"/>
+            <a:lstStyle/>
+            <a:p>
+              <a:pPr algn="ctr"/>
+              <a:endParaRPr lang="en-US"/>
+            </a:p>
+          </p:txBody>
+        </p:sp>
+        <p:sp>
+          <p:nvSpPr>
+            <p:cNvPr id="12" name="Ellipse 11"/>
+            <p:cNvSpPr/>
+            <p:nvPr/>
+          </p:nvSpPr>
+          <p:spPr>
+            <a:xfrm>
+              <a:off x="5333097" y="3840458"/>
+              <a:ext cx="253999" cy="199571"/>
+            </a:xfrm>
+            <a:prstGeom prst="ellipse">
+              <a:avLst/>
+            </a:prstGeom>
+          </p:spPr>
+          <p:style>
+            <a:lnRef idx="2">
+              <a:schemeClr val="accent1">
+                <a:shade val="50000"/>
+              </a:schemeClr>
+            </a:lnRef>
+            <a:fillRef idx="1">
+              <a:schemeClr val="accent1"/>
+            </a:fillRef>
+            <a:effectRef idx="0">
+              <a:schemeClr val="accent1"/>
+            </a:effectRef>
+            <a:fontRef idx="minor">
+              <a:schemeClr val="lt1"/>
+            </a:fontRef>
+          </p:style>
+          <p:txBody>
+            <a:bodyPr rtlCol="0" anchor="ctr"/>
+            <a:lstStyle/>
+            <a:p>
+              <a:pPr algn="ctr"/>
+              <a:endParaRPr lang="en-US"/>
+            </a:p>
+          </p:txBody>
+        </p:sp>
+        <p:sp>
+          <p:nvSpPr>
+            <p:cNvPr id="13" name="Ellipse 12"/>
+            <p:cNvSpPr/>
+            <p:nvPr/>
+          </p:nvSpPr>
+          <p:spPr>
+            <a:xfrm>
+              <a:off x="6231170" y="3843329"/>
+              <a:ext cx="253999" cy="199571"/>
+            </a:xfrm>
+            <a:prstGeom prst="ellipse">
+              <a:avLst/>
+            </a:prstGeom>
+          </p:spPr>
+          <p:style>
+            <a:lnRef idx="2">
+              <a:schemeClr val="accent1">
+                <a:shade val="50000"/>
+              </a:schemeClr>
+            </a:lnRef>
+            <a:fillRef idx="1">
+              <a:schemeClr val="accent1"/>
+            </a:fillRef>
+            <a:effectRef idx="0">
+              <a:schemeClr val="accent1"/>
+            </a:effectRef>
+            <a:fontRef idx="minor">
+              <a:schemeClr val="lt1"/>
+            </a:fontRef>
+          </p:style>
+          <p:txBody>
+            <a:bodyPr rtlCol="0" anchor="ctr"/>
+            <a:lstStyle/>
+            <a:p>
+              <a:pPr algn="ctr"/>
+              <a:endParaRPr lang="en-US"/>
+            </a:p>
+          </p:txBody>
+        </p:sp>
+        <p:sp>
+          <p:nvSpPr>
+            <p:cNvPr id="14" name="Ellipse 13"/>
+            <p:cNvSpPr/>
+            <p:nvPr/>
+          </p:nvSpPr>
+          <p:spPr>
+            <a:xfrm>
+              <a:off x="5788484" y="3840459"/>
+              <a:ext cx="253999" cy="199571"/>
+            </a:xfrm>
+            <a:prstGeom prst="ellipse">
+              <a:avLst/>
+            </a:prstGeom>
+          </p:spPr>
+          <p:style>
+            <a:lnRef idx="2">
+              <a:schemeClr val="accent1">
+                <a:shade val="50000"/>
+              </a:schemeClr>
+            </a:lnRef>
+            <a:fillRef idx="1">
+              <a:schemeClr val="accent1"/>
+            </a:fillRef>
+            <a:effectRef idx="0">
+              <a:schemeClr val="accent1"/>
+            </a:effectRef>
+            <a:fontRef idx="minor">
+              <a:schemeClr val="lt1"/>
+            </a:fontRef>
+          </p:style>
+          <p:txBody>
+            <a:bodyPr rtlCol="0" anchor="ctr"/>
+            <a:lstStyle/>
+            <a:p>
+              <a:pPr algn="ctr"/>
+              <a:endParaRPr lang="en-US"/>
+            </a:p>
+          </p:txBody>
+        </p:sp>
+        <p:sp>
+          <p:nvSpPr>
+            <p:cNvPr id="15" name="Ellipse 14"/>
+            <p:cNvSpPr/>
+            <p:nvPr/>
+          </p:nvSpPr>
+          <p:spPr>
+            <a:xfrm>
+              <a:off x="6693811" y="3856900"/>
+              <a:ext cx="253999" cy="199571"/>
+            </a:xfrm>
+            <a:prstGeom prst="ellipse">
+              <a:avLst/>
+            </a:prstGeom>
+          </p:spPr>
+          <p:style>
+            <a:lnRef idx="2">
+              <a:schemeClr val="accent1">
+                <a:shade val="50000"/>
+              </a:schemeClr>
+            </a:lnRef>
+            <a:fillRef idx="1">
+              <a:schemeClr val="accent1"/>
+            </a:fillRef>
+            <a:effectRef idx="0">
+              <a:schemeClr val="accent1"/>
+            </a:effectRef>
+            <a:fontRef idx="minor">
+              <a:schemeClr val="lt1"/>
+            </a:fontRef>
+          </p:style>
+          <p:txBody>
+            <a:bodyPr rtlCol="0" anchor="ctr"/>
+            <a:lstStyle/>
+            <a:p>
+              <a:pPr algn="ctr"/>
+              <a:endParaRPr lang="en-US"/>
+            </a:p>
+          </p:txBody>
+        </p:sp>
+        <p:sp>
+          <p:nvSpPr>
+            <p:cNvPr id="16" name="Ellipse 15"/>
+            <p:cNvSpPr/>
+            <p:nvPr/>
+          </p:nvSpPr>
+          <p:spPr>
+            <a:xfrm>
+              <a:off x="7194554" y="3856900"/>
+              <a:ext cx="253999" cy="199571"/>
+            </a:xfrm>
+            <a:prstGeom prst="ellipse">
+              <a:avLst/>
+            </a:prstGeom>
+          </p:spPr>
+          <p:style>
+            <a:lnRef idx="2">
+              <a:schemeClr val="accent1">
+                <a:shade val="50000"/>
+              </a:schemeClr>
+            </a:lnRef>
+            <a:fillRef idx="1">
+              <a:schemeClr val="accent1"/>
+            </a:fillRef>
+            <a:effectRef idx="0">
+              <a:schemeClr val="accent1"/>
+            </a:effectRef>
+            <a:fontRef idx="minor">
+              <a:schemeClr val="lt1"/>
+            </a:fontRef>
+          </p:style>
+          <p:txBody>
+            <a:bodyPr rtlCol="0" anchor="ctr"/>
+            <a:lstStyle/>
+            <a:p>
+              <a:pPr algn="ctr"/>
+              <a:endParaRPr lang="en-US"/>
+            </a:p>
+          </p:txBody>
+        </p:sp>
+        <p:sp>
+          <p:nvSpPr>
+            <p:cNvPr id="17" name="Ellipse 16"/>
+            <p:cNvSpPr/>
+            <p:nvPr/>
+          </p:nvSpPr>
+          <p:spPr>
+            <a:xfrm>
+              <a:off x="8029126" y="3060796"/>
+              <a:ext cx="253999" cy="199571"/>
+            </a:xfrm>
+            <a:prstGeom prst="ellipse">
+              <a:avLst/>
+            </a:prstGeom>
+          </p:spPr>
+          <p:style>
+            <a:lnRef idx="2">
+              <a:schemeClr val="accent1">
+                <a:shade val="50000"/>
+              </a:schemeClr>
+            </a:lnRef>
+            <a:fillRef idx="1">
+              <a:schemeClr val="accent1"/>
+            </a:fillRef>
+            <a:effectRef idx="0">
+              <a:schemeClr val="accent1"/>
+            </a:effectRef>
+            <a:fontRef idx="minor">
+              <a:schemeClr val="lt1"/>
+            </a:fontRef>
+          </p:style>
+          <p:txBody>
+            <a:bodyPr rtlCol="0" anchor="ctr"/>
+            <a:lstStyle/>
+            <a:p>
+              <a:pPr algn="ctr"/>
+              <a:endParaRPr lang="en-US"/>
+            </a:p>
+          </p:txBody>
+        </p:sp>
+        <p:sp>
+          <p:nvSpPr>
+            <p:cNvPr id="19" name="Ellipse 18"/>
+            <p:cNvSpPr/>
+            <p:nvPr/>
+          </p:nvSpPr>
+          <p:spPr>
+            <a:xfrm>
+              <a:off x="8029126" y="3859064"/>
+              <a:ext cx="253999" cy="199571"/>
+            </a:xfrm>
+            <a:prstGeom prst="ellipse">
+              <a:avLst/>
+            </a:prstGeom>
+          </p:spPr>
+          <p:style>
+            <a:lnRef idx="2">
+              <a:schemeClr val="accent1">
+                <a:shade val="50000"/>
+              </a:schemeClr>
+            </a:lnRef>
+            <a:fillRef idx="1">
+              <a:schemeClr val="accent1"/>
+            </a:fillRef>
+            <a:effectRef idx="0">
+              <a:schemeClr val="accent1"/>
+            </a:effectRef>
+            <a:fontRef idx="minor">
+              <a:schemeClr val="lt1"/>
+            </a:fontRef>
+          </p:style>
+          <p:txBody>
+            <a:bodyPr rtlCol="0" anchor="ctr"/>
+            <a:lstStyle/>
+            <a:p>
+              <a:pPr algn="ctr"/>
+              <a:endParaRPr lang="en-US"/>
+            </a:p>
+          </p:txBody>
+        </p:sp>
+        <p:cxnSp>
+          <p:nvCxnSpPr>
+            <p:cNvPr id="22" name="Gerade Verbindung mit Pfeil 21"/>
+            <p:cNvCxnSpPr>
+              <a:stCxn id="3" idx="3"/>
+              <a:endCxn id="7" idx="7"/>
+            </p:cNvCxnSpPr>
+            <p:nvPr/>
+          </p:nvCxnSpPr>
+          <p:spPr>
+            <a:xfrm flipH="1">
+              <a:off x="6903357" y="1515554"/>
+              <a:ext cx="444509" cy="634107"/>
+            </a:xfrm>
+            <a:prstGeom prst="straightConnector1">
+              <a:avLst/>
+            </a:prstGeom>
+            <a:ln w="19050">
+              <a:tailEnd type="arrow"/>
+            </a:ln>
+          </p:spPr>
+          <p:style>
+            <a:lnRef idx="1">
+              <a:schemeClr val="accent1"/>
+            </a:lnRef>
+            <a:fillRef idx="0">
+              <a:schemeClr val="accent1"/>
+            </a:fillRef>
+            <a:effectRef idx="0">
+              <a:schemeClr val="accent1"/>
+            </a:effectRef>
+            <a:fontRef idx="minor">
+              <a:schemeClr val="tx1"/>
+            </a:fontRef>
+          </p:style>
+        </p:cxnSp>
+        <p:cxnSp>
+          <p:nvCxnSpPr>
+            <p:cNvPr id="24" name="Gerade Verbindung mit Pfeil 23"/>
+            <p:cNvCxnSpPr>
+              <a:stCxn id="3" idx="5"/>
+              <a:endCxn id="8" idx="1"/>
+            </p:cNvCxnSpPr>
+            <p:nvPr/>
+          </p:nvCxnSpPr>
+          <p:spPr>
+            <a:xfrm>
+              <a:off x="7527471" y="1515554"/>
+              <a:ext cx="538852" cy="619329"/>
+            </a:xfrm>
+            <a:prstGeom prst="straightConnector1">
+              <a:avLst/>
+            </a:prstGeom>
+            <a:ln w="19050">
+              <a:tailEnd type="arrow"/>
+            </a:ln>
+          </p:spPr>
+          <p:style>
+            <a:lnRef idx="1">
+              <a:schemeClr val="accent1"/>
+            </a:lnRef>
+            <a:fillRef idx="0">
+              <a:schemeClr val="accent1"/>
+            </a:fillRef>
+            <a:effectRef idx="0">
+              <a:schemeClr val="accent1"/>
+            </a:effectRef>
+            <a:fontRef idx="minor">
+              <a:schemeClr val="tx1"/>
+            </a:fontRef>
+          </p:style>
+        </p:cxnSp>
+        <p:cxnSp>
+          <p:nvCxnSpPr>
+            <p:cNvPr id="26" name="Gerade Verbindung mit Pfeil 25"/>
+            <p:cNvCxnSpPr>
+              <a:stCxn id="7" idx="3"/>
+              <a:endCxn id="9" idx="7"/>
+            </p:cNvCxnSpPr>
+            <p:nvPr/>
+          </p:nvCxnSpPr>
+          <p:spPr>
+            <a:xfrm flipH="1">
+              <a:off x="6005285" y="2290780"/>
+              <a:ext cx="718467" cy="799242"/>
+            </a:xfrm>
+            <a:prstGeom prst="straightConnector1">
+              <a:avLst/>
+            </a:prstGeom>
+            <a:ln w="19050">
+              <a:tailEnd type="arrow"/>
+            </a:ln>
+          </p:spPr>
+          <p:style>
+            <a:lnRef idx="1">
+              <a:schemeClr val="accent1"/>
+            </a:lnRef>
+            <a:fillRef idx="0">
+              <a:schemeClr val="accent1"/>
+            </a:fillRef>
+            <a:effectRef idx="0">
+              <a:schemeClr val="accent1"/>
+            </a:effectRef>
+            <a:fontRef idx="minor">
+              <a:schemeClr val="tx1"/>
+            </a:fontRef>
+          </p:style>
+        </p:cxnSp>
+        <p:cxnSp>
+          <p:nvCxnSpPr>
+            <p:cNvPr id="28" name="Gerade Verbindung mit Pfeil 27"/>
+            <p:cNvCxnSpPr>
+              <a:stCxn id="7" idx="4"/>
+              <a:endCxn id="11" idx="0"/>
+            </p:cNvCxnSpPr>
+            <p:nvPr/>
+          </p:nvCxnSpPr>
+          <p:spPr>
+            <a:xfrm>
+              <a:off x="6813555" y="2320006"/>
+              <a:ext cx="7256" cy="724693"/>
+            </a:xfrm>
+            <a:prstGeom prst="straightConnector1">
+              <a:avLst/>
+            </a:prstGeom>
+            <a:ln w="19050">
+              <a:tailEnd type="arrow"/>
+            </a:ln>
+          </p:spPr>
+          <p:style>
+            <a:lnRef idx="1">
+              <a:schemeClr val="accent1"/>
+            </a:lnRef>
+            <a:fillRef idx="0">
+              <a:schemeClr val="accent1"/>
+            </a:fillRef>
+            <a:effectRef idx="0">
+              <a:schemeClr val="accent1"/>
+            </a:effectRef>
+            <a:fontRef idx="minor">
+              <a:schemeClr val="tx1"/>
+            </a:fontRef>
+          </p:style>
+        </p:cxnSp>
+        <p:cxnSp>
+          <p:nvCxnSpPr>
+            <p:cNvPr id="30" name="Gerade Verbindung mit Pfeil 29"/>
+            <p:cNvCxnSpPr>
+              <a:stCxn id="7" idx="5"/>
+              <a:endCxn id="10" idx="0"/>
+            </p:cNvCxnSpPr>
+            <p:nvPr/>
+          </p:nvCxnSpPr>
+          <p:spPr>
+            <a:xfrm>
+              <a:off x="6903357" y="2290780"/>
+              <a:ext cx="418197" cy="756789"/>
+            </a:xfrm>
+            <a:prstGeom prst="straightConnector1">
+              <a:avLst/>
+            </a:prstGeom>
+            <a:ln w="19050">
+              <a:tailEnd type="arrow"/>
+            </a:ln>
+          </p:spPr>
+          <p:style>
+            <a:lnRef idx="1">
+              <a:schemeClr val="accent1"/>
+            </a:lnRef>
+            <a:fillRef idx="0">
+              <a:schemeClr val="accent1"/>
+            </a:fillRef>
+            <a:effectRef idx="0">
+              <a:schemeClr val="accent1"/>
+            </a:effectRef>
+            <a:fontRef idx="minor">
+              <a:schemeClr val="tx1"/>
+            </a:fontRef>
+          </p:style>
+        </p:cxnSp>
+        <p:cxnSp>
+          <p:nvCxnSpPr>
+            <p:cNvPr id="32" name="Gerade Verbindung mit Pfeil 31"/>
+            <p:cNvCxnSpPr>
+              <a:stCxn id="8" idx="4"/>
+              <a:endCxn id="17" idx="0"/>
+            </p:cNvCxnSpPr>
+            <p:nvPr/>
+          </p:nvCxnSpPr>
+          <p:spPr>
+            <a:xfrm>
+              <a:off x="8156126" y="2305228"/>
+              <a:ext cx="0" cy="755568"/>
+            </a:xfrm>
+            <a:prstGeom prst="straightConnector1">
+              <a:avLst/>
+            </a:prstGeom>
+            <a:ln w="19050">
+              <a:tailEnd type="arrow"/>
+            </a:ln>
+          </p:spPr>
+          <p:style>
+            <a:lnRef idx="1">
+              <a:schemeClr val="accent1"/>
+            </a:lnRef>
+            <a:fillRef idx="0">
+              <a:schemeClr val="accent1"/>
+            </a:fillRef>
+            <a:effectRef idx="0">
+              <a:schemeClr val="accent1"/>
+            </a:effectRef>
+            <a:fontRef idx="minor">
+              <a:schemeClr val="tx1"/>
+            </a:fontRef>
+          </p:style>
+        </p:cxnSp>
+        <p:cxnSp>
+          <p:nvCxnSpPr>
+            <p:cNvPr id="34" name="Gerade Verbindung mit Pfeil 33"/>
+            <p:cNvCxnSpPr>
+              <a:stCxn id="9" idx="3"/>
+              <a:endCxn id="12" idx="0"/>
+            </p:cNvCxnSpPr>
+            <p:nvPr/>
+          </p:nvCxnSpPr>
+          <p:spPr>
+            <a:xfrm flipH="1">
+              <a:off x="5460097" y="3231141"/>
+              <a:ext cx="365583" cy="609317"/>
+            </a:xfrm>
+            <a:prstGeom prst="straightConnector1">
+              <a:avLst/>
+            </a:prstGeom>
+            <a:ln w="19050">
+              <a:tailEnd type="arrow"/>
+            </a:ln>
+          </p:spPr>
+          <p:style>
+            <a:lnRef idx="1">
+              <a:schemeClr val="accent1"/>
+            </a:lnRef>
+            <a:fillRef idx="0">
+              <a:schemeClr val="accent1"/>
+            </a:fillRef>
+            <a:effectRef idx="0">
+              <a:schemeClr val="accent1"/>
+            </a:effectRef>
+            <a:fontRef idx="minor">
+              <a:schemeClr val="tx1"/>
+            </a:fontRef>
+          </p:style>
+        </p:cxnSp>
+        <p:cxnSp>
+          <p:nvCxnSpPr>
+            <p:cNvPr id="36" name="Gerade Verbindung mit Pfeil 35"/>
+            <p:cNvCxnSpPr>
+              <a:stCxn id="9" idx="4"/>
+              <a:endCxn id="14" idx="0"/>
+            </p:cNvCxnSpPr>
+            <p:nvPr/>
+          </p:nvCxnSpPr>
+          <p:spPr>
+            <a:xfrm>
+              <a:off x="5915483" y="3260367"/>
+              <a:ext cx="1" cy="580092"/>
+            </a:xfrm>
+            <a:prstGeom prst="straightConnector1">
+              <a:avLst/>
+            </a:prstGeom>
+            <a:ln w="19050">
+              <a:tailEnd type="arrow"/>
+            </a:ln>
+          </p:spPr>
+          <p:style>
+            <a:lnRef idx="1">
+              <a:schemeClr val="accent1"/>
+            </a:lnRef>
+            <a:fillRef idx="0">
+              <a:schemeClr val="accent1"/>
+            </a:fillRef>
+            <a:effectRef idx="0">
+              <a:schemeClr val="accent1"/>
+            </a:effectRef>
+            <a:fontRef idx="minor">
+              <a:schemeClr val="tx1"/>
+            </a:fontRef>
+          </p:style>
+        </p:cxnSp>
+        <p:cxnSp>
+          <p:nvCxnSpPr>
+            <p:cNvPr id="38" name="Gerade Verbindung mit Pfeil 37"/>
+            <p:cNvCxnSpPr>
+              <a:stCxn id="9" idx="5"/>
+              <a:endCxn id="13" idx="0"/>
+            </p:cNvCxnSpPr>
+            <p:nvPr/>
+          </p:nvCxnSpPr>
+          <p:spPr>
+            <a:xfrm>
+              <a:off x="6005285" y="3231141"/>
+              <a:ext cx="352885" cy="612188"/>
+            </a:xfrm>
+            <a:prstGeom prst="straightConnector1">
+              <a:avLst/>
+            </a:prstGeom>
+            <a:ln w="19050">
+              <a:tailEnd type="arrow"/>
+            </a:ln>
+          </p:spPr>
+          <p:style>
+            <a:lnRef idx="1">
+              <a:schemeClr val="accent1"/>
+            </a:lnRef>
+            <a:fillRef idx="0">
+              <a:schemeClr val="accent1"/>
+            </a:fillRef>
+            <a:effectRef idx="0">
+              <a:schemeClr val="accent1"/>
+            </a:effectRef>
+            <a:fontRef idx="minor">
+              <a:schemeClr val="tx1"/>
+            </a:fontRef>
+          </p:style>
+        </p:cxnSp>
+        <p:cxnSp>
+          <p:nvCxnSpPr>
+            <p:cNvPr id="40" name="Gerade Verbindung mit Pfeil 39"/>
+            <p:cNvCxnSpPr>
+              <a:stCxn id="11" idx="4"/>
+              <a:endCxn id="15" idx="0"/>
+            </p:cNvCxnSpPr>
+            <p:nvPr/>
+          </p:nvCxnSpPr>
+          <p:spPr>
+            <a:xfrm>
+              <a:off x="6820811" y="3244270"/>
+              <a:ext cx="0" cy="612630"/>
+            </a:xfrm>
+            <a:prstGeom prst="straightConnector1">
+              <a:avLst/>
+            </a:prstGeom>
+            <a:ln w="19050">
+              <a:tailEnd type="arrow"/>
+            </a:ln>
+          </p:spPr>
+          <p:style>
+            <a:lnRef idx="1">
+              <a:schemeClr val="accent1"/>
+            </a:lnRef>
+            <a:fillRef idx="0">
+              <a:schemeClr val="accent1"/>
+            </a:fillRef>
+            <a:effectRef idx="0">
+              <a:schemeClr val="accent1"/>
+            </a:effectRef>
+            <a:fontRef idx="minor">
+              <a:schemeClr val="tx1"/>
+            </a:fontRef>
+          </p:style>
+        </p:cxnSp>
+        <p:cxnSp>
+          <p:nvCxnSpPr>
+            <p:cNvPr id="42" name="Gerade Verbindung mit Pfeil 41"/>
+            <p:cNvCxnSpPr>
+              <a:stCxn id="10" idx="4"/>
+              <a:endCxn id="16" idx="0"/>
+            </p:cNvCxnSpPr>
+            <p:nvPr/>
+          </p:nvCxnSpPr>
+          <p:spPr>
+            <a:xfrm>
+              <a:off x="7321554" y="3247140"/>
+              <a:ext cx="0" cy="609760"/>
+            </a:xfrm>
+            <a:prstGeom prst="straightConnector1">
+              <a:avLst/>
+            </a:prstGeom>
+            <a:ln w="19050">
+              <a:tailEnd type="arrow"/>
+            </a:ln>
+          </p:spPr>
+          <p:style>
+            <a:lnRef idx="1">
+              <a:schemeClr val="accent1"/>
+            </a:lnRef>
+            <a:fillRef idx="0">
+              <a:schemeClr val="accent1"/>
+            </a:fillRef>
+            <a:effectRef idx="0">
+              <a:schemeClr val="accent1"/>
+            </a:effectRef>
+            <a:fontRef idx="minor">
+              <a:schemeClr val="tx1"/>
+            </a:fontRef>
+          </p:style>
+        </p:cxnSp>
+        <p:cxnSp>
+          <p:nvCxnSpPr>
+            <p:cNvPr id="44" name="Gerade Verbindung mit Pfeil 43"/>
+            <p:cNvCxnSpPr>
+              <a:stCxn id="17" idx="4"/>
+              <a:endCxn id="19" idx="0"/>
+            </p:cNvCxnSpPr>
+            <p:nvPr/>
+          </p:nvCxnSpPr>
+          <p:spPr>
+            <a:xfrm>
+              <a:off x="8156126" y="3260367"/>
+              <a:ext cx="0" cy="598697"/>
+            </a:xfrm>
+            <a:prstGeom prst="straightConnector1">
+              <a:avLst/>
+            </a:prstGeom>
+            <a:ln w="19050">
+              <a:tailEnd type="arrow"/>
+            </a:ln>
+          </p:spPr>
+          <p:style>
+            <a:lnRef idx="1">
+              <a:schemeClr val="accent1"/>
+            </a:lnRef>
+            <a:fillRef idx="0">
+              <a:schemeClr val="accent1"/>
+            </a:fillRef>
+            <a:effectRef idx="0">
+              <a:schemeClr val="accent1"/>
+            </a:effectRef>
+            <a:fontRef idx="minor">
+              <a:schemeClr val="tx1"/>
+            </a:fontRef>
+          </p:style>
+        </p:cxnSp>
+      </p:grpSp>
     </p:spTree>
     <p:extLst>
       <p:ext uri="{BB962C8B-B14F-4D97-AF65-F5344CB8AC3E}">
@@ -5925,6 +7495,1140 @@
           </a:ln>
         </p:spPr>
       </p:pic>
+      <p:sp>
+        <p:nvSpPr>
+          <p:cNvPr id="5" name="Textfeld 4"/>
+          <p:cNvSpPr txBox="1"/>
+          <p:nvPr/>
+        </p:nvSpPr>
+        <p:spPr>
+          <a:xfrm>
+            <a:off x="-14710" y="5487"/>
+            <a:ext cx="5564610" cy="646331"/>
+          </a:xfrm>
+          <a:prstGeom prst="rect">
+            <a:avLst/>
+          </a:prstGeom>
+          <a:noFill/>
+        </p:spPr>
+        <p:txBody>
+          <a:bodyPr wrap="square" rtlCol="0">
+            <a:spAutoFit/>
+          </a:bodyPr>
+          <a:lstStyle/>
+          <a:p>
+            <a:r>
+              <a:rPr lang="de-DE" sz="3600" dirty="0" err="1">
+                <a:effectLst>
+                  <a:outerShdw blurRad="38100" dist="38100" dir="2700000" algn="tl">
+                    <a:srgbClr val="000000">
+                      <a:alpha val="43137"/>
+                    </a:srgbClr>
+                  </a:outerShdw>
+                </a:effectLst>
+                <a:latin typeface="Gabriola" panose="04040605051002020D02" pitchFamily="82" charset="0"/>
+              </a:rPr>
+              <a:t>Define</a:t>
+            </a:r>
+            <a:r>
+              <a:rPr lang="de-DE" sz="3600" dirty="0">
+                <a:effectLst>
+                  <a:outerShdw blurRad="38100" dist="38100" dir="2700000" algn="tl">
+                    <a:srgbClr val="000000">
+                      <a:alpha val="43137"/>
+                    </a:srgbClr>
+                  </a:outerShdw>
+                </a:effectLst>
+                <a:latin typeface="Gabriola" panose="04040605051002020D02" pitchFamily="82" charset="0"/>
+              </a:rPr>
+              <a:t> </a:t>
+            </a:r>
+            <a:r>
+              <a:rPr lang="de-DE" sz="3600" dirty="0" err="1" smtClean="0">
+                <a:effectLst>
+                  <a:outerShdw blurRad="38100" dist="38100" dir="2700000" algn="tl">
+                    <a:srgbClr val="000000">
+                      <a:alpha val="43137"/>
+                    </a:srgbClr>
+                  </a:outerShdw>
+                </a:effectLst>
+                <a:latin typeface="Gabriola" panose="04040605051002020D02" pitchFamily="82" charset="0"/>
+              </a:rPr>
+              <a:t>Combination</a:t>
+            </a:r>
+            <a:r>
+              <a:rPr lang="de-DE" sz="3600" dirty="0" smtClean="0">
+                <a:effectLst>
+                  <a:outerShdw blurRad="38100" dist="38100" dir="2700000" algn="tl">
+                    <a:srgbClr val="000000">
+                      <a:alpha val="43137"/>
+                    </a:srgbClr>
+                  </a:outerShdw>
+                </a:effectLst>
+                <a:latin typeface="Gabriola" panose="04040605051002020D02" pitchFamily="82" charset="0"/>
+              </a:rPr>
+              <a:t> </a:t>
+            </a:r>
+            <a:r>
+              <a:rPr lang="de-DE" sz="3600" dirty="0" err="1">
+                <a:effectLst>
+                  <a:outerShdw blurRad="38100" dist="38100" dir="2700000" algn="tl">
+                    <a:srgbClr val="000000">
+                      <a:alpha val="43137"/>
+                    </a:srgbClr>
+                  </a:outerShdw>
+                </a:effectLst>
+                <a:latin typeface="Gabriola" panose="04040605051002020D02" pitchFamily="82" charset="0"/>
+              </a:rPr>
+              <a:t>Tree</a:t>
+            </a:r>
+            <a:r>
+              <a:rPr lang="de-DE" sz="3600" dirty="0">
+                <a:effectLst>
+                  <a:outerShdw blurRad="38100" dist="38100" dir="2700000" algn="tl">
+                    <a:srgbClr val="000000">
+                      <a:alpha val="43137"/>
+                    </a:srgbClr>
+                  </a:outerShdw>
+                </a:effectLst>
+                <a:latin typeface="Gabriola" panose="04040605051002020D02" pitchFamily="82" charset="0"/>
+              </a:rPr>
+              <a:t>!</a:t>
+            </a:r>
+            <a:endParaRPr lang="en-US" sz="3600" dirty="0">
+              <a:effectLst>
+                <a:outerShdw blurRad="38100" dist="38100" dir="2700000" algn="tl">
+                  <a:srgbClr val="000000">
+                    <a:alpha val="43137"/>
+                  </a:srgbClr>
+                </a:outerShdw>
+              </a:effectLst>
+              <a:latin typeface="Gabriola" panose="04040605051002020D02" pitchFamily="82" charset="0"/>
+            </a:endParaRPr>
+          </a:p>
+        </p:txBody>
+      </p:sp>
+      <p:sp>
+        <p:nvSpPr>
+          <p:cNvPr id="33" name="Gleichschenkliges Dreieck 32"/>
+          <p:cNvSpPr/>
+          <p:nvPr/>
+        </p:nvSpPr>
+        <p:spPr>
+          <a:xfrm rot="5400000">
+            <a:off x="1901463" y="1830657"/>
+            <a:ext cx="1645746" cy="437363"/>
+          </a:xfrm>
+          <a:prstGeom prst="triangle">
+            <a:avLst/>
+          </a:prstGeom>
+          <a:ln>
+            <a:solidFill>
+              <a:schemeClr val="bg1">
+                <a:lumMod val="75000"/>
+              </a:schemeClr>
+            </a:solidFill>
+          </a:ln>
+          <a:effectLst>
+            <a:outerShdw blurRad="457200" dist="1295400" dir="9120000" sx="94000" sy="94000" algn="tr" rotWithShape="0">
+              <a:prstClr val="black">
+                <a:alpha val="41000"/>
+              </a:prstClr>
+            </a:outerShdw>
+          </a:effectLst>
+        </p:spPr>
+        <p:style>
+          <a:lnRef idx="2">
+            <a:schemeClr val="accent1">
+              <a:shade val="50000"/>
+            </a:schemeClr>
+          </a:lnRef>
+          <a:fillRef idx="1">
+            <a:schemeClr val="accent1"/>
+          </a:fillRef>
+          <a:effectRef idx="0">
+            <a:schemeClr val="accent1"/>
+          </a:effectRef>
+          <a:fontRef idx="minor">
+            <a:schemeClr val="lt1"/>
+          </a:fontRef>
+        </p:style>
+        <p:txBody>
+          <a:bodyPr rtlCol="0" anchor="ctr"/>
+          <a:lstStyle/>
+          <a:p>
+            <a:pPr algn="ctr"/>
+            <a:endParaRPr lang="en-US"/>
+          </a:p>
+        </p:txBody>
+      </p:sp>
+      <p:grpSp>
+        <p:nvGrpSpPr>
+          <p:cNvPr id="34" name="Gruppieren 33"/>
+          <p:cNvGrpSpPr/>
+          <p:nvPr/>
+        </p:nvGrpSpPr>
+        <p:grpSpPr>
+          <a:xfrm>
+            <a:off x="5381181" y="1485794"/>
+            <a:ext cx="2950028" cy="2713426"/>
+            <a:chOff x="5333097" y="1345209"/>
+            <a:chExt cx="2950028" cy="2713426"/>
+          </a:xfrm>
+        </p:grpSpPr>
+        <p:sp>
+          <p:nvSpPr>
+            <p:cNvPr id="35" name="Ellipse 34"/>
+            <p:cNvSpPr/>
+            <p:nvPr/>
+          </p:nvSpPr>
+          <p:spPr>
+            <a:xfrm>
+              <a:off x="7310669" y="1345209"/>
+              <a:ext cx="253999" cy="199571"/>
+            </a:xfrm>
+            <a:prstGeom prst="ellipse">
+              <a:avLst/>
+            </a:prstGeom>
+          </p:spPr>
+          <p:style>
+            <a:lnRef idx="2">
+              <a:schemeClr val="accent1">
+                <a:shade val="50000"/>
+              </a:schemeClr>
+            </a:lnRef>
+            <a:fillRef idx="1">
+              <a:schemeClr val="accent1"/>
+            </a:fillRef>
+            <a:effectRef idx="0">
+              <a:schemeClr val="accent1"/>
+            </a:effectRef>
+            <a:fontRef idx="minor">
+              <a:schemeClr val="lt1"/>
+            </a:fontRef>
+          </p:style>
+          <p:txBody>
+            <a:bodyPr rtlCol="0" anchor="ctr"/>
+            <a:lstStyle/>
+            <a:p>
+              <a:pPr algn="ctr"/>
+              <a:endParaRPr lang="en-US"/>
+            </a:p>
+          </p:txBody>
+        </p:sp>
+        <p:sp>
+          <p:nvSpPr>
+            <p:cNvPr id="36" name="Ellipse 35"/>
+            <p:cNvSpPr/>
+            <p:nvPr/>
+          </p:nvSpPr>
+          <p:spPr>
+            <a:xfrm>
+              <a:off x="6686555" y="2120435"/>
+              <a:ext cx="253999" cy="199571"/>
+            </a:xfrm>
+            <a:prstGeom prst="ellipse">
+              <a:avLst/>
+            </a:prstGeom>
+          </p:spPr>
+          <p:style>
+            <a:lnRef idx="2">
+              <a:schemeClr val="accent1">
+                <a:shade val="50000"/>
+              </a:schemeClr>
+            </a:lnRef>
+            <a:fillRef idx="1">
+              <a:schemeClr val="accent1"/>
+            </a:fillRef>
+            <a:effectRef idx="0">
+              <a:schemeClr val="accent1"/>
+            </a:effectRef>
+            <a:fontRef idx="minor">
+              <a:schemeClr val="lt1"/>
+            </a:fontRef>
+          </p:style>
+          <p:txBody>
+            <a:bodyPr rtlCol="0" anchor="ctr"/>
+            <a:lstStyle/>
+            <a:p>
+              <a:pPr algn="ctr"/>
+              <a:endParaRPr lang="en-US"/>
+            </a:p>
+          </p:txBody>
+        </p:sp>
+        <p:sp>
+          <p:nvSpPr>
+            <p:cNvPr id="37" name="Ellipse 36"/>
+            <p:cNvSpPr/>
+            <p:nvPr/>
+          </p:nvSpPr>
+          <p:spPr>
+            <a:xfrm>
+              <a:off x="8029126" y="2105657"/>
+              <a:ext cx="253999" cy="199571"/>
+            </a:xfrm>
+            <a:prstGeom prst="ellipse">
+              <a:avLst/>
+            </a:prstGeom>
+          </p:spPr>
+          <p:style>
+            <a:lnRef idx="2">
+              <a:schemeClr val="accent1">
+                <a:shade val="50000"/>
+              </a:schemeClr>
+            </a:lnRef>
+            <a:fillRef idx="1">
+              <a:schemeClr val="accent1"/>
+            </a:fillRef>
+            <a:effectRef idx="0">
+              <a:schemeClr val="accent1"/>
+            </a:effectRef>
+            <a:fontRef idx="minor">
+              <a:schemeClr val="lt1"/>
+            </a:fontRef>
+          </p:style>
+          <p:txBody>
+            <a:bodyPr rtlCol="0" anchor="ctr"/>
+            <a:lstStyle/>
+            <a:p>
+              <a:pPr algn="ctr"/>
+              <a:endParaRPr lang="en-US"/>
+            </a:p>
+          </p:txBody>
+        </p:sp>
+        <p:sp>
+          <p:nvSpPr>
+            <p:cNvPr id="38" name="Ellipse 37"/>
+            <p:cNvSpPr/>
+            <p:nvPr/>
+          </p:nvSpPr>
+          <p:spPr>
+            <a:xfrm>
+              <a:off x="5788483" y="3060796"/>
+              <a:ext cx="253999" cy="199571"/>
+            </a:xfrm>
+            <a:prstGeom prst="ellipse">
+              <a:avLst/>
+            </a:prstGeom>
+          </p:spPr>
+          <p:style>
+            <a:lnRef idx="2">
+              <a:schemeClr val="accent1">
+                <a:shade val="50000"/>
+              </a:schemeClr>
+            </a:lnRef>
+            <a:fillRef idx="1">
+              <a:schemeClr val="accent1"/>
+            </a:fillRef>
+            <a:effectRef idx="0">
+              <a:schemeClr val="accent1"/>
+            </a:effectRef>
+            <a:fontRef idx="minor">
+              <a:schemeClr val="lt1"/>
+            </a:fontRef>
+          </p:style>
+          <p:txBody>
+            <a:bodyPr rtlCol="0" anchor="ctr"/>
+            <a:lstStyle/>
+            <a:p>
+              <a:pPr algn="ctr"/>
+              <a:endParaRPr lang="en-US"/>
+            </a:p>
+          </p:txBody>
+        </p:sp>
+        <p:sp>
+          <p:nvSpPr>
+            <p:cNvPr id="39" name="Ellipse 38"/>
+            <p:cNvSpPr/>
+            <p:nvPr/>
+          </p:nvSpPr>
+          <p:spPr>
+            <a:xfrm>
+              <a:off x="7194554" y="3047569"/>
+              <a:ext cx="253999" cy="199571"/>
+            </a:xfrm>
+            <a:prstGeom prst="ellipse">
+              <a:avLst/>
+            </a:prstGeom>
+          </p:spPr>
+          <p:style>
+            <a:lnRef idx="2">
+              <a:schemeClr val="accent1">
+                <a:shade val="50000"/>
+              </a:schemeClr>
+            </a:lnRef>
+            <a:fillRef idx="1">
+              <a:schemeClr val="accent1"/>
+            </a:fillRef>
+            <a:effectRef idx="0">
+              <a:schemeClr val="accent1"/>
+            </a:effectRef>
+            <a:fontRef idx="minor">
+              <a:schemeClr val="lt1"/>
+            </a:fontRef>
+          </p:style>
+          <p:txBody>
+            <a:bodyPr rtlCol="0" anchor="ctr"/>
+            <a:lstStyle/>
+            <a:p>
+              <a:pPr algn="ctr"/>
+              <a:endParaRPr lang="en-US"/>
+            </a:p>
+          </p:txBody>
+        </p:sp>
+        <p:sp>
+          <p:nvSpPr>
+            <p:cNvPr id="40" name="Ellipse 39"/>
+            <p:cNvSpPr/>
+            <p:nvPr/>
+          </p:nvSpPr>
+          <p:spPr>
+            <a:xfrm>
+              <a:off x="6693811" y="3044699"/>
+              <a:ext cx="253999" cy="199571"/>
+            </a:xfrm>
+            <a:prstGeom prst="ellipse">
+              <a:avLst/>
+            </a:prstGeom>
+          </p:spPr>
+          <p:style>
+            <a:lnRef idx="2">
+              <a:schemeClr val="accent1">
+                <a:shade val="50000"/>
+              </a:schemeClr>
+            </a:lnRef>
+            <a:fillRef idx="1">
+              <a:schemeClr val="accent1"/>
+            </a:fillRef>
+            <a:effectRef idx="0">
+              <a:schemeClr val="accent1"/>
+            </a:effectRef>
+            <a:fontRef idx="minor">
+              <a:schemeClr val="lt1"/>
+            </a:fontRef>
+          </p:style>
+          <p:txBody>
+            <a:bodyPr rtlCol="0" anchor="ctr"/>
+            <a:lstStyle/>
+            <a:p>
+              <a:pPr algn="ctr"/>
+              <a:endParaRPr lang="en-US"/>
+            </a:p>
+          </p:txBody>
+        </p:sp>
+        <p:sp>
+          <p:nvSpPr>
+            <p:cNvPr id="41" name="Ellipse 40"/>
+            <p:cNvSpPr/>
+            <p:nvPr/>
+          </p:nvSpPr>
+          <p:spPr>
+            <a:xfrm>
+              <a:off x="5333097" y="3840458"/>
+              <a:ext cx="253999" cy="199571"/>
+            </a:xfrm>
+            <a:prstGeom prst="ellipse">
+              <a:avLst/>
+            </a:prstGeom>
+          </p:spPr>
+          <p:style>
+            <a:lnRef idx="2">
+              <a:schemeClr val="accent1">
+                <a:shade val="50000"/>
+              </a:schemeClr>
+            </a:lnRef>
+            <a:fillRef idx="1">
+              <a:schemeClr val="accent1"/>
+            </a:fillRef>
+            <a:effectRef idx="0">
+              <a:schemeClr val="accent1"/>
+            </a:effectRef>
+            <a:fontRef idx="minor">
+              <a:schemeClr val="lt1"/>
+            </a:fontRef>
+          </p:style>
+          <p:txBody>
+            <a:bodyPr rtlCol="0" anchor="ctr"/>
+            <a:lstStyle/>
+            <a:p>
+              <a:pPr algn="ctr"/>
+              <a:endParaRPr lang="en-US"/>
+            </a:p>
+          </p:txBody>
+        </p:sp>
+        <p:sp>
+          <p:nvSpPr>
+            <p:cNvPr id="42" name="Ellipse 41"/>
+            <p:cNvSpPr/>
+            <p:nvPr/>
+          </p:nvSpPr>
+          <p:spPr>
+            <a:xfrm>
+              <a:off x="6231170" y="3843329"/>
+              <a:ext cx="253999" cy="199571"/>
+            </a:xfrm>
+            <a:prstGeom prst="ellipse">
+              <a:avLst/>
+            </a:prstGeom>
+          </p:spPr>
+          <p:style>
+            <a:lnRef idx="2">
+              <a:schemeClr val="accent1">
+                <a:shade val="50000"/>
+              </a:schemeClr>
+            </a:lnRef>
+            <a:fillRef idx="1">
+              <a:schemeClr val="accent1"/>
+            </a:fillRef>
+            <a:effectRef idx="0">
+              <a:schemeClr val="accent1"/>
+            </a:effectRef>
+            <a:fontRef idx="minor">
+              <a:schemeClr val="lt1"/>
+            </a:fontRef>
+          </p:style>
+          <p:txBody>
+            <a:bodyPr rtlCol="0" anchor="ctr"/>
+            <a:lstStyle/>
+            <a:p>
+              <a:pPr algn="ctr"/>
+              <a:endParaRPr lang="en-US"/>
+            </a:p>
+          </p:txBody>
+        </p:sp>
+        <p:sp>
+          <p:nvSpPr>
+            <p:cNvPr id="43" name="Ellipse 42"/>
+            <p:cNvSpPr/>
+            <p:nvPr/>
+          </p:nvSpPr>
+          <p:spPr>
+            <a:xfrm>
+              <a:off x="5788484" y="3840459"/>
+              <a:ext cx="253999" cy="199571"/>
+            </a:xfrm>
+            <a:prstGeom prst="ellipse">
+              <a:avLst/>
+            </a:prstGeom>
+          </p:spPr>
+          <p:style>
+            <a:lnRef idx="2">
+              <a:schemeClr val="accent1">
+                <a:shade val="50000"/>
+              </a:schemeClr>
+            </a:lnRef>
+            <a:fillRef idx="1">
+              <a:schemeClr val="accent1"/>
+            </a:fillRef>
+            <a:effectRef idx="0">
+              <a:schemeClr val="accent1"/>
+            </a:effectRef>
+            <a:fontRef idx="minor">
+              <a:schemeClr val="lt1"/>
+            </a:fontRef>
+          </p:style>
+          <p:txBody>
+            <a:bodyPr rtlCol="0" anchor="ctr"/>
+            <a:lstStyle/>
+            <a:p>
+              <a:pPr algn="ctr"/>
+              <a:endParaRPr lang="en-US"/>
+            </a:p>
+          </p:txBody>
+        </p:sp>
+        <p:sp>
+          <p:nvSpPr>
+            <p:cNvPr id="44" name="Ellipse 43"/>
+            <p:cNvSpPr/>
+            <p:nvPr/>
+          </p:nvSpPr>
+          <p:spPr>
+            <a:xfrm>
+              <a:off x="6693811" y="3856900"/>
+              <a:ext cx="253999" cy="199571"/>
+            </a:xfrm>
+            <a:prstGeom prst="ellipse">
+              <a:avLst/>
+            </a:prstGeom>
+          </p:spPr>
+          <p:style>
+            <a:lnRef idx="2">
+              <a:schemeClr val="accent1">
+                <a:shade val="50000"/>
+              </a:schemeClr>
+            </a:lnRef>
+            <a:fillRef idx="1">
+              <a:schemeClr val="accent1"/>
+            </a:fillRef>
+            <a:effectRef idx="0">
+              <a:schemeClr val="accent1"/>
+            </a:effectRef>
+            <a:fontRef idx="minor">
+              <a:schemeClr val="lt1"/>
+            </a:fontRef>
+          </p:style>
+          <p:txBody>
+            <a:bodyPr rtlCol="0" anchor="ctr"/>
+            <a:lstStyle/>
+            <a:p>
+              <a:pPr algn="ctr"/>
+              <a:endParaRPr lang="en-US"/>
+            </a:p>
+          </p:txBody>
+        </p:sp>
+        <p:sp>
+          <p:nvSpPr>
+            <p:cNvPr id="45" name="Ellipse 44"/>
+            <p:cNvSpPr/>
+            <p:nvPr/>
+          </p:nvSpPr>
+          <p:spPr>
+            <a:xfrm>
+              <a:off x="7194554" y="3856900"/>
+              <a:ext cx="253999" cy="199571"/>
+            </a:xfrm>
+            <a:prstGeom prst="ellipse">
+              <a:avLst/>
+            </a:prstGeom>
+          </p:spPr>
+          <p:style>
+            <a:lnRef idx="2">
+              <a:schemeClr val="accent1">
+                <a:shade val="50000"/>
+              </a:schemeClr>
+            </a:lnRef>
+            <a:fillRef idx="1">
+              <a:schemeClr val="accent1"/>
+            </a:fillRef>
+            <a:effectRef idx="0">
+              <a:schemeClr val="accent1"/>
+            </a:effectRef>
+            <a:fontRef idx="minor">
+              <a:schemeClr val="lt1"/>
+            </a:fontRef>
+          </p:style>
+          <p:txBody>
+            <a:bodyPr rtlCol="0" anchor="ctr"/>
+            <a:lstStyle/>
+            <a:p>
+              <a:pPr algn="ctr"/>
+              <a:endParaRPr lang="en-US"/>
+            </a:p>
+          </p:txBody>
+        </p:sp>
+        <p:sp>
+          <p:nvSpPr>
+            <p:cNvPr id="46" name="Ellipse 45"/>
+            <p:cNvSpPr/>
+            <p:nvPr/>
+          </p:nvSpPr>
+          <p:spPr>
+            <a:xfrm>
+              <a:off x="8029126" y="3060796"/>
+              <a:ext cx="253999" cy="199571"/>
+            </a:xfrm>
+            <a:prstGeom prst="ellipse">
+              <a:avLst/>
+            </a:prstGeom>
+          </p:spPr>
+          <p:style>
+            <a:lnRef idx="2">
+              <a:schemeClr val="accent1">
+                <a:shade val="50000"/>
+              </a:schemeClr>
+            </a:lnRef>
+            <a:fillRef idx="1">
+              <a:schemeClr val="accent1"/>
+            </a:fillRef>
+            <a:effectRef idx="0">
+              <a:schemeClr val="accent1"/>
+            </a:effectRef>
+            <a:fontRef idx="minor">
+              <a:schemeClr val="lt1"/>
+            </a:fontRef>
+          </p:style>
+          <p:txBody>
+            <a:bodyPr rtlCol="0" anchor="ctr"/>
+            <a:lstStyle/>
+            <a:p>
+              <a:pPr algn="ctr"/>
+              <a:endParaRPr lang="en-US"/>
+            </a:p>
+          </p:txBody>
+        </p:sp>
+        <p:sp>
+          <p:nvSpPr>
+            <p:cNvPr id="47" name="Ellipse 46"/>
+            <p:cNvSpPr/>
+            <p:nvPr/>
+          </p:nvSpPr>
+          <p:spPr>
+            <a:xfrm>
+              <a:off x="8029126" y="3859064"/>
+              <a:ext cx="253999" cy="199571"/>
+            </a:xfrm>
+            <a:prstGeom prst="ellipse">
+              <a:avLst/>
+            </a:prstGeom>
+          </p:spPr>
+          <p:style>
+            <a:lnRef idx="2">
+              <a:schemeClr val="accent1">
+                <a:shade val="50000"/>
+              </a:schemeClr>
+            </a:lnRef>
+            <a:fillRef idx="1">
+              <a:schemeClr val="accent1"/>
+            </a:fillRef>
+            <a:effectRef idx="0">
+              <a:schemeClr val="accent1"/>
+            </a:effectRef>
+            <a:fontRef idx="minor">
+              <a:schemeClr val="lt1"/>
+            </a:fontRef>
+          </p:style>
+          <p:txBody>
+            <a:bodyPr rtlCol="0" anchor="ctr"/>
+            <a:lstStyle/>
+            <a:p>
+              <a:pPr algn="ctr"/>
+              <a:endParaRPr lang="en-US"/>
+            </a:p>
+          </p:txBody>
+        </p:sp>
+        <p:cxnSp>
+          <p:nvCxnSpPr>
+            <p:cNvPr id="48" name="Gerade Verbindung mit Pfeil 47"/>
+            <p:cNvCxnSpPr>
+              <a:stCxn id="35" idx="3"/>
+              <a:endCxn id="36" idx="7"/>
+            </p:cNvCxnSpPr>
+            <p:nvPr/>
+          </p:nvCxnSpPr>
+          <p:spPr>
+            <a:xfrm flipH="1">
+              <a:off x="6903357" y="1515554"/>
+              <a:ext cx="444509" cy="634107"/>
+            </a:xfrm>
+            <a:prstGeom prst="straightConnector1">
+              <a:avLst/>
+            </a:prstGeom>
+            <a:ln w="19050">
+              <a:tailEnd type="arrow"/>
+            </a:ln>
+          </p:spPr>
+          <p:style>
+            <a:lnRef idx="1">
+              <a:schemeClr val="accent1"/>
+            </a:lnRef>
+            <a:fillRef idx="0">
+              <a:schemeClr val="accent1"/>
+            </a:fillRef>
+            <a:effectRef idx="0">
+              <a:schemeClr val="accent1"/>
+            </a:effectRef>
+            <a:fontRef idx="minor">
+              <a:schemeClr val="tx1"/>
+            </a:fontRef>
+          </p:style>
+        </p:cxnSp>
+        <p:cxnSp>
+          <p:nvCxnSpPr>
+            <p:cNvPr id="49" name="Gerade Verbindung mit Pfeil 48"/>
+            <p:cNvCxnSpPr>
+              <a:stCxn id="35" idx="5"/>
+              <a:endCxn id="37" idx="1"/>
+            </p:cNvCxnSpPr>
+            <p:nvPr/>
+          </p:nvCxnSpPr>
+          <p:spPr>
+            <a:xfrm>
+              <a:off x="7527471" y="1515554"/>
+              <a:ext cx="538852" cy="619329"/>
+            </a:xfrm>
+            <a:prstGeom prst="straightConnector1">
+              <a:avLst/>
+            </a:prstGeom>
+            <a:ln w="19050">
+              <a:tailEnd type="arrow"/>
+            </a:ln>
+          </p:spPr>
+          <p:style>
+            <a:lnRef idx="1">
+              <a:schemeClr val="accent1"/>
+            </a:lnRef>
+            <a:fillRef idx="0">
+              <a:schemeClr val="accent1"/>
+            </a:fillRef>
+            <a:effectRef idx="0">
+              <a:schemeClr val="accent1"/>
+            </a:effectRef>
+            <a:fontRef idx="minor">
+              <a:schemeClr val="tx1"/>
+            </a:fontRef>
+          </p:style>
+        </p:cxnSp>
+        <p:cxnSp>
+          <p:nvCxnSpPr>
+            <p:cNvPr id="50" name="Gerade Verbindung mit Pfeil 49"/>
+            <p:cNvCxnSpPr>
+              <a:stCxn id="36" idx="3"/>
+              <a:endCxn id="38" idx="7"/>
+            </p:cNvCxnSpPr>
+            <p:nvPr/>
+          </p:nvCxnSpPr>
+          <p:spPr>
+            <a:xfrm flipH="1">
+              <a:off x="6005285" y="2290780"/>
+              <a:ext cx="718467" cy="799242"/>
+            </a:xfrm>
+            <a:prstGeom prst="straightConnector1">
+              <a:avLst/>
+            </a:prstGeom>
+            <a:ln w="19050">
+              <a:tailEnd type="arrow"/>
+            </a:ln>
+          </p:spPr>
+          <p:style>
+            <a:lnRef idx="1">
+              <a:schemeClr val="accent1"/>
+            </a:lnRef>
+            <a:fillRef idx="0">
+              <a:schemeClr val="accent1"/>
+            </a:fillRef>
+            <a:effectRef idx="0">
+              <a:schemeClr val="accent1"/>
+            </a:effectRef>
+            <a:fontRef idx="minor">
+              <a:schemeClr val="tx1"/>
+            </a:fontRef>
+          </p:style>
+        </p:cxnSp>
+        <p:cxnSp>
+          <p:nvCxnSpPr>
+            <p:cNvPr id="51" name="Gerade Verbindung mit Pfeil 50"/>
+            <p:cNvCxnSpPr>
+              <a:stCxn id="36" idx="4"/>
+              <a:endCxn id="40" idx="0"/>
+            </p:cNvCxnSpPr>
+            <p:nvPr/>
+          </p:nvCxnSpPr>
+          <p:spPr>
+            <a:xfrm>
+              <a:off x="6813555" y="2320006"/>
+              <a:ext cx="7256" cy="724693"/>
+            </a:xfrm>
+            <a:prstGeom prst="straightConnector1">
+              <a:avLst/>
+            </a:prstGeom>
+            <a:ln w="19050">
+              <a:tailEnd type="arrow"/>
+            </a:ln>
+          </p:spPr>
+          <p:style>
+            <a:lnRef idx="1">
+              <a:schemeClr val="accent1"/>
+            </a:lnRef>
+            <a:fillRef idx="0">
+              <a:schemeClr val="accent1"/>
+            </a:fillRef>
+            <a:effectRef idx="0">
+              <a:schemeClr val="accent1"/>
+            </a:effectRef>
+            <a:fontRef idx="minor">
+              <a:schemeClr val="tx1"/>
+            </a:fontRef>
+          </p:style>
+        </p:cxnSp>
+        <p:cxnSp>
+          <p:nvCxnSpPr>
+            <p:cNvPr id="52" name="Gerade Verbindung mit Pfeil 51"/>
+            <p:cNvCxnSpPr>
+              <a:stCxn id="36" idx="5"/>
+              <a:endCxn id="39" idx="0"/>
+            </p:cNvCxnSpPr>
+            <p:nvPr/>
+          </p:nvCxnSpPr>
+          <p:spPr>
+            <a:xfrm>
+              <a:off x="6903357" y="2290780"/>
+              <a:ext cx="418197" cy="756789"/>
+            </a:xfrm>
+            <a:prstGeom prst="straightConnector1">
+              <a:avLst/>
+            </a:prstGeom>
+            <a:ln w="19050">
+              <a:tailEnd type="arrow"/>
+            </a:ln>
+          </p:spPr>
+          <p:style>
+            <a:lnRef idx="1">
+              <a:schemeClr val="accent1"/>
+            </a:lnRef>
+            <a:fillRef idx="0">
+              <a:schemeClr val="accent1"/>
+            </a:fillRef>
+            <a:effectRef idx="0">
+              <a:schemeClr val="accent1"/>
+            </a:effectRef>
+            <a:fontRef idx="minor">
+              <a:schemeClr val="tx1"/>
+            </a:fontRef>
+          </p:style>
+        </p:cxnSp>
+        <p:cxnSp>
+          <p:nvCxnSpPr>
+            <p:cNvPr id="53" name="Gerade Verbindung mit Pfeil 52"/>
+            <p:cNvCxnSpPr>
+              <a:stCxn id="37" idx="4"/>
+              <a:endCxn id="46" idx="0"/>
+            </p:cNvCxnSpPr>
+            <p:nvPr/>
+          </p:nvCxnSpPr>
+          <p:spPr>
+            <a:xfrm>
+              <a:off x="8156126" y="2305228"/>
+              <a:ext cx="0" cy="755568"/>
+            </a:xfrm>
+            <a:prstGeom prst="straightConnector1">
+              <a:avLst/>
+            </a:prstGeom>
+            <a:ln w="19050">
+              <a:tailEnd type="arrow"/>
+            </a:ln>
+          </p:spPr>
+          <p:style>
+            <a:lnRef idx="1">
+              <a:schemeClr val="accent1"/>
+            </a:lnRef>
+            <a:fillRef idx="0">
+              <a:schemeClr val="accent1"/>
+            </a:fillRef>
+            <a:effectRef idx="0">
+              <a:schemeClr val="accent1"/>
+            </a:effectRef>
+            <a:fontRef idx="minor">
+              <a:schemeClr val="tx1"/>
+            </a:fontRef>
+          </p:style>
+        </p:cxnSp>
+        <p:cxnSp>
+          <p:nvCxnSpPr>
+            <p:cNvPr id="54" name="Gerade Verbindung mit Pfeil 53"/>
+            <p:cNvCxnSpPr>
+              <a:stCxn id="38" idx="3"/>
+              <a:endCxn id="41" idx="0"/>
+            </p:cNvCxnSpPr>
+            <p:nvPr/>
+          </p:nvCxnSpPr>
+          <p:spPr>
+            <a:xfrm flipH="1">
+              <a:off x="5460097" y="3231141"/>
+              <a:ext cx="365583" cy="609317"/>
+            </a:xfrm>
+            <a:prstGeom prst="straightConnector1">
+              <a:avLst/>
+            </a:prstGeom>
+            <a:ln w="19050">
+              <a:tailEnd type="arrow"/>
+            </a:ln>
+          </p:spPr>
+          <p:style>
+            <a:lnRef idx="1">
+              <a:schemeClr val="accent1"/>
+            </a:lnRef>
+            <a:fillRef idx="0">
+              <a:schemeClr val="accent1"/>
+            </a:fillRef>
+            <a:effectRef idx="0">
+              <a:schemeClr val="accent1"/>
+            </a:effectRef>
+            <a:fontRef idx="minor">
+              <a:schemeClr val="tx1"/>
+            </a:fontRef>
+          </p:style>
+        </p:cxnSp>
+        <p:cxnSp>
+          <p:nvCxnSpPr>
+            <p:cNvPr id="55" name="Gerade Verbindung mit Pfeil 54"/>
+            <p:cNvCxnSpPr>
+              <a:stCxn id="38" idx="4"/>
+              <a:endCxn id="43" idx="0"/>
+            </p:cNvCxnSpPr>
+            <p:nvPr/>
+          </p:nvCxnSpPr>
+          <p:spPr>
+            <a:xfrm>
+              <a:off x="5915483" y="3260367"/>
+              <a:ext cx="1" cy="580092"/>
+            </a:xfrm>
+            <a:prstGeom prst="straightConnector1">
+              <a:avLst/>
+            </a:prstGeom>
+            <a:ln w="19050">
+              <a:tailEnd type="arrow"/>
+            </a:ln>
+          </p:spPr>
+          <p:style>
+            <a:lnRef idx="1">
+              <a:schemeClr val="accent1"/>
+            </a:lnRef>
+            <a:fillRef idx="0">
+              <a:schemeClr val="accent1"/>
+            </a:fillRef>
+            <a:effectRef idx="0">
+              <a:schemeClr val="accent1"/>
+            </a:effectRef>
+            <a:fontRef idx="minor">
+              <a:schemeClr val="tx1"/>
+            </a:fontRef>
+          </p:style>
+        </p:cxnSp>
+        <p:cxnSp>
+          <p:nvCxnSpPr>
+            <p:cNvPr id="56" name="Gerade Verbindung mit Pfeil 55"/>
+            <p:cNvCxnSpPr>
+              <a:stCxn id="38" idx="5"/>
+              <a:endCxn id="42" idx="0"/>
+            </p:cNvCxnSpPr>
+            <p:nvPr/>
+          </p:nvCxnSpPr>
+          <p:spPr>
+            <a:xfrm>
+              <a:off x="6005285" y="3231141"/>
+              <a:ext cx="352885" cy="612188"/>
+            </a:xfrm>
+            <a:prstGeom prst="straightConnector1">
+              <a:avLst/>
+            </a:prstGeom>
+            <a:ln w="19050">
+              <a:tailEnd type="arrow"/>
+            </a:ln>
+          </p:spPr>
+          <p:style>
+            <a:lnRef idx="1">
+              <a:schemeClr val="accent1"/>
+            </a:lnRef>
+            <a:fillRef idx="0">
+              <a:schemeClr val="accent1"/>
+            </a:fillRef>
+            <a:effectRef idx="0">
+              <a:schemeClr val="accent1"/>
+            </a:effectRef>
+            <a:fontRef idx="minor">
+              <a:schemeClr val="tx1"/>
+            </a:fontRef>
+          </p:style>
+        </p:cxnSp>
+        <p:cxnSp>
+          <p:nvCxnSpPr>
+            <p:cNvPr id="57" name="Gerade Verbindung mit Pfeil 56"/>
+            <p:cNvCxnSpPr>
+              <a:stCxn id="40" idx="4"/>
+              <a:endCxn id="44" idx="0"/>
+            </p:cNvCxnSpPr>
+            <p:nvPr/>
+          </p:nvCxnSpPr>
+          <p:spPr>
+            <a:xfrm>
+              <a:off x="6820811" y="3244270"/>
+              <a:ext cx="0" cy="612630"/>
+            </a:xfrm>
+            <a:prstGeom prst="straightConnector1">
+              <a:avLst/>
+            </a:prstGeom>
+            <a:ln w="19050">
+              <a:tailEnd type="arrow"/>
+            </a:ln>
+          </p:spPr>
+          <p:style>
+            <a:lnRef idx="1">
+              <a:schemeClr val="accent1"/>
+            </a:lnRef>
+            <a:fillRef idx="0">
+              <a:schemeClr val="accent1"/>
+            </a:fillRef>
+            <a:effectRef idx="0">
+              <a:schemeClr val="accent1"/>
+            </a:effectRef>
+            <a:fontRef idx="minor">
+              <a:schemeClr val="tx1"/>
+            </a:fontRef>
+          </p:style>
+        </p:cxnSp>
+        <p:cxnSp>
+          <p:nvCxnSpPr>
+            <p:cNvPr id="58" name="Gerade Verbindung mit Pfeil 57"/>
+            <p:cNvCxnSpPr>
+              <a:stCxn id="39" idx="4"/>
+              <a:endCxn id="45" idx="0"/>
+            </p:cNvCxnSpPr>
+            <p:nvPr/>
+          </p:nvCxnSpPr>
+          <p:spPr>
+            <a:xfrm>
+              <a:off x="7321554" y="3247140"/>
+              <a:ext cx="0" cy="609760"/>
+            </a:xfrm>
+            <a:prstGeom prst="straightConnector1">
+              <a:avLst/>
+            </a:prstGeom>
+            <a:ln w="19050">
+              <a:tailEnd type="arrow"/>
+            </a:ln>
+          </p:spPr>
+          <p:style>
+            <a:lnRef idx="1">
+              <a:schemeClr val="accent1"/>
+            </a:lnRef>
+            <a:fillRef idx="0">
+              <a:schemeClr val="accent1"/>
+            </a:fillRef>
+            <a:effectRef idx="0">
+              <a:schemeClr val="accent1"/>
+            </a:effectRef>
+            <a:fontRef idx="minor">
+              <a:schemeClr val="tx1"/>
+            </a:fontRef>
+          </p:style>
+        </p:cxnSp>
+        <p:cxnSp>
+          <p:nvCxnSpPr>
+            <p:cNvPr id="59" name="Gerade Verbindung mit Pfeil 58"/>
+            <p:cNvCxnSpPr>
+              <a:stCxn id="46" idx="4"/>
+              <a:endCxn id="47" idx="0"/>
+            </p:cNvCxnSpPr>
+            <p:nvPr/>
+          </p:nvCxnSpPr>
+          <p:spPr>
+            <a:xfrm>
+              <a:off x="8156126" y="3260367"/>
+              <a:ext cx="0" cy="598697"/>
+            </a:xfrm>
+            <a:prstGeom prst="straightConnector1">
+              <a:avLst/>
+            </a:prstGeom>
+            <a:ln w="19050">
+              <a:tailEnd type="arrow"/>
+            </a:ln>
+          </p:spPr>
+          <p:style>
+            <a:lnRef idx="1">
+              <a:schemeClr val="accent1"/>
+            </a:lnRef>
+            <a:fillRef idx="0">
+              <a:schemeClr val="accent1"/>
+            </a:fillRef>
+            <a:effectRef idx="0">
+              <a:schemeClr val="accent1"/>
+            </a:effectRef>
+            <a:fontRef idx="minor">
+              <a:schemeClr val="tx1"/>
+            </a:fontRef>
+          </p:style>
+        </p:cxnSp>
+      </p:grpSp>
       <p:pic>
         <p:nvPicPr>
           <p:cNvPr id="3" name="Grafik 2"/>
@@ -5941,7 +8645,7 @@
         </p:blipFill>
         <p:spPr>
           <a:xfrm>
-            <a:off x="3024949" y="1201230"/>
+            <a:off x="3071218" y="772036"/>
             <a:ext cx="5964301" cy="2741040"/>
           </a:xfrm>
           <a:prstGeom prst="rect">
@@ -5963,145 +8667,6 @@
           </a:effectLst>
         </p:spPr>
       </p:pic>
-      <p:sp>
-        <p:nvSpPr>
-          <p:cNvPr id="5" name="Textfeld 4"/>
-          <p:cNvSpPr txBox="1"/>
-          <p:nvPr/>
-        </p:nvSpPr>
-        <p:spPr>
-          <a:xfrm>
-            <a:off x="-14710" y="5487"/>
-            <a:ext cx="5564610" cy="646331"/>
-          </a:xfrm>
-          <a:prstGeom prst="rect">
-            <a:avLst/>
-          </a:prstGeom>
-          <a:noFill/>
-        </p:spPr>
-        <p:txBody>
-          <a:bodyPr wrap="square" rtlCol="0">
-            <a:spAutoFit/>
-          </a:bodyPr>
-          <a:lstStyle/>
-          <a:p>
-            <a:r>
-              <a:rPr lang="de-DE" sz="3600" dirty="0" err="1">
-                <a:effectLst>
-                  <a:outerShdw blurRad="38100" dist="38100" dir="2700000" algn="tl">
-                    <a:srgbClr val="000000">
-                      <a:alpha val="43137"/>
-                    </a:srgbClr>
-                  </a:outerShdw>
-                </a:effectLst>
-                <a:latin typeface="Gabriola" panose="04040605051002020D02" pitchFamily="82" charset="0"/>
-              </a:rPr>
-              <a:t>Define</a:t>
-            </a:r>
-            <a:r>
-              <a:rPr lang="de-DE" sz="3600" dirty="0">
-                <a:effectLst>
-                  <a:outerShdw blurRad="38100" dist="38100" dir="2700000" algn="tl">
-                    <a:srgbClr val="000000">
-                      <a:alpha val="43137"/>
-                    </a:srgbClr>
-                  </a:outerShdw>
-                </a:effectLst>
-                <a:latin typeface="Gabriola" panose="04040605051002020D02" pitchFamily="82" charset="0"/>
-              </a:rPr>
-              <a:t> </a:t>
-            </a:r>
-            <a:r>
-              <a:rPr lang="de-DE" sz="3600" dirty="0" err="1">
-                <a:effectLst>
-                  <a:outerShdw blurRad="38100" dist="38100" dir="2700000" algn="tl">
-                    <a:srgbClr val="000000">
-                      <a:alpha val="43137"/>
-                    </a:srgbClr>
-                  </a:outerShdw>
-                </a:effectLst>
-                <a:latin typeface="Gabriola" panose="04040605051002020D02" pitchFamily="82" charset="0"/>
-              </a:rPr>
-              <a:t>Combinations</a:t>
-            </a:r>
-            <a:r>
-              <a:rPr lang="de-DE" sz="3600" dirty="0">
-                <a:effectLst>
-                  <a:outerShdw blurRad="38100" dist="38100" dir="2700000" algn="tl">
-                    <a:srgbClr val="000000">
-                      <a:alpha val="43137"/>
-                    </a:srgbClr>
-                  </a:outerShdw>
-                </a:effectLst>
-                <a:latin typeface="Gabriola" panose="04040605051002020D02" pitchFamily="82" charset="0"/>
-              </a:rPr>
-              <a:t> </a:t>
-            </a:r>
-            <a:r>
-              <a:rPr lang="de-DE" sz="3600" dirty="0" err="1">
-                <a:effectLst>
-                  <a:outerShdw blurRad="38100" dist="38100" dir="2700000" algn="tl">
-                    <a:srgbClr val="000000">
-                      <a:alpha val="43137"/>
-                    </a:srgbClr>
-                  </a:outerShdw>
-                </a:effectLst>
-                <a:latin typeface="Gabriola" panose="04040605051002020D02" pitchFamily="82" charset="0"/>
-              </a:rPr>
-              <a:t>as</a:t>
-            </a:r>
-            <a:r>
-              <a:rPr lang="de-DE" sz="3600" dirty="0">
-                <a:effectLst>
-                  <a:outerShdw blurRad="38100" dist="38100" dir="2700000" algn="tl">
-                    <a:srgbClr val="000000">
-                      <a:alpha val="43137"/>
-                    </a:srgbClr>
-                  </a:outerShdw>
-                </a:effectLst>
-                <a:latin typeface="Gabriola" panose="04040605051002020D02" pitchFamily="82" charset="0"/>
-              </a:rPr>
-              <a:t> </a:t>
-            </a:r>
-            <a:r>
-              <a:rPr lang="de-DE" sz="3600" dirty="0" err="1">
-                <a:effectLst>
-                  <a:outerShdw blurRad="38100" dist="38100" dir="2700000" algn="tl">
-                    <a:srgbClr val="000000">
-                      <a:alpha val="43137"/>
-                    </a:srgbClr>
-                  </a:outerShdw>
-                </a:effectLst>
-                <a:latin typeface="Gabriola" panose="04040605051002020D02" pitchFamily="82" charset="0"/>
-              </a:rPr>
-              <a:t>Tree</a:t>
-            </a:r>
-            <a:r>
-              <a:rPr lang="de-DE" sz="3600" dirty="0">
-                <a:effectLst>
-                  <a:outerShdw blurRad="38100" dist="38100" dir="2700000" algn="tl">
-                    <a:srgbClr val="000000">
-                      <a:alpha val="43137"/>
-                    </a:srgbClr>
-                  </a:outerShdw>
-                </a:effectLst>
-                <a:latin typeface="Gabriola" panose="04040605051002020D02" pitchFamily="82" charset="0"/>
-              </a:rPr>
-              <a:t>!</a:t>
-            </a:r>
-            <a:endParaRPr lang="en-US" sz="3600" dirty="0">
-              <a:effectLst>
-                <a:outerShdw blurRad="38100" dist="38100" dir="2700000" algn="tl">
-                  <a:srgbClr val="000000">
-                    <a:alpha val="43137"/>
-                  </a:srgbClr>
-                </a:outerShdw>
-              </a:effectLst>
-              <a:latin typeface="Gabriola" panose="04040605051002020D02" pitchFamily="82" charset="0"/>
-            </a:endParaRPr>
-          </a:p>
-        </p:txBody>
-      </p:sp>
     </p:spTree>
     <p:extLst>
       <p:ext uri="{BB962C8B-B14F-4D97-AF65-F5344CB8AC3E}">
@@ -6385,14 +8950,14 @@
       </p:sp>
       <p:cxnSp>
         <p:nvCxnSpPr>
-          <p:cNvPr id="10" name="Straight Connector 9"/>
+          <p:cNvPr id="7" name="Straight Connector 9"/>
           <p:cNvCxnSpPr/>
           <p:nvPr/>
         </p:nvCxnSpPr>
         <p:spPr>
           <a:xfrm>
-            <a:off x="3917659" y="2377545"/>
-            <a:ext cx="0" cy="1006679"/>
+            <a:off x="506802" y="1370866"/>
+            <a:ext cx="494684" cy="0"/>
           </a:xfrm>
           <a:prstGeom prst="line">
             <a:avLst/>
@@ -6420,14 +8985,84 @@
       </p:cxnSp>
       <p:cxnSp>
         <p:nvCxnSpPr>
-          <p:cNvPr id="12" name="Straight Connector 11"/>
+          <p:cNvPr id="9" name="Straight Connector 11"/>
           <p:cNvCxnSpPr/>
           <p:nvPr/>
         </p:nvCxnSpPr>
         <p:spPr>
           <a:xfrm>
-            <a:off x="3917659" y="3602118"/>
-            <a:ext cx="0" cy="760157"/>
+            <a:off x="506802" y="1775894"/>
+            <a:ext cx="494684" cy="0"/>
+          </a:xfrm>
+          <a:prstGeom prst="line">
+            <a:avLst/>
+          </a:prstGeom>
+          <a:ln w="57150">
+            <a:solidFill>
+              <a:srgbClr val="00B050"/>
+            </a:solidFill>
+          </a:ln>
+        </p:spPr>
+        <p:style>
+          <a:lnRef idx="1">
+            <a:schemeClr val="accent1"/>
+          </a:lnRef>
+          <a:fillRef idx="0">
+            <a:schemeClr val="accent1"/>
+          </a:fillRef>
+          <a:effectRef idx="0">
+            <a:schemeClr val="accent1"/>
+          </a:effectRef>
+          <a:fontRef idx="minor">
+            <a:schemeClr val="tx1"/>
+          </a:fontRef>
+        </p:style>
+      </p:cxnSp>
+      <p:cxnSp>
+        <p:nvCxnSpPr>
+          <p:cNvPr id="11" name="Straight Connector 9"/>
+          <p:cNvCxnSpPr/>
+          <p:nvPr/>
+        </p:nvCxnSpPr>
+        <p:spPr>
+          <a:xfrm>
+            <a:off x="535232" y="2815037"/>
+            <a:ext cx="494684" cy="0"/>
+          </a:xfrm>
+          <a:prstGeom prst="line">
+            <a:avLst/>
+          </a:prstGeom>
+          <a:ln w="57150">
+            <a:solidFill>
+              <a:schemeClr val="accent6"/>
+            </a:solidFill>
+          </a:ln>
+        </p:spPr>
+        <p:style>
+          <a:lnRef idx="1">
+            <a:schemeClr val="accent1"/>
+          </a:lnRef>
+          <a:fillRef idx="0">
+            <a:schemeClr val="accent1"/>
+          </a:fillRef>
+          <a:effectRef idx="0">
+            <a:schemeClr val="accent1"/>
+          </a:effectRef>
+          <a:fontRef idx="minor">
+            <a:schemeClr val="tx1"/>
+          </a:fontRef>
+        </p:style>
+      </p:cxnSp>
+      <p:cxnSp>
+        <p:nvCxnSpPr>
+          <p:cNvPr id="13" name="Straight Connector 11"/>
+          <p:cNvCxnSpPr/>
+          <p:nvPr/>
+        </p:nvCxnSpPr>
+        <p:spPr>
+          <a:xfrm>
+            <a:off x="535232" y="3822409"/>
+            <a:ext cx="494684" cy="0"/>
           </a:xfrm>
           <a:prstGeom prst="line">
             <a:avLst/>
@@ -6734,16 +9369,108 @@
           </a:p>
         </p:txBody>
       </p:sp>
+      <p:sp>
+        <p:nvSpPr>
+          <p:cNvPr id="16" name="Gleichschenkliges Dreieck 15"/>
+          <p:cNvSpPr/>
+          <p:nvPr/>
+        </p:nvSpPr>
+        <p:spPr>
+          <a:xfrm rot="5400000">
+            <a:off x="1718783" y="2434968"/>
+            <a:ext cx="1645746" cy="437363"/>
+          </a:xfrm>
+          <a:prstGeom prst="triangle">
+            <a:avLst/>
+          </a:prstGeom>
+          <a:ln>
+            <a:solidFill>
+              <a:schemeClr val="bg1">
+                <a:lumMod val="75000"/>
+              </a:schemeClr>
+            </a:solidFill>
+          </a:ln>
+          <a:effectLst>
+            <a:outerShdw blurRad="457200" dist="1295400" dir="9120000" sx="94000" sy="94000" algn="tr" rotWithShape="0">
+              <a:prstClr val="black">
+                <a:alpha val="41000"/>
+              </a:prstClr>
+            </a:outerShdw>
+          </a:effectLst>
+        </p:spPr>
+        <p:style>
+          <a:lnRef idx="2">
+            <a:schemeClr val="accent1">
+              <a:shade val="50000"/>
+            </a:schemeClr>
+          </a:lnRef>
+          <a:fillRef idx="1">
+            <a:schemeClr val="accent1"/>
+          </a:fillRef>
+          <a:effectRef idx="0">
+            <a:schemeClr val="accent1"/>
+          </a:effectRef>
+          <a:fontRef idx="minor">
+            <a:schemeClr val="lt1"/>
+          </a:fontRef>
+        </p:style>
+        <p:txBody>
+          <a:bodyPr rtlCol="0" anchor="ctr"/>
+          <a:lstStyle/>
+          <a:p>
+            <a:pPr algn="ctr"/>
+            <a:endParaRPr lang="en-US"/>
+          </a:p>
+        </p:txBody>
+      </p:sp>
+      <p:pic>
+        <p:nvPicPr>
+          <p:cNvPr id="6" name="Picture 5"/>
+          <p:cNvPicPr>
+            <a:picLocks noChangeAspect="1"/>
+          </p:cNvPicPr>
+          <p:nvPr/>
+        </p:nvPicPr>
+        <p:blipFill>
+          <a:blip r:link="rId3"/>
+          <a:stretch>
+            <a:fillRect/>
+          </a:stretch>
+        </p:blipFill>
+        <p:spPr>
+          <a:xfrm>
+            <a:off x="2944535" y="1472642"/>
+            <a:ext cx="6053667" cy="2417482"/>
+          </a:xfrm>
+          <a:prstGeom prst="rect">
+            <a:avLst/>
+          </a:prstGeom>
+          <a:ln>
+            <a:solidFill>
+              <a:schemeClr val="bg1">
+                <a:lumMod val="75000"/>
+              </a:schemeClr>
+            </a:solidFill>
+          </a:ln>
+          <a:effectLst>
+            <a:outerShdw blurRad="457200" dist="1295400" dir="9120000" sx="94000" sy="94000" algn="tr" rotWithShape="0">
+              <a:prstClr val="black">
+                <a:alpha val="41000"/>
+              </a:prstClr>
+            </a:outerShdw>
+          </a:effectLst>
+        </p:spPr>
+      </p:pic>
       <p:cxnSp>
         <p:nvCxnSpPr>
-          <p:cNvPr id="10" name="Straight Connector 9"/>
+          <p:cNvPr id="8" name="Straight Connector 9"/>
           <p:cNvCxnSpPr/>
           <p:nvPr/>
         </p:nvCxnSpPr>
         <p:spPr>
           <a:xfrm>
-            <a:off x="3917659" y="2377545"/>
-            <a:ext cx="0" cy="1006679"/>
+            <a:off x="506802" y="1370866"/>
+            <a:ext cx="494684" cy="0"/>
           </a:xfrm>
           <a:prstGeom prst="line">
             <a:avLst/>
@@ -6771,14 +9498,14 @@
       </p:cxnSp>
       <p:cxnSp>
         <p:nvCxnSpPr>
-          <p:cNvPr id="12" name="Straight Connector 11"/>
+          <p:cNvPr id="9" name="Straight Connector 11"/>
           <p:cNvCxnSpPr/>
           <p:nvPr/>
         </p:nvCxnSpPr>
         <p:spPr>
           <a:xfrm>
-            <a:off x="3917659" y="3602118"/>
-            <a:ext cx="0" cy="760157"/>
+            <a:off x="506802" y="1775894"/>
+            <a:ext cx="494684" cy="0"/>
           </a:xfrm>
           <a:prstGeom prst="line">
             <a:avLst/>
@@ -6804,44 +9531,146 @@
           </a:fontRef>
         </p:style>
       </p:cxnSp>
-      <p:pic>
-        <p:nvPicPr>
-          <p:cNvPr id="6" name="Picture 5"/>
-          <p:cNvPicPr>
-            <a:picLocks noChangeAspect="1"/>
-          </p:cNvPicPr>
+      <p:cxnSp>
+        <p:nvCxnSpPr>
+          <p:cNvPr id="11" name="Straight Connector 9"/>
+          <p:cNvCxnSpPr/>
           <p:nvPr/>
-        </p:nvPicPr>
-        <p:blipFill>
-          <a:blip r:link="rId3"/>
-          <a:stretch>
-            <a:fillRect/>
-          </a:stretch>
-        </p:blipFill>
+        </p:nvCxnSpPr>
         <p:spPr>
           <a:xfrm>
-            <a:off x="2944535" y="1472642"/>
-            <a:ext cx="6053667" cy="2417482"/>
-          </a:xfrm>
-          <a:prstGeom prst="rect">
+            <a:off x="3422975" y="1595837"/>
+            <a:ext cx="2694796" cy="0"/>
+          </a:xfrm>
+          <a:prstGeom prst="line">
             <a:avLst/>
           </a:prstGeom>
-          <a:ln>
+          <a:ln w="57150">
             <a:solidFill>
-              <a:schemeClr val="bg1">
-                <a:lumMod val="75000"/>
-              </a:schemeClr>
+              <a:schemeClr val="accent6"/>
             </a:solidFill>
           </a:ln>
-          <a:effectLst>
-            <a:outerShdw blurRad="457200" dist="1295400" dir="9120000" sx="94000" sy="94000" algn="tr" rotWithShape="0">
-              <a:prstClr val="black">
-                <a:alpha val="41000"/>
-              </a:prstClr>
-            </a:outerShdw>
-          </a:effectLst>
-        </p:spPr>
-      </p:pic>
+        </p:spPr>
+        <p:style>
+          <a:lnRef idx="1">
+            <a:schemeClr val="accent1"/>
+          </a:lnRef>
+          <a:fillRef idx="0">
+            <a:schemeClr val="accent1"/>
+          </a:fillRef>
+          <a:effectRef idx="0">
+            <a:schemeClr val="accent1"/>
+          </a:effectRef>
+          <a:fontRef idx="minor">
+            <a:schemeClr val="tx1"/>
+          </a:fontRef>
+        </p:style>
+      </p:cxnSp>
+      <p:cxnSp>
+        <p:nvCxnSpPr>
+          <p:cNvPr id="13" name="Straight Connector 11"/>
+          <p:cNvCxnSpPr/>
+          <p:nvPr/>
+        </p:nvCxnSpPr>
+        <p:spPr>
+          <a:xfrm>
+            <a:off x="6623666" y="1595837"/>
+            <a:ext cx="2063134" cy="0"/>
+          </a:xfrm>
+          <a:prstGeom prst="line">
+            <a:avLst/>
+          </a:prstGeom>
+          <a:ln w="57150">
+            <a:solidFill>
+              <a:srgbClr val="00B050"/>
+            </a:solidFill>
+          </a:ln>
+        </p:spPr>
+        <p:style>
+          <a:lnRef idx="1">
+            <a:schemeClr val="accent1"/>
+          </a:lnRef>
+          <a:fillRef idx="0">
+            <a:schemeClr val="accent1"/>
+          </a:fillRef>
+          <a:effectRef idx="0">
+            <a:schemeClr val="accent1"/>
+          </a:effectRef>
+          <a:fontRef idx="minor">
+            <a:schemeClr val="tx1"/>
+          </a:fontRef>
+        </p:style>
+      </p:cxnSp>
+      <p:cxnSp>
+        <p:nvCxnSpPr>
+          <p:cNvPr id="14" name="Straight Connector 9"/>
+          <p:cNvCxnSpPr/>
+          <p:nvPr/>
+        </p:nvCxnSpPr>
+        <p:spPr>
+          <a:xfrm>
+            <a:off x="339888" y="2377544"/>
+            <a:ext cx="0" cy="1006679"/>
+          </a:xfrm>
+          <a:prstGeom prst="line">
+            <a:avLst/>
+          </a:prstGeom>
+          <a:ln w="57150">
+            <a:solidFill>
+              <a:schemeClr val="accent6"/>
+            </a:solidFill>
+          </a:ln>
+        </p:spPr>
+        <p:style>
+          <a:lnRef idx="1">
+            <a:schemeClr val="accent1"/>
+          </a:lnRef>
+          <a:fillRef idx="0">
+            <a:schemeClr val="accent1"/>
+          </a:fillRef>
+          <a:effectRef idx="0">
+            <a:schemeClr val="accent1"/>
+          </a:effectRef>
+          <a:fontRef idx="minor">
+            <a:schemeClr val="tx1"/>
+          </a:fontRef>
+        </p:style>
+      </p:cxnSp>
+      <p:cxnSp>
+        <p:nvCxnSpPr>
+          <p:cNvPr id="15" name="Straight Connector 11"/>
+          <p:cNvCxnSpPr/>
+          <p:nvPr/>
+        </p:nvCxnSpPr>
+        <p:spPr>
+          <a:xfrm>
+            <a:off x="331433" y="3602118"/>
+            <a:ext cx="0" cy="760157"/>
+          </a:xfrm>
+          <a:prstGeom prst="line">
+            <a:avLst/>
+          </a:prstGeom>
+          <a:ln w="57150">
+            <a:solidFill>
+              <a:srgbClr val="00B050"/>
+            </a:solidFill>
+          </a:ln>
+        </p:spPr>
+        <p:style>
+          <a:lnRef idx="1">
+            <a:schemeClr val="accent1"/>
+          </a:lnRef>
+          <a:fillRef idx="0">
+            <a:schemeClr val="accent1"/>
+          </a:fillRef>
+          <a:effectRef idx="0">
+            <a:schemeClr val="accent1"/>
+          </a:effectRef>
+          <a:fontRef idx="minor">
+            <a:schemeClr val="tx1"/>
+          </a:fontRef>
+        </p:style>
+      </p:cxnSp>
     </p:spTree>
     <p:extLst>
       <p:ext uri="{BB962C8B-B14F-4D97-AF65-F5344CB8AC3E}">
@@ -7142,8 +9971,8 @@
         </p:nvCxnSpPr>
         <p:spPr>
           <a:xfrm>
-            <a:off x="3766657" y="1946247"/>
-            <a:ext cx="0" cy="310393"/>
+            <a:off x="711200" y="2256640"/>
+            <a:ext cx="1327324" cy="0"/>
           </a:xfrm>
           <a:prstGeom prst="line">
             <a:avLst/>
@@ -7444,7 +10273,7 @@
   <a:extraClrSchemeLst/>
   <a:extLst>
     <a:ext uri="{05A4C25C-085E-4340-85A3-A5531E510DB2}">
-      <thm15:themeFamily xmlns:thm15="http://schemas.microsoft.com/office/thememl/2012/main" name="Office Theme" id="{62F939B6-93AF-4DB8-9C6B-D6C7DFDC589F}" vid="{4A3C46E8-61CC-4603-A589-7422A47A8E4A}"/>
+      <thm15:themeFamily xmlns:thm15="http://schemas.microsoft.com/office/thememl/2012/main" xmlns="" name="Office Theme" id="{62F939B6-93AF-4DB8-9C6B-D6C7DFDC589F}" vid="{4A3C46E8-61CC-4603-A589-7422A47A8E4A}"/>
     </a:ext>
   </a:extLst>
 </a:theme>

--- a/src/NCase.Doc/intern/ReadmeCaroussel.pptx
+++ b/src/NCase.Doc/intern/ReadmeCaroussel.pptx
@@ -17,6 +17,11 @@
     <p:sldId id="265" r:id="rId11"/>
     <p:sldId id="267" r:id="rId12"/>
     <p:sldId id="268" r:id="rId13"/>
+    <p:sldId id="271" r:id="rId14"/>
+    <p:sldId id="272" r:id="rId15"/>
+    <p:sldId id="273" r:id="rId16"/>
+    <p:sldId id="269" r:id="rId17"/>
+    <p:sldId id="270" r:id="rId18"/>
   </p:sldIdLst>
   <p:sldSz cx="9144000" cy="5143500" type="screen16x9"/>
   <p:notesSz cx="6858000" cy="9144000"/>
@@ -4550,7 +4555,7 @@
         <p:spPr>
           <a:xfrm>
             <a:off x="5058229" y="1308314"/>
-            <a:ext cx="3744685" cy="1569660"/>
+            <a:ext cx="3875314" cy="1200329"/>
           </a:xfrm>
           <a:prstGeom prst="rect">
             <a:avLst/>
@@ -4575,96 +4580,6 @@
                 <a:latin typeface="Gabriola" panose="04040605051002020D02" pitchFamily="82" charset="0"/>
                 <a:sym typeface="Wingdings" panose="05000000000000000000" pitchFamily="2" charset="2"/>
               </a:rPr>
-              <a:t>Generate</a:t>
-            </a:r>
-            <a:r>
-              <a:rPr lang="de-DE" sz="2400" dirty="0" smtClean="0">
-                <a:latin typeface="Gabriola" panose="04040605051002020D02" pitchFamily="82" charset="0"/>
-                <a:sym typeface="Wingdings" panose="05000000000000000000" pitchFamily="2" charset="2"/>
-              </a:rPr>
-              <a:t> all </a:t>
-            </a:r>
-            <a:r>
-              <a:rPr lang="de-DE" sz="2400" dirty="0" err="1" smtClean="0">
-                <a:latin typeface="Gabriola" panose="04040605051002020D02" pitchFamily="82" charset="0"/>
-                <a:sym typeface="Wingdings" panose="05000000000000000000" pitchFamily="2" charset="2"/>
-              </a:rPr>
-              <a:t>test</a:t>
-            </a:r>
-            <a:r>
-              <a:rPr lang="de-DE" sz="2400" dirty="0" smtClean="0">
-                <a:latin typeface="Gabriola" panose="04040605051002020D02" pitchFamily="82" charset="0"/>
-                <a:sym typeface="Wingdings" panose="05000000000000000000" pitchFamily="2" charset="2"/>
-              </a:rPr>
-              <a:t> </a:t>
-            </a:r>
-            <a:r>
-              <a:rPr lang="de-DE" sz="2400" dirty="0" err="1" smtClean="0">
-                <a:latin typeface="Gabriola" panose="04040605051002020D02" pitchFamily="82" charset="0"/>
-                <a:sym typeface="Wingdings" panose="05000000000000000000" pitchFamily="2" charset="2"/>
-              </a:rPr>
-              <a:t>cases</a:t>
-            </a:r>
-            <a:r>
-              <a:rPr lang="de-DE" sz="2400" dirty="0" smtClean="0">
-                <a:latin typeface="Gabriola" panose="04040605051002020D02" pitchFamily="82" charset="0"/>
-                <a:sym typeface="Wingdings" panose="05000000000000000000" pitchFamily="2" charset="2"/>
-              </a:rPr>
-              <a:t> </a:t>
-            </a:r>
-            <a:r>
-              <a:rPr lang="de-DE" sz="2400" dirty="0" err="1" smtClean="0">
-                <a:latin typeface="Gabriola" panose="04040605051002020D02" pitchFamily="82" charset="0"/>
-                <a:sym typeface="Wingdings" panose="05000000000000000000" pitchFamily="2" charset="2"/>
-              </a:rPr>
-              <a:t>one</a:t>
-            </a:r>
-            <a:r>
-              <a:rPr lang="de-DE" sz="2400" dirty="0" smtClean="0">
-                <a:latin typeface="Gabriola" panose="04040605051002020D02" pitchFamily="82" charset="0"/>
-                <a:sym typeface="Wingdings" panose="05000000000000000000" pitchFamily="2" charset="2"/>
-              </a:rPr>
-              <a:t> </a:t>
-            </a:r>
-            <a:r>
-              <a:rPr lang="de-DE" sz="2400" dirty="0" err="1" smtClean="0">
-                <a:latin typeface="Gabriola" panose="04040605051002020D02" pitchFamily="82" charset="0"/>
-                <a:sym typeface="Wingdings" panose="05000000000000000000" pitchFamily="2" charset="2"/>
-              </a:rPr>
-              <a:t>by</a:t>
-            </a:r>
-            <a:r>
-              <a:rPr lang="de-DE" sz="2400" dirty="0" smtClean="0">
-                <a:latin typeface="Gabriola" panose="04040605051002020D02" pitchFamily="82" charset="0"/>
-                <a:sym typeface="Wingdings" panose="05000000000000000000" pitchFamily="2" charset="2"/>
-              </a:rPr>
-              <a:t> </a:t>
-            </a:r>
-            <a:r>
-              <a:rPr lang="de-DE" sz="2400" dirty="0" err="1" smtClean="0">
-                <a:latin typeface="Gabriola" panose="04040605051002020D02" pitchFamily="82" charset="0"/>
-                <a:sym typeface="Wingdings" panose="05000000000000000000" pitchFamily="2" charset="2"/>
-              </a:rPr>
-              <a:t>one</a:t>
-            </a:r>
-            <a:endParaRPr lang="de-DE" sz="2400" dirty="0" smtClean="0">
-              <a:latin typeface="Gabriola" panose="04040605051002020D02" pitchFamily="82" charset="0"/>
-              <a:sym typeface="Wingdings" panose="05000000000000000000" pitchFamily="2" charset="2"/>
-            </a:endParaRPr>
-          </a:p>
-          <a:p>
-            <a:r>
-              <a:rPr lang="de-DE" sz="2400" dirty="0" smtClean="0">
-                <a:latin typeface="Gabriola" panose="04040605051002020D02" pitchFamily="82" charset="0"/>
-                <a:sym typeface="Wingdings" panose="05000000000000000000" pitchFamily="2" charset="2"/>
-              </a:rPr>
-              <a:t>- </a:t>
-            </a:r>
-            <a:r>
-              <a:rPr lang="de-DE" sz="2400" dirty="0" err="1" smtClean="0">
-                <a:latin typeface="Gabriola" panose="04040605051002020D02" pitchFamily="82" charset="0"/>
-                <a:sym typeface="Wingdings" panose="05000000000000000000" pitchFamily="2" charset="2"/>
-              </a:rPr>
               <a:t>For</a:t>
             </a:r>
             <a:r>
@@ -4727,7 +4642,7 @@
                 <a:latin typeface="Gabriola" panose="04040605051002020D02" pitchFamily="82" charset="0"/>
                 <a:sym typeface="Wingdings" panose="05000000000000000000" pitchFamily="2" charset="2"/>
               </a:rPr>
-              <a:t>Restore</a:t>
+              <a:t>Restores</a:t>
             </a:r>
             <a:r>
               <a:rPr lang="de-DE" sz="2400" dirty="0" smtClean="0">
@@ -4823,6 +4738,13 @@
           <a:prstGeom prst="rect">
             <a:avLst/>
           </a:prstGeom>
+          <a:ln>
+            <a:solidFill>
+              <a:schemeClr val="bg1">
+                <a:lumMod val="75000"/>
+              </a:schemeClr>
+            </a:solidFill>
+          </a:ln>
         </p:spPr>
       </p:pic>
       <p:sp>
@@ -4833,7 +4755,7 @@
         </p:nvSpPr>
         <p:spPr>
           <a:xfrm>
-            <a:off x="5058229" y="3255984"/>
+            <a:off x="5058229" y="2900391"/>
             <a:ext cx="3744685" cy="1569660"/>
           </a:xfrm>
           <a:prstGeom prst="rect">
@@ -4859,7 +4781,7 @@
                 <a:latin typeface="Gabriola" panose="04040605051002020D02" pitchFamily="82" charset="0"/>
                 <a:sym typeface="Wingdings" panose="05000000000000000000" pitchFamily="2" charset="2"/>
               </a:rPr>
-              <a:t> Framework</a:t>
+              <a:t> Frameworks</a:t>
             </a:r>
           </a:p>
           <a:p>
@@ -5194,6 +5116,13 @@
           <a:prstGeom prst="rect">
             <a:avLst/>
           </a:prstGeom>
+          <a:ln>
+            <a:solidFill>
+              <a:schemeClr val="bg1">
+                <a:lumMod val="75000"/>
+              </a:schemeClr>
+            </a:solidFill>
+          </a:ln>
         </p:spPr>
       </p:pic>
       <p:pic>
@@ -5217,18 +5146,62 @@
           <a:prstGeom prst="rect">
             <a:avLst/>
           </a:prstGeom>
+          <a:ln>
+            <a:solidFill>
+              <a:schemeClr val="bg1">
+                <a:lumMod val="75000"/>
+              </a:schemeClr>
+            </a:solidFill>
+          </a:ln>
         </p:spPr>
       </p:pic>
-      <p:sp>
-        <p:nvSpPr>
-          <p:cNvPr id="22" name="Textfeld 9"/>
+    </p:spTree>
+    <p:extLst>
+      <p:ext uri="{BB962C8B-B14F-4D97-AF65-F5344CB8AC3E}">
+        <p14:creationId xmlns:p14="http://schemas.microsoft.com/office/powerpoint/2010/main" val="154123504"/>
+      </p:ext>
+    </p:extLst>
+  </p:cSld>
+  <p:clrMapOvr>
+    <a:masterClrMapping/>
+  </p:clrMapOvr>
+  <p:timing>
+    <p:tnLst>
+      <p:par>
+        <p:cTn id="1" dur="indefinite" restart="never" nodeType="tmRoot"/>
+      </p:par>
+    </p:tnLst>
+  </p:timing>
+</p:sld>
+</file>
+
+<file path=ppt/slides/slide13.xml><?xml version="1.0" encoding="utf-8"?>
+<p:sld xmlns:a="http://schemas.openxmlformats.org/drawingml/2006/main" xmlns:r="http://schemas.openxmlformats.org/officeDocument/2006/relationships" xmlns:p="http://schemas.openxmlformats.org/presentationml/2006/main">
+  <p:cSld>
+    <p:spTree>
+      <p:nvGrpSpPr>
+        <p:cNvPr id="1" name=""/>
+        <p:cNvGrpSpPr/>
+        <p:nvPr/>
+      </p:nvGrpSpPr>
+      <p:grpSpPr>
+        <a:xfrm>
+          <a:off x="0" y="0"/>
+          <a:ext cx="0" cy="0"/>
+          <a:chOff x="0" y="0"/>
+          <a:chExt cx="0" cy="0"/>
+        </a:xfrm>
+      </p:grpSpPr>
+      <p:sp>
+        <p:nvSpPr>
+          <p:cNvPr id="18" name="Textfeld 17"/>
           <p:cNvSpPr txBox="1"/>
           <p:nvPr/>
         </p:nvSpPr>
         <p:spPr>
           <a:xfrm>
-            <a:off x="3430012" y="915190"/>
-            <a:ext cx="1229071" cy="461665"/>
+            <a:off x="-14709" y="5487"/>
+            <a:ext cx="3444721" cy="646331"/>
           </a:xfrm>
           <a:prstGeom prst="rect">
             <a:avLst/>
@@ -5243,55 +5216,382 @@
           <a:p>
             <a:pPr algn="ctr"/>
             <a:r>
-              <a:rPr lang="de-DE" sz="2400" dirty="0" smtClean="0">
-                <a:latin typeface="Gabriola" panose="04040605051002020D02" pitchFamily="82" charset="0"/>
-                <a:sym typeface="Wingdings" panose="05000000000000000000" pitchFamily="2" charset="2"/>
-              </a:rPr>
-              <a:t>ARRANGE</a:t>
-            </a:r>
-            <a:endParaRPr lang="en-US" sz="2400" dirty="0">
+              <a:rPr lang="de-DE" sz="3600" dirty="0" err="1" smtClean="0">
+                <a:effectLst>
+                  <a:outerShdw blurRad="38100" dist="38100" dir="2700000" algn="tl">
+                    <a:srgbClr val="000000">
+                      <a:alpha val="43137"/>
+                    </a:srgbClr>
+                  </a:outerShdw>
+                </a:effectLst>
+                <a:latin typeface="Gabriola" panose="04040605051002020D02" pitchFamily="82" charset="0"/>
+              </a:rPr>
+              <a:t>Conventional</a:t>
+            </a:r>
+            <a:r>
+              <a:rPr lang="de-DE" sz="3600" dirty="0" smtClean="0">
+                <a:effectLst>
+                  <a:outerShdw blurRad="38100" dist="38100" dir="2700000" algn="tl">
+                    <a:srgbClr val="000000">
+                      <a:alpha val="43137"/>
+                    </a:srgbClr>
+                  </a:outerShdw>
+                </a:effectLst>
+                <a:latin typeface="Gabriola" panose="04040605051002020D02" pitchFamily="82" charset="0"/>
+              </a:rPr>
+              <a:t> Unit Test</a:t>
+            </a:r>
+            <a:endParaRPr lang="en-US" sz="3600" dirty="0">
+              <a:effectLst>
+                <a:outerShdw blurRad="38100" dist="38100" dir="2700000" algn="tl">
+                  <a:srgbClr val="000000">
+                    <a:alpha val="43137"/>
+                  </a:srgbClr>
+                </a:outerShdw>
+              </a:effectLst>
               <a:latin typeface="Gabriola" panose="04040605051002020D02" pitchFamily="82" charset="0"/>
             </a:endParaRPr>
           </a:p>
         </p:txBody>
       </p:sp>
-      <p:cxnSp>
-        <p:nvCxnSpPr>
-          <p:cNvPr id="24" name="Straight Connector 9"/>
-          <p:cNvCxnSpPr/>
-          <p:nvPr/>
-        </p:nvCxnSpPr>
+      <p:sp>
+        <p:nvSpPr>
+          <p:cNvPr id="4" name="Textfeld 3"/>
+          <p:cNvSpPr txBox="1"/>
+          <p:nvPr/>
+        </p:nvSpPr>
+        <p:spPr>
+          <a:xfrm>
+            <a:off x="4942114" y="0"/>
+            <a:ext cx="4201885" cy="646331"/>
+          </a:xfrm>
+          <a:prstGeom prst="rect">
+            <a:avLst/>
+          </a:prstGeom>
+          <a:noFill/>
+        </p:spPr>
+        <p:txBody>
+          <a:bodyPr wrap="square" rtlCol="0">
+            <a:spAutoFit/>
+          </a:bodyPr>
+          <a:lstStyle/>
+          <a:p>
+            <a:r>
+              <a:rPr lang="de-DE" sz="3600" dirty="0" err="1" smtClean="0">
+                <a:effectLst>
+                  <a:outerShdw blurRad="38100" dist="38100" dir="2700000" algn="tl">
+                    <a:srgbClr val="000000">
+                      <a:alpha val="43137"/>
+                    </a:srgbClr>
+                  </a:outerShdw>
+                </a:effectLst>
+                <a:latin typeface="Gabriola" panose="04040605051002020D02" pitchFamily="82" charset="0"/>
+              </a:rPr>
+              <a:t>NCase</a:t>
+            </a:r>
+            <a:r>
+              <a:rPr lang="de-DE" sz="3600" dirty="0" smtClean="0">
+                <a:effectLst>
+                  <a:outerShdw blurRad="38100" dist="38100" dir="2700000" algn="tl">
+                    <a:srgbClr val="000000">
+                      <a:alpha val="43137"/>
+                    </a:srgbClr>
+                  </a:outerShdw>
+                </a:effectLst>
+                <a:latin typeface="Gabriola" panose="04040605051002020D02" pitchFamily="82" charset="0"/>
+              </a:rPr>
+              <a:t> Unit Test</a:t>
+            </a:r>
+            <a:endParaRPr lang="en-US" sz="3600" dirty="0">
+              <a:effectLst>
+                <a:outerShdw blurRad="38100" dist="38100" dir="2700000" algn="tl">
+                  <a:srgbClr val="000000">
+                    <a:alpha val="43137"/>
+                  </a:srgbClr>
+                </a:outerShdw>
+              </a:effectLst>
+              <a:latin typeface="Gabriola" panose="04040605051002020D02" pitchFamily="82" charset="0"/>
+            </a:endParaRPr>
+          </a:p>
+        </p:txBody>
+      </p:sp>
+      <p:sp>
+        <p:nvSpPr>
+          <p:cNvPr id="5" name="Textfeld 4"/>
+          <p:cNvSpPr txBox="1"/>
+          <p:nvPr/>
+        </p:nvSpPr>
+        <p:spPr>
+          <a:xfrm>
+            <a:off x="3679284" y="-1306"/>
+            <a:ext cx="754939" cy="646331"/>
+          </a:xfrm>
+          <a:prstGeom prst="rect">
+            <a:avLst/>
+          </a:prstGeom>
+          <a:noFill/>
+        </p:spPr>
+        <p:txBody>
+          <a:bodyPr wrap="square" rtlCol="0">
+            <a:spAutoFit/>
+          </a:bodyPr>
+          <a:lstStyle/>
+          <a:p>
+            <a:pPr algn="ctr"/>
+            <a:r>
+              <a:rPr lang="de-DE" sz="3600" dirty="0" smtClean="0">
+                <a:effectLst>
+                  <a:outerShdw blurRad="38100" dist="38100" dir="2700000" algn="tl">
+                    <a:srgbClr val="000000">
+                      <a:alpha val="43137"/>
+                    </a:srgbClr>
+                  </a:outerShdw>
+                </a:effectLst>
+                <a:latin typeface="Gabriola" panose="04040605051002020D02" pitchFamily="82" charset="0"/>
+              </a:rPr>
+              <a:t>vs.</a:t>
+            </a:r>
+            <a:endParaRPr lang="en-US" sz="3600" dirty="0">
+              <a:effectLst>
+                <a:outerShdw blurRad="38100" dist="38100" dir="2700000" algn="tl">
+                  <a:srgbClr val="000000">
+                    <a:alpha val="43137"/>
+                  </a:srgbClr>
+                </a:outerShdw>
+              </a:effectLst>
+              <a:latin typeface="Gabriola" panose="04040605051002020D02" pitchFamily="82" charset="0"/>
+            </a:endParaRPr>
+          </a:p>
+        </p:txBody>
+      </p:sp>
+      <p:pic>
+        <p:nvPicPr>
+          <p:cNvPr id="3" name="Grafik 2"/>
+          <p:cNvPicPr>
+            <a:picLocks noChangeAspect="1"/>
+          </p:cNvPicPr>
+          <p:nvPr/>
+        </p:nvPicPr>
+        <p:blipFill rotWithShape="1">
+          <a:blip r:link="rId2"/>
+          <a:srcRect l="1835" t="4268" r="3108" b="2606"/>
+          <a:stretch/>
+        </p:blipFill>
         <p:spPr>
           <a:xfrm>
             <a:off x="130628" y="899885"/>
-            <a:ext cx="8961133" cy="0"/>
-          </a:xfrm>
-          <a:prstGeom prst="line">
-            <a:avLst/>
-          </a:prstGeom>
-          <a:ln w="57150">
+            <a:ext cx="3145962" cy="4008579"/>
+          </a:xfrm>
+          <a:prstGeom prst="rect">
+            <a:avLst/>
+          </a:prstGeom>
+          <a:ln>
             <a:solidFill>
-              <a:schemeClr val="accent2">
+              <a:schemeClr val="bg1">
                 <a:lumMod val="75000"/>
               </a:schemeClr>
             </a:solidFill>
           </a:ln>
         </p:spPr>
+      </p:pic>
+      <p:pic>
+        <p:nvPicPr>
+          <p:cNvPr id="6" name="Grafik 5"/>
+          <p:cNvPicPr>
+            <a:picLocks noChangeAspect="1"/>
+          </p:cNvPicPr>
+          <p:nvPr/>
+        </p:nvPicPr>
+        <p:blipFill rotWithShape="1">
+          <a:blip r:link="rId3"/>
+          <a:srcRect l="1429" t="3891" r="2311" b="6369"/>
+          <a:stretch/>
+        </p:blipFill>
+        <p:spPr>
+          <a:xfrm>
+            <a:off x="4811486" y="899886"/>
+            <a:ext cx="4280275" cy="4008579"/>
+          </a:xfrm>
+          <a:prstGeom prst="rect">
+            <a:avLst/>
+          </a:prstGeom>
+          <a:ln>
+            <a:solidFill>
+              <a:schemeClr val="bg1">
+                <a:lumMod val="75000"/>
+              </a:schemeClr>
+            </a:solidFill>
+          </a:ln>
+        </p:spPr>
+      </p:pic>
+      <p:sp>
+        <p:nvSpPr>
+          <p:cNvPr id="2" name="Rechteck 1"/>
+          <p:cNvSpPr/>
+          <p:nvPr/>
+        </p:nvSpPr>
+        <p:spPr>
+          <a:xfrm>
+            <a:off x="130628" y="2046514"/>
+            <a:ext cx="8961133" cy="857661"/>
+          </a:xfrm>
+          <a:prstGeom prst="rect">
+            <a:avLst/>
+          </a:prstGeom>
+          <a:solidFill>
+            <a:srgbClr val="00B050">
+              <a:alpha val="12941"/>
+            </a:srgbClr>
+          </a:solidFill>
+          <a:ln>
+            <a:noFill/>
+          </a:ln>
+        </p:spPr>
         <p:style>
-          <a:lnRef idx="1">
-            <a:schemeClr val="accent1"/>
+          <a:lnRef idx="2">
+            <a:schemeClr val="accent1">
+              <a:shade val="50000"/>
+            </a:schemeClr>
           </a:lnRef>
-          <a:fillRef idx="0">
+          <a:fillRef idx="1">
             <a:schemeClr val="accent1"/>
           </a:fillRef>
           <a:effectRef idx="0">
             <a:schemeClr val="accent1"/>
           </a:effectRef>
           <a:fontRef idx="minor">
-            <a:schemeClr val="tx1"/>
+            <a:schemeClr val="lt1"/>
           </a:fontRef>
         </p:style>
-      </p:cxnSp>
+        <p:txBody>
+          <a:bodyPr rtlCol="0" anchor="ctr"/>
+          <a:lstStyle/>
+          <a:p>
+            <a:pPr algn="ctr"/>
+            <a:endParaRPr lang="en-US"/>
+          </a:p>
+        </p:txBody>
+      </p:sp>
+      <p:sp>
+        <p:nvSpPr>
+          <p:cNvPr id="14" name="Rechteck 13"/>
+          <p:cNvSpPr/>
+          <p:nvPr/>
+        </p:nvSpPr>
+        <p:spPr>
+          <a:xfrm>
+            <a:off x="130627" y="3505200"/>
+            <a:ext cx="8961133" cy="1226457"/>
+          </a:xfrm>
+          <a:prstGeom prst="rect">
+            <a:avLst/>
+          </a:prstGeom>
+          <a:solidFill>
+            <a:srgbClr val="00B050">
+              <a:alpha val="12941"/>
+            </a:srgbClr>
+          </a:solidFill>
+          <a:ln>
+            <a:noFill/>
+          </a:ln>
+        </p:spPr>
+        <p:style>
+          <a:lnRef idx="2">
+            <a:schemeClr val="accent1">
+              <a:shade val="50000"/>
+            </a:schemeClr>
+          </a:lnRef>
+          <a:fillRef idx="1">
+            <a:schemeClr val="accent1"/>
+          </a:fillRef>
+          <a:effectRef idx="0">
+            <a:schemeClr val="accent1"/>
+          </a:effectRef>
+          <a:fontRef idx="minor">
+            <a:schemeClr val="lt1"/>
+          </a:fontRef>
+        </p:style>
+        <p:txBody>
+          <a:bodyPr rtlCol="0" anchor="ctr"/>
+          <a:lstStyle/>
+          <a:p>
+            <a:pPr algn="ctr"/>
+            <a:endParaRPr lang="en-US"/>
+          </a:p>
+        </p:txBody>
+      </p:sp>
+      <p:sp>
+        <p:nvSpPr>
+          <p:cNvPr id="22" name="Textfeld 9"/>
+          <p:cNvSpPr txBox="1"/>
+          <p:nvPr/>
+        </p:nvSpPr>
+        <p:spPr>
+          <a:xfrm>
+            <a:off x="3430012" y="915190"/>
+            <a:ext cx="1229071" cy="461665"/>
+          </a:xfrm>
+          <a:prstGeom prst="rect">
+            <a:avLst/>
+          </a:prstGeom>
+          <a:noFill/>
+        </p:spPr>
+        <p:txBody>
+          <a:bodyPr wrap="square" rtlCol="0">
+            <a:spAutoFit/>
+          </a:bodyPr>
+          <a:lstStyle/>
+          <a:p>
+            <a:pPr algn="ctr"/>
+            <a:r>
+              <a:rPr lang="de-DE" sz="2400" dirty="0" smtClean="0">
+                <a:latin typeface="Gabriola" panose="04040605051002020D02" pitchFamily="82" charset="0"/>
+                <a:sym typeface="Wingdings" panose="05000000000000000000" pitchFamily="2" charset="2"/>
+              </a:rPr>
+              <a:t>ARRANGE</a:t>
+            </a:r>
+            <a:endParaRPr lang="en-US" sz="2400" dirty="0">
+              <a:latin typeface="Gabriola" panose="04040605051002020D02" pitchFamily="82" charset="0"/>
+            </a:endParaRPr>
+          </a:p>
+        </p:txBody>
+      </p:sp>
+      <p:sp>
+        <p:nvSpPr>
+          <p:cNvPr id="27" name="Textfeld 9"/>
+          <p:cNvSpPr txBox="1"/>
+          <p:nvPr/>
+        </p:nvSpPr>
+        <p:spPr>
+          <a:xfrm>
+            <a:off x="3430012" y="3505200"/>
+            <a:ext cx="1229071" cy="461665"/>
+          </a:xfrm>
+          <a:prstGeom prst="rect">
+            <a:avLst/>
+          </a:prstGeom>
+          <a:noFill/>
+        </p:spPr>
+        <p:txBody>
+          <a:bodyPr wrap="square" rtlCol="0">
+            <a:spAutoFit/>
+          </a:bodyPr>
+          <a:lstStyle/>
+          <a:p>
+            <a:pPr algn="ctr"/>
+            <a:r>
+              <a:rPr lang="de-DE" sz="2400" dirty="0" smtClean="0">
+                <a:latin typeface="Gabriola" panose="04040605051002020D02" pitchFamily="82" charset="0"/>
+                <a:sym typeface="Wingdings" panose="05000000000000000000" pitchFamily="2" charset="2"/>
+              </a:rPr>
+              <a:t>ACT</a:t>
+            </a:r>
+            <a:endParaRPr lang="en-US" sz="2400" dirty="0">
+              <a:latin typeface="Gabriola" panose="04040605051002020D02" pitchFamily="82" charset="0"/>
+            </a:endParaRPr>
+          </a:p>
+        </p:txBody>
+      </p:sp>
       <p:cxnSp>
         <p:nvCxnSpPr>
           <p:cNvPr id="25" name="Straight Connector 9"/>
@@ -5306,7 +5606,7 @@
           <a:prstGeom prst="line">
             <a:avLst/>
           </a:prstGeom>
-          <a:ln w="57150">
+          <a:ln w="19050">
             <a:solidFill>
               <a:schemeClr val="accent2">
                 <a:lumMod val="75000"/>
@@ -5343,7 +5643,7 @@
           <a:prstGeom prst="line">
             <a:avLst/>
           </a:prstGeom>
-          <a:ln w="57150">
+          <a:ln w="19050">
             <a:solidFill>
               <a:schemeClr val="accent2">
                 <a:lumMod val="75000"/>
@@ -5368,13 +5668,13 @@
       </p:cxnSp>
       <p:sp>
         <p:nvSpPr>
-          <p:cNvPr id="27" name="Textfeld 9"/>
+          <p:cNvPr id="28" name="Textfeld 9"/>
           <p:cNvSpPr txBox="1"/>
           <p:nvPr/>
         </p:nvSpPr>
         <p:spPr>
           <a:xfrm>
-            <a:off x="3430012" y="3505200"/>
+            <a:off x="3430012" y="4185369"/>
             <a:ext cx="1229071" cy="461665"/>
           </a:xfrm>
           <a:prstGeom prst="rect">
@@ -5394,7 +5694,7 @@
                 <a:latin typeface="Gabriola" panose="04040605051002020D02" pitchFamily="82" charset="0"/>
                 <a:sym typeface="Wingdings" panose="05000000000000000000" pitchFamily="2" charset="2"/>
               </a:rPr>
-              <a:t>ACT</a:t>
+              <a:t>ASSERT</a:t>
             </a:r>
             <a:endParaRPr lang="en-US" sz="2400" dirty="0">
               <a:latin typeface="Gabriola" panose="04040605051002020D02" pitchFamily="82" charset="0"/>
@@ -5402,16 +5702,101 @@
           </a:p>
         </p:txBody>
       </p:sp>
-      <p:sp>
-        <p:nvSpPr>
-          <p:cNvPr id="28" name="Textfeld 9"/>
+      <p:cxnSp>
+        <p:nvCxnSpPr>
+          <p:cNvPr id="24" name="Straight Connector 9"/>
+          <p:cNvCxnSpPr/>
+          <p:nvPr/>
+        </p:nvCxnSpPr>
+        <p:spPr>
+          <a:xfrm>
+            <a:off x="130628" y="899885"/>
+            <a:ext cx="8961133" cy="0"/>
+          </a:xfrm>
+          <a:prstGeom prst="line">
+            <a:avLst/>
+          </a:prstGeom>
+          <a:ln w="19050">
+            <a:solidFill>
+              <a:schemeClr val="accent2">
+                <a:lumMod val="75000"/>
+              </a:schemeClr>
+            </a:solidFill>
+          </a:ln>
+        </p:spPr>
+        <p:style>
+          <a:lnRef idx="1">
+            <a:schemeClr val="accent1"/>
+          </a:lnRef>
+          <a:fillRef idx="0">
+            <a:schemeClr val="accent1"/>
+          </a:fillRef>
+          <a:effectRef idx="0">
+            <a:schemeClr val="accent1"/>
+          </a:effectRef>
+          <a:fontRef idx="minor">
+            <a:schemeClr val="tx1"/>
+          </a:fontRef>
+        </p:style>
+      </p:cxnSp>
+    </p:spTree>
+    <p:extLst>
+      <p:ext uri="{BB962C8B-B14F-4D97-AF65-F5344CB8AC3E}">
+        <p14:creationId xmlns:p14="http://schemas.microsoft.com/office/powerpoint/2010/main" val="2612360343"/>
+      </p:ext>
+    </p:extLst>
+  </p:cSld>
+  <p:clrMapOvr>
+    <a:masterClrMapping/>
+  </p:clrMapOvr>
+  <p:timing>
+    <p:tnLst>
+      <p:par>
+        <p:cTn id="1" dur="indefinite" restart="never" nodeType="tmRoot"/>
+      </p:par>
+    </p:tnLst>
+  </p:timing>
+</p:sld>
+</file>
+
+<file path=ppt/slides/slide14.xml><?xml version="1.0" encoding="utf-8"?>
+<p:sld xmlns:a="http://schemas.openxmlformats.org/drawingml/2006/main" xmlns:r="http://schemas.openxmlformats.org/officeDocument/2006/relationships" xmlns:p="http://schemas.openxmlformats.org/presentationml/2006/main">
+  <p:cSld>
+    <p:bg>
+      <p:bgPr>
+        <a:solidFill>
+          <a:schemeClr val="accent1">
+            <a:lumMod val="20000"/>
+            <a:lumOff val="80000"/>
+          </a:schemeClr>
+        </a:solidFill>
+        <a:effectLst/>
+      </p:bgPr>
+    </p:bg>
+    <p:spTree>
+      <p:nvGrpSpPr>
+        <p:cNvPr id="1" name=""/>
+        <p:cNvGrpSpPr/>
+        <p:nvPr/>
+      </p:nvGrpSpPr>
+      <p:grpSpPr>
+        <a:xfrm>
+          <a:off x="0" y="0"/>
+          <a:ext cx="0" cy="0"/>
+          <a:chOff x="0" y="0"/>
+          <a:chExt cx="0" cy="0"/>
+        </a:xfrm>
+      </p:grpSpPr>
+      <p:sp>
+        <p:nvSpPr>
+          <p:cNvPr id="18" name="Textfeld 17"/>
           <p:cNvSpPr txBox="1"/>
           <p:nvPr/>
         </p:nvSpPr>
         <p:spPr>
           <a:xfrm>
-            <a:off x="3430012" y="4185369"/>
-            <a:ext cx="1229071" cy="461665"/>
+            <a:off x="-14709" y="5487"/>
+            <a:ext cx="3444721" cy="646331"/>
           </a:xfrm>
           <a:prstGeom prst="rect">
             <a:avLst/>
@@ -5426,11 +5811,1286 @@
           <a:p>
             <a:pPr algn="ctr"/>
             <a:r>
+              <a:rPr lang="de-DE" sz="3600" dirty="0" err="1" smtClean="0">
+                <a:effectLst>
+                  <a:outerShdw blurRad="38100" dist="38100" dir="2700000" algn="tl">
+                    <a:srgbClr val="000000">
+                      <a:alpha val="43137"/>
+                    </a:srgbClr>
+                  </a:outerShdw>
+                </a:effectLst>
+                <a:latin typeface="Gabriola" panose="04040605051002020D02" pitchFamily="82" charset="0"/>
+              </a:rPr>
+              <a:t>Conventional</a:t>
+            </a:r>
+            <a:r>
+              <a:rPr lang="de-DE" sz="3600" dirty="0" smtClean="0">
+                <a:effectLst>
+                  <a:outerShdw blurRad="38100" dist="38100" dir="2700000" algn="tl">
+                    <a:srgbClr val="000000">
+                      <a:alpha val="43137"/>
+                    </a:srgbClr>
+                  </a:outerShdw>
+                </a:effectLst>
+                <a:latin typeface="Gabriola" panose="04040605051002020D02" pitchFamily="82" charset="0"/>
+              </a:rPr>
+              <a:t> Unit Test</a:t>
+            </a:r>
+            <a:endParaRPr lang="en-US" sz="3600" dirty="0">
+              <a:effectLst>
+                <a:outerShdw blurRad="38100" dist="38100" dir="2700000" algn="tl">
+                  <a:srgbClr val="000000">
+                    <a:alpha val="43137"/>
+                  </a:srgbClr>
+                </a:outerShdw>
+              </a:effectLst>
+              <a:latin typeface="Gabriola" panose="04040605051002020D02" pitchFamily="82" charset="0"/>
+            </a:endParaRPr>
+          </a:p>
+        </p:txBody>
+      </p:sp>
+      <p:sp>
+        <p:nvSpPr>
+          <p:cNvPr id="4" name="Textfeld 3"/>
+          <p:cNvSpPr txBox="1"/>
+          <p:nvPr/>
+        </p:nvSpPr>
+        <p:spPr>
+          <a:xfrm>
+            <a:off x="4942114" y="0"/>
+            <a:ext cx="4201885" cy="646331"/>
+          </a:xfrm>
+          <a:prstGeom prst="rect">
+            <a:avLst/>
+          </a:prstGeom>
+          <a:noFill/>
+        </p:spPr>
+        <p:txBody>
+          <a:bodyPr wrap="square" rtlCol="0">
+            <a:spAutoFit/>
+          </a:bodyPr>
+          <a:lstStyle/>
+          <a:p>
+            <a:r>
+              <a:rPr lang="de-DE" sz="3600" dirty="0" err="1" smtClean="0">
+                <a:effectLst>
+                  <a:outerShdw blurRad="38100" dist="38100" dir="2700000" algn="tl">
+                    <a:srgbClr val="000000">
+                      <a:alpha val="43137"/>
+                    </a:srgbClr>
+                  </a:outerShdw>
+                </a:effectLst>
+                <a:latin typeface="Gabriola" panose="04040605051002020D02" pitchFamily="82" charset="0"/>
+              </a:rPr>
+              <a:t>NCase</a:t>
+            </a:r>
+            <a:r>
+              <a:rPr lang="de-DE" sz="3600" dirty="0" smtClean="0">
+                <a:effectLst>
+                  <a:outerShdw blurRad="38100" dist="38100" dir="2700000" algn="tl">
+                    <a:srgbClr val="000000">
+                      <a:alpha val="43137"/>
+                    </a:srgbClr>
+                  </a:outerShdw>
+                </a:effectLst>
+                <a:latin typeface="Gabriola" panose="04040605051002020D02" pitchFamily="82" charset="0"/>
+              </a:rPr>
+              <a:t> Unit Test</a:t>
+            </a:r>
+            <a:endParaRPr lang="en-US" sz="3600" dirty="0">
+              <a:effectLst>
+                <a:outerShdw blurRad="38100" dist="38100" dir="2700000" algn="tl">
+                  <a:srgbClr val="000000">
+                    <a:alpha val="43137"/>
+                  </a:srgbClr>
+                </a:outerShdw>
+              </a:effectLst>
+              <a:latin typeface="Gabriola" panose="04040605051002020D02" pitchFamily="82" charset="0"/>
+            </a:endParaRPr>
+          </a:p>
+        </p:txBody>
+      </p:sp>
+      <p:sp>
+        <p:nvSpPr>
+          <p:cNvPr id="5" name="Textfeld 4"/>
+          <p:cNvSpPr txBox="1"/>
+          <p:nvPr/>
+        </p:nvSpPr>
+        <p:spPr>
+          <a:xfrm>
+            <a:off x="3679284" y="-1306"/>
+            <a:ext cx="754939" cy="646331"/>
+          </a:xfrm>
+          <a:prstGeom prst="rect">
+            <a:avLst/>
+          </a:prstGeom>
+          <a:noFill/>
+        </p:spPr>
+        <p:txBody>
+          <a:bodyPr wrap="square" rtlCol="0">
+            <a:spAutoFit/>
+          </a:bodyPr>
+          <a:lstStyle/>
+          <a:p>
+            <a:pPr algn="ctr"/>
+            <a:r>
+              <a:rPr lang="de-DE" sz="3600" dirty="0" smtClean="0">
+                <a:effectLst>
+                  <a:outerShdw blurRad="38100" dist="38100" dir="2700000" algn="tl">
+                    <a:srgbClr val="000000">
+                      <a:alpha val="43137"/>
+                    </a:srgbClr>
+                  </a:outerShdw>
+                </a:effectLst>
+                <a:latin typeface="Gabriola" panose="04040605051002020D02" pitchFamily="82" charset="0"/>
+              </a:rPr>
+              <a:t>vs.</a:t>
+            </a:r>
+            <a:endParaRPr lang="en-US" sz="3600" dirty="0">
+              <a:effectLst>
+                <a:outerShdw blurRad="38100" dist="38100" dir="2700000" algn="tl">
+                  <a:srgbClr val="000000">
+                    <a:alpha val="43137"/>
+                  </a:srgbClr>
+                </a:outerShdw>
+              </a:effectLst>
+              <a:latin typeface="Gabriola" panose="04040605051002020D02" pitchFamily="82" charset="0"/>
+            </a:endParaRPr>
+          </a:p>
+        </p:txBody>
+      </p:sp>
+      <p:pic>
+        <p:nvPicPr>
+          <p:cNvPr id="6" name="Grafik 5"/>
+          <p:cNvPicPr>
+            <a:picLocks noChangeAspect="1"/>
+          </p:cNvPicPr>
+          <p:nvPr/>
+        </p:nvPicPr>
+        <p:blipFill rotWithShape="1">
+          <a:blip r:link="rId3"/>
+          <a:srcRect l="1429" t="3891" r="2311" b="6369"/>
+          <a:stretch/>
+        </p:blipFill>
+        <p:spPr>
+          <a:xfrm>
+            <a:off x="4811486" y="899886"/>
+            <a:ext cx="4280275" cy="4008579"/>
+          </a:xfrm>
+          <a:prstGeom prst="rect">
+            <a:avLst/>
+          </a:prstGeom>
+          <a:ln>
+            <a:solidFill>
+              <a:schemeClr val="bg1">
+                <a:lumMod val="75000"/>
+              </a:schemeClr>
+            </a:solidFill>
+          </a:ln>
+        </p:spPr>
+      </p:pic>
+      <p:sp>
+        <p:nvSpPr>
+          <p:cNvPr id="2" name="Rechteck 1"/>
+          <p:cNvSpPr/>
+          <p:nvPr/>
+        </p:nvSpPr>
+        <p:spPr>
+          <a:xfrm>
+            <a:off x="4811486" y="2046514"/>
+            <a:ext cx="4280275" cy="857661"/>
+          </a:xfrm>
+          <a:prstGeom prst="rect">
+            <a:avLst/>
+          </a:prstGeom>
+          <a:solidFill>
+            <a:srgbClr val="00B050">
+              <a:alpha val="12941"/>
+            </a:srgbClr>
+          </a:solidFill>
+          <a:ln>
+            <a:noFill/>
+          </a:ln>
+        </p:spPr>
+        <p:style>
+          <a:lnRef idx="2">
+            <a:schemeClr val="accent1">
+              <a:shade val="50000"/>
+            </a:schemeClr>
+          </a:lnRef>
+          <a:fillRef idx="1">
+            <a:schemeClr val="accent1"/>
+          </a:fillRef>
+          <a:effectRef idx="0">
+            <a:schemeClr val="accent1"/>
+          </a:effectRef>
+          <a:fontRef idx="minor">
+            <a:schemeClr val="lt1"/>
+          </a:fontRef>
+        </p:style>
+        <p:txBody>
+          <a:bodyPr rtlCol="0" anchor="ctr"/>
+          <a:lstStyle/>
+          <a:p>
+            <a:pPr algn="ctr"/>
+            <a:endParaRPr lang="en-US"/>
+          </a:p>
+        </p:txBody>
+      </p:sp>
+      <p:sp>
+        <p:nvSpPr>
+          <p:cNvPr id="14" name="Rechteck 13"/>
+          <p:cNvSpPr/>
+          <p:nvPr/>
+        </p:nvSpPr>
+        <p:spPr>
+          <a:xfrm>
+            <a:off x="4811486" y="3505200"/>
+            <a:ext cx="4280274" cy="1226457"/>
+          </a:xfrm>
+          <a:prstGeom prst="rect">
+            <a:avLst/>
+          </a:prstGeom>
+          <a:solidFill>
+            <a:srgbClr val="00B050">
+              <a:alpha val="12941"/>
+            </a:srgbClr>
+          </a:solidFill>
+          <a:ln>
+            <a:noFill/>
+          </a:ln>
+        </p:spPr>
+        <p:style>
+          <a:lnRef idx="2">
+            <a:schemeClr val="accent1">
+              <a:shade val="50000"/>
+            </a:schemeClr>
+          </a:lnRef>
+          <a:fillRef idx="1">
+            <a:schemeClr val="accent1"/>
+          </a:fillRef>
+          <a:effectRef idx="0">
+            <a:schemeClr val="accent1"/>
+          </a:effectRef>
+          <a:fontRef idx="minor">
+            <a:schemeClr val="lt1"/>
+          </a:fontRef>
+        </p:style>
+        <p:txBody>
+          <a:bodyPr rtlCol="0" anchor="ctr"/>
+          <a:lstStyle/>
+          <a:p>
+            <a:pPr algn="ctr"/>
+            <a:endParaRPr lang="en-US"/>
+          </a:p>
+        </p:txBody>
+      </p:sp>
+      <p:cxnSp>
+        <p:nvCxnSpPr>
+          <p:cNvPr id="25" name="Straight Connector 9"/>
+          <p:cNvCxnSpPr/>
+          <p:nvPr/>
+        </p:nvCxnSpPr>
+        <p:spPr>
+          <a:xfrm>
+            <a:off x="4811486" y="3505200"/>
+            <a:ext cx="4280275" cy="7257"/>
+          </a:xfrm>
+          <a:prstGeom prst="line">
+            <a:avLst/>
+          </a:prstGeom>
+          <a:ln w="19050">
+            <a:solidFill>
+              <a:schemeClr val="accent2">
+                <a:lumMod val="75000"/>
+              </a:schemeClr>
+            </a:solidFill>
+          </a:ln>
+        </p:spPr>
+        <p:style>
+          <a:lnRef idx="1">
+            <a:schemeClr val="accent1"/>
+          </a:lnRef>
+          <a:fillRef idx="0">
+            <a:schemeClr val="accent1"/>
+          </a:fillRef>
+          <a:effectRef idx="0">
+            <a:schemeClr val="accent1"/>
+          </a:effectRef>
+          <a:fontRef idx="minor">
+            <a:schemeClr val="tx1"/>
+          </a:fontRef>
+        </p:style>
+      </p:cxnSp>
+      <p:cxnSp>
+        <p:nvCxnSpPr>
+          <p:cNvPr id="26" name="Straight Connector 9"/>
+          <p:cNvCxnSpPr/>
+          <p:nvPr/>
+        </p:nvCxnSpPr>
+        <p:spPr>
+          <a:xfrm>
+            <a:off x="4811486" y="4158343"/>
+            <a:ext cx="4280275" cy="0"/>
+          </a:xfrm>
+          <a:prstGeom prst="line">
+            <a:avLst/>
+          </a:prstGeom>
+          <a:ln w="19050">
+            <a:solidFill>
+              <a:schemeClr val="accent2">
+                <a:lumMod val="75000"/>
+              </a:schemeClr>
+            </a:solidFill>
+          </a:ln>
+        </p:spPr>
+        <p:style>
+          <a:lnRef idx="1">
+            <a:schemeClr val="accent1"/>
+          </a:lnRef>
+          <a:fillRef idx="0">
+            <a:schemeClr val="accent1"/>
+          </a:fillRef>
+          <a:effectRef idx="0">
+            <a:schemeClr val="accent1"/>
+          </a:effectRef>
+          <a:fontRef idx="minor">
+            <a:schemeClr val="tx1"/>
+          </a:fontRef>
+        </p:style>
+      </p:cxnSp>
+      <p:cxnSp>
+        <p:nvCxnSpPr>
+          <p:cNvPr id="24" name="Straight Connector 9"/>
+          <p:cNvCxnSpPr/>
+          <p:nvPr/>
+        </p:nvCxnSpPr>
+        <p:spPr>
+          <a:xfrm>
+            <a:off x="4811486" y="899885"/>
+            <a:ext cx="4280275" cy="0"/>
+          </a:xfrm>
+          <a:prstGeom prst="line">
+            <a:avLst/>
+          </a:prstGeom>
+          <a:ln w="19050">
+            <a:solidFill>
+              <a:schemeClr val="accent2">
+                <a:lumMod val="75000"/>
+              </a:schemeClr>
+            </a:solidFill>
+          </a:ln>
+        </p:spPr>
+        <p:style>
+          <a:lnRef idx="1">
+            <a:schemeClr val="accent1"/>
+          </a:lnRef>
+          <a:fillRef idx="0">
+            <a:schemeClr val="accent1"/>
+          </a:fillRef>
+          <a:effectRef idx="0">
+            <a:schemeClr val="accent1"/>
+          </a:effectRef>
+          <a:fontRef idx="minor">
+            <a:schemeClr val="tx1"/>
+          </a:fontRef>
+        </p:style>
+      </p:cxnSp>
+      <p:pic>
+        <p:nvPicPr>
+          <p:cNvPr id="16" name="Grafik 15"/>
+          <p:cNvPicPr>
+            <a:picLocks noChangeAspect="1"/>
+          </p:cNvPicPr>
+          <p:nvPr/>
+        </p:nvPicPr>
+        <p:blipFill>
+          <a:blip r:link="rId4"/>
+          <a:stretch>
+            <a:fillRect/>
+          </a:stretch>
+        </p:blipFill>
+        <p:spPr>
+          <a:xfrm>
+            <a:off x="378621" y="1135279"/>
+            <a:ext cx="3065905" cy="2680129"/>
+          </a:xfrm>
+          <a:prstGeom prst="rect">
+            <a:avLst/>
+          </a:prstGeom>
+        </p:spPr>
+      </p:pic>
+      <p:sp>
+        <p:nvSpPr>
+          <p:cNvPr id="17" name="Trapezoid 16"/>
+          <p:cNvSpPr/>
+          <p:nvPr/>
+        </p:nvSpPr>
+        <p:spPr>
+          <a:xfrm rot="5400000">
+            <a:off x="2786361" y="1790284"/>
+            <a:ext cx="2680129" cy="1370120"/>
+          </a:xfrm>
+          <a:prstGeom prst="trapezoid">
+            <a:avLst>
+              <a:gd name="adj" fmla="val 67904"/>
+            </a:avLst>
+          </a:prstGeom>
+          <a:solidFill>
+            <a:schemeClr val="bg1"/>
+          </a:solidFill>
+          <a:ln>
+            <a:noFill/>
+          </a:ln>
+        </p:spPr>
+        <p:style>
+          <a:lnRef idx="2">
+            <a:schemeClr val="accent1">
+              <a:shade val="50000"/>
+            </a:schemeClr>
+          </a:lnRef>
+          <a:fillRef idx="1">
+            <a:schemeClr val="accent1"/>
+          </a:fillRef>
+          <a:effectRef idx="0">
+            <a:schemeClr val="accent1"/>
+          </a:effectRef>
+          <a:fontRef idx="minor">
+            <a:schemeClr val="lt1"/>
+          </a:fontRef>
+        </p:style>
+        <p:txBody>
+          <a:bodyPr rtlCol="0" anchor="ctr"/>
+          <a:lstStyle/>
+          <a:p>
+            <a:pPr algn="ctr"/>
+            <a:endParaRPr lang="en-US"/>
+          </a:p>
+        </p:txBody>
+      </p:sp>
+      <p:sp>
+        <p:nvSpPr>
+          <p:cNvPr id="29" name="Trapezoid 28"/>
+          <p:cNvSpPr/>
+          <p:nvPr/>
+        </p:nvSpPr>
+        <p:spPr>
+          <a:xfrm rot="5400000">
+            <a:off x="2786361" y="1789161"/>
+            <a:ext cx="2680129" cy="1370120"/>
+          </a:xfrm>
+          <a:prstGeom prst="trapezoid">
+            <a:avLst>
+              <a:gd name="adj" fmla="val 67904"/>
+            </a:avLst>
+          </a:prstGeom>
+          <a:gradFill>
+            <a:gsLst>
+              <a:gs pos="0">
+                <a:srgbClr val="00B050">
+                  <a:alpha val="13000"/>
+                </a:srgbClr>
+              </a:gs>
+              <a:gs pos="100000">
+                <a:srgbClr val="00B050">
+                  <a:alpha val="5000"/>
+                </a:srgbClr>
+              </a:gs>
+            </a:gsLst>
+            <a:lin ang="5400000" scaled="0"/>
+          </a:gradFill>
+          <a:ln>
+            <a:noFill/>
+          </a:ln>
+        </p:spPr>
+        <p:style>
+          <a:lnRef idx="2">
+            <a:schemeClr val="accent1">
+              <a:shade val="50000"/>
+            </a:schemeClr>
+          </a:lnRef>
+          <a:fillRef idx="1">
+            <a:schemeClr val="accent1"/>
+          </a:fillRef>
+          <a:effectRef idx="0">
+            <a:schemeClr val="accent1"/>
+          </a:effectRef>
+          <a:fontRef idx="minor">
+            <a:schemeClr val="lt1"/>
+          </a:fontRef>
+        </p:style>
+        <p:txBody>
+          <a:bodyPr rtlCol="0" anchor="ctr"/>
+          <a:lstStyle/>
+          <a:p>
+            <a:pPr algn="ctr"/>
+            <a:endParaRPr lang="en-US"/>
+          </a:p>
+        </p:txBody>
+      </p:sp>
+      <p:sp>
+        <p:nvSpPr>
+          <p:cNvPr id="30" name="Rechteck 29"/>
+          <p:cNvSpPr/>
+          <p:nvPr/>
+        </p:nvSpPr>
+        <p:spPr>
+          <a:xfrm>
+            <a:off x="356850" y="1135280"/>
+            <a:ext cx="3084515" cy="2680128"/>
+          </a:xfrm>
+          <a:prstGeom prst="rect">
+            <a:avLst/>
+          </a:prstGeom>
+          <a:solidFill>
+            <a:srgbClr val="00B050">
+              <a:alpha val="5000"/>
+            </a:srgbClr>
+          </a:solidFill>
+          <a:ln>
+            <a:noFill/>
+          </a:ln>
+        </p:spPr>
+        <p:style>
+          <a:lnRef idx="2">
+            <a:schemeClr val="accent1">
+              <a:shade val="50000"/>
+            </a:schemeClr>
+          </a:lnRef>
+          <a:fillRef idx="1">
+            <a:schemeClr val="accent1"/>
+          </a:fillRef>
+          <a:effectRef idx="0">
+            <a:schemeClr val="accent1"/>
+          </a:effectRef>
+          <a:fontRef idx="minor">
+            <a:schemeClr val="lt1"/>
+          </a:fontRef>
+        </p:style>
+        <p:txBody>
+          <a:bodyPr rtlCol="0" anchor="ctr"/>
+          <a:lstStyle/>
+          <a:p>
+            <a:pPr algn="ctr"/>
+            <a:endParaRPr lang="en-US"/>
+          </a:p>
+        </p:txBody>
+      </p:sp>
+      <p:sp>
+        <p:nvSpPr>
+          <p:cNvPr id="31" name="Textfeld 9"/>
+          <p:cNvSpPr txBox="1"/>
+          <p:nvPr/>
+        </p:nvSpPr>
+        <p:spPr>
+          <a:xfrm>
+            <a:off x="3430012" y="915190"/>
+            <a:ext cx="1229071" cy="1200329"/>
+          </a:xfrm>
+          <a:prstGeom prst="rect">
+            <a:avLst/>
+          </a:prstGeom>
+          <a:noFill/>
+        </p:spPr>
+        <p:txBody>
+          <a:bodyPr wrap="square" rtlCol="0">
+            <a:spAutoFit/>
+          </a:bodyPr>
+          <a:lstStyle/>
+          <a:p>
+            <a:pPr algn="ctr"/>
+            <a:r>
               <a:rPr lang="de-DE" sz="2400" dirty="0" smtClean="0">
-                <a:latin typeface="Gabriola" panose="04040605051002020D02" pitchFamily="82" charset="0"/>
                 <a:sym typeface="Wingdings" panose="05000000000000000000" pitchFamily="2" charset="2"/>
               </a:rPr>
-              <a:t>ASSERT</a:t>
+              <a:t>80 </a:t>
+            </a:r>
+          </a:p>
+          <a:p>
+            <a:pPr algn="ctr"/>
+            <a:r>
+              <a:rPr lang="de-DE" sz="2400" dirty="0" smtClean="0">
+                <a:sym typeface="Wingdings" panose="05000000000000000000" pitchFamily="2" charset="2"/>
+              </a:rPr>
+              <a:t>Test Cases</a:t>
+            </a:r>
+            <a:endParaRPr lang="en-US" sz="2400" dirty="0"/>
+          </a:p>
+        </p:txBody>
+      </p:sp>
+    </p:spTree>
+    <p:extLst>
+      <p:ext uri="{BB962C8B-B14F-4D97-AF65-F5344CB8AC3E}">
+        <p14:creationId xmlns:p14="http://schemas.microsoft.com/office/powerpoint/2010/main" val="3055730568"/>
+      </p:ext>
+    </p:extLst>
+  </p:cSld>
+  <p:clrMapOvr>
+    <a:overrideClrMapping bg1="lt1" tx1="dk1" bg2="lt2" tx2="dk2" accent1="accent1" accent2="accent2" accent3="accent3" accent4="accent4" accent5="accent5" accent6="accent6" hlink="hlink" folHlink="folHlink"/>
+  </p:clrMapOvr>
+  <p:timing>
+    <p:tnLst>
+      <p:par>
+        <p:cTn id="1" dur="indefinite" restart="never" nodeType="tmRoot"/>
+      </p:par>
+    </p:tnLst>
+  </p:timing>
+</p:sld>
+</file>
+
+<file path=ppt/slides/slide15.xml><?xml version="1.0" encoding="utf-8"?>
+<p:sld xmlns:a="http://schemas.openxmlformats.org/drawingml/2006/main" xmlns:r="http://schemas.openxmlformats.org/officeDocument/2006/relationships" xmlns:p="http://schemas.openxmlformats.org/presentationml/2006/main">
+  <p:cSld>
+    <p:spTree>
+      <p:nvGrpSpPr>
+        <p:cNvPr id="1" name=""/>
+        <p:cNvGrpSpPr/>
+        <p:nvPr/>
+      </p:nvGrpSpPr>
+      <p:grpSpPr>
+        <a:xfrm>
+          <a:off x="0" y="0"/>
+          <a:ext cx="0" cy="0"/>
+          <a:chOff x="0" y="0"/>
+          <a:chExt cx="0" cy="0"/>
+        </a:xfrm>
+      </p:grpSpPr>
+      <p:sp>
+        <p:nvSpPr>
+          <p:cNvPr id="18" name="Textfeld 17"/>
+          <p:cNvSpPr txBox="1"/>
+          <p:nvPr/>
+        </p:nvSpPr>
+        <p:spPr>
+          <a:xfrm>
+            <a:off x="-14709" y="5487"/>
+            <a:ext cx="3444721" cy="646331"/>
+          </a:xfrm>
+          <a:prstGeom prst="rect">
+            <a:avLst/>
+          </a:prstGeom>
+          <a:noFill/>
+        </p:spPr>
+        <p:txBody>
+          <a:bodyPr wrap="square" rtlCol="0">
+            <a:spAutoFit/>
+          </a:bodyPr>
+          <a:lstStyle/>
+          <a:p>
+            <a:pPr algn="ctr"/>
+            <a:r>
+              <a:rPr lang="de-DE" sz="3600" dirty="0" err="1" smtClean="0">
+                <a:effectLst>
+                  <a:outerShdw blurRad="38100" dist="38100" dir="2700000" algn="tl">
+                    <a:srgbClr val="000000">
+                      <a:alpha val="43137"/>
+                    </a:srgbClr>
+                  </a:outerShdw>
+                </a:effectLst>
+                <a:latin typeface="Gabriola" panose="04040605051002020D02" pitchFamily="82" charset="0"/>
+              </a:rPr>
+              <a:t>Conventional</a:t>
+            </a:r>
+            <a:r>
+              <a:rPr lang="de-DE" sz="3600" dirty="0" smtClean="0">
+                <a:effectLst>
+                  <a:outerShdw blurRad="38100" dist="38100" dir="2700000" algn="tl">
+                    <a:srgbClr val="000000">
+                      <a:alpha val="43137"/>
+                    </a:srgbClr>
+                  </a:outerShdw>
+                </a:effectLst>
+                <a:latin typeface="Gabriola" panose="04040605051002020D02" pitchFamily="82" charset="0"/>
+              </a:rPr>
+              <a:t> Unit Test</a:t>
+            </a:r>
+            <a:endParaRPr lang="en-US" sz="3600" dirty="0">
+              <a:effectLst>
+                <a:outerShdw blurRad="38100" dist="38100" dir="2700000" algn="tl">
+                  <a:srgbClr val="000000">
+                    <a:alpha val="43137"/>
+                  </a:srgbClr>
+                </a:outerShdw>
+              </a:effectLst>
+              <a:latin typeface="Gabriola" panose="04040605051002020D02" pitchFamily="82" charset="0"/>
+            </a:endParaRPr>
+          </a:p>
+        </p:txBody>
+      </p:sp>
+      <p:sp>
+        <p:nvSpPr>
+          <p:cNvPr id="4" name="Textfeld 3"/>
+          <p:cNvSpPr txBox="1"/>
+          <p:nvPr/>
+        </p:nvSpPr>
+        <p:spPr>
+          <a:xfrm>
+            <a:off x="4942114" y="0"/>
+            <a:ext cx="4201885" cy="646331"/>
+          </a:xfrm>
+          <a:prstGeom prst="rect">
+            <a:avLst/>
+          </a:prstGeom>
+          <a:noFill/>
+        </p:spPr>
+        <p:txBody>
+          <a:bodyPr wrap="square" rtlCol="0">
+            <a:spAutoFit/>
+          </a:bodyPr>
+          <a:lstStyle/>
+          <a:p>
+            <a:r>
+              <a:rPr lang="de-DE" sz="3600" dirty="0" err="1" smtClean="0">
+                <a:effectLst>
+                  <a:outerShdw blurRad="38100" dist="38100" dir="2700000" algn="tl">
+                    <a:srgbClr val="000000">
+                      <a:alpha val="43137"/>
+                    </a:srgbClr>
+                  </a:outerShdw>
+                </a:effectLst>
+                <a:latin typeface="Gabriola" panose="04040605051002020D02" pitchFamily="82" charset="0"/>
+              </a:rPr>
+              <a:t>NCase</a:t>
+            </a:r>
+            <a:r>
+              <a:rPr lang="de-DE" sz="3600" dirty="0" smtClean="0">
+                <a:effectLst>
+                  <a:outerShdw blurRad="38100" dist="38100" dir="2700000" algn="tl">
+                    <a:srgbClr val="000000">
+                      <a:alpha val="43137"/>
+                    </a:srgbClr>
+                  </a:outerShdw>
+                </a:effectLst>
+                <a:latin typeface="Gabriola" panose="04040605051002020D02" pitchFamily="82" charset="0"/>
+              </a:rPr>
+              <a:t> Unit Test</a:t>
+            </a:r>
+            <a:endParaRPr lang="en-US" sz="3600" dirty="0">
+              <a:effectLst>
+                <a:outerShdw blurRad="38100" dist="38100" dir="2700000" algn="tl">
+                  <a:srgbClr val="000000">
+                    <a:alpha val="43137"/>
+                  </a:srgbClr>
+                </a:outerShdw>
+              </a:effectLst>
+              <a:latin typeface="Gabriola" panose="04040605051002020D02" pitchFamily="82" charset="0"/>
+            </a:endParaRPr>
+          </a:p>
+        </p:txBody>
+      </p:sp>
+      <p:sp>
+        <p:nvSpPr>
+          <p:cNvPr id="5" name="Textfeld 4"/>
+          <p:cNvSpPr txBox="1"/>
+          <p:nvPr/>
+        </p:nvSpPr>
+        <p:spPr>
+          <a:xfrm>
+            <a:off x="3679284" y="-1306"/>
+            <a:ext cx="754939" cy="646331"/>
+          </a:xfrm>
+          <a:prstGeom prst="rect">
+            <a:avLst/>
+          </a:prstGeom>
+          <a:noFill/>
+        </p:spPr>
+        <p:txBody>
+          <a:bodyPr wrap="square" rtlCol="0">
+            <a:spAutoFit/>
+          </a:bodyPr>
+          <a:lstStyle/>
+          <a:p>
+            <a:pPr algn="ctr"/>
+            <a:r>
+              <a:rPr lang="de-DE" sz="3600" dirty="0" smtClean="0">
+                <a:effectLst>
+                  <a:outerShdw blurRad="38100" dist="38100" dir="2700000" algn="tl">
+                    <a:srgbClr val="000000">
+                      <a:alpha val="43137"/>
+                    </a:srgbClr>
+                  </a:outerShdw>
+                </a:effectLst>
+                <a:latin typeface="Gabriola" panose="04040605051002020D02" pitchFamily="82" charset="0"/>
+              </a:rPr>
+              <a:t>vs.</a:t>
+            </a:r>
+            <a:endParaRPr lang="en-US" sz="3600" dirty="0">
+              <a:effectLst>
+                <a:outerShdw blurRad="38100" dist="38100" dir="2700000" algn="tl">
+                  <a:srgbClr val="000000">
+                    <a:alpha val="43137"/>
+                  </a:srgbClr>
+                </a:outerShdw>
+              </a:effectLst>
+              <a:latin typeface="Gabriola" panose="04040605051002020D02" pitchFamily="82" charset="0"/>
+            </a:endParaRPr>
+          </a:p>
+        </p:txBody>
+      </p:sp>
+      <p:pic>
+        <p:nvPicPr>
+          <p:cNvPr id="6" name="Grafik 5"/>
+          <p:cNvPicPr>
+            <a:picLocks noChangeAspect="1"/>
+          </p:cNvPicPr>
+          <p:nvPr/>
+        </p:nvPicPr>
+        <p:blipFill rotWithShape="1">
+          <a:blip r:link="rId2"/>
+          <a:srcRect l="1429" t="3891" r="2311" b="6369"/>
+          <a:stretch/>
+        </p:blipFill>
+        <p:spPr>
+          <a:xfrm>
+            <a:off x="4811486" y="899886"/>
+            <a:ext cx="4280275" cy="4008579"/>
+          </a:xfrm>
+          <a:prstGeom prst="rect">
+            <a:avLst/>
+          </a:prstGeom>
+          <a:ln>
+            <a:solidFill>
+              <a:schemeClr val="bg1">
+                <a:lumMod val="75000"/>
+              </a:schemeClr>
+            </a:solidFill>
+          </a:ln>
+        </p:spPr>
+      </p:pic>
+      <p:sp>
+        <p:nvSpPr>
+          <p:cNvPr id="2" name="Rechteck 1"/>
+          <p:cNvSpPr/>
+          <p:nvPr/>
+        </p:nvSpPr>
+        <p:spPr>
+          <a:xfrm>
+            <a:off x="4811486" y="2046514"/>
+            <a:ext cx="4280275" cy="857661"/>
+          </a:xfrm>
+          <a:prstGeom prst="rect">
+            <a:avLst/>
+          </a:prstGeom>
+          <a:solidFill>
+            <a:srgbClr val="00B050">
+              <a:alpha val="12941"/>
+            </a:srgbClr>
+          </a:solidFill>
+          <a:ln>
+            <a:noFill/>
+          </a:ln>
+        </p:spPr>
+        <p:style>
+          <a:lnRef idx="2">
+            <a:schemeClr val="accent1">
+              <a:shade val="50000"/>
+            </a:schemeClr>
+          </a:lnRef>
+          <a:fillRef idx="1">
+            <a:schemeClr val="accent1"/>
+          </a:fillRef>
+          <a:effectRef idx="0">
+            <a:schemeClr val="accent1"/>
+          </a:effectRef>
+          <a:fontRef idx="minor">
+            <a:schemeClr val="lt1"/>
+          </a:fontRef>
+        </p:style>
+        <p:txBody>
+          <a:bodyPr rtlCol="0" anchor="ctr"/>
+          <a:lstStyle/>
+          <a:p>
+            <a:pPr algn="ctr"/>
+            <a:endParaRPr lang="en-US"/>
+          </a:p>
+        </p:txBody>
+      </p:sp>
+      <p:sp>
+        <p:nvSpPr>
+          <p:cNvPr id="14" name="Rechteck 13"/>
+          <p:cNvSpPr/>
+          <p:nvPr/>
+        </p:nvSpPr>
+        <p:spPr>
+          <a:xfrm>
+            <a:off x="4811486" y="3505200"/>
+            <a:ext cx="4280274" cy="1226457"/>
+          </a:xfrm>
+          <a:prstGeom prst="rect">
+            <a:avLst/>
+          </a:prstGeom>
+          <a:solidFill>
+            <a:srgbClr val="00B050">
+              <a:alpha val="12941"/>
+            </a:srgbClr>
+          </a:solidFill>
+          <a:ln>
+            <a:noFill/>
+          </a:ln>
+        </p:spPr>
+        <p:style>
+          <a:lnRef idx="2">
+            <a:schemeClr val="accent1">
+              <a:shade val="50000"/>
+            </a:schemeClr>
+          </a:lnRef>
+          <a:fillRef idx="1">
+            <a:schemeClr val="accent1"/>
+          </a:fillRef>
+          <a:effectRef idx="0">
+            <a:schemeClr val="accent1"/>
+          </a:effectRef>
+          <a:fontRef idx="minor">
+            <a:schemeClr val="lt1"/>
+          </a:fontRef>
+        </p:style>
+        <p:txBody>
+          <a:bodyPr rtlCol="0" anchor="ctr"/>
+          <a:lstStyle/>
+          <a:p>
+            <a:pPr algn="ctr"/>
+            <a:endParaRPr lang="en-US"/>
+          </a:p>
+        </p:txBody>
+      </p:sp>
+      <p:cxnSp>
+        <p:nvCxnSpPr>
+          <p:cNvPr id="25" name="Straight Connector 9"/>
+          <p:cNvCxnSpPr/>
+          <p:nvPr/>
+        </p:nvCxnSpPr>
+        <p:spPr>
+          <a:xfrm>
+            <a:off x="4811486" y="3505200"/>
+            <a:ext cx="4280275" cy="7257"/>
+          </a:xfrm>
+          <a:prstGeom prst="line">
+            <a:avLst/>
+          </a:prstGeom>
+          <a:ln w="19050">
+            <a:solidFill>
+              <a:schemeClr val="accent2">
+                <a:lumMod val="75000"/>
+              </a:schemeClr>
+            </a:solidFill>
+          </a:ln>
+        </p:spPr>
+        <p:style>
+          <a:lnRef idx="1">
+            <a:schemeClr val="accent1"/>
+          </a:lnRef>
+          <a:fillRef idx="0">
+            <a:schemeClr val="accent1"/>
+          </a:fillRef>
+          <a:effectRef idx="0">
+            <a:schemeClr val="accent1"/>
+          </a:effectRef>
+          <a:fontRef idx="minor">
+            <a:schemeClr val="tx1"/>
+          </a:fontRef>
+        </p:style>
+      </p:cxnSp>
+      <p:cxnSp>
+        <p:nvCxnSpPr>
+          <p:cNvPr id="26" name="Straight Connector 9"/>
+          <p:cNvCxnSpPr/>
+          <p:nvPr/>
+        </p:nvCxnSpPr>
+        <p:spPr>
+          <a:xfrm>
+            <a:off x="4811486" y="4158343"/>
+            <a:ext cx="4280275" cy="0"/>
+          </a:xfrm>
+          <a:prstGeom prst="line">
+            <a:avLst/>
+          </a:prstGeom>
+          <a:ln w="19050">
+            <a:solidFill>
+              <a:schemeClr val="accent2">
+                <a:lumMod val="75000"/>
+              </a:schemeClr>
+            </a:solidFill>
+          </a:ln>
+        </p:spPr>
+        <p:style>
+          <a:lnRef idx="1">
+            <a:schemeClr val="accent1"/>
+          </a:lnRef>
+          <a:fillRef idx="0">
+            <a:schemeClr val="accent1"/>
+          </a:fillRef>
+          <a:effectRef idx="0">
+            <a:schemeClr val="accent1"/>
+          </a:effectRef>
+          <a:fontRef idx="minor">
+            <a:schemeClr val="tx1"/>
+          </a:fontRef>
+        </p:style>
+      </p:cxnSp>
+      <p:cxnSp>
+        <p:nvCxnSpPr>
+          <p:cNvPr id="24" name="Straight Connector 9"/>
+          <p:cNvCxnSpPr/>
+          <p:nvPr/>
+        </p:nvCxnSpPr>
+        <p:spPr>
+          <a:xfrm>
+            <a:off x="4811486" y="899885"/>
+            <a:ext cx="4280275" cy="0"/>
+          </a:xfrm>
+          <a:prstGeom prst="line">
+            <a:avLst/>
+          </a:prstGeom>
+          <a:ln w="19050">
+            <a:solidFill>
+              <a:schemeClr val="accent2">
+                <a:lumMod val="75000"/>
+              </a:schemeClr>
+            </a:solidFill>
+          </a:ln>
+        </p:spPr>
+        <p:style>
+          <a:lnRef idx="1">
+            <a:schemeClr val="accent1"/>
+          </a:lnRef>
+          <a:fillRef idx="0">
+            <a:schemeClr val="accent1"/>
+          </a:fillRef>
+          <a:effectRef idx="0">
+            <a:schemeClr val="accent1"/>
+          </a:effectRef>
+          <a:fontRef idx="minor">
+            <a:schemeClr val="tx1"/>
+          </a:fontRef>
+        </p:style>
+      </p:cxnSp>
+      <p:pic>
+        <p:nvPicPr>
+          <p:cNvPr id="16" name="Grafik 15"/>
+          <p:cNvPicPr>
+            <a:picLocks noChangeAspect="1"/>
+          </p:cNvPicPr>
+          <p:nvPr/>
+        </p:nvPicPr>
+        <p:blipFill>
+          <a:blip r:link="rId3"/>
+          <a:stretch>
+            <a:fillRect/>
+          </a:stretch>
+        </p:blipFill>
+        <p:spPr>
+          <a:xfrm>
+            <a:off x="5873240" y="1260500"/>
+            <a:ext cx="3065905" cy="2680129"/>
+          </a:xfrm>
+          <a:prstGeom prst="rect">
+            <a:avLst/>
+          </a:prstGeom>
+          <a:effectLst/>
+        </p:spPr>
+      </p:pic>
+      <p:sp>
+        <p:nvSpPr>
+          <p:cNvPr id="30" name="Rechteck 29"/>
+          <p:cNvSpPr/>
+          <p:nvPr/>
+        </p:nvSpPr>
+        <p:spPr>
+          <a:xfrm>
+            <a:off x="5873240" y="1260500"/>
+            <a:ext cx="3084515" cy="2680128"/>
+          </a:xfrm>
+          <a:prstGeom prst="rect">
+            <a:avLst/>
+          </a:prstGeom>
+          <a:solidFill>
+            <a:srgbClr val="15FF7F">
+              <a:alpha val="22000"/>
+            </a:srgbClr>
+          </a:solidFill>
+          <a:ln>
+            <a:noFill/>
+          </a:ln>
+          <a:effectLst>
+            <a:outerShdw blurRad="50800" dist="38100" dir="8100000" algn="tr" rotWithShape="0">
+              <a:prstClr val="black">
+                <a:alpha val="40000"/>
+              </a:prstClr>
+            </a:outerShdw>
+          </a:effectLst>
+        </p:spPr>
+        <p:style>
+          <a:lnRef idx="2">
+            <a:schemeClr val="accent1">
+              <a:shade val="50000"/>
+            </a:schemeClr>
+          </a:lnRef>
+          <a:fillRef idx="1">
+            <a:schemeClr val="accent1"/>
+          </a:fillRef>
+          <a:effectRef idx="0">
+            <a:schemeClr val="accent1"/>
+          </a:effectRef>
+          <a:fontRef idx="minor">
+            <a:schemeClr val="lt1"/>
+          </a:fontRef>
+        </p:style>
+        <p:txBody>
+          <a:bodyPr rtlCol="0" anchor="ctr"/>
+          <a:lstStyle/>
+          <a:p>
+            <a:pPr algn="ctr"/>
+            <a:endParaRPr lang="en-US"/>
+          </a:p>
+        </p:txBody>
+      </p:sp>
+      <p:sp>
+        <p:nvSpPr>
+          <p:cNvPr id="9" name="Freihandform 8"/>
+          <p:cNvSpPr/>
+          <p:nvPr/>
+        </p:nvSpPr>
+        <p:spPr>
+          <a:xfrm>
+            <a:off x="4789714" y="1262743"/>
+            <a:ext cx="1095829" cy="2656114"/>
+          </a:xfrm>
+          <a:custGeom>
+            <a:avLst/>
+            <a:gdLst>
+              <a:gd name="connsiteX0" fmla="*/ 14515 w 1095829"/>
+              <a:gd name="connsiteY0" fmla="*/ 783771 h 2656114"/>
+              <a:gd name="connsiteX1" fmla="*/ 1088572 w 1095829"/>
+              <a:gd name="connsiteY1" fmla="*/ 0 h 2656114"/>
+              <a:gd name="connsiteX2" fmla="*/ 1095829 w 1095829"/>
+              <a:gd name="connsiteY2" fmla="*/ 2656114 h 2656114"/>
+              <a:gd name="connsiteX3" fmla="*/ 0 w 1095829"/>
+              <a:gd name="connsiteY3" fmla="*/ 1632857 h 2656114"/>
+              <a:gd name="connsiteX4" fmla="*/ 14515 w 1095829"/>
+              <a:gd name="connsiteY4" fmla="*/ 783771 h 2656114"/>
+            </a:gdLst>
+            <a:ahLst/>
+            <a:cxnLst>
+              <a:cxn ang="0">
+                <a:pos x="connsiteX0" y="connsiteY0"/>
+              </a:cxn>
+              <a:cxn ang="0">
+                <a:pos x="connsiteX1" y="connsiteY1"/>
+              </a:cxn>
+              <a:cxn ang="0">
+                <a:pos x="connsiteX2" y="connsiteY2"/>
+              </a:cxn>
+              <a:cxn ang="0">
+                <a:pos x="connsiteX3" y="connsiteY3"/>
+              </a:cxn>
+              <a:cxn ang="0">
+                <a:pos x="connsiteX4" y="connsiteY4"/>
+              </a:cxn>
+            </a:cxnLst>
+            <a:rect l="l" t="t" r="r" b="b"/>
+            <a:pathLst>
+              <a:path w="1095829" h="2656114">
+                <a:moveTo>
+                  <a:pt x="14515" y="783771"/>
+                </a:moveTo>
+                <a:lnTo>
+                  <a:pt x="1088572" y="0"/>
+                </a:lnTo>
+                <a:lnTo>
+                  <a:pt x="1095829" y="2656114"/>
+                </a:lnTo>
+                <a:lnTo>
+                  <a:pt x="0" y="1632857"/>
+                </a:lnTo>
+                <a:lnTo>
+                  <a:pt x="14515" y="783771"/>
+                </a:lnTo>
+                <a:close/>
+              </a:path>
+            </a:pathLst>
+          </a:custGeom>
+          <a:gradFill flip="none" rotWithShape="1">
+            <a:gsLst>
+              <a:gs pos="0">
+                <a:srgbClr val="00B050">
+                  <a:alpha val="13000"/>
+                </a:srgbClr>
+              </a:gs>
+              <a:gs pos="100000">
+                <a:srgbClr val="B3FFD5"/>
+              </a:gs>
+            </a:gsLst>
+            <a:lin ang="0" scaled="1"/>
+            <a:tileRect/>
+          </a:gradFill>
+          <a:ln>
+            <a:noFill/>
+          </a:ln>
+        </p:spPr>
+        <p:style>
+          <a:lnRef idx="2">
+            <a:schemeClr val="accent1">
+              <a:shade val="50000"/>
+            </a:schemeClr>
+          </a:lnRef>
+          <a:fillRef idx="1">
+            <a:schemeClr val="accent1"/>
+          </a:fillRef>
+          <a:effectRef idx="0">
+            <a:schemeClr val="accent1"/>
+          </a:effectRef>
+          <a:fontRef idx="minor">
+            <a:schemeClr val="lt1"/>
+          </a:fontRef>
+        </p:style>
+        <p:txBody>
+          <a:bodyPr rtlCol="0" anchor="ctr"/>
+          <a:lstStyle/>
+          <a:p>
+            <a:pPr algn="ctr"/>
+            <a:endParaRPr lang="en-US"/>
+          </a:p>
+        </p:txBody>
+      </p:sp>
+      <p:sp>
+        <p:nvSpPr>
+          <p:cNvPr id="20" name="Textfeld 9"/>
+          <p:cNvSpPr txBox="1"/>
+          <p:nvPr/>
+        </p:nvSpPr>
+        <p:spPr>
+          <a:xfrm>
+            <a:off x="3430012" y="1976777"/>
+            <a:ext cx="1229071" cy="830997"/>
+          </a:xfrm>
+          <a:prstGeom prst="rect">
+            <a:avLst/>
+          </a:prstGeom>
+          <a:noFill/>
+        </p:spPr>
+        <p:txBody>
+          <a:bodyPr wrap="square" rtlCol="0">
+            <a:spAutoFit/>
+          </a:bodyPr>
+          <a:lstStyle/>
+          <a:p>
+            <a:pPr algn="ctr"/>
+            <a:r>
+              <a:rPr lang="de-DE" sz="2400" dirty="0" smtClean="0">
+                <a:latin typeface="Gabriola" panose="04040605051002020D02" pitchFamily="82" charset="0"/>
+                <a:sym typeface="Wingdings" panose="05000000000000000000" pitchFamily="2" charset="2"/>
+              </a:rPr>
+              <a:t>80 </a:t>
+            </a:r>
+          </a:p>
+          <a:p>
+            <a:pPr algn="ctr"/>
+            <a:r>
+              <a:rPr lang="de-DE" sz="2400" dirty="0" smtClean="0">
+                <a:latin typeface="Gabriola" panose="04040605051002020D02" pitchFamily="82" charset="0"/>
+                <a:sym typeface="Wingdings" panose="05000000000000000000" pitchFamily="2" charset="2"/>
+              </a:rPr>
+              <a:t>Test Cases</a:t>
             </a:r>
             <a:endParaRPr lang="en-US" sz="2400" dirty="0">
               <a:latin typeface="Gabriola" panose="04040605051002020D02" pitchFamily="82" charset="0"/>
@@ -5438,10 +7098,212 @@
           </a:p>
         </p:txBody>
       </p:sp>
+      <p:pic>
+        <p:nvPicPr>
+          <p:cNvPr id="21" name="Grafik 20"/>
+          <p:cNvPicPr>
+            <a:picLocks noChangeAspect="1"/>
+          </p:cNvPicPr>
+          <p:nvPr/>
+        </p:nvPicPr>
+        <p:blipFill rotWithShape="1">
+          <a:blip r:link="rId4"/>
+          <a:srcRect l="1835" t="4268" r="3108" b="2606"/>
+          <a:stretch/>
+        </p:blipFill>
+        <p:spPr>
+          <a:xfrm>
+            <a:off x="130628" y="899885"/>
+            <a:ext cx="3145962" cy="4008579"/>
+          </a:xfrm>
+          <a:prstGeom prst="rect">
+            <a:avLst/>
+          </a:prstGeom>
+          <a:ln>
+            <a:solidFill>
+              <a:schemeClr val="bg1">
+                <a:lumMod val="75000"/>
+              </a:schemeClr>
+            </a:solidFill>
+          </a:ln>
+        </p:spPr>
+      </p:pic>
     </p:spTree>
     <p:extLst>
       <p:ext uri="{BB962C8B-B14F-4D97-AF65-F5344CB8AC3E}">
-        <p14:creationId xmlns:p14="http://schemas.microsoft.com/office/powerpoint/2010/main" val="154123504"/>
+        <p14:creationId xmlns:p14="http://schemas.microsoft.com/office/powerpoint/2010/main" val="938088835"/>
+      </p:ext>
+    </p:extLst>
+  </p:cSld>
+  <p:clrMapOvr>
+    <a:masterClrMapping/>
+  </p:clrMapOvr>
+  <p:timing>
+    <p:tnLst>
+      <p:par>
+        <p:cTn id="1" dur="indefinite" restart="never" nodeType="tmRoot"/>
+      </p:par>
+    </p:tnLst>
+  </p:timing>
+</p:sld>
+</file>
+
+<file path=ppt/slides/slide16.xml><?xml version="1.0" encoding="utf-8"?>
+<p:sld xmlns:a="http://schemas.openxmlformats.org/drawingml/2006/main" xmlns:r="http://schemas.openxmlformats.org/officeDocument/2006/relationships" xmlns:p="http://schemas.openxmlformats.org/presentationml/2006/main">
+  <p:cSld>
+    <p:spTree>
+      <p:nvGrpSpPr>
+        <p:cNvPr id="1" name=""/>
+        <p:cNvGrpSpPr/>
+        <p:nvPr/>
+      </p:nvGrpSpPr>
+      <p:grpSpPr>
+        <a:xfrm>
+          <a:off x="0" y="0"/>
+          <a:ext cx="0" cy="0"/>
+          <a:chOff x="0" y="0"/>
+          <a:chExt cx="0" cy="0"/>
+        </a:xfrm>
+      </p:grpSpPr>
+      <p:sp>
+        <p:nvSpPr>
+          <p:cNvPr id="18" name="Textfeld 17"/>
+          <p:cNvSpPr txBox="1"/>
+          <p:nvPr/>
+        </p:nvSpPr>
+        <p:spPr>
+          <a:xfrm>
+            <a:off x="-14709" y="5487"/>
+            <a:ext cx="3444721" cy="646331"/>
+          </a:xfrm>
+          <a:prstGeom prst="rect">
+            <a:avLst/>
+          </a:prstGeom>
+          <a:noFill/>
+        </p:spPr>
+        <p:txBody>
+          <a:bodyPr wrap="square" rtlCol="0">
+            <a:spAutoFit/>
+          </a:bodyPr>
+          <a:lstStyle/>
+          <a:p>
+            <a:pPr algn="ctr"/>
+            <a:r>
+              <a:rPr lang="de-DE" sz="3600" dirty="0" smtClean="0">
+                <a:effectLst>
+                  <a:outerShdw blurRad="38100" dist="38100" dir="2700000" algn="tl">
+                    <a:srgbClr val="000000">
+                      <a:alpha val="43137"/>
+                    </a:srgbClr>
+                  </a:outerShdw>
+                </a:effectLst>
+                <a:latin typeface="Gabriola" panose="04040605051002020D02" pitchFamily="82" charset="0"/>
+              </a:rPr>
+              <a:t>Print Definition</a:t>
+            </a:r>
+            <a:endParaRPr lang="en-US" sz="3600" dirty="0">
+              <a:effectLst>
+                <a:outerShdw blurRad="38100" dist="38100" dir="2700000" algn="tl">
+                  <a:srgbClr val="000000">
+                    <a:alpha val="43137"/>
+                  </a:srgbClr>
+                </a:outerShdw>
+              </a:effectLst>
+              <a:latin typeface="Gabriola" panose="04040605051002020D02" pitchFamily="82" charset="0"/>
+            </a:endParaRPr>
+          </a:p>
+        </p:txBody>
+      </p:sp>
+    </p:spTree>
+    <p:extLst>
+      <p:ext uri="{BB962C8B-B14F-4D97-AF65-F5344CB8AC3E}">
+        <p14:creationId xmlns:p14="http://schemas.microsoft.com/office/powerpoint/2010/main" val="474384302"/>
+      </p:ext>
+    </p:extLst>
+  </p:cSld>
+  <p:clrMapOvr>
+    <a:masterClrMapping/>
+  </p:clrMapOvr>
+  <p:timing>
+    <p:tnLst>
+      <p:par>
+        <p:cTn id="1" dur="indefinite" restart="never" nodeType="tmRoot"/>
+      </p:par>
+    </p:tnLst>
+  </p:timing>
+</p:sld>
+</file>
+
+<file path=ppt/slides/slide17.xml><?xml version="1.0" encoding="utf-8"?>
+<p:sld xmlns:a="http://schemas.openxmlformats.org/drawingml/2006/main" xmlns:r="http://schemas.openxmlformats.org/officeDocument/2006/relationships" xmlns:p="http://schemas.openxmlformats.org/presentationml/2006/main">
+  <p:cSld>
+    <p:spTree>
+      <p:nvGrpSpPr>
+        <p:cNvPr id="1" name=""/>
+        <p:cNvGrpSpPr/>
+        <p:nvPr/>
+      </p:nvGrpSpPr>
+      <p:grpSpPr>
+        <a:xfrm>
+          <a:off x="0" y="0"/>
+          <a:ext cx="0" cy="0"/>
+          <a:chOff x="0" y="0"/>
+          <a:chExt cx="0" cy="0"/>
+        </a:xfrm>
+      </p:grpSpPr>
+      <p:sp>
+        <p:nvSpPr>
+          <p:cNvPr id="18" name="Textfeld 17"/>
+          <p:cNvSpPr txBox="1"/>
+          <p:nvPr/>
+        </p:nvSpPr>
+        <p:spPr>
+          <a:xfrm>
+            <a:off x="-14709" y="5487"/>
+            <a:ext cx="3444721" cy="646331"/>
+          </a:xfrm>
+          <a:prstGeom prst="rect">
+            <a:avLst/>
+          </a:prstGeom>
+          <a:noFill/>
+        </p:spPr>
+        <p:txBody>
+          <a:bodyPr wrap="square" rtlCol="0">
+            <a:spAutoFit/>
+          </a:bodyPr>
+          <a:lstStyle/>
+          <a:p>
+            <a:pPr algn="ctr"/>
+            <a:r>
+              <a:rPr lang="de-DE" sz="3600" dirty="0" smtClean="0">
+                <a:effectLst>
+                  <a:outerShdw blurRad="38100" dist="38100" dir="2700000" algn="tl">
+                    <a:srgbClr val="000000">
+                      <a:alpha val="43137"/>
+                    </a:srgbClr>
+                  </a:outerShdw>
+                </a:effectLst>
+                <a:latin typeface="Gabriola" panose="04040605051002020D02" pitchFamily="82" charset="0"/>
+              </a:rPr>
+              <a:t>Print Definition</a:t>
+            </a:r>
+            <a:endParaRPr lang="en-US" sz="3600" dirty="0">
+              <a:effectLst>
+                <a:outerShdw blurRad="38100" dist="38100" dir="2700000" algn="tl">
+                  <a:srgbClr val="000000">
+                    <a:alpha val="43137"/>
+                  </a:srgbClr>
+                </a:outerShdw>
+              </a:effectLst>
+              <a:latin typeface="Gabriola" panose="04040605051002020D02" pitchFamily="82" charset="0"/>
+            </a:endParaRPr>
+          </a:p>
+        </p:txBody>
+      </p:sp>
+    </p:spTree>
+    <p:extLst>
+      <p:ext uri="{BB962C8B-B14F-4D97-AF65-F5344CB8AC3E}">
+        <p14:creationId xmlns:p14="http://schemas.microsoft.com/office/powerpoint/2010/main" val="2924553269"/>
       </p:ext>
     </p:extLst>
   </p:cSld>
@@ -10406,4 +12268,47 @@
     </a:folHlink>
   </a:clrScheme>
 </a:themeOverride>
+</file>
+
+<file path=ppt/theme/themeOverride4.xml><?xml version="1.0" encoding="utf-8"?>
+<a:themeOverride xmlns:a="http://schemas.openxmlformats.org/drawingml/2006/main">
+  <a:clrScheme name="Office">
+    <a:dk1>
+      <a:sysClr val="windowText" lastClr="000000"/>
+    </a:dk1>
+    <a:lt1>
+      <a:sysClr val="window" lastClr="FFFFFF"/>
+    </a:lt1>
+    <a:dk2>
+      <a:srgbClr val="44546A"/>
+    </a:dk2>
+    <a:lt2>
+      <a:srgbClr val="E7E6E6"/>
+    </a:lt2>
+    <a:accent1>
+      <a:srgbClr val="5B9BD5"/>
+    </a:accent1>
+    <a:accent2>
+      <a:srgbClr val="ED7D31"/>
+    </a:accent2>
+    <a:accent3>
+      <a:srgbClr val="A5A5A5"/>
+    </a:accent3>
+    <a:accent4>
+      <a:srgbClr val="FFC000"/>
+    </a:accent4>
+    <a:accent5>
+      <a:srgbClr val="4472C4"/>
+    </a:accent5>
+    <a:accent6>
+      <a:srgbClr val="70AD47"/>
+    </a:accent6>
+    <a:hlink>
+      <a:srgbClr val="0563C1"/>
+    </a:hlink>
+    <a:folHlink>
+      <a:srgbClr val="954F72"/>
+    </a:folHlink>
+  </a:clrScheme>
+</a:themeOverride>
 </file>
--- a/src/NCase.Doc/intern/ReadmeCaroussel.pptx
+++ b/src/NCase.Doc/intern/ReadmeCaroussel.pptx
@@ -9,17 +9,18 @@
     <p:sldId id="276" r:id="rId3"/>
     <p:sldId id="271" r:id="rId4"/>
     <p:sldId id="274" r:id="rId5"/>
-    <p:sldId id="256" r:id="rId6"/>
-    <p:sldId id="258" r:id="rId7"/>
-    <p:sldId id="260" r:id="rId8"/>
-    <p:sldId id="261" r:id="rId9"/>
-    <p:sldId id="257" r:id="rId10"/>
-    <p:sldId id="259" r:id="rId11"/>
-    <p:sldId id="262" r:id="rId12"/>
-    <p:sldId id="263" r:id="rId13"/>
-    <p:sldId id="264" r:id="rId14"/>
-    <p:sldId id="265" r:id="rId15"/>
-    <p:sldId id="267" r:id="rId16"/>
+    <p:sldId id="277" r:id="rId6"/>
+    <p:sldId id="256" r:id="rId7"/>
+    <p:sldId id="258" r:id="rId8"/>
+    <p:sldId id="260" r:id="rId9"/>
+    <p:sldId id="261" r:id="rId10"/>
+    <p:sldId id="257" r:id="rId11"/>
+    <p:sldId id="259" r:id="rId12"/>
+    <p:sldId id="262" r:id="rId13"/>
+    <p:sldId id="263" r:id="rId14"/>
+    <p:sldId id="264" r:id="rId15"/>
+    <p:sldId id="265" r:id="rId16"/>
+    <p:sldId id="267" r:id="rId17"/>
   </p:sldIdLst>
   <p:sldSz cx="9144000" cy="5143500" type="screen16x9"/>
   <p:notesSz cx="6858000" cy="9144000"/>
@@ -120,7 +121,7 @@
   </p:defaultTextStyle>
   <p:extLst>
     <p:ext uri="{EFAFB233-063F-42B5-8137-9DF3F51BA10A}">
-      <p15:sldGuideLst xmlns:p15="http://schemas.microsoft.com/office/powerpoint/2012/main">
+      <p15:sldGuideLst xmlns:p15="http://schemas.microsoft.com/office/powerpoint/2012/main" xmlns="">
         <p15:guide id="1" orient="horz" pos="2160">
           <p15:clr>
             <a:srgbClr val="A4A3A4"/>
@@ -278,7 +279,7 @@
           <a:p>
             <a:fld id="{AF1194EC-C915-441E-AD9A-616349DBA75B}" type="datetimeFigureOut">
               <a:rPr lang="en-US" smtClean="0"/>
-              <a:t>1/27/2016</a:t>
+              <a:t>1/28/2016</a:t>
             </a:fld>
             <a:endParaRPr lang="en-US"/>
           </a:p>
@@ -320,7 +321,7 @@
           <a:p>
             <a:fld id="{283AF68C-C093-4BDC-8CF7-53FAADAA3F33}" type="slidenum">
               <a:rPr lang="en-US" smtClean="0"/>
-              <a:t>‹#›</a:t>
+              <a:t>‹Nr.›</a:t>
             </a:fld>
             <a:endParaRPr lang="en-US"/>
           </a:p>
@@ -448,7 +449,7 @@
           <a:p>
             <a:fld id="{AF1194EC-C915-441E-AD9A-616349DBA75B}" type="datetimeFigureOut">
               <a:rPr lang="en-US" smtClean="0"/>
-              <a:t>1/27/2016</a:t>
+              <a:t>1/28/2016</a:t>
             </a:fld>
             <a:endParaRPr lang="en-US"/>
           </a:p>
@@ -490,7 +491,7 @@
           <a:p>
             <a:fld id="{283AF68C-C093-4BDC-8CF7-53FAADAA3F33}" type="slidenum">
               <a:rPr lang="en-US" smtClean="0"/>
-              <a:t>‹#›</a:t>
+              <a:t>‹Nr.›</a:t>
             </a:fld>
             <a:endParaRPr lang="en-US"/>
           </a:p>
@@ -628,7 +629,7 @@
           <a:p>
             <a:fld id="{AF1194EC-C915-441E-AD9A-616349DBA75B}" type="datetimeFigureOut">
               <a:rPr lang="en-US" smtClean="0"/>
-              <a:t>1/27/2016</a:t>
+              <a:t>1/28/2016</a:t>
             </a:fld>
             <a:endParaRPr lang="en-US"/>
           </a:p>
@@ -670,7 +671,7 @@
           <a:p>
             <a:fld id="{283AF68C-C093-4BDC-8CF7-53FAADAA3F33}" type="slidenum">
               <a:rPr lang="en-US" smtClean="0"/>
-              <a:t>‹#›</a:t>
+              <a:t>‹Nr.›</a:t>
             </a:fld>
             <a:endParaRPr lang="en-US"/>
           </a:p>
@@ -798,7 +799,7 @@
           <a:p>
             <a:fld id="{AF1194EC-C915-441E-AD9A-616349DBA75B}" type="datetimeFigureOut">
               <a:rPr lang="en-US" smtClean="0"/>
-              <a:t>1/27/2016</a:t>
+              <a:t>1/28/2016</a:t>
             </a:fld>
             <a:endParaRPr lang="en-US"/>
           </a:p>
@@ -840,7 +841,7 @@
           <a:p>
             <a:fld id="{283AF68C-C093-4BDC-8CF7-53FAADAA3F33}" type="slidenum">
               <a:rPr lang="en-US" smtClean="0"/>
-              <a:t>‹#›</a:t>
+              <a:t>‹Nr.›</a:t>
             </a:fld>
             <a:endParaRPr lang="en-US"/>
           </a:p>
@@ -1044,7 +1045,7 @@
           <a:p>
             <a:fld id="{AF1194EC-C915-441E-AD9A-616349DBA75B}" type="datetimeFigureOut">
               <a:rPr lang="en-US" smtClean="0"/>
-              <a:t>1/27/2016</a:t>
+              <a:t>1/28/2016</a:t>
             </a:fld>
             <a:endParaRPr lang="en-US"/>
           </a:p>
@@ -1086,7 +1087,7 @@
           <a:p>
             <a:fld id="{283AF68C-C093-4BDC-8CF7-53FAADAA3F33}" type="slidenum">
               <a:rPr lang="en-US" smtClean="0"/>
-              <a:t>‹#›</a:t>
+              <a:t>‹Nr.›</a:t>
             </a:fld>
             <a:endParaRPr lang="en-US"/>
           </a:p>
@@ -1276,7 +1277,7 @@
           <a:p>
             <a:fld id="{AF1194EC-C915-441E-AD9A-616349DBA75B}" type="datetimeFigureOut">
               <a:rPr lang="en-US" smtClean="0"/>
-              <a:t>1/27/2016</a:t>
+              <a:t>1/28/2016</a:t>
             </a:fld>
             <a:endParaRPr lang="en-US"/>
           </a:p>
@@ -1318,7 +1319,7 @@
           <a:p>
             <a:fld id="{283AF68C-C093-4BDC-8CF7-53FAADAA3F33}" type="slidenum">
               <a:rPr lang="en-US" smtClean="0"/>
-              <a:t>‹#›</a:t>
+              <a:t>‹Nr.›</a:t>
             </a:fld>
             <a:endParaRPr lang="en-US"/>
           </a:p>
@@ -1643,7 +1644,7 @@
           <a:p>
             <a:fld id="{AF1194EC-C915-441E-AD9A-616349DBA75B}" type="datetimeFigureOut">
               <a:rPr lang="en-US" smtClean="0"/>
-              <a:t>1/27/2016</a:t>
+              <a:t>1/28/2016</a:t>
             </a:fld>
             <a:endParaRPr lang="en-US"/>
           </a:p>
@@ -1685,7 +1686,7 @@
           <a:p>
             <a:fld id="{283AF68C-C093-4BDC-8CF7-53FAADAA3F33}" type="slidenum">
               <a:rPr lang="en-US" smtClean="0"/>
-              <a:t>‹#›</a:t>
+              <a:t>‹Nr.›</a:t>
             </a:fld>
             <a:endParaRPr lang="en-US"/>
           </a:p>
@@ -1761,7 +1762,7 @@
           <a:p>
             <a:fld id="{AF1194EC-C915-441E-AD9A-616349DBA75B}" type="datetimeFigureOut">
               <a:rPr lang="en-US" smtClean="0"/>
-              <a:t>1/27/2016</a:t>
+              <a:t>1/28/2016</a:t>
             </a:fld>
             <a:endParaRPr lang="en-US"/>
           </a:p>
@@ -1803,7 +1804,7 @@
           <a:p>
             <a:fld id="{283AF68C-C093-4BDC-8CF7-53FAADAA3F33}" type="slidenum">
               <a:rPr lang="en-US" smtClean="0"/>
-              <a:t>‹#›</a:t>
+              <a:t>‹Nr.›</a:t>
             </a:fld>
             <a:endParaRPr lang="en-US"/>
           </a:p>
@@ -1856,7 +1857,7 @@
           <a:p>
             <a:fld id="{AF1194EC-C915-441E-AD9A-616349DBA75B}" type="datetimeFigureOut">
               <a:rPr lang="en-US" smtClean="0"/>
-              <a:t>1/27/2016</a:t>
+              <a:t>1/28/2016</a:t>
             </a:fld>
             <a:endParaRPr lang="en-US"/>
           </a:p>
@@ -1898,7 +1899,7 @@
           <a:p>
             <a:fld id="{283AF68C-C093-4BDC-8CF7-53FAADAA3F33}" type="slidenum">
               <a:rPr lang="en-US" smtClean="0"/>
-              <a:t>‹#›</a:t>
+              <a:t>‹Nr.›</a:t>
             </a:fld>
             <a:endParaRPr lang="en-US"/>
           </a:p>
@@ -2133,7 +2134,7 @@
           <a:p>
             <a:fld id="{AF1194EC-C915-441E-AD9A-616349DBA75B}" type="datetimeFigureOut">
               <a:rPr lang="en-US" smtClean="0"/>
-              <a:t>1/27/2016</a:t>
+              <a:t>1/28/2016</a:t>
             </a:fld>
             <a:endParaRPr lang="en-US"/>
           </a:p>
@@ -2175,7 +2176,7 @@
           <a:p>
             <a:fld id="{283AF68C-C093-4BDC-8CF7-53FAADAA3F33}" type="slidenum">
               <a:rPr lang="en-US" smtClean="0"/>
-              <a:t>‹#›</a:t>
+              <a:t>‹Nr.›</a:t>
             </a:fld>
             <a:endParaRPr lang="en-US"/>
           </a:p>
@@ -2386,7 +2387,7 @@
           <a:p>
             <a:fld id="{AF1194EC-C915-441E-AD9A-616349DBA75B}" type="datetimeFigureOut">
               <a:rPr lang="en-US" smtClean="0"/>
-              <a:t>1/27/2016</a:t>
+              <a:t>1/28/2016</a:t>
             </a:fld>
             <a:endParaRPr lang="en-US"/>
           </a:p>
@@ -2428,7 +2429,7 @@
           <a:p>
             <a:fld id="{283AF68C-C093-4BDC-8CF7-53FAADAA3F33}" type="slidenum">
               <a:rPr lang="en-US" smtClean="0"/>
-              <a:t>‹#›</a:t>
+              <a:t>‹Nr.›</a:t>
             </a:fld>
             <a:endParaRPr lang="en-US"/>
           </a:p>
@@ -2605,7 +2606,7 @@
           <a:p>
             <a:fld id="{AF1194EC-C915-441E-AD9A-616349DBA75B}" type="datetimeFigureOut">
               <a:rPr lang="en-US" smtClean="0"/>
-              <a:t>1/27/2016</a:t>
+              <a:t>1/28/2016</a:t>
             </a:fld>
             <a:endParaRPr lang="en-US"/>
           </a:p>
@@ -2683,7 +2684,7 @@
           <a:p>
             <a:fld id="{283AF68C-C093-4BDC-8CF7-53FAADAA3F33}" type="slidenum">
               <a:rPr lang="en-US" smtClean="0"/>
-              <a:t>‹#›</a:t>
+              <a:t>‹Nr.›</a:t>
             </a:fld>
             <a:endParaRPr lang="en-US"/>
           </a:p>
@@ -3323,10 +3324,6 @@
               </a:rPr>
               <a:t>C# Internal DSL</a:t>
             </a:r>
-            <a:endParaRPr lang="de-DE" sz="2400" dirty="0" smtClean="0">
-              <a:latin typeface="Gabriola" panose="04040605051002020D02" pitchFamily="82" charset="0"/>
-              <a:sym typeface="Wingdings" panose="05000000000000000000" pitchFamily="2" charset="2"/>
-            </a:endParaRPr>
           </a:p>
         </p:txBody>
       </p:sp>
@@ -3589,14 +3586,7 @@
                 <a:latin typeface="Gabriola" panose="04040605051002020D02" pitchFamily="82" charset="0"/>
                 <a:sym typeface="Wingdings" panose="05000000000000000000" pitchFamily="2" charset="2"/>
               </a:rPr>
-              <a:t>X</a:t>
-            </a:r>
-            <a:r>
-              <a:rPr lang="de-DE" sz="2400" dirty="0" err="1" smtClean="0">
-                <a:latin typeface="Gabriola" panose="04040605051002020D02" pitchFamily="82" charset="0"/>
-                <a:sym typeface="Wingdings" panose="05000000000000000000" pitchFamily="2" charset="2"/>
-              </a:rPr>
-              <a:t>Unit</a:t>
+              <a:t>XUnit</a:t>
             </a:r>
             <a:r>
               <a:rPr lang="de-DE" sz="2400" dirty="0" smtClean="0">
@@ -3709,10 +3699,6 @@
               </a:rPr>
               <a:t>Modular Syntax</a:t>
             </a:r>
-            <a:endParaRPr lang="de-DE" sz="2400" dirty="0" smtClean="0">
-              <a:latin typeface="Gabriola" panose="04040605051002020D02" pitchFamily="82" charset="0"/>
-              <a:sym typeface="Wingdings" panose="05000000000000000000" pitchFamily="2" charset="2"/>
-            </a:endParaRPr>
           </a:p>
         </p:txBody>
       </p:sp>
@@ -3786,10 +3772,6 @@
               </a:rPr>
               <a:t> Syntax</a:t>
             </a:r>
-            <a:endParaRPr lang="de-DE" sz="2400" dirty="0" smtClean="0">
-              <a:latin typeface="Gabriola" panose="04040605051002020D02" pitchFamily="82" charset="0"/>
-              <a:sym typeface="Wingdings" panose="05000000000000000000" pitchFamily="2" charset="2"/>
-            </a:endParaRPr>
           </a:p>
         </p:txBody>
       </p:sp>
@@ -3844,6 +3826,1153 @@
 </file>
 
 <file path=ppt/slides/slide10.xml><?xml version="1.0" encoding="utf-8"?>
+<p:sld xmlns:a="http://schemas.openxmlformats.org/drawingml/2006/main" xmlns:r="http://schemas.openxmlformats.org/officeDocument/2006/relationships" xmlns:p="http://schemas.openxmlformats.org/presentationml/2006/main">
+  <p:cSld>
+    <p:spTree>
+      <p:nvGrpSpPr>
+        <p:cNvPr id="1" name=""/>
+        <p:cNvGrpSpPr/>
+        <p:nvPr/>
+      </p:nvGrpSpPr>
+      <p:grpSpPr>
+        <a:xfrm>
+          <a:off x="0" y="0"/>
+          <a:ext cx="0" cy="0"/>
+          <a:chOff x="0" y="0"/>
+          <a:chExt cx="0" cy="0"/>
+        </a:xfrm>
+      </p:grpSpPr>
+      <p:pic>
+        <p:nvPicPr>
+          <p:cNvPr id="2" name="Grafik 1"/>
+          <p:cNvPicPr>
+            <a:picLocks noChangeAspect="1"/>
+          </p:cNvPicPr>
+          <p:nvPr/>
+        </p:nvPicPr>
+        <p:blipFill rotWithShape="1">
+          <a:blip r:link="rId2"/>
+          <a:srcRect l="2780" t="5513" r="3557" b="9533"/>
+          <a:stretch/>
+        </p:blipFill>
+        <p:spPr>
+          <a:xfrm>
+            <a:off x="114300" y="1003300"/>
+            <a:ext cx="4787818" cy="3678414"/>
+          </a:xfrm>
+          <a:prstGeom prst="rect">
+            <a:avLst/>
+          </a:prstGeom>
+          <a:ln>
+            <a:solidFill>
+              <a:schemeClr val="bg1">
+                <a:lumMod val="75000"/>
+              </a:schemeClr>
+            </a:solidFill>
+          </a:ln>
+        </p:spPr>
+      </p:pic>
+      <p:sp>
+        <p:nvSpPr>
+          <p:cNvPr id="18" name="Textfeld 17"/>
+          <p:cNvSpPr txBox="1"/>
+          <p:nvPr/>
+        </p:nvSpPr>
+        <p:spPr>
+          <a:xfrm>
+            <a:off x="-14710" y="5487"/>
+            <a:ext cx="5564610" cy="646331"/>
+          </a:xfrm>
+          <a:prstGeom prst="rect">
+            <a:avLst/>
+          </a:prstGeom>
+          <a:noFill/>
+        </p:spPr>
+        <p:txBody>
+          <a:bodyPr wrap="square" rtlCol="0">
+            <a:spAutoFit/>
+          </a:bodyPr>
+          <a:lstStyle/>
+          <a:p>
+            <a:r>
+              <a:rPr lang="de-DE" sz="3600" dirty="0" err="1" smtClean="0">
+                <a:effectLst>
+                  <a:outerShdw blurRad="38100" dist="38100" dir="2700000" algn="tl">
+                    <a:srgbClr val="000000">
+                      <a:alpha val="43137"/>
+                    </a:srgbClr>
+                  </a:outerShdw>
+                </a:effectLst>
+                <a:latin typeface="Gabriola" panose="04040605051002020D02" pitchFamily="82" charset="0"/>
+              </a:rPr>
+              <a:t>Define</a:t>
+            </a:r>
+            <a:r>
+              <a:rPr lang="de-DE" sz="3600" dirty="0" smtClean="0">
+                <a:effectLst>
+                  <a:outerShdw blurRad="38100" dist="38100" dir="2700000" algn="tl">
+                    <a:srgbClr val="000000">
+                      <a:alpha val="43137"/>
+                    </a:srgbClr>
+                  </a:outerShdw>
+                </a:effectLst>
+                <a:latin typeface="Gabriola" panose="04040605051002020D02" pitchFamily="82" charset="0"/>
+              </a:rPr>
+              <a:t> </a:t>
+            </a:r>
+            <a:r>
+              <a:rPr lang="de-DE" sz="3600" dirty="0" err="1" smtClean="0">
+                <a:effectLst>
+                  <a:outerShdw blurRad="38100" dist="38100" dir="2700000" algn="tl">
+                    <a:srgbClr val="000000">
+                      <a:alpha val="43137"/>
+                    </a:srgbClr>
+                  </a:outerShdw>
+                </a:effectLst>
+                <a:latin typeface="Gabriola" panose="04040605051002020D02" pitchFamily="82" charset="0"/>
+              </a:rPr>
+              <a:t>Combination</a:t>
+            </a:r>
+            <a:r>
+              <a:rPr lang="de-DE" sz="3600" dirty="0" smtClean="0">
+                <a:effectLst>
+                  <a:outerShdw blurRad="38100" dist="38100" dir="2700000" algn="tl">
+                    <a:srgbClr val="000000">
+                      <a:alpha val="43137"/>
+                    </a:srgbClr>
+                  </a:outerShdw>
+                </a:effectLst>
+                <a:latin typeface="Gabriola" panose="04040605051002020D02" pitchFamily="82" charset="0"/>
+              </a:rPr>
+              <a:t> </a:t>
+            </a:r>
+            <a:r>
+              <a:rPr lang="de-DE" sz="3600" dirty="0" err="1" smtClean="0">
+                <a:effectLst>
+                  <a:outerShdw blurRad="38100" dist="38100" dir="2700000" algn="tl">
+                    <a:srgbClr val="000000">
+                      <a:alpha val="43137"/>
+                    </a:srgbClr>
+                  </a:outerShdw>
+                </a:effectLst>
+                <a:latin typeface="Gabriola" panose="04040605051002020D02" pitchFamily="82" charset="0"/>
+              </a:rPr>
+              <a:t>Tree</a:t>
+            </a:r>
+            <a:r>
+              <a:rPr lang="de-DE" sz="3600" dirty="0" smtClean="0">
+                <a:effectLst>
+                  <a:outerShdw blurRad="38100" dist="38100" dir="2700000" algn="tl">
+                    <a:srgbClr val="000000">
+                      <a:alpha val="43137"/>
+                    </a:srgbClr>
+                  </a:outerShdw>
+                </a:effectLst>
+                <a:latin typeface="Gabriola" panose="04040605051002020D02" pitchFamily="82" charset="0"/>
+              </a:rPr>
+              <a:t>!</a:t>
+            </a:r>
+            <a:endParaRPr lang="en-US" sz="3600" dirty="0">
+              <a:effectLst>
+                <a:outerShdw blurRad="38100" dist="38100" dir="2700000" algn="tl">
+                  <a:srgbClr val="000000">
+                    <a:alpha val="43137"/>
+                  </a:srgbClr>
+                </a:outerShdw>
+              </a:effectLst>
+              <a:latin typeface="Gabriola" panose="04040605051002020D02" pitchFamily="82" charset="0"/>
+            </a:endParaRPr>
+          </a:p>
+        </p:txBody>
+      </p:sp>
+      <p:grpSp>
+        <p:nvGrpSpPr>
+          <p:cNvPr id="55" name="Group 54"/>
+          <p:cNvGrpSpPr/>
+          <p:nvPr/>
+        </p:nvGrpSpPr>
+        <p:grpSpPr>
+          <a:xfrm>
+            <a:off x="5114029" y="1546252"/>
+            <a:ext cx="3712879" cy="2787989"/>
+            <a:chOff x="5061477" y="1315025"/>
+            <a:chExt cx="3712879" cy="2787989"/>
+          </a:xfrm>
+        </p:grpSpPr>
+        <p:sp>
+          <p:nvSpPr>
+            <p:cNvPr id="3" name="Ellipse 2"/>
+            <p:cNvSpPr/>
+            <p:nvPr/>
+          </p:nvSpPr>
+          <p:spPr>
+            <a:xfrm rot="5400000" flipV="1">
+              <a:off x="5060987" y="1829969"/>
+              <a:ext cx="253999" cy="253019"/>
+            </a:xfrm>
+            <a:prstGeom prst="ellipse">
+              <a:avLst/>
+            </a:prstGeom>
+          </p:spPr>
+          <p:style>
+            <a:lnRef idx="2">
+              <a:schemeClr val="accent1">
+                <a:shade val="50000"/>
+              </a:schemeClr>
+            </a:lnRef>
+            <a:fillRef idx="1">
+              <a:schemeClr val="accent1"/>
+            </a:fillRef>
+            <a:effectRef idx="0">
+              <a:schemeClr val="accent1"/>
+            </a:effectRef>
+            <a:fontRef idx="minor">
+              <a:schemeClr val="lt1"/>
+            </a:fontRef>
+          </p:style>
+          <p:txBody>
+            <a:bodyPr rtlCol="0" anchor="ctr"/>
+            <a:lstStyle/>
+            <a:p>
+              <a:pPr algn="ctr"/>
+              <a:endParaRPr lang="en-US"/>
+            </a:p>
+          </p:txBody>
+        </p:sp>
+        <p:sp>
+          <p:nvSpPr>
+            <p:cNvPr id="7" name="Ellipse 6"/>
+            <p:cNvSpPr/>
+            <p:nvPr/>
+          </p:nvSpPr>
+          <p:spPr>
+            <a:xfrm rot="5400000" flipV="1">
+              <a:off x="6194915" y="1823368"/>
+              <a:ext cx="253999" cy="253019"/>
+            </a:xfrm>
+            <a:prstGeom prst="ellipse">
+              <a:avLst/>
+            </a:prstGeom>
+          </p:spPr>
+          <p:style>
+            <a:lnRef idx="2">
+              <a:schemeClr val="accent1">
+                <a:shade val="50000"/>
+              </a:schemeClr>
+            </a:lnRef>
+            <a:fillRef idx="1">
+              <a:schemeClr val="accent1"/>
+            </a:fillRef>
+            <a:effectRef idx="0">
+              <a:schemeClr val="accent1"/>
+            </a:effectRef>
+            <a:fontRef idx="minor">
+              <a:schemeClr val="lt1"/>
+            </a:fontRef>
+          </p:style>
+          <p:txBody>
+            <a:bodyPr rtlCol="0" anchor="ctr"/>
+            <a:lstStyle/>
+            <a:p>
+              <a:pPr algn="ctr"/>
+              <a:endParaRPr lang="en-US"/>
+            </a:p>
+          </p:txBody>
+        </p:sp>
+        <p:sp>
+          <p:nvSpPr>
+            <p:cNvPr id="8" name="Ellipse 7"/>
+            <p:cNvSpPr/>
+            <p:nvPr/>
+          </p:nvSpPr>
+          <p:spPr>
+            <a:xfrm rot="5400000" flipV="1">
+              <a:off x="6259440" y="3849505"/>
+              <a:ext cx="253999" cy="253019"/>
+            </a:xfrm>
+            <a:prstGeom prst="ellipse">
+              <a:avLst/>
+            </a:prstGeom>
+          </p:spPr>
+          <p:style>
+            <a:lnRef idx="2">
+              <a:schemeClr val="accent1">
+                <a:shade val="50000"/>
+              </a:schemeClr>
+            </a:lnRef>
+            <a:fillRef idx="1">
+              <a:schemeClr val="accent1"/>
+            </a:fillRef>
+            <a:effectRef idx="0">
+              <a:schemeClr val="accent1"/>
+            </a:effectRef>
+            <a:fontRef idx="minor">
+              <a:schemeClr val="lt1"/>
+            </a:fontRef>
+          </p:style>
+          <p:txBody>
+            <a:bodyPr rtlCol="0" anchor="ctr"/>
+            <a:lstStyle/>
+            <a:p>
+              <a:pPr algn="ctr"/>
+              <a:endParaRPr lang="en-US"/>
+            </a:p>
+          </p:txBody>
+        </p:sp>
+        <p:sp>
+          <p:nvSpPr>
+            <p:cNvPr id="9" name="Ellipse 8"/>
+            <p:cNvSpPr/>
+            <p:nvPr/>
+          </p:nvSpPr>
+          <p:spPr>
+            <a:xfrm rot="5400000" flipV="1">
+              <a:off x="7341579" y="1823369"/>
+              <a:ext cx="253999" cy="253019"/>
+            </a:xfrm>
+            <a:prstGeom prst="ellipse">
+              <a:avLst/>
+            </a:prstGeom>
+          </p:spPr>
+          <p:style>
+            <a:lnRef idx="2">
+              <a:schemeClr val="accent1">
+                <a:shade val="50000"/>
+              </a:schemeClr>
+            </a:lnRef>
+            <a:fillRef idx="1">
+              <a:schemeClr val="accent1"/>
+            </a:fillRef>
+            <a:effectRef idx="0">
+              <a:schemeClr val="accent1"/>
+            </a:effectRef>
+            <a:fontRef idx="minor">
+              <a:schemeClr val="lt1"/>
+            </a:fontRef>
+          </p:style>
+          <p:txBody>
+            <a:bodyPr rtlCol="0" anchor="ctr"/>
+            <a:lstStyle/>
+            <a:p>
+              <a:pPr algn="ctr"/>
+              <a:endParaRPr lang="en-US"/>
+            </a:p>
+          </p:txBody>
+        </p:sp>
+        <p:sp>
+          <p:nvSpPr>
+            <p:cNvPr id="10" name="Ellipse 9"/>
+            <p:cNvSpPr/>
+            <p:nvPr/>
+          </p:nvSpPr>
+          <p:spPr>
+            <a:xfrm rot="5400000" flipV="1">
+              <a:off x="7328352" y="3334540"/>
+              <a:ext cx="253999" cy="253019"/>
+            </a:xfrm>
+            <a:prstGeom prst="ellipse">
+              <a:avLst/>
+            </a:prstGeom>
+          </p:spPr>
+          <p:style>
+            <a:lnRef idx="2">
+              <a:schemeClr val="accent1">
+                <a:shade val="50000"/>
+              </a:schemeClr>
+            </a:lnRef>
+            <a:fillRef idx="1">
+              <a:schemeClr val="accent1"/>
+            </a:fillRef>
+            <a:effectRef idx="0">
+              <a:schemeClr val="accent1"/>
+            </a:effectRef>
+            <a:fontRef idx="minor">
+              <a:schemeClr val="lt1"/>
+            </a:fontRef>
+          </p:style>
+          <p:txBody>
+            <a:bodyPr rtlCol="0" anchor="ctr"/>
+            <a:lstStyle/>
+            <a:p>
+              <a:pPr algn="ctr"/>
+              <a:endParaRPr lang="en-US"/>
+            </a:p>
+          </p:txBody>
+        </p:sp>
+        <p:sp>
+          <p:nvSpPr>
+            <p:cNvPr id="11" name="Ellipse 10"/>
+            <p:cNvSpPr/>
+            <p:nvPr/>
+          </p:nvSpPr>
+          <p:spPr>
+            <a:xfrm rot="5400000" flipV="1">
+              <a:off x="7325482" y="2833797"/>
+              <a:ext cx="253999" cy="253019"/>
+            </a:xfrm>
+            <a:prstGeom prst="ellipse">
+              <a:avLst/>
+            </a:prstGeom>
+          </p:spPr>
+          <p:style>
+            <a:lnRef idx="2">
+              <a:schemeClr val="accent1">
+                <a:shade val="50000"/>
+              </a:schemeClr>
+            </a:lnRef>
+            <a:fillRef idx="1">
+              <a:schemeClr val="accent1"/>
+            </a:fillRef>
+            <a:effectRef idx="0">
+              <a:schemeClr val="accent1"/>
+            </a:effectRef>
+            <a:fontRef idx="minor">
+              <a:schemeClr val="lt1"/>
+            </a:fontRef>
+          </p:style>
+          <p:txBody>
+            <a:bodyPr rtlCol="0" anchor="ctr"/>
+            <a:lstStyle/>
+            <a:p>
+              <a:pPr algn="ctr"/>
+              <a:endParaRPr lang="en-US"/>
+            </a:p>
+          </p:txBody>
+        </p:sp>
+        <p:sp>
+          <p:nvSpPr>
+            <p:cNvPr id="12" name="Ellipse 11"/>
+            <p:cNvSpPr/>
+            <p:nvPr/>
+          </p:nvSpPr>
+          <p:spPr>
+            <a:xfrm rot="5400000" flipV="1">
+              <a:off x="8502242" y="1315515"/>
+              <a:ext cx="253999" cy="253019"/>
+            </a:xfrm>
+            <a:prstGeom prst="ellipse">
+              <a:avLst/>
+            </a:prstGeom>
+          </p:spPr>
+          <p:style>
+            <a:lnRef idx="2">
+              <a:schemeClr val="accent1">
+                <a:shade val="50000"/>
+              </a:schemeClr>
+            </a:lnRef>
+            <a:fillRef idx="1">
+              <a:schemeClr val="accent1"/>
+            </a:fillRef>
+            <a:effectRef idx="0">
+              <a:schemeClr val="accent1"/>
+            </a:effectRef>
+            <a:fontRef idx="minor">
+              <a:schemeClr val="lt1"/>
+            </a:fontRef>
+          </p:style>
+          <p:txBody>
+            <a:bodyPr rtlCol="0" anchor="ctr"/>
+            <a:lstStyle/>
+            <a:p>
+              <a:pPr algn="ctr"/>
+              <a:endParaRPr lang="en-US"/>
+            </a:p>
+          </p:txBody>
+        </p:sp>
+        <p:sp>
+          <p:nvSpPr>
+            <p:cNvPr id="13" name="Ellipse 12"/>
+            <p:cNvSpPr/>
+            <p:nvPr/>
+          </p:nvSpPr>
+          <p:spPr>
+            <a:xfrm rot="5400000" flipV="1">
+              <a:off x="8502242" y="2323802"/>
+              <a:ext cx="253999" cy="253019"/>
+            </a:xfrm>
+            <a:prstGeom prst="ellipse">
+              <a:avLst/>
+            </a:prstGeom>
+          </p:spPr>
+          <p:style>
+            <a:lnRef idx="2">
+              <a:schemeClr val="accent1">
+                <a:shade val="50000"/>
+              </a:schemeClr>
+            </a:lnRef>
+            <a:fillRef idx="1">
+              <a:schemeClr val="accent1"/>
+            </a:fillRef>
+            <a:effectRef idx="0">
+              <a:schemeClr val="accent1"/>
+            </a:effectRef>
+            <a:fontRef idx="minor">
+              <a:schemeClr val="lt1"/>
+            </a:fontRef>
+          </p:style>
+          <p:txBody>
+            <a:bodyPr rtlCol="0" anchor="ctr"/>
+            <a:lstStyle/>
+            <a:p>
+              <a:pPr algn="ctr"/>
+              <a:endParaRPr lang="en-US"/>
+            </a:p>
+          </p:txBody>
+        </p:sp>
+        <p:sp>
+          <p:nvSpPr>
+            <p:cNvPr id="14" name="Ellipse 13"/>
+            <p:cNvSpPr/>
+            <p:nvPr/>
+          </p:nvSpPr>
+          <p:spPr>
+            <a:xfrm rot="5400000" flipV="1">
+              <a:off x="8502242" y="1823370"/>
+              <a:ext cx="253999" cy="253019"/>
+            </a:xfrm>
+            <a:prstGeom prst="ellipse">
+              <a:avLst/>
+            </a:prstGeom>
+          </p:spPr>
+          <p:style>
+            <a:lnRef idx="2">
+              <a:schemeClr val="accent1">
+                <a:shade val="50000"/>
+              </a:schemeClr>
+            </a:lnRef>
+            <a:fillRef idx="1">
+              <a:schemeClr val="accent1"/>
+            </a:fillRef>
+            <a:effectRef idx="0">
+              <a:schemeClr val="accent1"/>
+            </a:effectRef>
+            <a:fontRef idx="minor">
+              <a:schemeClr val="lt1"/>
+            </a:fontRef>
+          </p:style>
+          <p:txBody>
+            <a:bodyPr rtlCol="0" anchor="ctr"/>
+            <a:lstStyle/>
+            <a:p>
+              <a:pPr algn="ctr"/>
+              <a:endParaRPr lang="en-US"/>
+            </a:p>
+          </p:txBody>
+        </p:sp>
+        <p:sp>
+          <p:nvSpPr>
+            <p:cNvPr id="15" name="Ellipse 14"/>
+            <p:cNvSpPr/>
+            <p:nvPr/>
+          </p:nvSpPr>
+          <p:spPr>
+            <a:xfrm rot="5400000" flipV="1">
+              <a:off x="8518683" y="2833797"/>
+              <a:ext cx="253999" cy="253019"/>
+            </a:xfrm>
+            <a:prstGeom prst="ellipse">
+              <a:avLst/>
+            </a:prstGeom>
+          </p:spPr>
+          <p:style>
+            <a:lnRef idx="2">
+              <a:schemeClr val="accent1">
+                <a:shade val="50000"/>
+              </a:schemeClr>
+            </a:lnRef>
+            <a:fillRef idx="1">
+              <a:schemeClr val="accent1"/>
+            </a:fillRef>
+            <a:effectRef idx="0">
+              <a:schemeClr val="accent1"/>
+            </a:effectRef>
+            <a:fontRef idx="minor">
+              <a:schemeClr val="lt1"/>
+            </a:fontRef>
+          </p:style>
+          <p:txBody>
+            <a:bodyPr rtlCol="0" anchor="ctr"/>
+            <a:lstStyle/>
+            <a:p>
+              <a:pPr algn="ctr"/>
+              <a:endParaRPr lang="en-US"/>
+            </a:p>
+          </p:txBody>
+        </p:sp>
+        <p:sp>
+          <p:nvSpPr>
+            <p:cNvPr id="16" name="Ellipse 15"/>
+            <p:cNvSpPr/>
+            <p:nvPr/>
+          </p:nvSpPr>
+          <p:spPr>
+            <a:xfrm rot="5400000" flipV="1">
+              <a:off x="8518683" y="3334540"/>
+              <a:ext cx="253999" cy="253019"/>
+            </a:xfrm>
+            <a:prstGeom prst="ellipse">
+              <a:avLst/>
+            </a:prstGeom>
+          </p:spPr>
+          <p:style>
+            <a:lnRef idx="2">
+              <a:schemeClr val="accent1">
+                <a:shade val="50000"/>
+              </a:schemeClr>
+            </a:lnRef>
+            <a:fillRef idx="1">
+              <a:schemeClr val="accent1"/>
+            </a:fillRef>
+            <a:effectRef idx="0">
+              <a:schemeClr val="accent1"/>
+            </a:effectRef>
+            <a:fontRef idx="minor">
+              <a:schemeClr val="lt1"/>
+            </a:fontRef>
+          </p:style>
+          <p:txBody>
+            <a:bodyPr rtlCol="0" anchor="ctr"/>
+            <a:lstStyle/>
+            <a:p>
+              <a:pPr algn="ctr"/>
+              <a:endParaRPr lang="en-US"/>
+            </a:p>
+          </p:txBody>
+        </p:sp>
+        <p:sp>
+          <p:nvSpPr>
+            <p:cNvPr id="17" name="Ellipse 16"/>
+            <p:cNvSpPr/>
+            <p:nvPr/>
+          </p:nvSpPr>
+          <p:spPr>
+            <a:xfrm rot="5400000" flipV="1">
+              <a:off x="7341579" y="3849505"/>
+              <a:ext cx="253999" cy="253019"/>
+            </a:xfrm>
+            <a:prstGeom prst="ellipse">
+              <a:avLst/>
+            </a:prstGeom>
+          </p:spPr>
+          <p:style>
+            <a:lnRef idx="2">
+              <a:schemeClr val="accent1">
+                <a:shade val="50000"/>
+              </a:schemeClr>
+            </a:lnRef>
+            <a:fillRef idx="1">
+              <a:schemeClr val="accent1"/>
+            </a:fillRef>
+            <a:effectRef idx="0">
+              <a:schemeClr val="accent1"/>
+            </a:effectRef>
+            <a:fontRef idx="minor">
+              <a:schemeClr val="lt1"/>
+            </a:fontRef>
+          </p:style>
+          <p:txBody>
+            <a:bodyPr rtlCol="0" anchor="ctr"/>
+            <a:lstStyle/>
+            <a:p>
+              <a:pPr algn="ctr"/>
+              <a:endParaRPr lang="en-US"/>
+            </a:p>
+          </p:txBody>
+        </p:sp>
+        <p:sp>
+          <p:nvSpPr>
+            <p:cNvPr id="19" name="Ellipse 18"/>
+            <p:cNvSpPr/>
+            <p:nvPr/>
+          </p:nvSpPr>
+          <p:spPr>
+            <a:xfrm rot="5400000" flipV="1">
+              <a:off x="8520847" y="3849505"/>
+              <a:ext cx="253999" cy="253019"/>
+            </a:xfrm>
+            <a:prstGeom prst="ellipse">
+              <a:avLst/>
+            </a:prstGeom>
+          </p:spPr>
+          <p:style>
+            <a:lnRef idx="2">
+              <a:schemeClr val="accent1">
+                <a:shade val="50000"/>
+              </a:schemeClr>
+            </a:lnRef>
+            <a:fillRef idx="1">
+              <a:schemeClr val="accent1"/>
+            </a:fillRef>
+            <a:effectRef idx="0">
+              <a:schemeClr val="accent1"/>
+            </a:effectRef>
+            <a:fontRef idx="minor">
+              <a:schemeClr val="lt1"/>
+            </a:fontRef>
+          </p:style>
+          <p:txBody>
+            <a:bodyPr rtlCol="0" anchor="ctr"/>
+            <a:lstStyle/>
+            <a:p>
+              <a:pPr algn="ctr"/>
+              <a:endParaRPr lang="en-US"/>
+            </a:p>
+          </p:txBody>
+        </p:sp>
+        <p:cxnSp>
+          <p:nvCxnSpPr>
+            <p:cNvPr id="22" name="Gerade Verbindung mit Pfeil 21"/>
+            <p:cNvCxnSpPr>
+              <a:stCxn id="3" idx="4"/>
+              <a:endCxn id="7" idx="0"/>
+            </p:cNvCxnSpPr>
+            <p:nvPr/>
+          </p:nvCxnSpPr>
+          <p:spPr>
+            <a:xfrm flipV="1">
+              <a:off x="5314496" y="1949878"/>
+              <a:ext cx="880909" cy="6601"/>
+            </a:xfrm>
+            <a:prstGeom prst="straightConnector1">
+              <a:avLst/>
+            </a:prstGeom>
+            <a:ln w="19050">
+              <a:tailEnd type="arrow"/>
+            </a:ln>
+          </p:spPr>
+          <p:style>
+            <a:lnRef idx="1">
+              <a:schemeClr val="accent1"/>
+            </a:lnRef>
+            <a:fillRef idx="0">
+              <a:schemeClr val="accent1"/>
+            </a:fillRef>
+            <a:effectRef idx="0">
+              <a:schemeClr val="accent1"/>
+            </a:effectRef>
+            <a:fontRef idx="minor">
+              <a:schemeClr val="tx1"/>
+            </a:fontRef>
+          </p:style>
+        </p:cxnSp>
+        <p:cxnSp>
+          <p:nvCxnSpPr>
+            <p:cNvPr id="24" name="Gerade Verbindung mit Pfeil 23"/>
+            <p:cNvCxnSpPr>
+              <a:stCxn id="3" idx="4"/>
+              <a:endCxn id="8" idx="1"/>
+            </p:cNvCxnSpPr>
+            <p:nvPr/>
+          </p:nvCxnSpPr>
+          <p:spPr>
+            <a:xfrm>
+              <a:off x="5314496" y="1956479"/>
+              <a:ext cx="982488" cy="1929733"/>
+            </a:xfrm>
+            <a:prstGeom prst="straightConnector1">
+              <a:avLst/>
+            </a:prstGeom>
+            <a:ln w="19050">
+              <a:tailEnd type="arrow"/>
+            </a:ln>
+          </p:spPr>
+          <p:style>
+            <a:lnRef idx="1">
+              <a:schemeClr val="accent1"/>
+            </a:lnRef>
+            <a:fillRef idx="0">
+              <a:schemeClr val="accent1"/>
+            </a:fillRef>
+            <a:effectRef idx="0">
+              <a:schemeClr val="accent1"/>
+            </a:effectRef>
+            <a:fontRef idx="minor">
+              <a:schemeClr val="tx1"/>
+            </a:fontRef>
+          </p:style>
+        </p:cxnSp>
+        <p:cxnSp>
+          <p:nvCxnSpPr>
+            <p:cNvPr id="26" name="Gerade Verbindung mit Pfeil 25"/>
+            <p:cNvCxnSpPr>
+              <a:stCxn id="7" idx="4"/>
+              <a:endCxn id="9" idx="0"/>
+            </p:cNvCxnSpPr>
+            <p:nvPr/>
+          </p:nvCxnSpPr>
+          <p:spPr>
+            <a:xfrm>
+              <a:off x="6448424" y="1949878"/>
+              <a:ext cx="893645" cy="1"/>
+            </a:xfrm>
+            <a:prstGeom prst="straightConnector1">
+              <a:avLst/>
+            </a:prstGeom>
+            <a:ln w="19050">
+              <a:tailEnd type="arrow"/>
+            </a:ln>
+          </p:spPr>
+          <p:style>
+            <a:lnRef idx="1">
+              <a:schemeClr val="accent1"/>
+            </a:lnRef>
+            <a:fillRef idx="0">
+              <a:schemeClr val="accent1"/>
+            </a:fillRef>
+            <a:effectRef idx="0">
+              <a:schemeClr val="accent1"/>
+            </a:effectRef>
+            <a:fontRef idx="minor">
+              <a:schemeClr val="tx1"/>
+            </a:fontRef>
+          </p:style>
+        </p:cxnSp>
+        <p:cxnSp>
+          <p:nvCxnSpPr>
+            <p:cNvPr id="28" name="Gerade Verbindung mit Pfeil 27"/>
+            <p:cNvCxnSpPr>
+              <a:stCxn id="7" idx="4"/>
+              <a:endCxn id="11" idx="0"/>
+            </p:cNvCxnSpPr>
+            <p:nvPr/>
+          </p:nvCxnSpPr>
+          <p:spPr>
+            <a:xfrm>
+              <a:off x="6448424" y="1949878"/>
+              <a:ext cx="877548" cy="1010429"/>
+            </a:xfrm>
+            <a:prstGeom prst="straightConnector1">
+              <a:avLst/>
+            </a:prstGeom>
+            <a:ln w="19050">
+              <a:tailEnd type="arrow"/>
+            </a:ln>
+          </p:spPr>
+          <p:style>
+            <a:lnRef idx="1">
+              <a:schemeClr val="accent1"/>
+            </a:lnRef>
+            <a:fillRef idx="0">
+              <a:schemeClr val="accent1"/>
+            </a:fillRef>
+            <a:effectRef idx="0">
+              <a:schemeClr val="accent1"/>
+            </a:effectRef>
+            <a:fontRef idx="minor">
+              <a:schemeClr val="tx1"/>
+            </a:fontRef>
+          </p:style>
+        </p:cxnSp>
+        <p:cxnSp>
+          <p:nvCxnSpPr>
+            <p:cNvPr id="30" name="Gerade Verbindung mit Pfeil 29"/>
+            <p:cNvCxnSpPr>
+              <a:stCxn id="7" idx="4"/>
+              <a:endCxn id="10" idx="0"/>
+            </p:cNvCxnSpPr>
+            <p:nvPr/>
+          </p:nvCxnSpPr>
+          <p:spPr>
+            <a:xfrm>
+              <a:off x="6448424" y="1949878"/>
+              <a:ext cx="880418" cy="1511172"/>
+            </a:xfrm>
+            <a:prstGeom prst="straightConnector1">
+              <a:avLst/>
+            </a:prstGeom>
+            <a:ln w="19050">
+              <a:tailEnd type="arrow"/>
+            </a:ln>
+          </p:spPr>
+          <p:style>
+            <a:lnRef idx="1">
+              <a:schemeClr val="accent1"/>
+            </a:lnRef>
+            <a:fillRef idx="0">
+              <a:schemeClr val="accent1"/>
+            </a:fillRef>
+            <a:effectRef idx="0">
+              <a:schemeClr val="accent1"/>
+            </a:effectRef>
+            <a:fontRef idx="minor">
+              <a:schemeClr val="tx1"/>
+            </a:fontRef>
+          </p:style>
+        </p:cxnSp>
+        <p:cxnSp>
+          <p:nvCxnSpPr>
+            <p:cNvPr id="32" name="Gerade Verbindung mit Pfeil 31"/>
+            <p:cNvCxnSpPr>
+              <a:stCxn id="8" idx="4"/>
+              <a:endCxn id="17" idx="0"/>
+            </p:cNvCxnSpPr>
+            <p:nvPr/>
+          </p:nvCxnSpPr>
+          <p:spPr>
+            <a:xfrm>
+              <a:off x="6512949" y="3976015"/>
+              <a:ext cx="829120" cy="0"/>
+            </a:xfrm>
+            <a:prstGeom prst="straightConnector1">
+              <a:avLst/>
+            </a:prstGeom>
+            <a:ln w="19050">
+              <a:tailEnd type="arrow"/>
+            </a:ln>
+          </p:spPr>
+          <p:style>
+            <a:lnRef idx="1">
+              <a:schemeClr val="accent1"/>
+            </a:lnRef>
+            <a:fillRef idx="0">
+              <a:schemeClr val="accent1"/>
+            </a:fillRef>
+            <a:effectRef idx="0">
+              <a:schemeClr val="accent1"/>
+            </a:effectRef>
+            <a:fontRef idx="minor">
+              <a:schemeClr val="tx1"/>
+            </a:fontRef>
+          </p:style>
+        </p:cxnSp>
+        <p:cxnSp>
+          <p:nvCxnSpPr>
+            <p:cNvPr id="34" name="Gerade Verbindung mit Pfeil 33"/>
+            <p:cNvCxnSpPr>
+              <a:stCxn id="9" idx="4"/>
+              <a:endCxn id="12" idx="0"/>
+            </p:cNvCxnSpPr>
+            <p:nvPr/>
+          </p:nvCxnSpPr>
+          <p:spPr>
+            <a:xfrm flipV="1">
+              <a:off x="7595088" y="1442025"/>
+              <a:ext cx="907644" cy="507854"/>
+            </a:xfrm>
+            <a:prstGeom prst="straightConnector1">
+              <a:avLst/>
+            </a:prstGeom>
+            <a:ln w="19050">
+              <a:tailEnd type="arrow"/>
+            </a:ln>
+          </p:spPr>
+          <p:style>
+            <a:lnRef idx="1">
+              <a:schemeClr val="accent1"/>
+            </a:lnRef>
+            <a:fillRef idx="0">
+              <a:schemeClr val="accent1"/>
+            </a:fillRef>
+            <a:effectRef idx="0">
+              <a:schemeClr val="accent1"/>
+            </a:effectRef>
+            <a:fontRef idx="minor">
+              <a:schemeClr val="tx1"/>
+            </a:fontRef>
+          </p:style>
+        </p:cxnSp>
+        <p:cxnSp>
+          <p:nvCxnSpPr>
+            <p:cNvPr id="36" name="Gerade Verbindung mit Pfeil 35"/>
+            <p:cNvCxnSpPr>
+              <a:stCxn id="9" idx="4"/>
+              <a:endCxn id="14" idx="0"/>
+            </p:cNvCxnSpPr>
+            <p:nvPr/>
+          </p:nvCxnSpPr>
+          <p:spPr>
+            <a:xfrm>
+              <a:off x="7595088" y="1949879"/>
+              <a:ext cx="907644" cy="1"/>
+            </a:xfrm>
+            <a:prstGeom prst="straightConnector1">
+              <a:avLst/>
+            </a:prstGeom>
+            <a:ln w="19050">
+              <a:tailEnd type="arrow"/>
+            </a:ln>
+          </p:spPr>
+          <p:style>
+            <a:lnRef idx="1">
+              <a:schemeClr val="accent1"/>
+            </a:lnRef>
+            <a:fillRef idx="0">
+              <a:schemeClr val="accent1"/>
+            </a:fillRef>
+            <a:effectRef idx="0">
+              <a:schemeClr val="accent1"/>
+            </a:effectRef>
+            <a:fontRef idx="minor">
+              <a:schemeClr val="tx1"/>
+            </a:fontRef>
+          </p:style>
+        </p:cxnSp>
+        <p:cxnSp>
+          <p:nvCxnSpPr>
+            <p:cNvPr id="38" name="Gerade Verbindung mit Pfeil 37"/>
+            <p:cNvCxnSpPr>
+              <a:stCxn id="9" idx="4"/>
+              <a:endCxn id="13" idx="0"/>
+            </p:cNvCxnSpPr>
+            <p:nvPr/>
+          </p:nvCxnSpPr>
+          <p:spPr>
+            <a:xfrm>
+              <a:off x="7595088" y="1949879"/>
+              <a:ext cx="907644" cy="500433"/>
+            </a:xfrm>
+            <a:prstGeom prst="straightConnector1">
+              <a:avLst/>
+            </a:prstGeom>
+            <a:ln w="19050">
+              <a:tailEnd type="arrow"/>
+            </a:ln>
+          </p:spPr>
+          <p:style>
+            <a:lnRef idx="1">
+              <a:schemeClr val="accent1"/>
+            </a:lnRef>
+            <a:fillRef idx="0">
+              <a:schemeClr val="accent1"/>
+            </a:fillRef>
+            <a:effectRef idx="0">
+              <a:schemeClr val="accent1"/>
+            </a:effectRef>
+            <a:fontRef idx="minor">
+              <a:schemeClr val="tx1"/>
+            </a:fontRef>
+          </p:style>
+        </p:cxnSp>
+        <p:cxnSp>
+          <p:nvCxnSpPr>
+            <p:cNvPr id="40" name="Gerade Verbindung mit Pfeil 39"/>
+            <p:cNvCxnSpPr>
+              <a:stCxn id="11" idx="4"/>
+              <a:endCxn id="15" idx="0"/>
+            </p:cNvCxnSpPr>
+            <p:nvPr/>
+          </p:nvCxnSpPr>
+          <p:spPr>
+            <a:xfrm>
+              <a:off x="7578991" y="2960307"/>
+              <a:ext cx="940182" cy="0"/>
+            </a:xfrm>
+            <a:prstGeom prst="straightConnector1">
+              <a:avLst/>
+            </a:prstGeom>
+            <a:ln w="19050">
+              <a:tailEnd type="arrow"/>
+            </a:ln>
+          </p:spPr>
+          <p:style>
+            <a:lnRef idx="1">
+              <a:schemeClr val="accent1"/>
+            </a:lnRef>
+            <a:fillRef idx="0">
+              <a:schemeClr val="accent1"/>
+            </a:fillRef>
+            <a:effectRef idx="0">
+              <a:schemeClr val="accent1"/>
+            </a:effectRef>
+            <a:fontRef idx="minor">
+              <a:schemeClr val="tx1"/>
+            </a:fontRef>
+          </p:style>
+        </p:cxnSp>
+        <p:cxnSp>
+          <p:nvCxnSpPr>
+            <p:cNvPr id="42" name="Gerade Verbindung mit Pfeil 41"/>
+            <p:cNvCxnSpPr>
+              <a:stCxn id="10" idx="4"/>
+              <a:endCxn id="16" idx="0"/>
+            </p:cNvCxnSpPr>
+            <p:nvPr/>
+          </p:nvCxnSpPr>
+          <p:spPr>
+            <a:xfrm>
+              <a:off x="7581861" y="3461050"/>
+              <a:ext cx="937312" cy="0"/>
+            </a:xfrm>
+            <a:prstGeom prst="straightConnector1">
+              <a:avLst/>
+            </a:prstGeom>
+            <a:ln w="19050">
+              <a:tailEnd type="arrow"/>
+            </a:ln>
+          </p:spPr>
+          <p:style>
+            <a:lnRef idx="1">
+              <a:schemeClr val="accent1"/>
+            </a:lnRef>
+            <a:fillRef idx="0">
+              <a:schemeClr val="accent1"/>
+            </a:fillRef>
+            <a:effectRef idx="0">
+              <a:schemeClr val="accent1"/>
+            </a:effectRef>
+            <a:fontRef idx="minor">
+              <a:schemeClr val="tx1"/>
+            </a:fontRef>
+          </p:style>
+        </p:cxnSp>
+        <p:cxnSp>
+          <p:nvCxnSpPr>
+            <p:cNvPr id="44" name="Gerade Verbindung mit Pfeil 43"/>
+            <p:cNvCxnSpPr>
+              <a:stCxn id="17" idx="4"/>
+              <a:endCxn id="19" idx="0"/>
+            </p:cNvCxnSpPr>
+            <p:nvPr/>
+          </p:nvCxnSpPr>
+          <p:spPr>
+            <a:xfrm>
+              <a:off x="7595088" y="3976015"/>
+              <a:ext cx="926249" cy="0"/>
+            </a:xfrm>
+            <a:prstGeom prst="straightConnector1">
+              <a:avLst/>
+            </a:prstGeom>
+            <a:ln w="19050">
+              <a:tailEnd type="arrow"/>
+            </a:ln>
+          </p:spPr>
+          <p:style>
+            <a:lnRef idx="1">
+              <a:schemeClr val="accent1"/>
+            </a:lnRef>
+            <a:fillRef idx="0">
+              <a:schemeClr val="accent1"/>
+            </a:fillRef>
+            <a:effectRef idx="0">
+              <a:schemeClr val="accent1"/>
+            </a:effectRef>
+            <a:fontRef idx="minor">
+              <a:schemeClr val="tx1"/>
+            </a:fontRef>
+          </p:style>
+        </p:cxnSp>
+      </p:grpSp>
+    </p:spTree>
+    <p:extLst>
+      <p:ext uri="{BB962C8B-B14F-4D97-AF65-F5344CB8AC3E}">
+        <p14:creationId xmlns:p14="http://schemas.microsoft.com/office/powerpoint/2010/main" val="4288815790"/>
+      </p:ext>
+    </p:extLst>
+  </p:cSld>
+  <p:clrMapOvr>
+    <a:masterClrMapping/>
+  </p:clrMapOvr>
+  <p:timing>
+    <p:tnLst>
+      <p:par>
+        <p:cTn id="1" dur="indefinite" restart="never" nodeType="tmRoot"/>
+      </p:par>
+    </p:tnLst>
+  </p:timing>
+</p:sld>
+</file>
+
+<file path=ppt/slides/slide11.xml><?xml version="1.0" encoding="utf-8"?>
 <p:sld xmlns:a="http://schemas.openxmlformats.org/drawingml/2006/main" xmlns:r="http://schemas.openxmlformats.org/officeDocument/2006/relationships" xmlns:p="http://schemas.openxmlformats.org/presentationml/2006/main">
   <p:cSld>
     <p:bg>
@@ -5093,439 +6222,6 @@
 </p:sld>
 </file>
 
-<file path=ppt/slides/slide11.xml><?xml version="1.0" encoding="utf-8"?>
-<p:sld xmlns:a="http://schemas.openxmlformats.org/drawingml/2006/main" xmlns:r="http://schemas.openxmlformats.org/officeDocument/2006/relationships" xmlns:p="http://schemas.openxmlformats.org/presentationml/2006/main">
-  <p:cSld>
-    <p:spTree>
-      <p:nvGrpSpPr>
-        <p:cNvPr id="1" name=""/>
-        <p:cNvGrpSpPr/>
-        <p:nvPr/>
-      </p:nvGrpSpPr>
-      <p:grpSpPr>
-        <a:xfrm>
-          <a:off x="0" y="0"/>
-          <a:ext cx="0" cy="0"/>
-          <a:chOff x="0" y="0"/>
-          <a:chExt cx="0" cy="0"/>
-        </a:xfrm>
-      </p:grpSpPr>
-      <p:sp>
-        <p:nvSpPr>
-          <p:cNvPr id="18" name="Textfeld 17"/>
-          <p:cNvSpPr txBox="1"/>
-          <p:nvPr/>
-        </p:nvSpPr>
-        <p:spPr>
-          <a:xfrm>
-            <a:off x="-14710" y="5487"/>
-            <a:ext cx="5564610" cy="646331"/>
-          </a:xfrm>
-          <a:prstGeom prst="rect">
-            <a:avLst/>
-          </a:prstGeom>
-          <a:noFill/>
-        </p:spPr>
-        <p:txBody>
-          <a:bodyPr wrap="square" rtlCol="0">
-            <a:spAutoFit/>
-          </a:bodyPr>
-          <a:lstStyle/>
-          <a:p>
-            <a:r>
-              <a:rPr lang="de-DE" sz="3600" dirty="0" smtClean="0">
-                <a:effectLst>
-                  <a:outerShdw blurRad="38100" dist="38100" dir="2700000" algn="tl">
-                    <a:srgbClr val="000000">
-                      <a:alpha val="43137"/>
-                    </a:srgbClr>
-                  </a:outerShdw>
-                </a:effectLst>
-                <a:latin typeface="Gabriola" panose="04040605051002020D02" pitchFamily="82" charset="0"/>
-              </a:rPr>
-              <a:t>Mix </a:t>
-            </a:r>
-            <a:r>
-              <a:rPr lang="de-DE" sz="3600" dirty="0" err="1">
-                <a:effectLst>
-                  <a:outerShdw blurRad="38100" dist="38100" dir="2700000" algn="tl">
-                    <a:srgbClr val="000000">
-                      <a:alpha val="43137"/>
-                    </a:srgbClr>
-                  </a:outerShdw>
-                </a:effectLst>
-                <a:latin typeface="Gabriola" panose="04040605051002020D02" pitchFamily="82" charset="0"/>
-              </a:rPr>
-              <a:t>C</a:t>
-            </a:r>
-            <a:r>
-              <a:rPr lang="de-DE" sz="3600" dirty="0" err="1" smtClean="0">
-                <a:effectLst>
-                  <a:outerShdw blurRad="38100" dist="38100" dir="2700000" algn="tl">
-                    <a:srgbClr val="000000">
-                      <a:alpha val="43137"/>
-                    </a:srgbClr>
-                  </a:outerShdw>
-                </a:effectLst>
-                <a:latin typeface="Gabriola" panose="04040605051002020D02" pitchFamily="82" charset="0"/>
-              </a:rPr>
-              <a:t>ontributors</a:t>
-            </a:r>
-            <a:endParaRPr lang="en-US" sz="3600" dirty="0">
-              <a:effectLst>
-                <a:outerShdw blurRad="38100" dist="38100" dir="2700000" algn="tl">
-                  <a:srgbClr val="000000">
-                    <a:alpha val="43137"/>
-                  </a:srgbClr>
-                </a:outerShdw>
-              </a:effectLst>
-              <a:latin typeface="Gabriola" panose="04040605051002020D02" pitchFamily="82" charset="0"/>
-            </a:endParaRPr>
-          </a:p>
-        </p:txBody>
-      </p:sp>
-      <p:pic>
-        <p:nvPicPr>
-          <p:cNvPr id="3" name="Picture 2"/>
-          <p:cNvPicPr>
-            <a:picLocks noChangeAspect="1"/>
-          </p:cNvPicPr>
-          <p:nvPr/>
-        </p:nvPicPr>
-        <p:blipFill rotWithShape="1">
-          <a:blip r:link="rId2"/>
-          <a:srcRect l="1492" t="5619" r="2714" b="8559"/>
-          <a:stretch/>
-        </p:blipFill>
-        <p:spPr>
-          <a:xfrm>
-            <a:off x="74337" y="1090569"/>
-            <a:ext cx="5133985" cy="3580632"/>
-          </a:xfrm>
-          <a:prstGeom prst="rect">
-            <a:avLst/>
-          </a:prstGeom>
-          <a:ln>
-            <a:solidFill>
-              <a:schemeClr val="bg1">
-                <a:lumMod val="75000"/>
-              </a:schemeClr>
-            </a:solidFill>
-          </a:ln>
-        </p:spPr>
-      </p:pic>
-      <p:sp>
-        <p:nvSpPr>
-          <p:cNvPr id="5" name="Textfeld 9"/>
-          <p:cNvSpPr txBox="1"/>
-          <p:nvPr/>
-        </p:nvSpPr>
-        <p:spPr>
-          <a:xfrm>
-            <a:off x="5549900" y="2285709"/>
-            <a:ext cx="3136900" cy="1569660"/>
-          </a:xfrm>
-          <a:prstGeom prst="rect">
-            <a:avLst/>
-          </a:prstGeom>
-          <a:noFill/>
-        </p:spPr>
-        <p:txBody>
-          <a:bodyPr wrap="square" rtlCol="0">
-            <a:spAutoFit/>
-          </a:bodyPr>
-          <a:lstStyle/>
-          <a:p>
-            <a:r>
-              <a:rPr lang="de-DE" sz="2400" dirty="0" err="1" smtClean="0">
-                <a:latin typeface="Gabriola" panose="04040605051002020D02" pitchFamily="82" charset="0"/>
-                <a:sym typeface="Wingdings" panose="05000000000000000000" pitchFamily="2" charset="2"/>
-              </a:rPr>
-              <a:t>You</a:t>
-            </a:r>
-            <a:r>
-              <a:rPr lang="de-DE" sz="2400" dirty="0" smtClean="0">
-                <a:latin typeface="Gabriola" panose="04040605051002020D02" pitchFamily="82" charset="0"/>
-                <a:sym typeface="Wingdings" panose="05000000000000000000" pitchFamily="2" charset="2"/>
-              </a:rPr>
-              <a:t> </a:t>
-            </a:r>
-            <a:r>
-              <a:rPr lang="de-DE" sz="2400" dirty="0" err="1" smtClean="0">
-                <a:latin typeface="Gabriola" panose="04040605051002020D02" pitchFamily="82" charset="0"/>
-                <a:sym typeface="Wingdings" panose="05000000000000000000" pitchFamily="2" charset="2"/>
-              </a:rPr>
-              <a:t>can</a:t>
-            </a:r>
-            <a:r>
-              <a:rPr lang="de-DE" sz="2400" dirty="0" smtClean="0">
-                <a:latin typeface="Gabriola" panose="04040605051002020D02" pitchFamily="82" charset="0"/>
-                <a:sym typeface="Wingdings" panose="05000000000000000000" pitchFamily="2" charset="2"/>
-              </a:rPr>
-              <a:t> mix </a:t>
-            </a:r>
-            <a:r>
-              <a:rPr lang="de-DE" sz="2400" dirty="0" err="1" smtClean="0">
-                <a:latin typeface="Gabriola" panose="04040605051002020D02" pitchFamily="82" charset="0"/>
-                <a:sym typeface="Wingdings" panose="05000000000000000000" pitchFamily="2" charset="2"/>
-              </a:rPr>
-              <a:t>contributors</a:t>
-            </a:r>
-            <a:r>
-              <a:rPr lang="de-DE" sz="2400" dirty="0" smtClean="0">
-                <a:latin typeface="Gabriola" panose="04040605051002020D02" pitchFamily="82" charset="0"/>
-                <a:sym typeface="Wingdings" panose="05000000000000000000" pitchFamily="2" charset="2"/>
-              </a:rPr>
-              <a:t> </a:t>
-            </a:r>
-            <a:r>
-              <a:rPr lang="de-DE" sz="2400" dirty="0" err="1" smtClean="0">
-                <a:latin typeface="Gabriola" panose="04040605051002020D02" pitchFamily="82" charset="0"/>
-                <a:sym typeface="Wingdings" panose="05000000000000000000" pitchFamily="2" charset="2"/>
-              </a:rPr>
-              <a:t>within</a:t>
-            </a:r>
-            <a:r>
-              <a:rPr lang="de-DE" sz="2400" dirty="0" smtClean="0">
-                <a:latin typeface="Gabriola" panose="04040605051002020D02" pitchFamily="82" charset="0"/>
-                <a:sym typeface="Wingdings" panose="05000000000000000000" pitchFamily="2" charset="2"/>
-              </a:rPr>
-              <a:t> </a:t>
-            </a:r>
-            <a:r>
-              <a:rPr lang="de-DE" sz="2400" dirty="0" err="1" smtClean="0">
-                <a:latin typeface="Gabriola" panose="04040605051002020D02" pitchFamily="82" charset="0"/>
-                <a:sym typeface="Wingdings" panose="05000000000000000000" pitchFamily="2" charset="2"/>
-              </a:rPr>
-              <a:t>definitions</a:t>
-            </a:r>
-            <a:r>
-              <a:rPr lang="de-DE" sz="2400" dirty="0" smtClean="0">
-                <a:latin typeface="Gabriola" panose="04040605051002020D02" pitchFamily="82" charset="0"/>
-                <a:sym typeface="Wingdings" panose="05000000000000000000" pitchFamily="2" charset="2"/>
-              </a:rPr>
-              <a:t>. </a:t>
-            </a:r>
-            <a:endParaRPr lang="de-DE" sz="2400" dirty="0" smtClean="0">
-              <a:latin typeface="Gabriola" panose="04040605051002020D02" pitchFamily="82" charset="0"/>
-              <a:sym typeface="Wingdings" panose="05000000000000000000" pitchFamily="2" charset="2"/>
-            </a:endParaRPr>
-          </a:p>
-          <a:p>
-            <a:endParaRPr lang="de-DE" sz="2400" dirty="0">
-              <a:latin typeface="Gabriola" panose="04040605051002020D02" pitchFamily="82" charset="0"/>
-              <a:sym typeface="Wingdings" panose="05000000000000000000" pitchFamily="2" charset="2"/>
-            </a:endParaRPr>
-          </a:p>
-          <a:p>
-            <a:r>
-              <a:rPr lang="de-DE" sz="2400" dirty="0" err="1" smtClean="0">
-                <a:latin typeface="Gabriola" panose="04040605051002020D02" pitchFamily="82" charset="0"/>
-                <a:sym typeface="Wingdings" panose="05000000000000000000" pitchFamily="2" charset="2"/>
-              </a:rPr>
-              <a:t>It</a:t>
-            </a:r>
-            <a:r>
-              <a:rPr lang="de-DE" sz="2400" dirty="0" smtClean="0">
-                <a:latin typeface="Gabriola" panose="04040605051002020D02" pitchFamily="82" charset="0"/>
-                <a:sym typeface="Wingdings" panose="05000000000000000000" pitchFamily="2" charset="2"/>
-              </a:rPr>
-              <a:t> </a:t>
-            </a:r>
-            <a:r>
-              <a:rPr lang="de-DE" sz="2400" dirty="0" err="1" smtClean="0">
-                <a:latin typeface="Gabriola" panose="04040605051002020D02" pitchFamily="82" charset="0"/>
-                <a:sym typeface="Wingdings" panose="05000000000000000000" pitchFamily="2" charset="2"/>
-              </a:rPr>
-              <a:t>simply</a:t>
-            </a:r>
-            <a:r>
-              <a:rPr lang="de-DE" sz="2400" dirty="0" smtClean="0">
-                <a:latin typeface="Gabriola" panose="04040605051002020D02" pitchFamily="82" charset="0"/>
-                <a:sym typeface="Wingdings" panose="05000000000000000000" pitchFamily="2" charset="2"/>
-              </a:rPr>
-              <a:t> </a:t>
-            </a:r>
-            <a:r>
-              <a:rPr lang="de-DE" sz="2400" dirty="0" err="1" smtClean="0">
-                <a:latin typeface="Gabriola" panose="04040605051002020D02" pitchFamily="82" charset="0"/>
-                <a:sym typeface="Wingdings" panose="05000000000000000000" pitchFamily="2" charset="2"/>
-              </a:rPr>
-              <a:t>works</a:t>
-            </a:r>
-            <a:r>
-              <a:rPr lang="de-DE" sz="2400" dirty="0" smtClean="0">
-                <a:latin typeface="Gabriola" panose="04040605051002020D02" pitchFamily="82" charset="0"/>
-                <a:sym typeface="Wingdings" panose="05000000000000000000" pitchFamily="2" charset="2"/>
-              </a:rPr>
-              <a:t>.</a:t>
-            </a:r>
-            <a:endParaRPr lang="en-US" sz="2400" dirty="0">
-              <a:latin typeface="Gabriola" panose="04040605051002020D02" pitchFamily="82" charset="0"/>
-            </a:endParaRPr>
-          </a:p>
-        </p:txBody>
-      </p:sp>
-      <p:cxnSp>
-        <p:nvCxnSpPr>
-          <p:cNvPr id="7" name="Straight Connector 9"/>
-          <p:cNvCxnSpPr/>
-          <p:nvPr/>
-        </p:nvCxnSpPr>
-        <p:spPr>
-          <a:xfrm>
-            <a:off x="506802" y="1370866"/>
-            <a:ext cx="494684" cy="0"/>
-          </a:xfrm>
-          <a:prstGeom prst="line">
-            <a:avLst/>
-          </a:prstGeom>
-          <a:ln w="57150">
-            <a:solidFill>
-              <a:schemeClr val="accent6"/>
-            </a:solidFill>
-          </a:ln>
-        </p:spPr>
-        <p:style>
-          <a:lnRef idx="1">
-            <a:schemeClr val="accent1"/>
-          </a:lnRef>
-          <a:fillRef idx="0">
-            <a:schemeClr val="accent1"/>
-          </a:fillRef>
-          <a:effectRef idx="0">
-            <a:schemeClr val="accent1"/>
-          </a:effectRef>
-          <a:fontRef idx="minor">
-            <a:schemeClr val="tx1"/>
-          </a:fontRef>
-        </p:style>
-      </p:cxnSp>
-      <p:cxnSp>
-        <p:nvCxnSpPr>
-          <p:cNvPr id="9" name="Straight Connector 11"/>
-          <p:cNvCxnSpPr/>
-          <p:nvPr/>
-        </p:nvCxnSpPr>
-        <p:spPr>
-          <a:xfrm>
-            <a:off x="506802" y="1775894"/>
-            <a:ext cx="494684" cy="0"/>
-          </a:xfrm>
-          <a:prstGeom prst="line">
-            <a:avLst/>
-          </a:prstGeom>
-          <a:ln w="57150">
-            <a:solidFill>
-              <a:srgbClr val="00B050"/>
-            </a:solidFill>
-          </a:ln>
-        </p:spPr>
-        <p:style>
-          <a:lnRef idx="1">
-            <a:schemeClr val="accent1"/>
-          </a:lnRef>
-          <a:fillRef idx="0">
-            <a:schemeClr val="accent1"/>
-          </a:fillRef>
-          <a:effectRef idx="0">
-            <a:schemeClr val="accent1"/>
-          </a:effectRef>
-          <a:fontRef idx="minor">
-            <a:schemeClr val="tx1"/>
-          </a:fontRef>
-        </p:style>
-      </p:cxnSp>
-      <p:cxnSp>
-        <p:nvCxnSpPr>
-          <p:cNvPr id="11" name="Straight Connector 9"/>
-          <p:cNvCxnSpPr/>
-          <p:nvPr/>
-        </p:nvCxnSpPr>
-        <p:spPr>
-          <a:xfrm>
-            <a:off x="535232" y="2815037"/>
-            <a:ext cx="494684" cy="0"/>
-          </a:xfrm>
-          <a:prstGeom prst="line">
-            <a:avLst/>
-          </a:prstGeom>
-          <a:ln w="57150">
-            <a:solidFill>
-              <a:schemeClr val="accent6"/>
-            </a:solidFill>
-          </a:ln>
-        </p:spPr>
-        <p:style>
-          <a:lnRef idx="1">
-            <a:schemeClr val="accent1"/>
-          </a:lnRef>
-          <a:fillRef idx="0">
-            <a:schemeClr val="accent1"/>
-          </a:fillRef>
-          <a:effectRef idx="0">
-            <a:schemeClr val="accent1"/>
-          </a:effectRef>
-          <a:fontRef idx="minor">
-            <a:schemeClr val="tx1"/>
-          </a:fontRef>
-        </p:style>
-      </p:cxnSp>
-      <p:cxnSp>
-        <p:nvCxnSpPr>
-          <p:cNvPr id="13" name="Straight Connector 11"/>
-          <p:cNvCxnSpPr/>
-          <p:nvPr/>
-        </p:nvCxnSpPr>
-        <p:spPr>
-          <a:xfrm>
-            <a:off x="535232" y="3822409"/>
-            <a:ext cx="494684" cy="0"/>
-          </a:xfrm>
-          <a:prstGeom prst="line">
-            <a:avLst/>
-          </a:prstGeom>
-          <a:ln w="57150">
-            <a:solidFill>
-              <a:srgbClr val="00B050"/>
-            </a:solidFill>
-          </a:ln>
-        </p:spPr>
-        <p:style>
-          <a:lnRef idx="1">
-            <a:schemeClr val="accent1"/>
-          </a:lnRef>
-          <a:fillRef idx="0">
-            <a:schemeClr val="accent1"/>
-          </a:fillRef>
-          <a:effectRef idx="0">
-            <a:schemeClr val="accent1"/>
-          </a:effectRef>
-          <a:fontRef idx="minor">
-            <a:schemeClr val="tx1"/>
-          </a:fontRef>
-        </p:style>
-      </p:cxnSp>
-    </p:spTree>
-    <p:extLst>
-      <p:ext uri="{BB962C8B-B14F-4D97-AF65-F5344CB8AC3E}">
-        <p14:creationId xmlns:p14="http://schemas.microsoft.com/office/powerpoint/2010/main" val="1191581072"/>
-      </p:ext>
-    </p:extLst>
-  </p:cSld>
-  <p:clrMapOvr>
-    <a:masterClrMapping/>
-  </p:clrMapOvr>
-  <p:timing>
-    <p:tnLst>
-      <p:par>
-        <p:cTn id="1" dur="indefinite" restart="never" nodeType="tmRoot"/>
-      </p:par>
-    </p:tnLst>
-  </p:timing>
-</p:sld>
-</file>
-
 <file path=ppt/slides/slide12.xml><?xml version="1.0" encoding="utf-8"?>
 <p:sld xmlns:a="http://schemas.openxmlformats.org/drawingml/2006/main" xmlns:r="http://schemas.openxmlformats.org/officeDocument/2006/relationships" xmlns:p="http://schemas.openxmlformats.org/presentationml/2006/main">
   <p:cSld>
@@ -5656,7 +6352,7 @@
         <p:spPr>
           <a:xfrm>
             <a:off x="5549900" y="2285709"/>
-            <a:ext cx="3136900" cy="1200329"/>
+            <a:ext cx="3136900" cy="1569660"/>
           </a:xfrm>
           <a:prstGeom prst="rect">
             <a:avLst/>
@@ -5739,6 +6435,14 @@
               </a:rPr>
               <a:t>. </a:t>
             </a:r>
+          </a:p>
+          <a:p>
+            <a:endParaRPr lang="de-DE" sz="2400" dirty="0">
+              <a:latin typeface="Gabriola" panose="04040605051002020D02" pitchFamily="82" charset="0"/>
+              <a:sym typeface="Wingdings" panose="05000000000000000000" pitchFamily="2" charset="2"/>
+            </a:endParaRPr>
+          </a:p>
+          <a:p>
             <a:r>
               <a:rPr lang="de-DE" sz="2400" dirty="0" err="1" smtClean="0">
                 <a:latin typeface="Gabriola" panose="04040605051002020D02" pitchFamily="82" charset="0"/>
@@ -5787,101 +6491,9 @@
           </a:p>
         </p:txBody>
       </p:sp>
-      <p:sp>
-        <p:nvSpPr>
-          <p:cNvPr id="16" name="Gleichschenkliges Dreieck 15"/>
-          <p:cNvSpPr/>
-          <p:nvPr/>
-        </p:nvSpPr>
-        <p:spPr>
-          <a:xfrm rot="5400000">
-            <a:off x="1718783" y="2434968"/>
-            <a:ext cx="1645746" cy="437363"/>
-          </a:xfrm>
-          <a:prstGeom prst="triangle">
-            <a:avLst/>
-          </a:prstGeom>
-          <a:ln>
-            <a:solidFill>
-              <a:schemeClr val="bg1">
-                <a:lumMod val="75000"/>
-              </a:schemeClr>
-            </a:solidFill>
-          </a:ln>
-          <a:effectLst>
-            <a:outerShdw blurRad="457200" dist="1295400" dir="9120000" sx="94000" sy="94000" algn="tr" rotWithShape="0">
-              <a:prstClr val="black">
-                <a:alpha val="41000"/>
-              </a:prstClr>
-            </a:outerShdw>
-          </a:effectLst>
-        </p:spPr>
-        <p:style>
-          <a:lnRef idx="2">
-            <a:schemeClr val="accent1">
-              <a:shade val="50000"/>
-            </a:schemeClr>
-          </a:lnRef>
-          <a:fillRef idx="1">
-            <a:schemeClr val="accent1"/>
-          </a:fillRef>
-          <a:effectRef idx="0">
-            <a:schemeClr val="accent1"/>
-          </a:effectRef>
-          <a:fontRef idx="minor">
-            <a:schemeClr val="lt1"/>
-          </a:fontRef>
-        </p:style>
-        <p:txBody>
-          <a:bodyPr rtlCol="0" anchor="ctr"/>
-          <a:lstStyle/>
-          <a:p>
-            <a:pPr algn="ctr"/>
-            <a:endParaRPr lang="en-US"/>
-          </a:p>
-        </p:txBody>
-      </p:sp>
-      <p:pic>
-        <p:nvPicPr>
-          <p:cNvPr id="6" name="Picture 5"/>
-          <p:cNvPicPr>
-            <a:picLocks noChangeAspect="1"/>
-          </p:cNvPicPr>
-          <p:nvPr/>
-        </p:nvPicPr>
-        <p:blipFill>
-          <a:blip r:link="rId3"/>
-          <a:stretch>
-            <a:fillRect/>
-          </a:stretch>
-        </p:blipFill>
-        <p:spPr>
-          <a:xfrm>
-            <a:off x="2944535" y="1472642"/>
-            <a:ext cx="6053667" cy="2417482"/>
-          </a:xfrm>
-          <a:prstGeom prst="rect">
-            <a:avLst/>
-          </a:prstGeom>
-          <a:ln>
-            <a:solidFill>
-              <a:schemeClr val="bg1">
-                <a:lumMod val="75000"/>
-              </a:schemeClr>
-            </a:solidFill>
-          </a:ln>
-          <a:effectLst>
-            <a:outerShdw blurRad="457200" dist="1295400" dir="9120000" sx="94000" sy="94000" algn="tr" rotWithShape="0">
-              <a:prstClr val="black">
-                <a:alpha val="41000"/>
-              </a:prstClr>
-            </a:outerShdw>
-          </a:effectLst>
-        </p:spPr>
-      </p:pic>
       <p:cxnSp>
         <p:nvCxnSpPr>
-          <p:cNvPr id="8" name="Straight Connector 9"/>
+          <p:cNvPr id="7" name="Straight Connector 9"/>
           <p:cNvCxnSpPr/>
           <p:nvPr/>
         </p:nvCxnSpPr>
@@ -5957,8 +6569,8 @@
         </p:nvCxnSpPr>
         <p:spPr>
           <a:xfrm>
-            <a:off x="3422975" y="1595837"/>
-            <a:ext cx="2694796" cy="0"/>
+            <a:off x="535232" y="2815037"/>
+            <a:ext cx="494684" cy="0"/>
           </a:xfrm>
           <a:prstGeom prst="line">
             <a:avLst/>
@@ -5992,78 +6604,8 @@
         </p:nvCxnSpPr>
         <p:spPr>
           <a:xfrm>
-            <a:off x="6623666" y="1595837"/>
-            <a:ext cx="2063134" cy="0"/>
-          </a:xfrm>
-          <a:prstGeom prst="line">
-            <a:avLst/>
-          </a:prstGeom>
-          <a:ln w="57150">
-            <a:solidFill>
-              <a:srgbClr val="00B050"/>
-            </a:solidFill>
-          </a:ln>
-        </p:spPr>
-        <p:style>
-          <a:lnRef idx="1">
-            <a:schemeClr val="accent1"/>
-          </a:lnRef>
-          <a:fillRef idx="0">
-            <a:schemeClr val="accent1"/>
-          </a:fillRef>
-          <a:effectRef idx="0">
-            <a:schemeClr val="accent1"/>
-          </a:effectRef>
-          <a:fontRef idx="minor">
-            <a:schemeClr val="tx1"/>
-          </a:fontRef>
-        </p:style>
-      </p:cxnSp>
-      <p:cxnSp>
-        <p:nvCxnSpPr>
-          <p:cNvPr id="14" name="Straight Connector 9"/>
-          <p:cNvCxnSpPr/>
-          <p:nvPr/>
-        </p:nvCxnSpPr>
-        <p:spPr>
-          <a:xfrm>
-            <a:off x="339888" y="2377544"/>
-            <a:ext cx="0" cy="1006679"/>
-          </a:xfrm>
-          <a:prstGeom prst="line">
-            <a:avLst/>
-          </a:prstGeom>
-          <a:ln w="57150">
-            <a:solidFill>
-              <a:schemeClr val="accent6"/>
-            </a:solidFill>
-          </a:ln>
-        </p:spPr>
-        <p:style>
-          <a:lnRef idx="1">
-            <a:schemeClr val="accent1"/>
-          </a:lnRef>
-          <a:fillRef idx="0">
-            <a:schemeClr val="accent1"/>
-          </a:fillRef>
-          <a:effectRef idx="0">
-            <a:schemeClr val="accent1"/>
-          </a:effectRef>
-          <a:fontRef idx="minor">
-            <a:schemeClr val="tx1"/>
-          </a:fontRef>
-        </p:style>
-      </p:cxnSp>
-      <p:cxnSp>
-        <p:nvCxnSpPr>
-          <p:cNvPr id="15" name="Straight Connector 11"/>
-          <p:cNvCxnSpPr/>
-          <p:nvPr/>
-        </p:nvCxnSpPr>
-        <p:spPr>
-          <a:xfrm>
-            <a:off x="331433" y="3602118"/>
-            <a:ext cx="0" cy="760157"/>
+            <a:off x="535232" y="3822409"/>
+            <a:ext cx="494684" cy="0"/>
           </a:xfrm>
           <a:prstGeom prst="line">
             <a:avLst/>
@@ -6092,7 +6634,7 @@
     </p:spTree>
     <p:extLst>
       <p:ext uri="{BB962C8B-B14F-4D97-AF65-F5344CB8AC3E}">
-        <p14:creationId xmlns:p14="http://schemas.microsoft.com/office/powerpoint/2010/main" val="3047185165"/>
+        <p14:creationId xmlns:p14="http://schemas.microsoft.com/office/powerpoint/2010/main" val="1191581072"/>
       </p:ext>
     </p:extLst>
   </p:cSld>
@@ -6134,6 +6676,589 @@
         </p:nvSpPr>
         <p:spPr>
           <a:xfrm>
+            <a:off x="-14710" y="5487"/>
+            <a:ext cx="5564610" cy="646331"/>
+          </a:xfrm>
+          <a:prstGeom prst="rect">
+            <a:avLst/>
+          </a:prstGeom>
+          <a:noFill/>
+        </p:spPr>
+        <p:txBody>
+          <a:bodyPr wrap="square" rtlCol="0">
+            <a:spAutoFit/>
+          </a:bodyPr>
+          <a:lstStyle/>
+          <a:p>
+            <a:r>
+              <a:rPr lang="de-DE" sz="3600" dirty="0" smtClean="0">
+                <a:effectLst>
+                  <a:outerShdw blurRad="38100" dist="38100" dir="2700000" algn="tl">
+                    <a:srgbClr val="000000">
+                      <a:alpha val="43137"/>
+                    </a:srgbClr>
+                  </a:outerShdw>
+                </a:effectLst>
+                <a:latin typeface="Gabriola" panose="04040605051002020D02" pitchFamily="82" charset="0"/>
+              </a:rPr>
+              <a:t>Mix </a:t>
+            </a:r>
+            <a:r>
+              <a:rPr lang="de-DE" sz="3600" dirty="0" err="1">
+                <a:effectLst>
+                  <a:outerShdw blurRad="38100" dist="38100" dir="2700000" algn="tl">
+                    <a:srgbClr val="000000">
+                      <a:alpha val="43137"/>
+                    </a:srgbClr>
+                  </a:outerShdw>
+                </a:effectLst>
+                <a:latin typeface="Gabriola" panose="04040605051002020D02" pitchFamily="82" charset="0"/>
+              </a:rPr>
+              <a:t>C</a:t>
+            </a:r>
+            <a:r>
+              <a:rPr lang="de-DE" sz="3600" dirty="0" err="1" smtClean="0">
+                <a:effectLst>
+                  <a:outerShdw blurRad="38100" dist="38100" dir="2700000" algn="tl">
+                    <a:srgbClr val="000000">
+                      <a:alpha val="43137"/>
+                    </a:srgbClr>
+                  </a:outerShdw>
+                </a:effectLst>
+                <a:latin typeface="Gabriola" panose="04040605051002020D02" pitchFamily="82" charset="0"/>
+              </a:rPr>
+              <a:t>ontributors</a:t>
+            </a:r>
+            <a:endParaRPr lang="en-US" sz="3600" dirty="0">
+              <a:effectLst>
+                <a:outerShdw blurRad="38100" dist="38100" dir="2700000" algn="tl">
+                  <a:srgbClr val="000000">
+                    <a:alpha val="43137"/>
+                  </a:srgbClr>
+                </a:outerShdw>
+              </a:effectLst>
+              <a:latin typeface="Gabriola" panose="04040605051002020D02" pitchFamily="82" charset="0"/>
+            </a:endParaRPr>
+          </a:p>
+        </p:txBody>
+      </p:sp>
+      <p:pic>
+        <p:nvPicPr>
+          <p:cNvPr id="3" name="Picture 2"/>
+          <p:cNvPicPr>
+            <a:picLocks noChangeAspect="1"/>
+          </p:cNvPicPr>
+          <p:nvPr/>
+        </p:nvPicPr>
+        <p:blipFill rotWithShape="1">
+          <a:blip r:link="rId2"/>
+          <a:srcRect l="1492" t="5619" r="2714" b="8559"/>
+          <a:stretch/>
+        </p:blipFill>
+        <p:spPr>
+          <a:xfrm>
+            <a:off x="74337" y="1090569"/>
+            <a:ext cx="5133985" cy="3580632"/>
+          </a:xfrm>
+          <a:prstGeom prst="rect">
+            <a:avLst/>
+          </a:prstGeom>
+          <a:ln>
+            <a:solidFill>
+              <a:schemeClr val="bg1">
+                <a:lumMod val="75000"/>
+              </a:schemeClr>
+            </a:solidFill>
+          </a:ln>
+        </p:spPr>
+      </p:pic>
+      <p:sp>
+        <p:nvSpPr>
+          <p:cNvPr id="5" name="Textfeld 9"/>
+          <p:cNvSpPr txBox="1"/>
+          <p:nvPr/>
+        </p:nvSpPr>
+        <p:spPr>
+          <a:xfrm>
+            <a:off x="5549900" y="2285709"/>
+            <a:ext cx="3136900" cy="1200329"/>
+          </a:xfrm>
+          <a:prstGeom prst="rect">
+            <a:avLst/>
+          </a:prstGeom>
+          <a:noFill/>
+        </p:spPr>
+        <p:txBody>
+          <a:bodyPr wrap="square" rtlCol="0">
+            <a:spAutoFit/>
+          </a:bodyPr>
+          <a:lstStyle/>
+          <a:p>
+            <a:r>
+              <a:rPr lang="de-DE" sz="2400" dirty="0" err="1" smtClean="0">
+                <a:latin typeface="Gabriola" panose="04040605051002020D02" pitchFamily="82" charset="0"/>
+                <a:sym typeface="Wingdings" panose="05000000000000000000" pitchFamily="2" charset="2"/>
+              </a:rPr>
+              <a:t>You</a:t>
+            </a:r>
+            <a:r>
+              <a:rPr lang="de-DE" sz="2400" dirty="0" smtClean="0">
+                <a:latin typeface="Gabriola" panose="04040605051002020D02" pitchFamily="82" charset="0"/>
+                <a:sym typeface="Wingdings" panose="05000000000000000000" pitchFamily="2" charset="2"/>
+              </a:rPr>
+              <a:t> </a:t>
+            </a:r>
+            <a:r>
+              <a:rPr lang="de-DE" sz="2400" dirty="0" err="1" smtClean="0">
+                <a:latin typeface="Gabriola" panose="04040605051002020D02" pitchFamily="82" charset="0"/>
+                <a:sym typeface="Wingdings" panose="05000000000000000000" pitchFamily="2" charset="2"/>
+              </a:rPr>
+              <a:t>can</a:t>
+            </a:r>
+            <a:r>
+              <a:rPr lang="de-DE" sz="2400" dirty="0" smtClean="0">
+                <a:latin typeface="Gabriola" panose="04040605051002020D02" pitchFamily="82" charset="0"/>
+                <a:sym typeface="Wingdings" panose="05000000000000000000" pitchFamily="2" charset="2"/>
+              </a:rPr>
+              <a:t> mix </a:t>
+            </a:r>
+            <a:r>
+              <a:rPr lang="de-DE" sz="2400" dirty="0" err="1" smtClean="0">
+                <a:latin typeface="Gabriola" panose="04040605051002020D02" pitchFamily="82" charset="0"/>
+                <a:sym typeface="Wingdings" panose="05000000000000000000" pitchFamily="2" charset="2"/>
+              </a:rPr>
+              <a:t>contributors</a:t>
+            </a:r>
+            <a:r>
+              <a:rPr lang="de-DE" sz="2400" dirty="0" smtClean="0">
+                <a:latin typeface="Gabriola" panose="04040605051002020D02" pitchFamily="82" charset="0"/>
+                <a:sym typeface="Wingdings" panose="05000000000000000000" pitchFamily="2" charset="2"/>
+              </a:rPr>
+              <a:t> </a:t>
+            </a:r>
+            <a:r>
+              <a:rPr lang="de-DE" sz="2400" dirty="0" err="1" smtClean="0">
+                <a:latin typeface="Gabriola" panose="04040605051002020D02" pitchFamily="82" charset="0"/>
+                <a:sym typeface="Wingdings" panose="05000000000000000000" pitchFamily="2" charset="2"/>
+              </a:rPr>
+              <a:t>within</a:t>
+            </a:r>
+            <a:r>
+              <a:rPr lang="de-DE" sz="2400" dirty="0" smtClean="0">
+                <a:latin typeface="Gabriola" panose="04040605051002020D02" pitchFamily="82" charset="0"/>
+                <a:sym typeface="Wingdings" panose="05000000000000000000" pitchFamily="2" charset="2"/>
+              </a:rPr>
+              <a:t> </a:t>
+            </a:r>
+            <a:r>
+              <a:rPr lang="de-DE" sz="2400" dirty="0" err="1" smtClean="0">
+                <a:latin typeface="Gabriola" panose="04040605051002020D02" pitchFamily="82" charset="0"/>
+                <a:sym typeface="Wingdings" panose="05000000000000000000" pitchFamily="2" charset="2"/>
+              </a:rPr>
+              <a:t>definitions</a:t>
+            </a:r>
+            <a:r>
+              <a:rPr lang="de-DE" sz="2400" dirty="0" smtClean="0">
+                <a:latin typeface="Gabriola" panose="04040605051002020D02" pitchFamily="82" charset="0"/>
+                <a:sym typeface="Wingdings" panose="05000000000000000000" pitchFamily="2" charset="2"/>
+              </a:rPr>
+              <a:t>. </a:t>
+            </a:r>
+            <a:r>
+              <a:rPr lang="de-DE" sz="2400" dirty="0" err="1" smtClean="0">
+                <a:latin typeface="Gabriola" panose="04040605051002020D02" pitchFamily="82" charset="0"/>
+                <a:sym typeface="Wingdings" panose="05000000000000000000" pitchFamily="2" charset="2"/>
+              </a:rPr>
+              <a:t>It</a:t>
+            </a:r>
+            <a:r>
+              <a:rPr lang="de-DE" sz="2400" dirty="0" smtClean="0">
+                <a:latin typeface="Gabriola" panose="04040605051002020D02" pitchFamily="82" charset="0"/>
+                <a:sym typeface="Wingdings" panose="05000000000000000000" pitchFamily="2" charset="2"/>
+              </a:rPr>
+              <a:t> </a:t>
+            </a:r>
+            <a:r>
+              <a:rPr lang="de-DE" sz="2400" dirty="0" err="1" smtClean="0">
+                <a:latin typeface="Gabriola" panose="04040605051002020D02" pitchFamily="82" charset="0"/>
+                <a:sym typeface="Wingdings" panose="05000000000000000000" pitchFamily="2" charset="2"/>
+              </a:rPr>
+              <a:t>simply</a:t>
+            </a:r>
+            <a:r>
+              <a:rPr lang="de-DE" sz="2400" dirty="0" smtClean="0">
+                <a:latin typeface="Gabriola" panose="04040605051002020D02" pitchFamily="82" charset="0"/>
+                <a:sym typeface="Wingdings" panose="05000000000000000000" pitchFamily="2" charset="2"/>
+              </a:rPr>
+              <a:t> </a:t>
+            </a:r>
+            <a:r>
+              <a:rPr lang="de-DE" sz="2400" dirty="0" err="1" smtClean="0">
+                <a:latin typeface="Gabriola" panose="04040605051002020D02" pitchFamily="82" charset="0"/>
+                <a:sym typeface="Wingdings" panose="05000000000000000000" pitchFamily="2" charset="2"/>
+              </a:rPr>
+              <a:t>works</a:t>
+            </a:r>
+            <a:r>
+              <a:rPr lang="de-DE" sz="2400" dirty="0" smtClean="0">
+                <a:latin typeface="Gabriola" panose="04040605051002020D02" pitchFamily="82" charset="0"/>
+                <a:sym typeface="Wingdings" panose="05000000000000000000" pitchFamily="2" charset="2"/>
+              </a:rPr>
+              <a:t>.</a:t>
+            </a:r>
+            <a:endParaRPr lang="en-US" sz="2400" dirty="0">
+              <a:latin typeface="Gabriola" panose="04040605051002020D02" pitchFamily="82" charset="0"/>
+            </a:endParaRPr>
+          </a:p>
+        </p:txBody>
+      </p:sp>
+      <p:sp>
+        <p:nvSpPr>
+          <p:cNvPr id="16" name="Gleichschenkliges Dreieck 15"/>
+          <p:cNvSpPr/>
+          <p:nvPr/>
+        </p:nvSpPr>
+        <p:spPr>
+          <a:xfrm rot="5400000">
+            <a:off x="1718783" y="2434968"/>
+            <a:ext cx="1645746" cy="437363"/>
+          </a:xfrm>
+          <a:prstGeom prst="triangle">
+            <a:avLst/>
+          </a:prstGeom>
+          <a:ln>
+            <a:solidFill>
+              <a:schemeClr val="bg1">
+                <a:lumMod val="75000"/>
+              </a:schemeClr>
+            </a:solidFill>
+          </a:ln>
+          <a:effectLst>
+            <a:outerShdw blurRad="457200" dist="1295400" dir="9120000" sx="94000" sy="94000" algn="tr" rotWithShape="0">
+              <a:prstClr val="black">
+                <a:alpha val="41000"/>
+              </a:prstClr>
+            </a:outerShdw>
+          </a:effectLst>
+        </p:spPr>
+        <p:style>
+          <a:lnRef idx="2">
+            <a:schemeClr val="accent1">
+              <a:shade val="50000"/>
+            </a:schemeClr>
+          </a:lnRef>
+          <a:fillRef idx="1">
+            <a:schemeClr val="accent1"/>
+          </a:fillRef>
+          <a:effectRef idx="0">
+            <a:schemeClr val="accent1"/>
+          </a:effectRef>
+          <a:fontRef idx="minor">
+            <a:schemeClr val="lt1"/>
+          </a:fontRef>
+        </p:style>
+        <p:txBody>
+          <a:bodyPr rtlCol="0" anchor="ctr"/>
+          <a:lstStyle/>
+          <a:p>
+            <a:pPr algn="ctr"/>
+            <a:endParaRPr lang="en-US"/>
+          </a:p>
+        </p:txBody>
+      </p:sp>
+      <p:pic>
+        <p:nvPicPr>
+          <p:cNvPr id="6" name="Picture 5"/>
+          <p:cNvPicPr>
+            <a:picLocks noChangeAspect="1"/>
+          </p:cNvPicPr>
+          <p:nvPr/>
+        </p:nvPicPr>
+        <p:blipFill>
+          <a:blip r:link="rId3"/>
+          <a:stretch>
+            <a:fillRect/>
+          </a:stretch>
+        </p:blipFill>
+        <p:spPr>
+          <a:xfrm>
+            <a:off x="2944535" y="1472642"/>
+            <a:ext cx="6053667" cy="2417482"/>
+          </a:xfrm>
+          <a:prstGeom prst="rect">
+            <a:avLst/>
+          </a:prstGeom>
+          <a:ln>
+            <a:solidFill>
+              <a:schemeClr val="bg1">
+                <a:lumMod val="75000"/>
+              </a:schemeClr>
+            </a:solidFill>
+          </a:ln>
+          <a:effectLst>
+            <a:outerShdw blurRad="457200" dist="1295400" dir="9120000" sx="94000" sy="94000" algn="tr" rotWithShape="0">
+              <a:prstClr val="black">
+                <a:alpha val="41000"/>
+              </a:prstClr>
+            </a:outerShdw>
+          </a:effectLst>
+        </p:spPr>
+      </p:pic>
+      <p:cxnSp>
+        <p:nvCxnSpPr>
+          <p:cNvPr id="8" name="Straight Connector 9"/>
+          <p:cNvCxnSpPr/>
+          <p:nvPr/>
+        </p:nvCxnSpPr>
+        <p:spPr>
+          <a:xfrm>
+            <a:off x="506802" y="1370866"/>
+            <a:ext cx="494684" cy="0"/>
+          </a:xfrm>
+          <a:prstGeom prst="line">
+            <a:avLst/>
+          </a:prstGeom>
+          <a:ln w="57150">
+            <a:solidFill>
+              <a:schemeClr val="accent6"/>
+            </a:solidFill>
+          </a:ln>
+        </p:spPr>
+        <p:style>
+          <a:lnRef idx="1">
+            <a:schemeClr val="accent1"/>
+          </a:lnRef>
+          <a:fillRef idx="0">
+            <a:schemeClr val="accent1"/>
+          </a:fillRef>
+          <a:effectRef idx="0">
+            <a:schemeClr val="accent1"/>
+          </a:effectRef>
+          <a:fontRef idx="minor">
+            <a:schemeClr val="tx1"/>
+          </a:fontRef>
+        </p:style>
+      </p:cxnSp>
+      <p:cxnSp>
+        <p:nvCxnSpPr>
+          <p:cNvPr id="9" name="Straight Connector 11"/>
+          <p:cNvCxnSpPr/>
+          <p:nvPr/>
+        </p:nvCxnSpPr>
+        <p:spPr>
+          <a:xfrm>
+            <a:off x="506802" y="1775894"/>
+            <a:ext cx="494684" cy="0"/>
+          </a:xfrm>
+          <a:prstGeom prst="line">
+            <a:avLst/>
+          </a:prstGeom>
+          <a:ln w="57150">
+            <a:solidFill>
+              <a:srgbClr val="00B050"/>
+            </a:solidFill>
+          </a:ln>
+        </p:spPr>
+        <p:style>
+          <a:lnRef idx="1">
+            <a:schemeClr val="accent1"/>
+          </a:lnRef>
+          <a:fillRef idx="0">
+            <a:schemeClr val="accent1"/>
+          </a:fillRef>
+          <a:effectRef idx="0">
+            <a:schemeClr val="accent1"/>
+          </a:effectRef>
+          <a:fontRef idx="minor">
+            <a:schemeClr val="tx1"/>
+          </a:fontRef>
+        </p:style>
+      </p:cxnSp>
+      <p:cxnSp>
+        <p:nvCxnSpPr>
+          <p:cNvPr id="11" name="Straight Connector 9"/>
+          <p:cNvCxnSpPr/>
+          <p:nvPr/>
+        </p:nvCxnSpPr>
+        <p:spPr>
+          <a:xfrm>
+            <a:off x="3422975" y="1595837"/>
+            <a:ext cx="2694796" cy="0"/>
+          </a:xfrm>
+          <a:prstGeom prst="line">
+            <a:avLst/>
+          </a:prstGeom>
+          <a:ln w="57150">
+            <a:solidFill>
+              <a:schemeClr val="accent6"/>
+            </a:solidFill>
+          </a:ln>
+        </p:spPr>
+        <p:style>
+          <a:lnRef idx="1">
+            <a:schemeClr val="accent1"/>
+          </a:lnRef>
+          <a:fillRef idx="0">
+            <a:schemeClr val="accent1"/>
+          </a:fillRef>
+          <a:effectRef idx="0">
+            <a:schemeClr val="accent1"/>
+          </a:effectRef>
+          <a:fontRef idx="minor">
+            <a:schemeClr val="tx1"/>
+          </a:fontRef>
+        </p:style>
+      </p:cxnSp>
+      <p:cxnSp>
+        <p:nvCxnSpPr>
+          <p:cNvPr id="13" name="Straight Connector 11"/>
+          <p:cNvCxnSpPr/>
+          <p:nvPr/>
+        </p:nvCxnSpPr>
+        <p:spPr>
+          <a:xfrm>
+            <a:off x="6623666" y="1595837"/>
+            <a:ext cx="2063134" cy="0"/>
+          </a:xfrm>
+          <a:prstGeom prst="line">
+            <a:avLst/>
+          </a:prstGeom>
+          <a:ln w="57150">
+            <a:solidFill>
+              <a:srgbClr val="00B050"/>
+            </a:solidFill>
+          </a:ln>
+        </p:spPr>
+        <p:style>
+          <a:lnRef idx="1">
+            <a:schemeClr val="accent1"/>
+          </a:lnRef>
+          <a:fillRef idx="0">
+            <a:schemeClr val="accent1"/>
+          </a:fillRef>
+          <a:effectRef idx="0">
+            <a:schemeClr val="accent1"/>
+          </a:effectRef>
+          <a:fontRef idx="minor">
+            <a:schemeClr val="tx1"/>
+          </a:fontRef>
+        </p:style>
+      </p:cxnSp>
+      <p:cxnSp>
+        <p:nvCxnSpPr>
+          <p:cNvPr id="14" name="Straight Connector 9"/>
+          <p:cNvCxnSpPr/>
+          <p:nvPr/>
+        </p:nvCxnSpPr>
+        <p:spPr>
+          <a:xfrm>
+            <a:off x="339888" y="2377544"/>
+            <a:ext cx="0" cy="1006679"/>
+          </a:xfrm>
+          <a:prstGeom prst="line">
+            <a:avLst/>
+          </a:prstGeom>
+          <a:ln w="57150">
+            <a:solidFill>
+              <a:schemeClr val="accent6"/>
+            </a:solidFill>
+          </a:ln>
+        </p:spPr>
+        <p:style>
+          <a:lnRef idx="1">
+            <a:schemeClr val="accent1"/>
+          </a:lnRef>
+          <a:fillRef idx="0">
+            <a:schemeClr val="accent1"/>
+          </a:fillRef>
+          <a:effectRef idx="0">
+            <a:schemeClr val="accent1"/>
+          </a:effectRef>
+          <a:fontRef idx="minor">
+            <a:schemeClr val="tx1"/>
+          </a:fontRef>
+        </p:style>
+      </p:cxnSp>
+      <p:cxnSp>
+        <p:nvCxnSpPr>
+          <p:cNvPr id="15" name="Straight Connector 11"/>
+          <p:cNvCxnSpPr/>
+          <p:nvPr/>
+        </p:nvCxnSpPr>
+        <p:spPr>
+          <a:xfrm>
+            <a:off x="331433" y="3602118"/>
+            <a:ext cx="0" cy="760157"/>
+          </a:xfrm>
+          <a:prstGeom prst="line">
+            <a:avLst/>
+          </a:prstGeom>
+          <a:ln w="57150">
+            <a:solidFill>
+              <a:srgbClr val="00B050"/>
+            </a:solidFill>
+          </a:ln>
+        </p:spPr>
+        <p:style>
+          <a:lnRef idx="1">
+            <a:schemeClr val="accent1"/>
+          </a:lnRef>
+          <a:fillRef idx="0">
+            <a:schemeClr val="accent1"/>
+          </a:fillRef>
+          <a:effectRef idx="0">
+            <a:schemeClr val="accent1"/>
+          </a:effectRef>
+          <a:fontRef idx="minor">
+            <a:schemeClr val="tx1"/>
+          </a:fontRef>
+        </p:style>
+      </p:cxnSp>
+    </p:spTree>
+    <p:extLst>
+      <p:ext uri="{BB962C8B-B14F-4D97-AF65-F5344CB8AC3E}">
+        <p14:creationId xmlns:p14="http://schemas.microsoft.com/office/powerpoint/2010/main" val="3047185165"/>
+      </p:ext>
+    </p:extLst>
+  </p:cSld>
+  <p:clrMapOvr>
+    <a:masterClrMapping/>
+  </p:clrMapOvr>
+  <p:timing>
+    <p:tnLst>
+      <p:par>
+        <p:cTn id="1" dur="indefinite" restart="never" nodeType="tmRoot"/>
+      </p:par>
+    </p:tnLst>
+  </p:timing>
+</p:sld>
+</file>
+
+<file path=ppt/slides/slide14.xml><?xml version="1.0" encoding="utf-8"?>
+<p:sld xmlns:a="http://schemas.openxmlformats.org/drawingml/2006/main" xmlns:r="http://schemas.openxmlformats.org/officeDocument/2006/relationships" xmlns:p="http://schemas.openxmlformats.org/presentationml/2006/main">
+  <p:cSld>
+    <p:spTree>
+      <p:nvGrpSpPr>
+        <p:cNvPr id="1" name=""/>
+        <p:cNvGrpSpPr/>
+        <p:nvPr/>
+      </p:nvGrpSpPr>
+      <p:grpSpPr>
+        <a:xfrm>
+          <a:off x="0" y="0"/>
+          <a:ext cx="0" cy="0"/>
+          <a:chOff x="0" y="0"/>
+          <a:chExt cx="0" cy="0"/>
+        </a:xfrm>
+      </p:grpSpPr>
+      <p:sp>
+        <p:nvSpPr>
+          <p:cNvPr id="18" name="Textfeld 17"/>
+          <p:cNvSpPr txBox="1"/>
+          <p:nvPr/>
+        </p:nvSpPr>
+        <p:spPr>
+          <a:xfrm>
             <a:off x="-14711" y="5487"/>
             <a:ext cx="6268365" cy="646331"/>
           </a:xfrm>
@@ -6436,7 +7561,7 @@
 </p:sld>
 </file>
 
-<file path=ppt/slides/slide14.xml><?xml version="1.0" encoding="utf-8"?>
+<file path=ppt/slides/slide15.xml><?xml version="1.0" encoding="utf-8"?>
 <p:sld xmlns:a="http://schemas.openxmlformats.org/drawingml/2006/main" xmlns:r="http://schemas.openxmlformats.org/officeDocument/2006/relationships" xmlns:p="http://schemas.openxmlformats.org/presentationml/2006/main">
   <p:cSld>
     <p:spTree>
@@ -7011,7 +8136,7 @@
 </p:sld>
 </file>
 
-<file path=ppt/slides/slide15.xml><?xml version="1.0" encoding="utf-8"?>
+<file path=ppt/slides/slide16.xml><?xml version="1.0" encoding="utf-8"?>
 <p:sld xmlns:a="http://schemas.openxmlformats.org/drawingml/2006/main" xmlns:r="http://schemas.openxmlformats.org/officeDocument/2006/relationships" xmlns:p="http://schemas.openxmlformats.org/presentationml/2006/main">
   <p:cSld>
     <p:spTree>
@@ -7074,20 +8199,7 @@
                 </a:effectLst>
                 <a:latin typeface="Gabriola" panose="04040605051002020D02" pitchFamily="82" charset="0"/>
               </a:rPr>
-              <a:t>a</a:t>
-            </a:r>
-            <a:r>
-              <a:rPr lang="de-DE" sz="3600" dirty="0" err="1" smtClean="0">
-                <a:effectLst>
-                  <a:outerShdw blurRad="38100" dist="38100" dir="2700000" algn="tl">
-                    <a:srgbClr val="000000">
-                      <a:alpha val="43137"/>
-                    </a:srgbClr>
-                  </a:outerShdw>
-                </a:effectLst>
-                <a:latin typeface="Gabriola" panose="04040605051002020D02" pitchFamily="82" charset="0"/>
-              </a:rPr>
-              <a:t>nd</a:t>
+              <a:t>and</a:t>
             </a:r>
             <a:r>
               <a:rPr lang="de-DE" sz="3600" dirty="0" smtClean="0">
@@ -7438,7 +8550,28 @@
                 <a:latin typeface="Gabriola" panose="04040605051002020D02" pitchFamily="82" charset="0"/>
                 <a:sym typeface="Wingdings" panose="05000000000000000000" pitchFamily="2" charset="2"/>
               </a:rPr>
-              <a:t> Properties</a:t>
+              <a:t> </a:t>
+            </a:r>
+            <a:r>
+              <a:rPr lang="de-DE" sz="2400" dirty="0" err="1" smtClean="0">
+                <a:latin typeface="Gabriola" panose="04040605051002020D02" pitchFamily="82" charset="0"/>
+                <a:sym typeface="Wingdings" panose="05000000000000000000" pitchFamily="2" charset="2"/>
+              </a:rPr>
+              <a:t>values</a:t>
+            </a:r>
+            <a:r>
+              <a:rPr lang="de-DE" sz="2400" dirty="0" smtClean="0">
+                <a:latin typeface="Gabriola" panose="04040605051002020D02" pitchFamily="82" charset="0"/>
+                <a:sym typeface="Wingdings" panose="05000000000000000000" pitchFamily="2" charset="2"/>
+              </a:rPr>
+              <a:t> in </a:t>
+            </a:r>
+            <a:r>
+              <a:rPr lang="de-DE" sz="2400" dirty="0" err="1" smtClean="0">
+                <a:latin typeface="Gabriola" panose="04040605051002020D02" pitchFamily="82" charset="0"/>
+                <a:sym typeface="Wingdings" panose="05000000000000000000" pitchFamily="2" charset="2"/>
+              </a:rPr>
+              <a:t>contributors</a:t>
             </a:r>
             <a:endParaRPr lang="en-US" sz="2400" dirty="0"/>
           </a:p>
@@ -7772,20 +8905,7 @@
                 </a:effectLst>
                 <a:latin typeface="Gabriola" panose="04040605051002020D02" pitchFamily="82" charset="0"/>
               </a:rPr>
-              <a:t> </a:t>
-            </a:r>
-            <a:r>
-              <a:rPr lang="de-DE" sz="3600" dirty="0" smtClean="0">
-                <a:effectLst>
-                  <a:outerShdw blurRad="38100" dist="38100" dir="2700000" algn="tl">
-                    <a:srgbClr val="000000">
-                      <a:alpha val="43137"/>
-                    </a:srgbClr>
-                  </a:outerShdw>
-                </a:effectLst>
-                <a:latin typeface="Gabriola" panose="04040605051002020D02" pitchFamily="82" charset="0"/>
-              </a:rPr>
-              <a:t>Test</a:t>
+              <a:t> Test</a:t>
             </a:r>
             <a:endParaRPr lang="en-US" sz="3600" dirty="0">
               <a:effectLst>
@@ -8369,20 +9489,7 @@
                 </a:effectLst>
                 <a:latin typeface="Gabriola" panose="04040605051002020D02" pitchFamily="82" charset="0"/>
               </a:rPr>
-              <a:t> </a:t>
-            </a:r>
-            <a:r>
-              <a:rPr lang="de-DE" sz="3600" dirty="0" smtClean="0">
-                <a:effectLst>
-                  <a:outerShdw blurRad="38100" dist="38100" dir="2700000" algn="tl">
-                    <a:srgbClr val="000000">
-                      <a:alpha val="43137"/>
-                    </a:srgbClr>
-                  </a:outerShdw>
-                </a:effectLst>
-                <a:latin typeface="Gabriola" panose="04040605051002020D02" pitchFamily="82" charset="0"/>
-              </a:rPr>
-              <a:t>Test</a:t>
+              <a:t> Test</a:t>
             </a:r>
             <a:endParaRPr lang="en-US" sz="3600" dirty="0">
               <a:effectLst>
@@ -8602,20 +9709,7 @@
                 </a:effectLst>
                 <a:latin typeface="Gabriola" panose="04040605051002020D02" pitchFamily="82" charset="0"/>
               </a:rPr>
-              <a:t> </a:t>
-            </a:r>
-            <a:r>
-              <a:rPr lang="de-DE" sz="3600" dirty="0" smtClean="0">
-                <a:effectLst>
-                  <a:outerShdw blurRad="38100" dist="38100" dir="2700000" algn="tl">
-                    <a:srgbClr val="000000">
-                      <a:alpha val="43137"/>
-                    </a:srgbClr>
-                  </a:outerShdw>
-                </a:effectLst>
-                <a:latin typeface="Gabriola" panose="04040605051002020D02" pitchFamily="82" charset="0"/>
-              </a:rPr>
-              <a:t>Test</a:t>
+              <a:t> Test</a:t>
             </a:r>
             <a:endParaRPr lang="en-US" sz="3600" dirty="0">
               <a:effectLst>
@@ -9214,6 +10308,1319 @@
 </file>
 
 <file path=ppt/slides/slide5.xml><?xml version="1.0" encoding="utf-8"?>
+<p:sld xmlns:a="http://schemas.openxmlformats.org/drawingml/2006/main" xmlns:r="http://schemas.openxmlformats.org/officeDocument/2006/relationships" xmlns:p="http://schemas.openxmlformats.org/presentationml/2006/main">
+  <p:cSld>
+    <p:spTree>
+      <p:nvGrpSpPr>
+        <p:cNvPr id="1" name=""/>
+        <p:cNvGrpSpPr/>
+        <p:nvPr/>
+      </p:nvGrpSpPr>
+      <p:grpSpPr>
+        <a:xfrm>
+          <a:off x="0" y="0"/>
+          <a:ext cx="0" cy="0"/>
+          <a:chOff x="0" y="0"/>
+          <a:chExt cx="0" cy="0"/>
+        </a:xfrm>
+      </p:grpSpPr>
+      <p:pic>
+        <p:nvPicPr>
+          <p:cNvPr id="16" name="Grafik 15"/>
+          <p:cNvPicPr>
+            <a:picLocks noChangeAspect="1"/>
+          </p:cNvPicPr>
+          <p:nvPr/>
+        </p:nvPicPr>
+        <p:blipFill rotWithShape="1">
+          <a:blip r:link="rId2"/>
+          <a:srcRect l="1612" t="2775" r="2347" b="23968"/>
+          <a:stretch/>
+        </p:blipFill>
+        <p:spPr>
+          <a:xfrm>
+            <a:off x="4817859" y="824384"/>
+            <a:ext cx="4273902" cy="4234177"/>
+          </a:xfrm>
+          <a:prstGeom prst="rect">
+            <a:avLst/>
+          </a:prstGeom>
+          <a:ln>
+            <a:solidFill>
+              <a:schemeClr val="bg1">
+                <a:lumMod val="75000"/>
+              </a:schemeClr>
+            </a:solidFill>
+          </a:ln>
+        </p:spPr>
+      </p:pic>
+      <p:pic>
+        <p:nvPicPr>
+          <p:cNvPr id="21" name="Grafik 20"/>
+          <p:cNvPicPr>
+            <a:picLocks noChangeAspect="1"/>
+          </p:cNvPicPr>
+          <p:nvPr/>
+        </p:nvPicPr>
+        <p:blipFill rotWithShape="1">
+          <a:blip r:link="rId3"/>
+          <a:srcRect l="1835" t="4268" r="3108" b="2606"/>
+          <a:stretch/>
+        </p:blipFill>
+        <p:spPr>
+          <a:xfrm>
+            <a:off x="78939" y="987105"/>
+            <a:ext cx="2246080" cy="2861951"/>
+          </a:xfrm>
+          <a:prstGeom prst="rect">
+            <a:avLst/>
+          </a:prstGeom>
+          <a:ln>
+            <a:solidFill>
+              <a:schemeClr val="bg1">
+                <a:lumMod val="75000"/>
+              </a:schemeClr>
+            </a:solidFill>
+          </a:ln>
+        </p:spPr>
+      </p:pic>
+      <p:sp>
+        <p:nvSpPr>
+          <p:cNvPr id="18" name="Textfeld 17"/>
+          <p:cNvSpPr txBox="1"/>
+          <p:nvPr/>
+        </p:nvSpPr>
+        <p:spPr>
+          <a:xfrm>
+            <a:off x="-14709" y="5487"/>
+            <a:ext cx="3444721" cy="646331"/>
+          </a:xfrm>
+          <a:prstGeom prst="rect">
+            <a:avLst/>
+          </a:prstGeom>
+          <a:noFill/>
+        </p:spPr>
+        <p:txBody>
+          <a:bodyPr wrap="square" rtlCol="0">
+            <a:spAutoFit/>
+          </a:bodyPr>
+          <a:lstStyle/>
+          <a:p>
+            <a:pPr algn="ctr"/>
+            <a:r>
+              <a:rPr lang="de-DE" sz="3600" dirty="0" err="1" smtClean="0">
+                <a:effectLst>
+                  <a:outerShdw blurRad="38100" dist="38100" dir="2700000" algn="tl">
+                    <a:srgbClr val="000000">
+                      <a:alpha val="43137"/>
+                    </a:srgbClr>
+                  </a:outerShdw>
+                </a:effectLst>
+                <a:latin typeface="Gabriola" panose="04040605051002020D02" pitchFamily="82" charset="0"/>
+              </a:rPr>
+              <a:t>Conventional</a:t>
+            </a:r>
+            <a:r>
+              <a:rPr lang="de-DE" sz="3600" dirty="0" smtClean="0">
+                <a:effectLst>
+                  <a:outerShdw blurRad="38100" dist="38100" dir="2700000" algn="tl">
+                    <a:srgbClr val="000000">
+                      <a:alpha val="43137"/>
+                    </a:srgbClr>
+                  </a:outerShdw>
+                </a:effectLst>
+                <a:latin typeface="Gabriola" panose="04040605051002020D02" pitchFamily="82" charset="0"/>
+              </a:rPr>
+              <a:t> Unit Test</a:t>
+            </a:r>
+            <a:endParaRPr lang="en-US" sz="3600" dirty="0">
+              <a:effectLst>
+                <a:outerShdw blurRad="38100" dist="38100" dir="2700000" algn="tl">
+                  <a:srgbClr val="000000">
+                    <a:alpha val="43137"/>
+                  </a:srgbClr>
+                </a:outerShdw>
+              </a:effectLst>
+              <a:latin typeface="Gabriola" panose="04040605051002020D02" pitchFamily="82" charset="0"/>
+            </a:endParaRPr>
+          </a:p>
+        </p:txBody>
+      </p:sp>
+      <p:sp>
+        <p:nvSpPr>
+          <p:cNvPr id="4" name="Textfeld 3"/>
+          <p:cNvSpPr txBox="1"/>
+          <p:nvPr/>
+        </p:nvSpPr>
+        <p:spPr>
+          <a:xfrm>
+            <a:off x="5286752" y="0"/>
+            <a:ext cx="3857247" cy="646331"/>
+          </a:xfrm>
+          <a:prstGeom prst="rect">
+            <a:avLst/>
+          </a:prstGeom>
+          <a:noFill/>
+        </p:spPr>
+        <p:txBody>
+          <a:bodyPr wrap="square" rtlCol="0">
+            <a:spAutoFit/>
+          </a:bodyPr>
+          <a:lstStyle/>
+          <a:p>
+            <a:r>
+              <a:rPr lang="de-DE" sz="3600" dirty="0" err="1" smtClean="0">
+                <a:effectLst>
+                  <a:outerShdw blurRad="38100" dist="38100" dir="2700000" algn="tl">
+                    <a:srgbClr val="000000">
+                      <a:alpha val="43137"/>
+                    </a:srgbClr>
+                  </a:outerShdw>
+                </a:effectLst>
+                <a:latin typeface="Gabriola" panose="04040605051002020D02" pitchFamily="82" charset="0"/>
+              </a:rPr>
+              <a:t>NCase</a:t>
+            </a:r>
+            <a:r>
+              <a:rPr lang="de-DE" sz="3600" dirty="0" smtClean="0">
+                <a:effectLst>
+                  <a:outerShdw blurRad="38100" dist="38100" dir="2700000" algn="tl">
+                    <a:srgbClr val="000000">
+                      <a:alpha val="43137"/>
+                    </a:srgbClr>
+                  </a:outerShdw>
+                </a:effectLst>
+                <a:latin typeface="Gabriola" panose="04040605051002020D02" pitchFamily="82" charset="0"/>
+              </a:rPr>
+              <a:t> Test</a:t>
+            </a:r>
+            <a:endParaRPr lang="en-US" sz="3600" dirty="0">
+              <a:effectLst>
+                <a:outerShdw blurRad="38100" dist="38100" dir="2700000" algn="tl">
+                  <a:srgbClr val="000000">
+                    <a:alpha val="43137"/>
+                  </a:srgbClr>
+                </a:outerShdw>
+              </a:effectLst>
+              <a:latin typeface="Gabriola" panose="04040605051002020D02" pitchFamily="82" charset="0"/>
+            </a:endParaRPr>
+          </a:p>
+        </p:txBody>
+      </p:sp>
+      <p:sp>
+        <p:nvSpPr>
+          <p:cNvPr id="5" name="Textfeld 4"/>
+          <p:cNvSpPr txBox="1"/>
+          <p:nvPr/>
+        </p:nvSpPr>
+        <p:spPr>
+          <a:xfrm>
+            <a:off x="3933284" y="-1306"/>
+            <a:ext cx="754939" cy="646331"/>
+          </a:xfrm>
+          <a:prstGeom prst="rect">
+            <a:avLst/>
+          </a:prstGeom>
+          <a:noFill/>
+        </p:spPr>
+        <p:txBody>
+          <a:bodyPr wrap="square" rtlCol="0">
+            <a:spAutoFit/>
+          </a:bodyPr>
+          <a:lstStyle/>
+          <a:p>
+            <a:pPr algn="ctr"/>
+            <a:r>
+              <a:rPr lang="de-DE" sz="3600" dirty="0" smtClean="0">
+                <a:effectLst>
+                  <a:outerShdw blurRad="38100" dist="38100" dir="2700000" algn="tl">
+                    <a:srgbClr val="000000">
+                      <a:alpha val="43137"/>
+                    </a:srgbClr>
+                  </a:outerShdw>
+                </a:effectLst>
+                <a:latin typeface="Gabriola" panose="04040605051002020D02" pitchFamily="82" charset="0"/>
+              </a:rPr>
+              <a:t>vs.</a:t>
+            </a:r>
+            <a:endParaRPr lang="en-US" sz="3600" dirty="0">
+              <a:effectLst>
+                <a:outerShdw blurRad="38100" dist="38100" dir="2700000" algn="tl">
+                  <a:srgbClr val="000000">
+                    <a:alpha val="43137"/>
+                  </a:srgbClr>
+                </a:outerShdw>
+              </a:effectLst>
+              <a:latin typeface="Gabriola" panose="04040605051002020D02" pitchFamily="82" charset="0"/>
+            </a:endParaRPr>
+          </a:p>
+        </p:txBody>
+      </p:sp>
+      <p:pic>
+        <p:nvPicPr>
+          <p:cNvPr id="29" name="Grafik 20"/>
+          <p:cNvPicPr>
+            <a:picLocks noChangeAspect="1"/>
+          </p:cNvPicPr>
+          <p:nvPr/>
+        </p:nvPicPr>
+        <p:blipFill rotWithShape="1">
+          <a:blip r:link="rId3"/>
+          <a:srcRect l="1835" t="4268" r="3108" b="2606"/>
+          <a:stretch/>
+        </p:blipFill>
+        <p:spPr>
+          <a:xfrm>
+            <a:off x="231339" y="1139505"/>
+            <a:ext cx="2246080" cy="2861951"/>
+          </a:xfrm>
+          <a:prstGeom prst="rect">
+            <a:avLst/>
+          </a:prstGeom>
+          <a:ln>
+            <a:solidFill>
+              <a:schemeClr val="bg1">
+                <a:lumMod val="75000"/>
+              </a:schemeClr>
+            </a:solidFill>
+          </a:ln>
+        </p:spPr>
+      </p:pic>
+      <p:pic>
+        <p:nvPicPr>
+          <p:cNvPr id="31" name="Grafik 20"/>
+          <p:cNvPicPr>
+            <a:picLocks noChangeAspect="1"/>
+          </p:cNvPicPr>
+          <p:nvPr/>
+        </p:nvPicPr>
+        <p:blipFill rotWithShape="1">
+          <a:blip r:link="rId3"/>
+          <a:srcRect l="1835" t="4268" r="3108" b="2606"/>
+          <a:stretch/>
+        </p:blipFill>
+        <p:spPr>
+          <a:xfrm>
+            <a:off x="383739" y="1291905"/>
+            <a:ext cx="2246080" cy="2861951"/>
+          </a:xfrm>
+          <a:prstGeom prst="rect">
+            <a:avLst/>
+          </a:prstGeom>
+          <a:ln>
+            <a:solidFill>
+              <a:schemeClr val="bg1">
+                <a:lumMod val="75000"/>
+              </a:schemeClr>
+            </a:solidFill>
+          </a:ln>
+        </p:spPr>
+      </p:pic>
+      <p:pic>
+        <p:nvPicPr>
+          <p:cNvPr id="32" name="Grafik 20"/>
+          <p:cNvPicPr>
+            <a:picLocks noChangeAspect="1"/>
+          </p:cNvPicPr>
+          <p:nvPr/>
+        </p:nvPicPr>
+        <p:blipFill rotWithShape="1">
+          <a:blip r:link="rId3"/>
+          <a:srcRect l="1835" t="4268" r="3108" b="2606"/>
+          <a:stretch/>
+        </p:blipFill>
+        <p:spPr>
+          <a:xfrm>
+            <a:off x="536139" y="1444305"/>
+            <a:ext cx="2246080" cy="2861951"/>
+          </a:xfrm>
+          <a:prstGeom prst="rect">
+            <a:avLst/>
+          </a:prstGeom>
+          <a:ln>
+            <a:solidFill>
+              <a:schemeClr val="bg1">
+                <a:lumMod val="75000"/>
+              </a:schemeClr>
+            </a:solidFill>
+          </a:ln>
+        </p:spPr>
+      </p:pic>
+      <p:pic>
+        <p:nvPicPr>
+          <p:cNvPr id="33" name="Grafik 20"/>
+          <p:cNvPicPr>
+            <a:picLocks noChangeAspect="1"/>
+          </p:cNvPicPr>
+          <p:nvPr/>
+        </p:nvPicPr>
+        <p:blipFill rotWithShape="1">
+          <a:blip r:link="rId3"/>
+          <a:srcRect l="1835" t="4268" r="3108" b="2606"/>
+          <a:stretch/>
+        </p:blipFill>
+        <p:spPr>
+          <a:xfrm>
+            <a:off x="688539" y="1596705"/>
+            <a:ext cx="2246080" cy="2861951"/>
+          </a:xfrm>
+          <a:prstGeom prst="rect">
+            <a:avLst/>
+          </a:prstGeom>
+          <a:ln>
+            <a:solidFill>
+              <a:schemeClr val="bg1">
+                <a:lumMod val="75000"/>
+              </a:schemeClr>
+            </a:solidFill>
+          </a:ln>
+        </p:spPr>
+      </p:pic>
+      <p:pic>
+        <p:nvPicPr>
+          <p:cNvPr id="34" name="Grafik 20"/>
+          <p:cNvPicPr>
+            <a:picLocks noChangeAspect="1"/>
+          </p:cNvPicPr>
+          <p:nvPr/>
+        </p:nvPicPr>
+        <p:blipFill rotWithShape="1">
+          <a:blip r:link="rId3"/>
+          <a:srcRect l="1835" t="4268" r="3108" b="2606"/>
+          <a:stretch/>
+        </p:blipFill>
+        <p:spPr>
+          <a:xfrm>
+            <a:off x="840939" y="1749105"/>
+            <a:ext cx="2246080" cy="2861951"/>
+          </a:xfrm>
+          <a:prstGeom prst="rect">
+            <a:avLst/>
+          </a:prstGeom>
+          <a:ln>
+            <a:solidFill>
+              <a:schemeClr val="bg1">
+                <a:lumMod val="75000"/>
+              </a:schemeClr>
+            </a:solidFill>
+          </a:ln>
+        </p:spPr>
+      </p:pic>
+      <p:pic>
+        <p:nvPicPr>
+          <p:cNvPr id="35" name="Grafik 20"/>
+          <p:cNvPicPr>
+            <a:picLocks noChangeAspect="1"/>
+          </p:cNvPicPr>
+          <p:nvPr/>
+        </p:nvPicPr>
+        <p:blipFill rotWithShape="1">
+          <a:blip r:link="rId3"/>
+          <a:srcRect l="1835" t="4268" r="3108" b="2606"/>
+          <a:stretch/>
+        </p:blipFill>
+        <p:spPr>
+          <a:xfrm>
+            <a:off x="993339" y="1901505"/>
+            <a:ext cx="2246080" cy="2861951"/>
+          </a:xfrm>
+          <a:prstGeom prst="rect">
+            <a:avLst/>
+          </a:prstGeom>
+          <a:ln>
+            <a:solidFill>
+              <a:schemeClr val="bg1">
+                <a:lumMod val="75000"/>
+              </a:schemeClr>
+            </a:solidFill>
+          </a:ln>
+        </p:spPr>
+      </p:pic>
+      <p:cxnSp>
+        <p:nvCxnSpPr>
+          <p:cNvPr id="17" name="Straight Connector 9"/>
+          <p:cNvCxnSpPr/>
+          <p:nvPr/>
+        </p:nvCxnSpPr>
+        <p:spPr>
+          <a:xfrm>
+            <a:off x="4817859" y="824384"/>
+            <a:ext cx="4273902" cy="0"/>
+          </a:xfrm>
+          <a:prstGeom prst="line">
+            <a:avLst/>
+          </a:prstGeom>
+          <a:ln w="19050">
+            <a:solidFill>
+              <a:schemeClr val="accent2">
+                <a:lumMod val="75000"/>
+              </a:schemeClr>
+            </a:solidFill>
+          </a:ln>
+        </p:spPr>
+        <p:style>
+          <a:lnRef idx="1">
+            <a:schemeClr val="accent1"/>
+          </a:lnRef>
+          <a:fillRef idx="0">
+            <a:schemeClr val="accent1"/>
+          </a:fillRef>
+          <a:effectRef idx="0">
+            <a:schemeClr val="accent1"/>
+          </a:effectRef>
+          <a:fontRef idx="minor">
+            <a:schemeClr val="tx1"/>
+          </a:fontRef>
+        </p:style>
+      </p:cxnSp>
+      <p:sp>
+        <p:nvSpPr>
+          <p:cNvPr id="19" name="Rechteck 1"/>
+          <p:cNvSpPr/>
+          <p:nvPr/>
+        </p:nvSpPr>
+        <p:spPr>
+          <a:xfrm>
+            <a:off x="4817859" y="2031813"/>
+            <a:ext cx="4273902" cy="2122043"/>
+          </a:xfrm>
+          <a:prstGeom prst="rect">
+            <a:avLst/>
+          </a:prstGeom>
+          <a:solidFill>
+            <a:srgbClr val="00B050">
+              <a:alpha val="12941"/>
+            </a:srgbClr>
+          </a:solidFill>
+          <a:ln>
+            <a:noFill/>
+          </a:ln>
+        </p:spPr>
+        <p:style>
+          <a:lnRef idx="2">
+            <a:schemeClr val="accent1">
+              <a:shade val="50000"/>
+            </a:schemeClr>
+          </a:lnRef>
+          <a:fillRef idx="1">
+            <a:schemeClr val="accent1"/>
+          </a:fillRef>
+          <a:effectRef idx="0">
+            <a:schemeClr val="accent1"/>
+          </a:effectRef>
+          <a:fontRef idx="minor">
+            <a:schemeClr val="lt1"/>
+          </a:fontRef>
+        </p:style>
+        <p:txBody>
+          <a:bodyPr rtlCol="0" anchor="ctr"/>
+          <a:lstStyle/>
+          <a:p>
+            <a:pPr algn="ctr"/>
+            <a:endParaRPr lang="en-US"/>
+          </a:p>
+        </p:txBody>
+      </p:sp>
+      <p:sp>
+        <p:nvSpPr>
+          <p:cNvPr id="26" name="Gleichschenkliges Dreieck 13"/>
+          <p:cNvSpPr/>
+          <p:nvPr/>
+        </p:nvSpPr>
+        <p:spPr>
+          <a:xfrm rot="16200000">
+            <a:off x="2381776" y="2933208"/>
+            <a:ext cx="1947550" cy="646146"/>
+          </a:xfrm>
+          <a:prstGeom prst="triangle">
+            <a:avLst/>
+          </a:prstGeom>
+          <a:ln>
+            <a:solidFill>
+              <a:schemeClr val="bg1">
+                <a:lumMod val="75000"/>
+              </a:schemeClr>
+            </a:solidFill>
+          </a:ln>
+          <a:effectLst>
+            <a:outerShdw blurRad="457200" dist="838200" dir="9120000" sx="94000" sy="94000" algn="tr" rotWithShape="0">
+              <a:prstClr val="black">
+                <a:alpha val="31000"/>
+              </a:prstClr>
+            </a:outerShdw>
+          </a:effectLst>
+        </p:spPr>
+        <p:style>
+          <a:lnRef idx="2">
+            <a:schemeClr val="accent1">
+              <a:shade val="50000"/>
+            </a:schemeClr>
+          </a:lnRef>
+          <a:fillRef idx="1">
+            <a:schemeClr val="accent1"/>
+          </a:fillRef>
+          <a:effectRef idx="0">
+            <a:schemeClr val="accent1"/>
+          </a:effectRef>
+          <a:fontRef idx="minor">
+            <a:schemeClr val="lt1"/>
+          </a:fontRef>
+        </p:style>
+        <p:txBody>
+          <a:bodyPr rtlCol="0" anchor="ctr"/>
+          <a:lstStyle/>
+          <a:p>
+            <a:pPr algn="ctr"/>
+            <a:endParaRPr lang="en-US"/>
+          </a:p>
+        </p:txBody>
+      </p:sp>
+      <p:sp>
+        <p:nvSpPr>
+          <p:cNvPr id="36" name="Textfeld 4"/>
+          <p:cNvSpPr txBox="1"/>
+          <p:nvPr/>
+        </p:nvSpPr>
+        <p:spPr>
+          <a:xfrm>
+            <a:off x="3060430" y="2603075"/>
+            <a:ext cx="754939" cy="1107996"/>
+          </a:xfrm>
+          <a:prstGeom prst="rect">
+            <a:avLst/>
+          </a:prstGeom>
+          <a:noFill/>
+        </p:spPr>
+        <p:txBody>
+          <a:bodyPr wrap="square" rtlCol="0">
+            <a:spAutoFit/>
+          </a:bodyPr>
+          <a:lstStyle/>
+          <a:p>
+            <a:pPr algn="ctr"/>
+            <a:r>
+              <a:rPr lang="de-DE" sz="6600" dirty="0" smtClean="0">
+                <a:effectLst>
+                  <a:outerShdw blurRad="38100" dist="38100" dir="2700000" algn="tl">
+                    <a:srgbClr val="000000">
+                      <a:alpha val="43137"/>
+                    </a:srgbClr>
+                  </a:outerShdw>
+                </a:effectLst>
+                <a:latin typeface="Gabriola" panose="04040605051002020D02" pitchFamily="82" charset="0"/>
+              </a:rPr>
+              <a:t>?</a:t>
+            </a:r>
+            <a:endParaRPr lang="en-US" sz="6600" dirty="0">
+              <a:effectLst>
+                <a:outerShdw blurRad="38100" dist="38100" dir="2700000" algn="tl">
+                  <a:srgbClr val="000000">
+                    <a:alpha val="43137"/>
+                  </a:srgbClr>
+                </a:outerShdw>
+              </a:effectLst>
+              <a:latin typeface="Gabriola" panose="04040605051002020D02" pitchFamily="82" charset="0"/>
+            </a:endParaRPr>
+          </a:p>
+        </p:txBody>
+      </p:sp>
+      <p:sp>
+        <p:nvSpPr>
+          <p:cNvPr id="20" name="Textfeld 9"/>
+          <p:cNvSpPr txBox="1"/>
+          <p:nvPr/>
+        </p:nvSpPr>
+        <p:spPr>
+          <a:xfrm>
+            <a:off x="3050778" y="423218"/>
+            <a:ext cx="2010162" cy="1754326"/>
+          </a:xfrm>
+          <a:prstGeom prst="rect">
+            <a:avLst/>
+          </a:prstGeom>
+          <a:noFill/>
+        </p:spPr>
+        <p:txBody>
+          <a:bodyPr wrap="square" rtlCol="0">
+            <a:spAutoFit/>
+          </a:bodyPr>
+          <a:lstStyle/>
+          <a:p>
+            <a:pPr algn="ctr"/>
+            <a:r>
+              <a:rPr lang="de-DE" sz="5400" b="1" dirty="0" smtClean="0">
+                <a:latin typeface="Gabriola" panose="04040605051002020D02" pitchFamily="82" charset="0"/>
+                <a:sym typeface="Wingdings" panose="05000000000000000000" pitchFamily="2" charset="2"/>
+              </a:rPr>
+              <a:t>More</a:t>
+            </a:r>
+          </a:p>
+          <a:p>
+            <a:pPr algn="ctr"/>
+            <a:r>
+              <a:rPr lang="de-DE" sz="5400" b="1" dirty="0" smtClean="0">
+                <a:latin typeface="Gabriola" panose="04040605051002020D02" pitchFamily="82" charset="0"/>
+                <a:sym typeface="Wingdings" panose="05000000000000000000" pitchFamily="2" charset="2"/>
+              </a:rPr>
+              <a:t>Tests</a:t>
+            </a:r>
+          </a:p>
+        </p:txBody>
+      </p:sp>
+      <p:sp>
+        <p:nvSpPr>
+          <p:cNvPr id="6" name="Rechteck 5"/>
+          <p:cNvSpPr/>
+          <p:nvPr/>
+        </p:nvSpPr>
+        <p:spPr>
+          <a:xfrm>
+            <a:off x="5602072" y="2459432"/>
+            <a:ext cx="2990385" cy="1593695"/>
+          </a:xfrm>
+          <a:prstGeom prst="rect">
+            <a:avLst/>
+          </a:prstGeom>
+          <a:ln>
+            <a:solidFill>
+              <a:schemeClr val="bg1">
+                <a:lumMod val="75000"/>
+              </a:schemeClr>
+            </a:solidFill>
+          </a:ln>
+          <a:effectLst>
+            <a:outerShdw blurRad="457200" dist="838200" dir="9120000" sx="94000" sy="94000" algn="tr" rotWithShape="0">
+              <a:prstClr val="black">
+                <a:alpha val="31000"/>
+              </a:prstClr>
+            </a:outerShdw>
+          </a:effectLst>
+        </p:spPr>
+        <p:style>
+          <a:lnRef idx="2">
+            <a:schemeClr val="accent1">
+              <a:shade val="50000"/>
+            </a:schemeClr>
+          </a:lnRef>
+          <a:fillRef idx="1">
+            <a:schemeClr val="accent1"/>
+          </a:fillRef>
+          <a:effectRef idx="0">
+            <a:schemeClr val="accent1"/>
+          </a:effectRef>
+          <a:fontRef idx="minor">
+            <a:schemeClr val="lt1"/>
+          </a:fontRef>
+        </p:style>
+        <p:txBody>
+          <a:bodyPr rtlCol="0" anchor="ctr"/>
+          <a:lstStyle/>
+          <a:p>
+            <a:pPr algn="ctr"/>
+            <a:r>
+              <a:rPr lang="de-DE" sz="4000" dirty="0" err="1" smtClean="0">
+                <a:ln>
+                  <a:solidFill>
+                    <a:schemeClr val="tx1"/>
+                  </a:solidFill>
+                </a:ln>
+                <a:solidFill>
+                  <a:schemeClr val="tx1"/>
+                </a:solidFill>
+                <a:effectLst>
+                  <a:outerShdw blurRad="50800" dist="38100" algn="l" rotWithShape="0">
+                    <a:prstClr val="black">
+                      <a:alpha val="40000"/>
+                    </a:prstClr>
+                  </a:outerShdw>
+                </a:effectLst>
+                <a:latin typeface="Gabriola" panose="04040605051002020D02" pitchFamily="82" charset="0"/>
+                <a:sym typeface="Wingdings" panose="05000000000000000000" pitchFamily="2" charset="2"/>
+              </a:rPr>
+              <a:t>only</a:t>
+            </a:r>
+            <a:r>
+              <a:rPr lang="de-DE" sz="4000" dirty="0" smtClean="0">
+                <a:ln>
+                  <a:solidFill>
+                    <a:schemeClr val="tx1"/>
+                  </a:solidFill>
+                </a:ln>
+                <a:solidFill>
+                  <a:schemeClr val="tx1"/>
+                </a:solidFill>
+                <a:effectLst>
+                  <a:outerShdw blurRad="50800" dist="38100" algn="l" rotWithShape="0">
+                    <a:prstClr val="black">
+                      <a:alpha val="40000"/>
+                    </a:prstClr>
+                  </a:outerShdw>
+                </a:effectLst>
+                <a:latin typeface="Gabriola" panose="04040605051002020D02" pitchFamily="82" charset="0"/>
+                <a:sym typeface="Wingdings" panose="05000000000000000000" pitchFamily="2" charset="2"/>
+              </a:rPr>
+              <a:t> a </a:t>
+            </a:r>
+            <a:r>
+              <a:rPr lang="de-DE" sz="4000" dirty="0" err="1" smtClean="0">
+                <a:ln>
+                  <a:solidFill>
+                    <a:schemeClr val="tx1"/>
+                  </a:solidFill>
+                </a:ln>
+                <a:solidFill>
+                  <a:schemeClr val="tx1"/>
+                </a:solidFill>
+                <a:effectLst>
+                  <a:outerShdw blurRad="50800" dist="38100" algn="l" rotWithShape="0">
+                    <a:prstClr val="black">
+                      <a:alpha val="40000"/>
+                    </a:prstClr>
+                  </a:outerShdw>
+                </a:effectLst>
+                <a:latin typeface="Gabriola" panose="04040605051002020D02" pitchFamily="82" charset="0"/>
+                <a:sym typeface="Wingdings" panose="05000000000000000000" pitchFamily="2" charset="2"/>
+              </a:rPr>
+              <a:t>few</a:t>
+            </a:r>
+            <a:r>
+              <a:rPr lang="de-DE" sz="4000" dirty="0" smtClean="0">
+                <a:ln>
+                  <a:solidFill>
+                    <a:schemeClr val="tx1"/>
+                  </a:solidFill>
+                </a:ln>
+                <a:solidFill>
+                  <a:schemeClr val="tx1"/>
+                </a:solidFill>
+                <a:effectLst>
+                  <a:outerShdw blurRad="50800" dist="38100" algn="l" rotWithShape="0">
+                    <a:prstClr val="black">
+                      <a:alpha val="40000"/>
+                    </a:prstClr>
+                  </a:outerShdw>
+                </a:effectLst>
+                <a:latin typeface="Gabriola" panose="04040605051002020D02" pitchFamily="82" charset="0"/>
+                <a:sym typeface="Wingdings" panose="05000000000000000000" pitchFamily="2" charset="2"/>
+              </a:rPr>
+              <a:t> </a:t>
+            </a:r>
+            <a:r>
+              <a:rPr lang="de-DE" sz="4000" dirty="0" err="1" smtClean="0">
+                <a:ln>
+                  <a:solidFill>
+                    <a:schemeClr val="tx1"/>
+                  </a:solidFill>
+                </a:ln>
+                <a:solidFill>
+                  <a:schemeClr val="tx1"/>
+                </a:solidFill>
+                <a:effectLst>
+                  <a:outerShdw blurRad="50800" dist="38100" algn="l" rotWithShape="0">
+                    <a:prstClr val="black">
+                      <a:alpha val="40000"/>
+                    </a:prstClr>
+                  </a:outerShdw>
+                </a:effectLst>
+                <a:latin typeface="Gabriola" panose="04040605051002020D02" pitchFamily="82" charset="0"/>
+                <a:sym typeface="Wingdings" panose="05000000000000000000" pitchFamily="2" charset="2"/>
+              </a:rPr>
+              <a:t>lines</a:t>
+            </a:r>
+            <a:r>
+              <a:rPr lang="de-DE" sz="4000" dirty="0" smtClean="0">
+                <a:ln>
+                  <a:solidFill>
+                    <a:schemeClr val="tx1"/>
+                  </a:solidFill>
+                </a:ln>
+                <a:solidFill>
+                  <a:schemeClr val="tx1"/>
+                </a:solidFill>
+                <a:effectLst>
+                  <a:outerShdw blurRad="50800" dist="38100" algn="l" rotWithShape="0">
+                    <a:prstClr val="black">
+                      <a:alpha val="40000"/>
+                    </a:prstClr>
+                  </a:outerShdw>
+                </a:effectLst>
+                <a:latin typeface="Gabriola" panose="04040605051002020D02" pitchFamily="82" charset="0"/>
+                <a:sym typeface="Wingdings" panose="05000000000000000000" pitchFamily="2" charset="2"/>
+              </a:rPr>
+              <a:t>!!</a:t>
+            </a:r>
+          </a:p>
+          <a:p>
+            <a:pPr algn="ctr"/>
+            <a:r>
+              <a:rPr lang="de-DE" sz="4000" dirty="0" smtClean="0">
+                <a:ln>
+                  <a:solidFill>
+                    <a:schemeClr val="tx1"/>
+                  </a:solidFill>
+                </a:ln>
+                <a:solidFill>
+                  <a:schemeClr val="tx1"/>
+                </a:solidFill>
+                <a:effectLst>
+                  <a:outerShdw blurRad="50800" dist="38100" algn="l" rotWithShape="0">
+                    <a:prstClr val="black">
+                      <a:alpha val="40000"/>
+                    </a:prstClr>
+                  </a:outerShdw>
+                </a:effectLst>
+                <a:latin typeface="Gabriola" panose="04040605051002020D02" pitchFamily="82" charset="0"/>
+                <a:sym typeface="Wingdings" panose="05000000000000000000" pitchFamily="2" charset="2"/>
+              </a:rPr>
+              <a:t></a:t>
+            </a:r>
+            <a:endParaRPr lang="de-DE" sz="4000" dirty="0">
+              <a:ln>
+                <a:solidFill>
+                  <a:schemeClr val="tx1"/>
+                </a:solidFill>
+              </a:ln>
+              <a:solidFill>
+                <a:schemeClr val="tx1"/>
+              </a:solidFill>
+              <a:effectLst>
+                <a:outerShdw blurRad="50800" dist="38100" algn="l" rotWithShape="0">
+                  <a:prstClr val="black">
+                    <a:alpha val="40000"/>
+                  </a:prstClr>
+                </a:outerShdw>
+              </a:effectLst>
+              <a:latin typeface="Gabriola" panose="04040605051002020D02" pitchFamily="82" charset="0"/>
+              <a:sym typeface="Wingdings" panose="05000000000000000000" pitchFamily="2" charset="2"/>
+            </a:endParaRPr>
+          </a:p>
+        </p:txBody>
+      </p:sp>
+      <p:sp>
+        <p:nvSpPr>
+          <p:cNvPr id="37" name="Gleichschenkliges Dreieck 13"/>
+          <p:cNvSpPr/>
+          <p:nvPr/>
+        </p:nvSpPr>
+        <p:spPr>
+          <a:xfrm rot="5400000">
+            <a:off x="3727925" y="2941442"/>
+            <a:ext cx="1947550" cy="646146"/>
+          </a:xfrm>
+          <a:prstGeom prst="triangle">
+            <a:avLst/>
+          </a:prstGeom>
+          <a:ln>
+            <a:solidFill>
+              <a:schemeClr val="bg1">
+                <a:lumMod val="75000"/>
+              </a:schemeClr>
+            </a:solidFill>
+          </a:ln>
+          <a:effectLst>
+            <a:outerShdw blurRad="457200" dist="838200" dir="9120000" sx="94000" sy="94000" algn="tr" rotWithShape="0">
+              <a:prstClr val="black">
+                <a:alpha val="31000"/>
+              </a:prstClr>
+            </a:outerShdw>
+          </a:effectLst>
+        </p:spPr>
+        <p:style>
+          <a:lnRef idx="2">
+            <a:schemeClr val="accent1">
+              <a:shade val="50000"/>
+            </a:schemeClr>
+          </a:lnRef>
+          <a:fillRef idx="1">
+            <a:schemeClr val="accent1"/>
+          </a:fillRef>
+          <a:effectRef idx="0">
+            <a:schemeClr val="accent1"/>
+          </a:effectRef>
+          <a:fontRef idx="minor">
+            <a:schemeClr val="lt1"/>
+          </a:fontRef>
+        </p:style>
+        <p:txBody>
+          <a:bodyPr rtlCol="0" anchor="ctr"/>
+          <a:lstStyle/>
+          <a:p>
+            <a:pPr algn="ctr"/>
+            <a:endParaRPr lang="en-US"/>
+          </a:p>
+        </p:txBody>
+      </p:sp>
+      <p:sp>
+        <p:nvSpPr>
+          <p:cNvPr id="30" name="Textfeld 4"/>
+          <p:cNvSpPr txBox="1"/>
+          <p:nvPr/>
+        </p:nvSpPr>
+        <p:spPr>
+          <a:xfrm>
+            <a:off x="4192850" y="2582732"/>
+            <a:ext cx="754939" cy="1107996"/>
+          </a:xfrm>
+          <a:prstGeom prst="rect">
+            <a:avLst/>
+          </a:prstGeom>
+          <a:noFill/>
+        </p:spPr>
+        <p:txBody>
+          <a:bodyPr wrap="square" rtlCol="0">
+            <a:spAutoFit/>
+          </a:bodyPr>
+          <a:lstStyle/>
+          <a:p>
+            <a:pPr algn="ctr"/>
+            <a:r>
+              <a:rPr lang="de-DE" sz="6600" dirty="0">
+                <a:effectLst>
+                  <a:outerShdw blurRad="38100" dist="38100" dir="2700000" algn="tl">
+                    <a:srgbClr val="000000">
+                      <a:alpha val="43137"/>
+                    </a:srgbClr>
+                  </a:outerShdw>
+                </a:effectLst>
+                <a:latin typeface="Gabriola" panose="04040605051002020D02" pitchFamily="82" charset="0"/>
+              </a:rPr>
+              <a:t>!</a:t>
+            </a:r>
+            <a:endParaRPr lang="en-US" sz="8800" dirty="0">
+              <a:effectLst>
+                <a:outerShdw blurRad="38100" dist="38100" dir="2700000" algn="tl">
+                  <a:srgbClr val="000000">
+                    <a:alpha val="43137"/>
+                  </a:srgbClr>
+                </a:outerShdw>
+              </a:effectLst>
+              <a:latin typeface="Gabriola" panose="04040605051002020D02" pitchFamily="82" charset="0"/>
+            </a:endParaRPr>
+          </a:p>
+        </p:txBody>
+      </p:sp>
+      <p:sp>
+        <p:nvSpPr>
+          <p:cNvPr id="24" name="Rechteck 23"/>
+          <p:cNvSpPr/>
+          <p:nvPr/>
+        </p:nvSpPr>
+        <p:spPr>
+          <a:xfrm>
+            <a:off x="87787" y="2170604"/>
+            <a:ext cx="2893891" cy="2198202"/>
+          </a:xfrm>
+          <a:prstGeom prst="rect">
+            <a:avLst/>
+          </a:prstGeom>
+          <a:ln>
+            <a:solidFill>
+              <a:schemeClr val="bg1">
+                <a:lumMod val="75000"/>
+              </a:schemeClr>
+            </a:solidFill>
+          </a:ln>
+          <a:effectLst>
+            <a:outerShdw blurRad="457200" dist="838200" dir="9120000" sx="94000" sy="94000" algn="tr" rotWithShape="0">
+              <a:prstClr val="black">
+                <a:alpha val="31000"/>
+              </a:prstClr>
+            </a:outerShdw>
+          </a:effectLst>
+        </p:spPr>
+        <p:style>
+          <a:lnRef idx="2">
+            <a:schemeClr val="accent1">
+              <a:shade val="50000"/>
+            </a:schemeClr>
+          </a:lnRef>
+          <a:fillRef idx="1">
+            <a:schemeClr val="accent1"/>
+          </a:fillRef>
+          <a:effectRef idx="0">
+            <a:schemeClr val="accent1"/>
+          </a:effectRef>
+          <a:fontRef idx="minor">
+            <a:schemeClr val="lt1"/>
+          </a:fontRef>
+        </p:style>
+        <p:txBody>
+          <a:bodyPr rtlCol="0" anchor="ctr"/>
+          <a:lstStyle/>
+          <a:p>
+            <a:pPr marL="457200" indent="-457200">
+              <a:buFontTx/>
+              <a:buChar char="-"/>
+            </a:pPr>
+            <a:r>
+              <a:rPr lang="de-DE" sz="3200" dirty="0" err="1" smtClean="0">
+                <a:ln>
+                  <a:solidFill>
+                    <a:schemeClr val="tx1"/>
+                  </a:solidFill>
+                </a:ln>
+                <a:solidFill>
+                  <a:schemeClr val="tx1"/>
+                </a:solidFill>
+                <a:effectLst>
+                  <a:outerShdw blurRad="50800" dist="38100" algn="l" rotWithShape="0">
+                    <a:prstClr val="black">
+                      <a:alpha val="40000"/>
+                    </a:prstClr>
+                  </a:outerShdw>
+                </a:effectLst>
+                <a:latin typeface="Gabriola" panose="04040605051002020D02" pitchFamily="82" charset="0"/>
+                <a:sym typeface="Wingdings" panose="05000000000000000000" pitchFamily="2" charset="2"/>
+              </a:rPr>
+              <a:t>Copy</a:t>
+            </a:r>
+            <a:r>
+              <a:rPr lang="de-DE" sz="3200" dirty="0" smtClean="0">
+                <a:ln>
+                  <a:solidFill>
+                    <a:schemeClr val="tx1"/>
+                  </a:solidFill>
+                </a:ln>
+                <a:solidFill>
+                  <a:schemeClr val="tx1"/>
+                </a:solidFill>
+                <a:effectLst>
+                  <a:outerShdw blurRad="50800" dist="38100" algn="l" rotWithShape="0">
+                    <a:prstClr val="black">
+                      <a:alpha val="40000"/>
+                    </a:prstClr>
+                  </a:outerShdw>
+                </a:effectLst>
+                <a:latin typeface="Gabriola" panose="04040605051002020D02" pitchFamily="82" charset="0"/>
+                <a:sym typeface="Wingdings" panose="05000000000000000000" pitchFamily="2" charset="2"/>
+              </a:rPr>
+              <a:t> &amp; Paste???</a:t>
+            </a:r>
+          </a:p>
+          <a:p>
+            <a:pPr marL="457200" indent="-457200">
+              <a:buFontTx/>
+              <a:buChar char="-"/>
+            </a:pPr>
+            <a:r>
+              <a:rPr lang="de-DE" sz="3200" dirty="0" err="1" smtClean="0">
+                <a:ln>
+                  <a:solidFill>
+                    <a:schemeClr val="tx1"/>
+                  </a:solidFill>
+                </a:ln>
+                <a:solidFill>
+                  <a:schemeClr val="tx1"/>
+                </a:solidFill>
+                <a:effectLst>
+                  <a:outerShdw blurRad="50800" dist="38100" algn="l" rotWithShape="0">
+                    <a:prstClr val="black">
+                      <a:alpha val="40000"/>
+                    </a:prstClr>
+                  </a:outerShdw>
+                </a:effectLst>
+                <a:latin typeface="Gabriola" panose="04040605051002020D02" pitchFamily="82" charset="0"/>
+                <a:sym typeface="Wingdings" panose="05000000000000000000" pitchFamily="2" charset="2"/>
+              </a:rPr>
+              <a:t>very</a:t>
+            </a:r>
+            <a:r>
+              <a:rPr lang="de-DE" sz="3200" dirty="0" smtClean="0">
+                <a:ln>
+                  <a:solidFill>
+                    <a:schemeClr val="tx1"/>
+                  </a:solidFill>
+                </a:ln>
+                <a:solidFill>
+                  <a:schemeClr val="tx1"/>
+                </a:solidFill>
+                <a:effectLst>
+                  <a:outerShdw blurRad="50800" dist="38100" algn="l" rotWithShape="0">
+                    <a:prstClr val="black">
+                      <a:alpha val="40000"/>
+                    </a:prstClr>
+                  </a:outerShdw>
+                </a:effectLst>
+                <a:latin typeface="Gabriola" panose="04040605051002020D02" pitchFamily="82" charset="0"/>
+                <a:sym typeface="Wingdings" panose="05000000000000000000" pitchFamily="2" charset="2"/>
+              </a:rPr>
+              <a:t> limited </a:t>
+            </a:r>
+            <a:r>
+              <a:rPr lang="de-DE" sz="3200" dirty="0" err="1" smtClean="0">
+                <a:ln>
+                  <a:solidFill>
+                    <a:schemeClr val="tx1"/>
+                  </a:solidFill>
+                </a:ln>
+                <a:solidFill>
+                  <a:schemeClr val="tx1"/>
+                </a:solidFill>
+                <a:effectLst>
+                  <a:outerShdw blurRad="50800" dist="38100" algn="l" rotWithShape="0">
+                    <a:prstClr val="black">
+                      <a:alpha val="40000"/>
+                    </a:prstClr>
+                  </a:outerShdw>
+                </a:effectLst>
+                <a:latin typeface="Gabriola" panose="04040605051002020D02" pitchFamily="82" charset="0"/>
+                <a:sym typeface="Wingdings" panose="05000000000000000000" pitchFamily="2" charset="2"/>
+              </a:rPr>
+              <a:t>parametrized</a:t>
+            </a:r>
+            <a:r>
+              <a:rPr lang="de-DE" sz="3200" dirty="0" smtClean="0">
+                <a:ln>
+                  <a:solidFill>
+                    <a:schemeClr val="tx1"/>
+                  </a:solidFill>
+                </a:ln>
+                <a:solidFill>
+                  <a:schemeClr val="tx1"/>
+                </a:solidFill>
+                <a:effectLst>
+                  <a:outerShdw blurRad="50800" dist="38100" algn="l" rotWithShape="0">
+                    <a:prstClr val="black">
+                      <a:alpha val="40000"/>
+                    </a:prstClr>
+                  </a:outerShdw>
+                </a:effectLst>
+                <a:latin typeface="Gabriola" panose="04040605051002020D02" pitchFamily="82" charset="0"/>
+                <a:sym typeface="Wingdings" panose="05000000000000000000" pitchFamily="2" charset="2"/>
+              </a:rPr>
+              <a:t> </a:t>
+            </a:r>
+            <a:r>
+              <a:rPr lang="de-DE" sz="3200" dirty="0" err="1" smtClean="0">
+                <a:ln>
+                  <a:solidFill>
+                    <a:schemeClr val="tx1"/>
+                  </a:solidFill>
+                </a:ln>
+                <a:solidFill>
+                  <a:schemeClr val="tx1"/>
+                </a:solidFill>
+                <a:effectLst>
+                  <a:outerShdw blurRad="50800" dist="38100" algn="l" rotWithShape="0">
+                    <a:prstClr val="black">
+                      <a:alpha val="40000"/>
+                    </a:prstClr>
+                  </a:outerShdw>
+                </a:effectLst>
+                <a:latin typeface="Gabriola" panose="04040605051002020D02" pitchFamily="82" charset="0"/>
+                <a:sym typeface="Wingdings" panose="05000000000000000000" pitchFamily="2" charset="2"/>
+              </a:rPr>
+              <a:t>test</a:t>
+            </a:r>
+            <a:r>
+              <a:rPr lang="de-DE" sz="3200" dirty="0" smtClean="0">
+                <a:ln>
+                  <a:solidFill>
+                    <a:schemeClr val="tx1"/>
+                  </a:solidFill>
+                </a:ln>
+                <a:solidFill>
+                  <a:schemeClr val="tx1"/>
+                </a:solidFill>
+                <a:effectLst>
+                  <a:outerShdw blurRad="50800" dist="38100" algn="l" rotWithShape="0">
+                    <a:prstClr val="black">
+                      <a:alpha val="40000"/>
+                    </a:prstClr>
+                  </a:outerShdw>
+                </a:effectLst>
+                <a:latin typeface="Gabriola" panose="04040605051002020D02" pitchFamily="82" charset="0"/>
+                <a:sym typeface="Wingdings" panose="05000000000000000000" pitchFamily="2" charset="2"/>
+              </a:rPr>
+              <a:t> </a:t>
+            </a:r>
+            <a:r>
+              <a:rPr lang="de-DE" sz="3200" dirty="0" err="1" smtClean="0">
+                <a:ln>
+                  <a:solidFill>
+                    <a:schemeClr val="tx1"/>
+                  </a:solidFill>
+                </a:ln>
+                <a:solidFill>
+                  <a:schemeClr val="tx1"/>
+                </a:solidFill>
+                <a:effectLst>
+                  <a:outerShdw blurRad="50800" dist="38100" algn="l" rotWithShape="0">
+                    <a:prstClr val="black">
+                      <a:alpha val="40000"/>
+                    </a:prstClr>
+                  </a:outerShdw>
+                </a:effectLst>
+                <a:latin typeface="Gabriola" panose="04040605051002020D02" pitchFamily="82" charset="0"/>
+                <a:sym typeface="Wingdings" panose="05000000000000000000" pitchFamily="2" charset="2"/>
+              </a:rPr>
+              <a:t>frameworks</a:t>
+            </a:r>
+            <a:r>
+              <a:rPr lang="de-DE" sz="3200" dirty="0" smtClean="0">
+                <a:ln>
+                  <a:solidFill>
+                    <a:schemeClr val="tx1"/>
+                  </a:solidFill>
+                </a:ln>
+                <a:solidFill>
+                  <a:schemeClr val="tx1"/>
+                </a:solidFill>
+                <a:effectLst>
+                  <a:outerShdw blurRad="50800" dist="38100" algn="l" rotWithShape="0">
+                    <a:prstClr val="black">
+                      <a:alpha val="40000"/>
+                    </a:prstClr>
+                  </a:outerShdw>
+                </a:effectLst>
+                <a:latin typeface="Gabriola" panose="04040605051002020D02" pitchFamily="82" charset="0"/>
+                <a:sym typeface="Wingdings" panose="05000000000000000000" pitchFamily="2" charset="2"/>
+              </a:rPr>
+              <a:t>???</a:t>
+            </a:r>
+            <a:endParaRPr lang="de-DE" sz="3200" dirty="0">
+              <a:ln>
+                <a:solidFill>
+                  <a:schemeClr val="tx1"/>
+                </a:solidFill>
+              </a:ln>
+              <a:solidFill>
+                <a:schemeClr val="tx1"/>
+              </a:solidFill>
+              <a:effectLst>
+                <a:outerShdw blurRad="50800" dist="38100" algn="l" rotWithShape="0">
+                  <a:prstClr val="black">
+                    <a:alpha val="40000"/>
+                  </a:prstClr>
+                </a:outerShdw>
+              </a:effectLst>
+              <a:latin typeface="Gabriola" panose="04040605051002020D02" pitchFamily="82" charset="0"/>
+              <a:sym typeface="Wingdings" panose="05000000000000000000" pitchFamily="2" charset="2"/>
+            </a:endParaRPr>
+          </a:p>
+        </p:txBody>
+      </p:sp>
+    </p:spTree>
+    <p:extLst>
+      <p:ext uri="{BB962C8B-B14F-4D97-AF65-F5344CB8AC3E}">
+        <p14:creationId xmlns:p14="http://schemas.microsoft.com/office/powerpoint/2010/main" val="1942014572"/>
+      </p:ext>
+    </p:extLst>
+  </p:cSld>
+  <p:clrMapOvr>
+    <a:masterClrMapping/>
+  </p:clrMapOvr>
+  <p:timing>
+    <p:tnLst>
+      <p:par>
+        <p:cTn id="1" dur="indefinite" restart="never" nodeType="tmRoot"/>
+      </p:par>
+    </p:tnLst>
+  </p:timing>
+</p:sld>
+</file>
+
+<file path=ppt/slides/slide6.xml><?xml version="1.0" encoding="utf-8"?>
 <p:sld xmlns:a="http://schemas.openxmlformats.org/drawingml/2006/main" xmlns:r="http://schemas.openxmlformats.org/officeDocument/2006/relationships" xmlns:p="http://schemas.openxmlformats.org/presentationml/2006/main">
   <p:cSld>
     <p:spTree>
@@ -10164,7 +12571,7 @@
 </p:sld>
 </file>
 
-<file path=ppt/slides/slide6.xml><?xml version="1.0" encoding="utf-8"?>
+<file path=ppt/slides/slide7.xml><?xml version="1.0" encoding="utf-8"?>
 <p:sld xmlns:a="http://schemas.openxmlformats.org/drawingml/2006/main" xmlns:r="http://schemas.openxmlformats.org/officeDocument/2006/relationships" xmlns:p="http://schemas.openxmlformats.org/presentationml/2006/main">
   <p:cSld>
     <p:bg>
@@ -10421,7 +12828,7 @@
 </p:sld>
 </file>
 
-<file path=ppt/slides/slide7.xml><?xml version="1.0" encoding="utf-8"?>
+<file path=ppt/slides/slide8.xml><?xml version="1.0" encoding="utf-8"?>
 <p:sld xmlns:a="http://schemas.openxmlformats.org/drawingml/2006/main" xmlns:r="http://schemas.openxmlformats.org/officeDocument/2006/relationships" xmlns:p="http://schemas.openxmlformats.org/presentationml/2006/main">
   <p:cSld>
     <p:spTree>
@@ -10582,20 +12989,7 @@
                 </a:effectLst>
                 <a:latin typeface="Gabriola" panose="04040605051002020D02" pitchFamily="82" charset="0"/>
               </a:rPr>
-              <a:t>c</a:t>
-            </a:r>
-            <a:r>
-              <a:rPr lang="de-DE" sz="3600" dirty="0" err="1" smtClean="0">
-                <a:effectLst>
-                  <a:outerShdw blurRad="38100" dist="38100" dir="2700000" algn="tl">
-                    <a:srgbClr val="000000">
-                      <a:alpha val="43137"/>
-                    </a:srgbClr>
-                  </a:outerShdw>
-                </a:effectLst>
-                <a:latin typeface="Gabriola" panose="04040605051002020D02" pitchFamily="82" charset="0"/>
-              </a:rPr>
-              <a:t>ombinations</a:t>
+              <a:t>combinations</a:t>
             </a:r>
             <a:r>
               <a:rPr lang="de-DE" sz="3600" dirty="0" smtClean="0">
@@ -11586,7 +13980,7 @@
 </p:sld>
 </file>
 
-<file path=ppt/slides/slide8.xml><?xml version="1.0" encoding="utf-8"?>
+<file path=ppt/slides/slide9.xml><?xml version="1.0" encoding="utf-8"?>
 <p:sld xmlns:a="http://schemas.openxmlformats.org/drawingml/2006/main" xmlns:r="http://schemas.openxmlformats.org/officeDocument/2006/relationships" xmlns:p="http://schemas.openxmlformats.org/presentationml/2006/main">
   <p:cSld>
     <p:bg>
@@ -11784,20 +14178,7 @@
                 </a:effectLst>
                 <a:latin typeface="Gabriola" panose="04040605051002020D02" pitchFamily="82" charset="0"/>
               </a:rPr>
-              <a:t>G</a:t>
-            </a:r>
-            <a:r>
-              <a:rPr lang="de-DE" sz="3600" dirty="0" err="1" smtClean="0">
-                <a:effectLst>
-                  <a:outerShdw blurRad="38100" dist="38100" dir="2700000" algn="tl">
-                    <a:srgbClr val="000000">
-                      <a:alpha val="43137"/>
-                    </a:srgbClr>
-                  </a:outerShdw>
-                </a:effectLst>
-                <a:latin typeface="Gabriola" panose="04040605051002020D02" pitchFamily="82" charset="0"/>
-              </a:rPr>
-              <a:t>enerate</a:t>
+              <a:t>Generate</a:t>
             </a:r>
             <a:r>
               <a:rPr lang="de-DE" sz="3600" dirty="0" smtClean="0">
@@ -11899,1153 +14280,6 @@
   </p:cSld>
   <p:clrMapOvr>
     <a:overrideClrMapping bg1="lt1" tx1="dk1" bg2="lt2" tx2="dk2" accent1="accent1" accent2="accent2" accent3="accent3" accent4="accent4" accent5="accent5" accent6="accent6" hlink="hlink" folHlink="folHlink"/>
-  </p:clrMapOvr>
-  <p:timing>
-    <p:tnLst>
-      <p:par>
-        <p:cTn id="1" dur="indefinite" restart="never" nodeType="tmRoot"/>
-      </p:par>
-    </p:tnLst>
-  </p:timing>
-</p:sld>
-</file>
-
-<file path=ppt/slides/slide9.xml><?xml version="1.0" encoding="utf-8"?>
-<p:sld xmlns:a="http://schemas.openxmlformats.org/drawingml/2006/main" xmlns:r="http://schemas.openxmlformats.org/officeDocument/2006/relationships" xmlns:p="http://schemas.openxmlformats.org/presentationml/2006/main">
-  <p:cSld>
-    <p:spTree>
-      <p:nvGrpSpPr>
-        <p:cNvPr id="1" name=""/>
-        <p:cNvGrpSpPr/>
-        <p:nvPr/>
-      </p:nvGrpSpPr>
-      <p:grpSpPr>
-        <a:xfrm>
-          <a:off x="0" y="0"/>
-          <a:ext cx="0" cy="0"/>
-          <a:chOff x="0" y="0"/>
-          <a:chExt cx="0" cy="0"/>
-        </a:xfrm>
-      </p:grpSpPr>
-      <p:pic>
-        <p:nvPicPr>
-          <p:cNvPr id="2" name="Grafik 1"/>
-          <p:cNvPicPr>
-            <a:picLocks noChangeAspect="1"/>
-          </p:cNvPicPr>
-          <p:nvPr/>
-        </p:nvPicPr>
-        <p:blipFill rotWithShape="1">
-          <a:blip r:link="rId2"/>
-          <a:srcRect l="2780" t="5513" r="3557" b="9533"/>
-          <a:stretch/>
-        </p:blipFill>
-        <p:spPr>
-          <a:xfrm>
-            <a:off x="114300" y="1003300"/>
-            <a:ext cx="4787818" cy="3678414"/>
-          </a:xfrm>
-          <a:prstGeom prst="rect">
-            <a:avLst/>
-          </a:prstGeom>
-          <a:ln>
-            <a:solidFill>
-              <a:schemeClr val="bg1">
-                <a:lumMod val="75000"/>
-              </a:schemeClr>
-            </a:solidFill>
-          </a:ln>
-        </p:spPr>
-      </p:pic>
-      <p:sp>
-        <p:nvSpPr>
-          <p:cNvPr id="18" name="Textfeld 17"/>
-          <p:cNvSpPr txBox="1"/>
-          <p:nvPr/>
-        </p:nvSpPr>
-        <p:spPr>
-          <a:xfrm>
-            <a:off x="-14710" y="5487"/>
-            <a:ext cx="5564610" cy="646331"/>
-          </a:xfrm>
-          <a:prstGeom prst="rect">
-            <a:avLst/>
-          </a:prstGeom>
-          <a:noFill/>
-        </p:spPr>
-        <p:txBody>
-          <a:bodyPr wrap="square" rtlCol="0">
-            <a:spAutoFit/>
-          </a:bodyPr>
-          <a:lstStyle/>
-          <a:p>
-            <a:r>
-              <a:rPr lang="de-DE" sz="3600" dirty="0" err="1" smtClean="0">
-                <a:effectLst>
-                  <a:outerShdw blurRad="38100" dist="38100" dir="2700000" algn="tl">
-                    <a:srgbClr val="000000">
-                      <a:alpha val="43137"/>
-                    </a:srgbClr>
-                  </a:outerShdw>
-                </a:effectLst>
-                <a:latin typeface="Gabriola" panose="04040605051002020D02" pitchFamily="82" charset="0"/>
-              </a:rPr>
-              <a:t>Define</a:t>
-            </a:r>
-            <a:r>
-              <a:rPr lang="de-DE" sz="3600" dirty="0" smtClean="0">
-                <a:effectLst>
-                  <a:outerShdw blurRad="38100" dist="38100" dir="2700000" algn="tl">
-                    <a:srgbClr val="000000">
-                      <a:alpha val="43137"/>
-                    </a:srgbClr>
-                  </a:outerShdw>
-                </a:effectLst>
-                <a:latin typeface="Gabriola" panose="04040605051002020D02" pitchFamily="82" charset="0"/>
-              </a:rPr>
-              <a:t> </a:t>
-            </a:r>
-            <a:r>
-              <a:rPr lang="de-DE" sz="3600" dirty="0" err="1" smtClean="0">
-                <a:effectLst>
-                  <a:outerShdw blurRad="38100" dist="38100" dir="2700000" algn="tl">
-                    <a:srgbClr val="000000">
-                      <a:alpha val="43137"/>
-                    </a:srgbClr>
-                  </a:outerShdw>
-                </a:effectLst>
-                <a:latin typeface="Gabriola" panose="04040605051002020D02" pitchFamily="82" charset="0"/>
-              </a:rPr>
-              <a:t>Combination</a:t>
-            </a:r>
-            <a:r>
-              <a:rPr lang="de-DE" sz="3600" dirty="0" smtClean="0">
-                <a:effectLst>
-                  <a:outerShdw blurRad="38100" dist="38100" dir="2700000" algn="tl">
-                    <a:srgbClr val="000000">
-                      <a:alpha val="43137"/>
-                    </a:srgbClr>
-                  </a:outerShdw>
-                </a:effectLst>
-                <a:latin typeface="Gabriola" panose="04040605051002020D02" pitchFamily="82" charset="0"/>
-              </a:rPr>
-              <a:t> </a:t>
-            </a:r>
-            <a:r>
-              <a:rPr lang="de-DE" sz="3600" dirty="0" err="1" smtClean="0">
-                <a:effectLst>
-                  <a:outerShdw blurRad="38100" dist="38100" dir="2700000" algn="tl">
-                    <a:srgbClr val="000000">
-                      <a:alpha val="43137"/>
-                    </a:srgbClr>
-                  </a:outerShdw>
-                </a:effectLst>
-                <a:latin typeface="Gabriola" panose="04040605051002020D02" pitchFamily="82" charset="0"/>
-              </a:rPr>
-              <a:t>Tree</a:t>
-            </a:r>
-            <a:r>
-              <a:rPr lang="de-DE" sz="3600" dirty="0" smtClean="0">
-                <a:effectLst>
-                  <a:outerShdw blurRad="38100" dist="38100" dir="2700000" algn="tl">
-                    <a:srgbClr val="000000">
-                      <a:alpha val="43137"/>
-                    </a:srgbClr>
-                  </a:outerShdw>
-                </a:effectLst>
-                <a:latin typeface="Gabriola" panose="04040605051002020D02" pitchFamily="82" charset="0"/>
-              </a:rPr>
-              <a:t>!</a:t>
-            </a:r>
-            <a:endParaRPr lang="en-US" sz="3600" dirty="0">
-              <a:effectLst>
-                <a:outerShdw blurRad="38100" dist="38100" dir="2700000" algn="tl">
-                  <a:srgbClr val="000000">
-                    <a:alpha val="43137"/>
-                  </a:srgbClr>
-                </a:outerShdw>
-              </a:effectLst>
-              <a:latin typeface="Gabriola" panose="04040605051002020D02" pitchFamily="82" charset="0"/>
-            </a:endParaRPr>
-          </a:p>
-        </p:txBody>
-      </p:sp>
-      <p:grpSp>
-        <p:nvGrpSpPr>
-          <p:cNvPr id="55" name="Group 54"/>
-          <p:cNvGrpSpPr/>
-          <p:nvPr/>
-        </p:nvGrpSpPr>
-        <p:grpSpPr>
-          <a:xfrm>
-            <a:off x="5114029" y="1546252"/>
-            <a:ext cx="3712879" cy="2787989"/>
-            <a:chOff x="5061477" y="1315025"/>
-            <a:chExt cx="3712879" cy="2787989"/>
-          </a:xfrm>
-        </p:grpSpPr>
-        <p:sp>
-          <p:nvSpPr>
-            <p:cNvPr id="3" name="Ellipse 2"/>
-            <p:cNvSpPr/>
-            <p:nvPr/>
-          </p:nvSpPr>
-          <p:spPr>
-            <a:xfrm rot="5400000" flipV="1">
-              <a:off x="5060987" y="1829969"/>
-              <a:ext cx="253999" cy="253019"/>
-            </a:xfrm>
-            <a:prstGeom prst="ellipse">
-              <a:avLst/>
-            </a:prstGeom>
-          </p:spPr>
-          <p:style>
-            <a:lnRef idx="2">
-              <a:schemeClr val="accent1">
-                <a:shade val="50000"/>
-              </a:schemeClr>
-            </a:lnRef>
-            <a:fillRef idx="1">
-              <a:schemeClr val="accent1"/>
-            </a:fillRef>
-            <a:effectRef idx="0">
-              <a:schemeClr val="accent1"/>
-            </a:effectRef>
-            <a:fontRef idx="minor">
-              <a:schemeClr val="lt1"/>
-            </a:fontRef>
-          </p:style>
-          <p:txBody>
-            <a:bodyPr rtlCol="0" anchor="ctr"/>
-            <a:lstStyle/>
-            <a:p>
-              <a:pPr algn="ctr"/>
-              <a:endParaRPr lang="en-US"/>
-            </a:p>
-          </p:txBody>
-        </p:sp>
-        <p:sp>
-          <p:nvSpPr>
-            <p:cNvPr id="7" name="Ellipse 6"/>
-            <p:cNvSpPr/>
-            <p:nvPr/>
-          </p:nvSpPr>
-          <p:spPr>
-            <a:xfrm rot="5400000" flipV="1">
-              <a:off x="6194915" y="1823368"/>
-              <a:ext cx="253999" cy="253019"/>
-            </a:xfrm>
-            <a:prstGeom prst="ellipse">
-              <a:avLst/>
-            </a:prstGeom>
-          </p:spPr>
-          <p:style>
-            <a:lnRef idx="2">
-              <a:schemeClr val="accent1">
-                <a:shade val="50000"/>
-              </a:schemeClr>
-            </a:lnRef>
-            <a:fillRef idx="1">
-              <a:schemeClr val="accent1"/>
-            </a:fillRef>
-            <a:effectRef idx="0">
-              <a:schemeClr val="accent1"/>
-            </a:effectRef>
-            <a:fontRef idx="minor">
-              <a:schemeClr val="lt1"/>
-            </a:fontRef>
-          </p:style>
-          <p:txBody>
-            <a:bodyPr rtlCol="0" anchor="ctr"/>
-            <a:lstStyle/>
-            <a:p>
-              <a:pPr algn="ctr"/>
-              <a:endParaRPr lang="en-US"/>
-            </a:p>
-          </p:txBody>
-        </p:sp>
-        <p:sp>
-          <p:nvSpPr>
-            <p:cNvPr id="8" name="Ellipse 7"/>
-            <p:cNvSpPr/>
-            <p:nvPr/>
-          </p:nvSpPr>
-          <p:spPr>
-            <a:xfrm rot="5400000" flipV="1">
-              <a:off x="6259440" y="3849505"/>
-              <a:ext cx="253999" cy="253019"/>
-            </a:xfrm>
-            <a:prstGeom prst="ellipse">
-              <a:avLst/>
-            </a:prstGeom>
-          </p:spPr>
-          <p:style>
-            <a:lnRef idx="2">
-              <a:schemeClr val="accent1">
-                <a:shade val="50000"/>
-              </a:schemeClr>
-            </a:lnRef>
-            <a:fillRef idx="1">
-              <a:schemeClr val="accent1"/>
-            </a:fillRef>
-            <a:effectRef idx="0">
-              <a:schemeClr val="accent1"/>
-            </a:effectRef>
-            <a:fontRef idx="minor">
-              <a:schemeClr val="lt1"/>
-            </a:fontRef>
-          </p:style>
-          <p:txBody>
-            <a:bodyPr rtlCol="0" anchor="ctr"/>
-            <a:lstStyle/>
-            <a:p>
-              <a:pPr algn="ctr"/>
-              <a:endParaRPr lang="en-US"/>
-            </a:p>
-          </p:txBody>
-        </p:sp>
-        <p:sp>
-          <p:nvSpPr>
-            <p:cNvPr id="9" name="Ellipse 8"/>
-            <p:cNvSpPr/>
-            <p:nvPr/>
-          </p:nvSpPr>
-          <p:spPr>
-            <a:xfrm rot="5400000" flipV="1">
-              <a:off x="7341579" y="1823369"/>
-              <a:ext cx="253999" cy="253019"/>
-            </a:xfrm>
-            <a:prstGeom prst="ellipse">
-              <a:avLst/>
-            </a:prstGeom>
-          </p:spPr>
-          <p:style>
-            <a:lnRef idx="2">
-              <a:schemeClr val="accent1">
-                <a:shade val="50000"/>
-              </a:schemeClr>
-            </a:lnRef>
-            <a:fillRef idx="1">
-              <a:schemeClr val="accent1"/>
-            </a:fillRef>
-            <a:effectRef idx="0">
-              <a:schemeClr val="accent1"/>
-            </a:effectRef>
-            <a:fontRef idx="minor">
-              <a:schemeClr val="lt1"/>
-            </a:fontRef>
-          </p:style>
-          <p:txBody>
-            <a:bodyPr rtlCol="0" anchor="ctr"/>
-            <a:lstStyle/>
-            <a:p>
-              <a:pPr algn="ctr"/>
-              <a:endParaRPr lang="en-US"/>
-            </a:p>
-          </p:txBody>
-        </p:sp>
-        <p:sp>
-          <p:nvSpPr>
-            <p:cNvPr id="10" name="Ellipse 9"/>
-            <p:cNvSpPr/>
-            <p:nvPr/>
-          </p:nvSpPr>
-          <p:spPr>
-            <a:xfrm rot="5400000" flipV="1">
-              <a:off x="7328352" y="3334540"/>
-              <a:ext cx="253999" cy="253019"/>
-            </a:xfrm>
-            <a:prstGeom prst="ellipse">
-              <a:avLst/>
-            </a:prstGeom>
-          </p:spPr>
-          <p:style>
-            <a:lnRef idx="2">
-              <a:schemeClr val="accent1">
-                <a:shade val="50000"/>
-              </a:schemeClr>
-            </a:lnRef>
-            <a:fillRef idx="1">
-              <a:schemeClr val="accent1"/>
-            </a:fillRef>
-            <a:effectRef idx="0">
-              <a:schemeClr val="accent1"/>
-            </a:effectRef>
-            <a:fontRef idx="minor">
-              <a:schemeClr val="lt1"/>
-            </a:fontRef>
-          </p:style>
-          <p:txBody>
-            <a:bodyPr rtlCol="0" anchor="ctr"/>
-            <a:lstStyle/>
-            <a:p>
-              <a:pPr algn="ctr"/>
-              <a:endParaRPr lang="en-US"/>
-            </a:p>
-          </p:txBody>
-        </p:sp>
-        <p:sp>
-          <p:nvSpPr>
-            <p:cNvPr id="11" name="Ellipse 10"/>
-            <p:cNvSpPr/>
-            <p:nvPr/>
-          </p:nvSpPr>
-          <p:spPr>
-            <a:xfrm rot="5400000" flipV="1">
-              <a:off x="7325482" y="2833797"/>
-              <a:ext cx="253999" cy="253019"/>
-            </a:xfrm>
-            <a:prstGeom prst="ellipse">
-              <a:avLst/>
-            </a:prstGeom>
-          </p:spPr>
-          <p:style>
-            <a:lnRef idx="2">
-              <a:schemeClr val="accent1">
-                <a:shade val="50000"/>
-              </a:schemeClr>
-            </a:lnRef>
-            <a:fillRef idx="1">
-              <a:schemeClr val="accent1"/>
-            </a:fillRef>
-            <a:effectRef idx="0">
-              <a:schemeClr val="accent1"/>
-            </a:effectRef>
-            <a:fontRef idx="minor">
-              <a:schemeClr val="lt1"/>
-            </a:fontRef>
-          </p:style>
-          <p:txBody>
-            <a:bodyPr rtlCol="0" anchor="ctr"/>
-            <a:lstStyle/>
-            <a:p>
-              <a:pPr algn="ctr"/>
-              <a:endParaRPr lang="en-US"/>
-            </a:p>
-          </p:txBody>
-        </p:sp>
-        <p:sp>
-          <p:nvSpPr>
-            <p:cNvPr id="12" name="Ellipse 11"/>
-            <p:cNvSpPr/>
-            <p:nvPr/>
-          </p:nvSpPr>
-          <p:spPr>
-            <a:xfrm rot="5400000" flipV="1">
-              <a:off x="8502242" y="1315515"/>
-              <a:ext cx="253999" cy="253019"/>
-            </a:xfrm>
-            <a:prstGeom prst="ellipse">
-              <a:avLst/>
-            </a:prstGeom>
-          </p:spPr>
-          <p:style>
-            <a:lnRef idx="2">
-              <a:schemeClr val="accent1">
-                <a:shade val="50000"/>
-              </a:schemeClr>
-            </a:lnRef>
-            <a:fillRef idx="1">
-              <a:schemeClr val="accent1"/>
-            </a:fillRef>
-            <a:effectRef idx="0">
-              <a:schemeClr val="accent1"/>
-            </a:effectRef>
-            <a:fontRef idx="minor">
-              <a:schemeClr val="lt1"/>
-            </a:fontRef>
-          </p:style>
-          <p:txBody>
-            <a:bodyPr rtlCol="0" anchor="ctr"/>
-            <a:lstStyle/>
-            <a:p>
-              <a:pPr algn="ctr"/>
-              <a:endParaRPr lang="en-US"/>
-            </a:p>
-          </p:txBody>
-        </p:sp>
-        <p:sp>
-          <p:nvSpPr>
-            <p:cNvPr id="13" name="Ellipse 12"/>
-            <p:cNvSpPr/>
-            <p:nvPr/>
-          </p:nvSpPr>
-          <p:spPr>
-            <a:xfrm rot="5400000" flipV="1">
-              <a:off x="8502242" y="2323802"/>
-              <a:ext cx="253999" cy="253019"/>
-            </a:xfrm>
-            <a:prstGeom prst="ellipse">
-              <a:avLst/>
-            </a:prstGeom>
-          </p:spPr>
-          <p:style>
-            <a:lnRef idx="2">
-              <a:schemeClr val="accent1">
-                <a:shade val="50000"/>
-              </a:schemeClr>
-            </a:lnRef>
-            <a:fillRef idx="1">
-              <a:schemeClr val="accent1"/>
-            </a:fillRef>
-            <a:effectRef idx="0">
-              <a:schemeClr val="accent1"/>
-            </a:effectRef>
-            <a:fontRef idx="minor">
-              <a:schemeClr val="lt1"/>
-            </a:fontRef>
-          </p:style>
-          <p:txBody>
-            <a:bodyPr rtlCol="0" anchor="ctr"/>
-            <a:lstStyle/>
-            <a:p>
-              <a:pPr algn="ctr"/>
-              <a:endParaRPr lang="en-US"/>
-            </a:p>
-          </p:txBody>
-        </p:sp>
-        <p:sp>
-          <p:nvSpPr>
-            <p:cNvPr id="14" name="Ellipse 13"/>
-            <p:cNvSpPr/>
-            <p:nvPr/>
-          </p:nvSpPr>
-          <p:spPr>
-            <a:xfrm rot="5400000" flipV="1">
-              <a:off x="8502242" y="1823370"/>
-              <a:ext cx="253999" cy="253019"/>
-            </a:xfrm>
-            <a:prstGeom prst="ellipse">
-              <a:avLst/>
-            </a:prstGeom>
-          </p:spPr>
-          <p:style>
-            <a:lnRef idx="2">
-              <a:schemeClr val="accent1">
-                <a:shade val="50000"/>
-              </a:schemeClr>
-            </a:lnRef>
-            <a:fillRef idx="1">
-              <a:schemeClr val="accent1"/>
-            </a:fillRef>
-            <a:effectRef idx="0">
-              <a:schemeClr val="accent1"/>
-            </a:effectRef>
-            <a:fontRef idx="minor">
-              <a:schemeClr val="lt1"/>
-            </a:fontRef>
-          </p:style>
-          <p:txBody>
-            <a:bodyPr rtlCol="0" anchor="ctr"/>
-            <a:lstStyle/>
-            <a:p>
-              <a:pPr algn="ctr"/>
-              <a:endParaRPr lang="en-US"/>
-            </a:p>
-          </p:txBody>
-        </p:sp>
-        <p:sp>
-          <p:nvSpPr>
-            <p:cNvPr id="15" name="Ellipse 14"/>
-            <p:cNvSpPr/>
-            <p:nvPr/>
-          </p:nvSpPr>
-          <p:spPr>
-            <a:xfrm rot="5400000" flipV="1">
-              <a:off x="8518683" y="2833797"/>
-              <a:ext cx="253999" cy="253019"/>
-            </a:xfrm>
-            <a:prstGeom prst="ellipse">
-              <a:avLst/>
-            </a:prstGeom>
-          </p:spPr>
-          <p:style>
-            <a:lnRef idx="2">
-              <a:schemeClr val="accent1">
-                <a:shade val="50000"/>
-              </a:schemeClr>
-            </a:lnRef>
-            <a:fillRef idx="1">
-              <a:schemeClr val="accent1"/>
-            </a:fillRef>
-            <a:effectRef idx="0">
-              <a:schemeClr val="accent1"/>
-            </a:effectRef>
-            <a:fontRef idx="minor">
-              <a:schemeClr val="lt1"/>
-            </a:fontRef>
-          </p:style>
-          <p:txBody>
-            <a:bodyPr rtlCol="0" anchor="ctr"/>
-            <a:lstStyle/>
-            <a:p>
-              <a:pPr algn="ctr"/>
-              <a:endParaRPr lang="en-US"/>
-            </a:p>
-          </p:txBody>
-        </p:sp>
-        <p:sp>
-          <p:nvSpPr>
-            <p:cNvPr id="16" name="Ellipse 15"/>
-            <p:cNvSpPr/>
-            <p:nvPr/>
-          </p:nvSpPr>
-          <p:spPr>
-            <a:xfrm rot="5400000" flipV="1">
-              <a:off x="8518683" y="3334540"/>
-              <a:ext cx="253999" cy="253019"/>
-            </a:xfrm>
-            <a:prstGeom prst="ellipse">
-              <a:avLst/>
-            </a:prstGeom>
-          </p:spPr>
-          <p:style>
-            <a:lnRef idx="2">
-              <a:schemeClr val="accent1">
-                <a:shade val="50000"/>
-              </a:schemeClr>
-            </a:lnRef>
-            <a:fillRef idx="1">
-              <a:schemeClr val="accent1"/>
-            </a:fillRef>
-            <a:effectRef idx="0">
-              <a:schemeClr val="accent1"/>
-            </a:effectRef>
-            <a:fontRef idx="minor">
-              <a:schemeClr val="lt1"/>
-            </a:fontRef>
-          </p:style>
-          <p:txBody>
-            <a:bodyPr rtlCol="0" anchor="ctr"/>
-            <a:lstStyle/>
-            <a:p>
-              <a:pPr algn="ctr"/>
-              <a:endParaRPr lang="en-US"/>
-            </a:p>
-          </p:txBody>
-        </p:sp>
-        <p:sp>
-          <p:nvSpPr>
-            <p:cNvPr id="17" name="Ellipse 16"/>
-            <p:cNvSpPr/>
-            <p:nvPr/>
-          </p:nvSpPr>
-          <p:spPr>
-            <a:xfrm rot="5400000" flipV="1">
-              <a:off x="7341579" y="3849505"/>
-              <a:ext cx="253999" cy="253019"/>
-            </a:xfrm>
-            <a:prstGeom prst="ellipse">
-              <a:avLst/>
-            </a:prstGeom>
-          </p:spPr>
-          <p:style>
-            <a:lnRef idx="2">
-              <a:schemeClr val="accent1">
-                <a:shade val="50000"/>
-              </a:schemeClr>
-            </a:lnRef>
-            <a:fillRef idx="1">
-              <a:schemeClr val="accent1"/>
-            </a:fillRef>
-            <a:effectRef idx="0">
-              <a:schemeClr val="accent1"/>
-            </a:effectRef>
-            <a:fontRef idx="minor">
-              <a:schemeClr val="lt1"/>
-            </a:fontRef>
-          </p:style>
-          <p:txBody>
-            <a:bodyPr rtlCol="0" anchor="ctr"/>
-            <a:lstStyle/>
-            <a:p>
-              <a:pPr algn="ctr"/>
-              <a:endParaRPr lang="en-US"/>
-            </a:p>
-          </p:txBody>
-        </p:sp>
-        <p:sp>
-          <p:nvSpPr>
-            <p:cNvPr id="19" name="Ellipse 18"/>
-            <p:cNvSpPr/>
-            <p:nvPr/>
-          </p:nvSpPr>
-          <p:spPr>
-            <a:xfrm rot="5400000" flipV="1">
-              <a:off x="8520847" y="3849505"/>
-              <a:ext cx="253999" cy="253019"/>
-            </a:xfrm>
-            <a:prstGeom prst="ellipse">
-              <a:avLst/>
-            </a:prstGeom>
-          </p:spPr>
-          <p:style>
-            <a:lnRef idx="2">
-              <a:schemeClr val="accent1">
-                <a:shade val="50000"/>
-              </a:schemeClr>
-            </a:lnRef>
-            <a:fillRef idx="1">
-              <a:schemeClr val="accent1"/>
-            </a:fillRef>
-            <a:effectRef idx="0">
-              <a:schemeClr val="accent1"/>
-            </a:effectRef>
-            <a:fontRef idx="minor">
-              <a:schemeClr val="lt1"/>
-            </a:fontRef>
-          </p:style>
-          <p:txBody>
-            <a:bodyPr rtlCol="0" anchor="ctr"/>
-            <a:lstStyle/>
-            <a:p>
-              <a:pPr algn="ctr"/>
-              <a:endParaRPr lang="en-US"/>
-            </a:p>
-          </p:txBody>
-        </p:sp>
-        <p:cxnSp>
-          <p:nvCxnSpPr>
-            <p:cNvPr id="22" name="Gerade Verbindung mit Pfeil 21"/>
-            <p:cNvCxnSpPr>
-              <a:stCxn id="3" idx="4"/>
-              <a:endCxn id="7" idx="0"/>
-            </p:cNvCxnSpPr>
-            <p:nvPr/>
-          </p:nvCxnSpPr>
-          <p:spPr>
-            <a:xfrm flipV="1">
-              <a:off x="5314496" y="1949878"/>
-              <a:ext cx="880909" cy="6601"/>
-            </a:xfrm>
-            <a:prstGeom prst="straightConnector1">
-              <a:avLst/>
-            </a:prstGeom>
-            <a:ln w="19050">
-              <a:tailEnd type="arrow"/>
-            </a:ln>
-          </p:spPr>
-          <p:style>
-            <a:lnRef idx="1">
-              <a:schemeClr val="accent1"/>
-            </a:lnRef>
-            <a:fillRef idx="0">
-              <a:schemeClr val="accent1"/>
-            </a:fillRef>
-            <a:effectRef idx="0">
-              <a:schemeClr val="accent1"/>
-            </a:effectRef>
-            <a:fontRef idx="minor">
-              <a:schemeClr val="tx1"/>
-            </a:fontRef>
-          </p:style>
-        </p:cxnSp>
-        <p:cxnSp>
-          <p:nvCxnSpPr>
-            <p:cNvPr id="24" name="Gerade Verbindung mit Pfeil 23"/>
-            <p:cNvCxnSpPr>
-              <a:stCxn id="3" idx="4"/>
-              <a:endCxn id="8" idx="1"/>
-            </p:cNvCxnSpPr>
-            <p:nvPr/>
-          </p:nvCxnSpPr>
-          <p:spPr>
-            <a:xfrm>
-              <a:off x="5314496" y="1956479"/>
-              <a:ext cx="982488" cy="1929733"/>
-            </a:xfrm>
-            <a:prstGeom prst="straightConnector1">
-              <a:avLst/>
-            </a:prstGeom>
-            <a:ln w="19050">
-              <a:tailEnd type="arrow"/>
-            </a:ln>
-          </p:spPr>
-          <p:style>
-            <a:lnRef idx="1">
-              <a:schemeClr val="accent1"/>
-            </a:lnRef>
-            <a:fillRef idx="0">
-              <a:schemeClr val="accent1"/>
-            </a:fillRef>
-            <a:effectRef idx="0">
-              <a:schemeClr val="accent1"/>
-            </a:effectRef>
-            <a:fontRef idx="minor">
-              <a:schemeClr val="tx1"/>
-            </a:fontRef>
-          </p:style>
-        </p:cxnSp>
-        <p:cxnSp>
-          <p:nvCxnSpPr>
-            <p:cNvPr id="26" name="Gerade Verbindung mit Pfeil 25"/>
-            <p:cNvCxnSpPr>
-              <a:stCxn id="7" idx="4"/>
-              <a:endCxn id="9" idx="0"/>
-            </p:cNvCxnSpPr>
-            <p:nvPr/>
-          </p:nvCxnSpPr>
-          <p:spPr>
-            <a:xfrm>
-              <a:off x="6448424" y="1949878"/>
-              <a:ext cx="893645" cy="1"/>
-            </a:xfrm>
-            <a:prstGeom prst="straightConnector1">
-              <a:avLst/>
-            </a:prstGeom>
-            <a:ln w="19050">
-              <a:tailEnd type="arrow"/>
-            </a:ln>
-          </p:spPr>
-          <p:style>
-            <a:lnRef idx="1">
-              <a:schemeClr val="accent1"/>
-            </a:lnRef>
-            <a:fillRef idx="0">
-              <a:schemeClr val="accent1"/>
-            </a:fillRef>
-            <a:effectRef idx="0">
-              <a:schemeClr val="accent1"/>
-            </a:effectRef>
-            <a:fontRef idx="minor">
-              <a:schemeClr val="tx1"/>
-            </a:fontRef>
-          </p:style>
-        </p:cxnSp>
-        <p:cxnSp>
-          <p:nvCxnSpPr>
-            <p:cNvPr id="28" name="Gerade Verbindung mit Pfeil 27"/>
-            <p:cNvCxnSpPr>
-              <a:stCxn id="7" idx="4"/>
-              <a:endCxn id="11" idx="0"/>
-            </p:cNvCxnSpPr>
-            <p:nvPr/>
-          </p:nvCxnSpPr>
-          <p:spPr>
-            <a:xfrm>
-              <a:off x="6448424" y="1949878"/>
-              <a:ext cx="877548" cy="1010429"/>
-            </a:xfrm>
-            <a:prstGeom prst="straightConnector1">
-              <a:avLst/>
-            </a:prstGeom>
-            <a:ln w="19050">
-              <a:tailEnd type="arrow"/>
-            </a:ln>
-          </p:spPr>
-          <p:style>
-            <a:lnRef idx="1">
-              <a:schemeClr val="accent1"/>
-            </a:lnRef>
-            <a:fillRef idx="0">
-              <a:schemeClr val="accent1"/>
-            </a:fillRef>
-            <a:effectRef idx="0">
-              <a:schemeClr val="accent1"/>
-            </a:effectRef>
-            <a:fontRef idx="minor">
-              <a:schemeClr val="tx1"/>
-            </a:fontRef>
-          </p:style>
-        </p:cxnSp>
-        <p:cxnSp>
-          <p:nvCxnSpPr>
-            <p:cNvPr id="30" name="Gerade Verbindung mit Pfeil 29"/>
-            <p:cNvCxnSpPr>
-              <a:stCxn id="7" idx="4"/>
-              <a:endCxn id="10" idx="0"/>
-            </p:cNvCxnSpPr>
-            <p:nvPr/>
-          </p:nvCxnSpPr>
-          <p:spPr>
-            <a:xfrm>
-              <a:off x="6448424" y="1949878"/>
-              <a:ext cx="880418" cy="1511172"/>
-            </a:xfrm>
-            <a:prstGeom prst="straightConnector1">
-              <a:avLst/>
-            </a:prstGeom>
-            <a:ln w="19050">
-              <a:tailEnd type="arrow"/>
-            </a:ln>
-          </p:spPr>
-          <p:style>
-            <a:lnRef idx="1">
-              <a:schemeClr val="accent1"/>
-            </a:lnRef>
-            <a:fillRef idx="0">
-              <a:schemeClr val="accent1"/>
-            </a:fillRef>
-            <a:effectRef idx="0">
-              <a:schemeClr val="accent1"/>
-            </a:effectRef>
-            <a:fontRef idx="minor">
-              <a:schemeClr val="tx1"/>
-            </a:fontRef>
-          </p:style>
-        </p:cxnSp>
-        <p:cxnSp>
-          <p:nvCxnSpPr>
-            <p:cNvPr id="32" name="Gerade Verbindung mit Pfeil 31"/>
-            <p:cNvCxnSpPr>
-              <a:stCxn id="8" idx="4"/>
-              <a:endCxn id="17" idx="0"/>
-            </p:cNvCxnSpPr>
-            <p:nvPr/>
-          </p:nvCxnSpPr>
-          <p:spPr>
-            <a:xfrm>
-              <a:off x="6512949" y="3976015"/>
-              <a:ext cx="829120" cy="0"/>
-            </a:xfrm>
-            <a:prstGeom prst="straightConnector1">
-              <a:avLst/>
-            </a:prstGeom>
-            <a:ln w="19050">
-              <a:tailEnd type="arrow"/>
-            </a:ln>
-          </p:spPr>
-          <p:style>
-            <a:lnRef idx="1">
-              <a:schemeClr val="accent1"/>
-            </a:lnRef>
-            <a:fillRef idx="0">
-              <a:schemeClr val="accent1"/>
-            </a:fillRef>
-            <a:effectRef idx="0">
-              <a:schemeClr val="accent1"/>
-            </a:effectRef>
-            <a:fontRef idx="minor">
-              <a:schemeClr val="tx1"/>
-            </a:fontRef>
-          </p:style>
-        </p:cxnSp>
-        <p:cxnSp>
-          <p:nvCxnSpPr>
-            <p:cNvPr id="34" name="Gerade Verbindung mit Pfeil 33"/>
-            <p:cNvCxnSpPr>
-              <a:stCxn id="9" idx="4"/>
-              <a:endCxn id="12" idx="0"/>
-            </p:cNvCxnSpPr>
-            <p:nvPr/>
-          </p:nvCxnSpPr>
-          <p:spPr>
-            <a:xfrm flipV="1">
-              <a:off x="7595088" y="1442025"/>
-              <a:ext cx="907644" cy="507854"/>
-            </a:xfrm>
-            <a:prstGeom prst="straightConnector1">
-              <a:avLst/>
-            </a:prstGeom>
-            <a:ln w="19050">
-              <a:tailEnd type="arrow"/>
-            </a:ln>
-          </p:spPr>
-          <p:style>
-            <a:lnRef idx="1">
-              <a:schemeClr val="accent1"/>
-            </a:lnRef>
-            <a:fillRef idx="0">
-              <a:schemeClr val="accent1"/>
-            </a:fillRef>
-            <a:effectRef idx="0">
-              <a:schemeClr val="accent1"/>
-            </a:effectRef>
-            <a:fontRef idx="minor">
-              <a:schemeClr val="tx1"/>
-            </a:fontRef>
-          </p:style>
-        </p:cxnSp>
-        <p:cxnSp>
-          <p:nvCxnSpPr>
-            <p:cNvPr id="36" name="Gerade Verbindung mit Pfeil 35"/>
-            <p:cNvCxnSpPr>
-              <a:stCxn id="9" idx="4"/>
-              <a:endCxn id="14" idx="0"/>
-            </p:cNvCxnSpPr>
-            <p:nvPr/>
-          </p:nvCxnSpPr>
-          <p:spPr>
-            <a:xfrm>
-              <a:off x="7595088" y="1949879"/>
-              <a:ext cx="907644" cy="1"/>
-            </a:xfrm>
-            <a:prstGeom prst="straightConnector1">
-              <a:avLst/>
-            </a:prstGeom>
-            <a:ln w="19050">
-              <a:tailEnd type="arrow"/>
-            </a:ln>
-          </p:spPr>
-          <p:style>
-            <a:lnRef idx="1">
-              <a:schemeClr val="accent1"/>
-            </a:lnRef>
-            <a:fillRef idx="0">
-              <a:schemeClr val="accent1"/>
-            </a:fillRef>
-            <a:effectRef idx="0">
-              <a:schemeClr val="accent1"/>
-            </a:effectRef>
-            <a:fontRef idx="minor">
-              <a:schemeClr val="tx1"/>
-            </a:fontRef>
-          </p:style>
-        </p:cxnSp>
-        <p:cxnSp>
-          <p:nvCxnSpPr>
-            <p:cNvPr id="38" name="Gerade Verbindung mit Pfeil 37"/>
-            <p:cNvCxnSpPr>
-              <a:stCxn id="9" idx="4"/>
-              <a:endCxn id="13" idx="0"/>
-            </p:cNvCxnSpPr>
-            <p:nvPr/>
-          </p:nvCxnSpPr>
-          <p:spPr>
-            <a:xfrm>
-              <a:off x="7595088" y="1949879"/>
-              <a:ext cx="907644" cy="500433"/>
-            </a:xfrm>
-            <a:prstGeom prst="straightConnector1">
-              <a:avLst/>
-            </a:prstGeom>
-            <a:ln w="19050">
-              <a:tailEnd type="arrow"/>
-            </a:ln>
-          </p:spPr>
-          <p:style>
-            <a:lnRef idx="1">
-              <a:schemeClr val="accent1"/>
-            </a:lnRef>
-            <a:fillRef idx="0">
-              <a:schemeClr val="accent1"/>
-            </a:fillRef>
-            <a:effectRef idx="0">
-              <a:schemeClr val="accent1"/>
-            </a:effectRef>
-            <a:fontRef idx="minor">
-              <a:schemeClr val="tx1"/>
-            </a:fontRef>
-          </p:style>
-        </p:cxnSp>
-        <p:cxnSp>
-          <p:nvCxnSpPr>
-            <p:cNvPr id="40" name="Gerade Verbindung mit Pfeil 39"/>
-            <p:cNvCxnSpPr>
-              <a:stCxn id="11" idx="4"/>
-              <a:endCxn id="15" idx="0"/>
-            </p:cNvCxnSpPr>
-            <p:nvPr/>
-          </p:nvCxnSpPr>
-          <p:spPr>
-            <a:xfrm>
-              <a:off x="7578991" y="2960307"/>
-              <a:ext cx="940182" cy="0"/>
-            </a:xfrm>
-            <a:prstGeom prst="straightConnector1">
-              <a:avLst/>
-            </a:prstGeom>
-            <a:ln w="19050">
-              <a:tailEnd type="arrow"/>
-            </a:ln>
-          </p:spPr>
-          <p:style>
-            <a:lnRef idx="1">
-              <a:schemeClr val="accent1"/>
-            </a:lnRef>
-            <a:fillRef idx="0">
-              <a:schemeClr val="accent1"/>
-            </a:fillRef>
-            <a:effectRef idx="0">
-              <a:schemeClr val="accent1"/>
-            </a:effectRef>
-            <a:fontRef idx="minor">
-              <a:schemeClr val="tx1"/>
-            </a:fontRef>
-          </p:style>
-        </p:cxnSp>
-        <p:cxnSp>
-          <p:nvCxnSpPr>
-            <p:cNvPr id="42" name="Gerade Verbindung mit Pfeil 41"/>
-            <p:cNvCxnSpPr>
-              <a:stCxn id="10" idx="4"/>
-              <a:endCxn id="16" idx="0"/>
-            </p:cNvCxnSpPr>
-            <p:nvPr/>
-          </p:nvCxnSpPr>
-          <p:spPr>
-            <a:xfrm>
-              <a:off x="7581861" y="3461050"/>
-              <a:ext cx="937312" cy="0"/>
-            </a:xfrm>
-            <a:prstGeom prst="straightConnector1">
-              <a:avLst/>
-            </a:prstGeom>
-            <a:ln w="19050">
-              <a:tailEnd type="arrow"/>
-            </a:ln>
-          </p:spPr>
-          <p:style>
-            <a:lnRef idx="1">
-              <a:schemeClr val="accent1"/>
-            </a:lnRef>
-            <a:fillRef idx="0">
-              <a:schemeClr val="accent1"/>
-            </a:fillRef>
-            <a:effectRef idx="0">
-              <a:schemeClr val="accent1"/>
-            </a:effectRef>
-            <a:fontRef idx="minor">
-              <a:schemeClr val="tx1"/>
-            </a:fontRef>
-          </p:style>
-        </p:cxnSp>
-        <p:cxnSp>
-          <p:nvCxnSpPr>
-            <p:cNvPr id="44" name="Gerade Verbindung mit Pfeil 43"/>
-            <p:cNvCxnSpPr>
-              <a:stCxn id="17" idx="4"/>
-              <a:endCxn id="19" idx="0"/>
-            </p:cNvCxnSpPr>
-            <p:nvPr/>
-          </p:nvCxnSpPr>
-          <p:spPr>
-            <a:xfrm>
-              <a:off x="7595088" y="3976015"/>
-              <a:ext cx="926249" cy="0"/>
-            </a:xfrm>
-            <a:prstGeom prst="straightConnector1">
-              <a:avLst/>
-            </a:prstGeom>
-            <a:ln w="19050">
-              <a:tailEnd type="arrow"/>
-            </a:ln>
-          </p:spPr>
-          <p:style>
-            <a:lnRef idx="1">
-              <a:schemeClr val="accent1"/>
-            </a:lnRef>
-            <a:fillRef idx="0">
-              <a:schemeClr val="accent1"/>
-            </a:fillRef>
-            <a:effectRef idx="0">
-              <a:schemeClr val="accent1"/>
-            </a:effectRef>
-            <a:fontRef idx="minor">
-              <a:schemeClr val="tx1"/>
-            </a:fontRef>
-          </p:style>
-        </p:cxnSp>
-      </p:grpSp>
-    </p:spTree>
-    <p:extLst>
-      <p:ext uri="{BB962C8B-B14F-4D97-AF65-F5344CB8AC3E}">
-        <p14:creationId xmlns:p14="http://schemas.microsoft.com/office/powerpoint/2010/main" val="4288815790"/>
-      </p:ext>
-    </p:extLst>
-  </p:cSld>
-  <p:clrMapOvr>
-    <a:masterClrMapping/>
   </p:clrMapOvr>
   <p:timing>
     <p:tnLst>
@@ -13312,7 +14546,7 @@
   <a:extraClrSchemeLst/>
   <a:extLst>
     <a:ext uri="{05A4C25C-085E-4340-85A3-A5531E510DB2}">
-      <thm15:themeFamily xmlns:thm15="http://schemas.microsoft.com/office/thememl/2012/main" name="Office Theme" id="{62F939B6-93AF-4DB8-9C6B-D6C7DFDC589F}" vid="{4A3C46E8-61CC-4603-A589-7422A47A8E4A}"/>
+      <thm15:themeFamily xmlns:thm15="http://schemas.microsoft.com/office/thememl/2012/main" xmlns="" name="Office Theme" id="{62F939B6-93AF-4DB8-9C6B-D6C7DFDC589F}" vid="{4A3C46E8-61CC-4603-A589-7422A47A8E4A}"/>
     </a:ext>
   </a:extLst>
 </a:theme>
